--- a/other/Maquette -Wireframe.pptx
+++ b/other/Maquette -Wireframe.pptx
@@ -11,12 +11,12 @@
     <p:sldId id="258" r:id="rId2"/>
     <p:sldId id="259" r:id="rId3"/>
     <p:sldId id="257" r:id="rId4"/>
-    <p:sldId id="267" r:id="rId5"/>
-    <p:sldId id="260" r:id="rId6"/>
-    <p:sldId id="263" r:id="rId7"/>
-    <p:sldId id="265" r:id="rId8"/>
-    <p:sldId id="261" r:id="rId9"/>
-    <p:sldId id="264" r:id="rId10"/>
+    <p:sldId id="260" r:id="rId5"/>
+    <p:sldId id="263" r:id="rId6"/>
+    <p:sldId id="265" r:id="rId7"/>
+    <p:sldId id="261" r:id="rId8"/>
+    <p:sldId id="264" r:id="rId9"/>
+    <p:sldId id="267" r:id="rId10"/>
     <p:sldId id="268" r:id="rId11"/>
     <p:sldId id="266" r:id="rId12"/>
   </p:sldIdLst>
@@ -207,7 +207,7 @@
           <a:p>
             <a:fld id="{2EC9B8E1-8737-41A6-8049-8821F6FD00B8}" type="datetimeFigureOut">
               <a:rPr lang="fr-FR" smtClean="0"/>
-              <a:t>21/10/2023</a:t>
+              <a:t>06/11/2023</a:t>
             </a:fld>
             <a:endParaRPr lang="fr-FR"/>
           </a:p>
@@ -792,7 +792,7 @@
           <a:p>
             <a:fld id="{5D78E834-0D2C-44D5-883E-03BA4DDD9834}" type="datetimeFigureOut">
               <a:rPr lang="fr-FR" smtClean="0"/>
-              <a:t>21/10/2023</a:t>
+              <a:t>06/11/2023</a:t>
             </a:fld>
             <a:endParaRPr lang="fr-FR"/>
           </a:p>
@@ -990,7 +990,7 @@
           <a:p>
             <a:fld id="{5D78E834-0D2C-44D5-883E-03BA4DDD9834}" type="datetimeFigureOut">
               <a:rPr lang="fr-FR" smtClean="0"/>
-              <a:t>21/10/2023</a:t>
+              <a:t>06/11/2023</a:t>
             </a:fld>
             <a:endParaRPr lang="fr-FR"/>
           </a:p>
@@ -1198,7 +1198,7 @@
           <a:p>
             <a:fld id="{5D78E834-0D2C-44D5-883E-03BA4DDD9834}" type="datetimeFigureOut">
               <a:rPr lang="fr-FR" smtClean="0"/>
-              <a:t>21/10/2023</a:t>
+              <a:t>06/11/2023</a:t>
             </a:fld>
             <a:endParaRPr lang="fr-FR"/>
           </a:p>
@@ -1396,7 +1396,7 @@
           <a:p>
             <a:fld id="{5D78E834-0D2C-44D5-883E-03BA4DDD9834}" type="datetimeFigureOut">
               <a:rPr lang="fr-FR" smtClean="0"/>
-              <a:t>21/10/2023</a:t>
+              <a:t>06/11/2023</a:t>
             </a:fld>
             <a:endParaRPr lang="fr-FR"/>
           </a:p>
@@ -1671,7 +1671,7 @@
           <a:p>
             <a:fld id="{5D78E834-0D2C-44D5-883E-03BA4DDD9834}" type="datetimeFigureOut">
               <a:rPr lang="fr-FR" smtClean="0"/>
-              <a:t>21/10/2023</a:t>
+              <a:t>06/11/2023</a:t>
             </a:fld>
             <a:endParaRPr lang="fr-FR"/>
           </a:p>
@@ -1936,7 +1936,7 @@
           <a:p>
             <a:fld id="{5D78E834-0D2C-44D5-883E-03BA4DDD9834}" type="datetimeFigureOut">
               <a:rPr lang="fr-FR" smtClean="0"/>
-              <a:t>21/10/2023</a:t>
+              <a:t>06/11/2023</a:t>
             </a:fld>
             <a:endParaRPr lang="fr-FR"/>
           </a:p>
@@ -2348,7 +2348,7 @@
           <a:p>
             <a:fld id="{5D78E834-0D2C-44D5-883E-03BA4DDD9834}" type="datetimeFigureOut">
               <a:rPr lang="fr-FR" smtClean="0"/>
-              <a:t>21/10/2023</a:t>
+              <a:t>06/11/2023</a:t>
             </a:fld>
             <a:endParaRPr lang="fr-FR"/>
           </a:p>
@@ -2489,7 +2489,7 @@
           <a:p>
             <a:fld id="{5D78E834-0D2C-44D5-883E-03BA4DDD9834}" type="datetimeFigureOut">
               <a:rPr lang="fr-FR" smtClean="0"/>
-              <a:t>21/10/2023</a:t>
+              <a:t>06/11/2023</a:t>
             </a:fld>
             <a:endParaRPr lang="fr-FR"/>
           </a:p>
@@ -2602,7 +2602,7 @@
           <a:p>
             <a:fld id="{5D78E834-0D2C-44D5-883E-03BA4DDD9834}" type="datetimeFigureOut">
               <a:rPr lang="fr-FR" smtClean="0"/>
-              <a:t>21/10/2023</a:t>
+              <a:t>06/11/2023</a:t>
             </a:fld>
             <a:endParaRPr lang="fr-FR"/>
           </a:p>
@@ -2913,7 +2913,7 @@
           <a:p>
             <a:fld id="{5D78E834-0D2C-44D5-883E-03BA4DDD9834}" type="datetimeFigureOut">
               <a:rPr lang="fr-FR" smtClean="0"/>
-              <a:t>21/10/2023</a:t>
+              <a:t>06/11/2023</a:t>
             </a:fld>
             <a:endParaRPr lang="fr-FR"/>
           </a:p>
@@ -3201,7 +3201,7 @@
           <a:p>
             <a:fld id="{5D78E834-0D2C-44D5-883E-03BA4DDD9834}" type="datetimeFigureOut">
               <a:rPr lang="fr-FR" smtClean="0"/>
-              <a:t>21/10/2023</a:t>
+              <a:t>06/11/2023</a:t>
             </a:fld>
             <a:endParaRPr lang="fr-FR"/>
           </a:p>
@@ -3442,7 +3442,7 @@
           <a:p>
             <a:fld id="{5D78E834-0D2C-44D5-883E-03BA4DDD9834}" type="datetimeFigureOut">
               <a:rPr lang="fr-FR" smtClean="0"/>
-              <a:t>21/10/2023</a:t>
+              <a:t>06/11/2023</a:t>
             </a:fld>
             <a:endParaRPr lang="fr-FR"/>
           </a:p>
@@ -13865,10 +13865,10 @@
       </p:grpSpPr>
       <p:sp>
         <p:nvSpPr>
-          <p:cNvPr id="4" name="Rectangle : coins arrondis 3">
-            <a:extLst>
-              <a:ext uri="{FF2B5EF4-FFF2-40B4-BE49-F238E27FC236}">
-                <a16:creationId xmlns:a16="http://schemas.microsoft.com/office/drawing/2014/main" id="{6CC9E5E7-A9D4-F6CC-CA5D-60E6CADD3A42}"/>
+          <p:cNvPr id="7" name="Rectangle 6">
+            <a:extLst>
+              <a:ext uri="{FF2B5EF4-FFF2-40B4-BE49-F238E27FC236}">
+                <a16:creationId xmlns:a16="http://schemas.microsoft.com/office/drawing/2014/main" id="{8CA717CA-55EA-45D0-B44F-C0A677319E14}"/>
               </a:ext>
             </a:extLst>
           </p:cNvPr>
@@ -13877,10 +13877,10 @@
         </p:nvSpPr>
         <p:spPr>
           <a:xfrm>
-            <a:off x="1134622" y="535497"/>
-            <a:ext cx="3177319" cy="5378742"/>
-          </a:xfrm>
-          <a:prstGeom prst="roundRect">
+            <a:off x="2745698" y="298845"/>
+            <a:ext cx="6700603" cy="6261345"/>
+          </a:xfrm>
+          <a:prstGeom prst="rect">
             <a:avLst/>
           </a:prstGeom>
           <a:noFill/>
@@ -13920,10 +13920,10 @@
       </p:sp>
       <p:sp>
         <p:nvSpPr>
-          <p:cNvPr id="6" name="Rectangle 5">
-            <a:extLst>
-              <a:ext uri="{FF2B5EF4-FFF2-40B4-BE49-F238E27FC236}">
-                <a16:creationId xmlns:a16="http://schemas.microsoft.com/office/drawing/2014/main" id="{6C887EFD-8C7E-69BB-8926-3CE708618A3F}"/>
+          <p:cNvPr id="8" name="Rectangle 7">
+            <a:extLst>
+              <a:ext uri="{FF2B5EF4-FFF2-40B4-BE49-F238E27FC236}">
+                <a16:creationId xmlns:a16="http://schemas.microsoft.com/office/drawing/2014/main" id="{24F324FC-C37E-467A-BFF9-CA0E3C73D178}"/>
               </a:ext>
             </a:extLst>
           </p:cNvPr>
@@ -13932,15 +13932,15 @@
         </p:nvSpPr>
         <p:spPr>
           <a:xfrm>
-            <a:off x="3317877" y="854664"/>
-            <a:ext cx="729778" cy="661745"/>
+            <a:off x="2995534" y="1770554"/>
+            <a:ext cx="2532812" cy="494480"/>
           </a:xfrm>
           <a:prstGeom prst="rect">
             <a:avLst/>
           </a:prstGeom>
           <a:solidFill>
             <a:schemeClr val="bg1">
-              <a:lumMod val="65000"/>
+              <a:lumMod val="50000"/>
             </a:schemeClr>
           </a:solidFill>
           <a:ln>
@@ -13974,18 +13974,18 @@
           <a:p>
             <a:pPr algn="ctr"/>
             <a:r>
-              <a:rPr lang="fr-FR" sz="1600" dirty="0"/>
-              <a:t>Menu</a:t>
-            </a:r>
-          </a:p>
-        </p:txBody>
-      </p:sp>
-      <p:sp>
-        <p:nvSpPr>
-          <p:cNvPr id="7" name="Rectangle 6">
-            <a:extLst>
-              <a:ext uri="{FF2B5EF4-FFF2-40B4-BE49-F238E27FC236}">
-                <a16:creationId xmlns:a16="http://schemas.microsoft.com/office/drawing/2014/main" id="{004BBD0A-3301-8C81-559A-04EC3767021D}"/>
+              <a:rPr lang="fr-FR" dirty="0"/>
+              <a:t>Nom</a:t>
+            </a:r>
+          </a:p>
+        </p:txBody>
+      </p:sp>
+      <p:sp>
+        <p:nvSpPr>
+          <p:cNvPr id="9" name="Rectangle 8">
+            <a:extLst>
+              <a:ext uri="{FF2B5EF4-FFF2-40B4-BE49-F238E27FC236}">
+                <a16:creationId xmlns:a16="http://schemas.microsoft.com/office/drawing/2014/main" id="{ADD7B468-7595-4BEF-AF5F-88FC77AF3D29}"/>
               </a:ext>
             </a:extLst>
           </p:cNvPr>
@@ -13994,8 +13994,8 @@
         </p:nvSpPr>
         <p:spPr>
           <a:xfrm>
-            <a:off x="1417804" y="1711340"/>
-            <a:ext cx="1233116" cy="822135"/>
+            <a:off x="2995534" y="2398213"/>
+            <a:ext cx="2532812" cy="494480"/>
           </a:xfrm>
           <a:prstGeom prst="rect">
             <a:avLst/>
@@ -14037,17 +14037,17 @@
             <a:pPr algn="ctr"/>
             <a:r>
               <a:rPr lang="fr-FR" dirty="0"/>
-              <a:t>Service</a:t>
-            </a:r>
-          </a:p>
-        </p:txBody>
-      </p:sp>
-      <p:sp>
-        <p:nvSpPr>
-          <p:cNvPr id="8" name="Rectangle 7">
-            <a:extLst>
-              <a:ext uri="{FF2B5EF4-FFF2-40B4-BE49-F238E27FC236}">
-                <a16:creationId xmlns:a16="http://schemas.microsoft.com/office/drawing/2014/main" id="{8C24D0E8-2C61-12B9-B5BC-0601586CFD9A}"/>
+              <a:t>Prénom</a:t>
+            </a:r>
+          </a:p>
+        </p:txBody>
+      </p:sp>
+      <p:sp>
+        <p:nvSpPr>
+          <p:cNvPr id="10" name="Rectangle 9">
+            <a:extLst>
+              <a:ext uri="{FF2B5EF4-FFF2-40B4-BE49-F238E27FC236}">
+                <a16:creationId xmlns:a16="http://schemas.microsoft.com/office/drawing/2014/main" id="{CB005456-2DF5-42F4-9212-E99AE26E711A}"/>
               </a:ext>
             </a:extLst>
           </p:cNvPr>
@@ -14056,8 +14056,8 @@
         </p:nvSpPr>
         <p:spPr>
           <a:xfrm>
-            <a:off x="2723281" y="1711340"/>
-            <a:ext cx="1324374" cy="822135"/>
+            <a:off x="4799348" y="5898970"/>
+            <a:ext cx="2593299" cy="494480"/>
           </a:xfrm>
           <a:prstGeom prst="rect">
             <a:avLst/>
@@ -14099,17 +14099,17 @@
             <a:pPr algn="ctr"/>
             <a:r>
               <a:rPr lang="fr-FR" dirty="0"/>
-              <a:t>Service</a:t>
-            </a:r>
-          </a:p>
-        </p:txBody>
-      </p:sp>
-      <p:sp>
-        <p:nvSpPr>
-          <p:cNvPr id="9" name="Rectangle 8">
-            <a:extLst>
-              <a:ext uri="{FF2B5EF4-FFF2-40B4-BE49-F238E27FC236}">
-                <a16:creationId xmlns:a16="http://schemas.microsoft.com/office/drawing/2014/main" id="{5CD85C63-54D1-B0F2-6902-4A717F32908F}"/>
+              <a:t>Envoyer</a:t>
+            </a:r>
+          </a:p>
+        </p:txBody>
+      </p:sp>
+      <p:sp>
+        <p:nvSpPr>
+          <p:cNvPr id="11" name="Rectangle 10">
+            <a:extLst>
+              <a:ext uri="{FF2B5EF4-FFF2-40B4-BE49-F238E27FC236}">
+                <a16:creationId xmlns:a16="http://schemas.microsoft.com/office/drawing/2014/main" id="{C3EE19EF-B95D-41DA-A630-9B7E94BAA072}"/>
               </a:ext>
             </a:extLst>
           </p:cNvPr>
@@ -14118,15 +14118,15 @@
         </p:nvSpPr>
         <p:spPr>
           <a:xfrm>
-            <a:off x="1417803" y="2639806"/>
-            <a:ext cx="2629852" cy="822135"/>
+            <a:off x="2995534" y="464550"/>
+            <a:ext cx="6200932" cy="494480"/>
           </a:xfrm>
           <a:prstGeom prst="rect">
             <a:avLst/>
           </a:prstGeom>
           <a:solidFill>
             <a:schemeClr val="bg1">
-              <a:lumMod val="50000"/>
+              <a:lumMod val="95000"/>
             </a:schemeClr>
           </a:solidFill>
           <a:ln>
@@ -14160,18 +14160,25 @@
           <a:p>
             <a:pPr algn="ctr"/>
             <a:r>
-              <a:rPr lang="fr-FR" dirty="0"/>
-              <a:t>Véhicules d’occasions</a:t>
-            </a:r>
-          </a:p>
-        </p:txBody>
-      </p:sp>
-      <p:sp>
-        <p:nvSpPr>
-          <p:cNvPr id="10" name="Rectangle 9">
-            <a:extLst>
-              <a:ext uri="{FF2B5EF4-FFF2-40B4-BE49-F238E27FC236}">
-                <a16:creationId xmlns:a16="http://schemas.microsoft.com/office/drawing/2014/main" id="{EC326338-4156-B831-392A-764CCAFF7BD4}"/>
+              <a:rPr lang="fr-FR" dirty="0">
+                <a:solidFill>
+                  <a:schemeClr val="tx1">
+                    <a:lumMod val="95000"/>
+                    <a:lumOff val="5000"/>
+                  </a:schemeClr>
+                </a:solidFill>
+              </a:rPr>
+              <a:t>Formulaire de contact</a:t>
+            </a:r>
+          </a:p>
+        </p:txBody>
+      </p:sp>
+      <p:sp>
+        <p:nvSpPr>
+          <p:cNvPr id="5" name="Rectangle 4">
+            <a:extLst>
+              <a:ext uri="{FF2B5EF4-FFF2-40B4-BE49-F238E27FC236}">
+                <a16:creationId xmlns:a16="http://schemas.microsoft.com/office/drawing/2014/main" id="{69975996-7430-0143-8B61-7B1EF35B5B11}"/>
               </a:ext>
             </a:extLst>
           </p:cNvPr>
@@ -14180,924 +14187,8 @@
         </p:nvSpPr>
         <p:spPr>
           <a:xfrm>
-            <a:off x="1417803" y="3566959"/>
-            <a:ext cx="1233117" cy="510092"/>
-          </a:xfrm>
-          <a:prstGeom prst="rect">
-            <a:avLst/>
-          </a:prstGeom>
-          <a:solidFill>
-            <a:schemeClr val="bg1">
-              <a:lumMod val="65000"/>
-            </a:schemeClr>
-          </a:solidFill>
-          <a:ln>
-            <a:solidFill>
-              <a:schemeClr val="tx1">
-                <a:lumMod val="95000"/>
-                <a:lumOff val="5000"/>
-              </a:schemeClr>
-            </a:solidFill>
-          </a:ln>
-        </p:spPr>
-        <p:style>
-          <a:lnRef idx="2">
-            <a:schemeClr val="accent1">
-              <a:shade val="50000"/>
-            </a:schemeClr>
-          </a:lnRef>
-          <a:fillRef idx="1">
-            <a:schemeClr val="accent1"/>
-          </a:fillRef>
-          <a:effectRef idx="0">
-            <a:schemeClr val="accent1"/>
-          </a:effectRef>
-          <a:fontRef idx="minor">
-            <a:schemeClr val="lt1"/>
-          </a:fontRef>
-        </p:style>
-        <p:txBody>
-          <a:bodyPr rtlCol="0" anchor="ctr"/>
-          <a:lstStyle/>
-          <a:p>
-            <a:pPr algn="ctr"/>
-            <a:r>
-              <a:rPr lang="fr-FR" sz="1400" dirty="0"/>
-              <a:t>Commentaire</a:t>
-            </a:r>
-          </a:p>
-        </p:txBody>
-      </p:sp>
-      <p:sp>
-        <p:nvSpPr>
-          <p:cNvPr id="11" name="Rectangle 10">
-            <a:extLst>
-              <a:ext uri="{FF2B5EF4-FFF2-40B4-BE49-F238E27FC236}">
-                <a16:creationId xmlns:a16="http://schemas.microsoft.com/office/drawing/2014/main" id="{CFC0CE70-0DDA-8B3E-6F34-DB18063503DE}"/>
-              </a:ext>
-            </a:extLst>
-          </p:cNvPr>
-          <p:cNvSpPr/>
-          <p:nvPr/>
-        </p:nvSpPr>
-        <p:spPr>
-          <a:xfrm>
-            <a:off x="2723281" y="3566957"/>
-            <a:ext cx="1324374" cy="510093"/>
-          </a:xfrm>
-          <a:prstGeom prst="rect">
-            <a:avLst/>
-          </a:prstGeom>
-          <a:solidFill>
-            <a:schemeClr val="bg1">
-              <a:lumMod val="65000"/>
-            </a:schemeClr>
-          </a:solidFill>
-          <a:ln>
-            <a:solidFill>
-              <a:schemeClr val="tx1">
-                <a:lumMod val="95000"/>
-                <a:lumOff val="5000"/>
-              </a:schemeClr>
-            </a:solidFill>
-          </a:ln>
-        </p:spPr>
-        <p:style>
-          <a:lnRef idx="2">
-            <a:schemeClr val="accent1">
-              <a:shade val="50000"/>
-            </a:schemeClr>
-          </a:lnRef>
-          <a:fillRef idx="1">
-            <a:schemeClr val="accent1"/>
-          </a:fillRef>
-          <a:effectRef idx="0">
-            <a:schemeClr val="accent1"/>
-          </a:effectRef>
-          <a:fontRef idx="minor">
-            <a:schemeClr val="lt1"/>
-          </a:fontRef>
-        </p:style>
-        <p:txBody>
-          <a:bodyPr rtlCol="0" anchor="ctr"/>
-          <a:lstStyle/>
-          <a:p>
-            <a:pPr algn="ctr"/>
-            <a:r>
-              <a:rPr lang="fr-FR" sz="1400" dirty="0"/>
-              <a:t>Commentaire</a:t>
-            </a:r>
-          </a:p>
-        </p:txBody>
-      </p:sp>
-      <p:sp>
-        <p:nvSpPr>
-          <p:cNvPr id="12" name="Rectangle 11">
-            <a:extLst>
-              <a:ext uri="{FF2B5EF4-FFF2-40B4-BE49-F238E27FC236}">
-                <a16:creationId xmlns:a16="http://schemas.microsoft.com/office/drawing/2014/main" id="{CCC2746A-281E-B266-F16A-9CEF06B6E228}"/>
-              </a:ext>
-            </a:extLst>
-          </p:cNvPr>
-          <p:cNvSpPr/>
-          <p:nvPr/>
-        </p:nvSpPr>
-        <p:spPr>
-          <a:xfrm>
-            <a:off x="1417803" y="4172956"/>
-            <a:ext cx="2629852" cy="322468"/>
-          </a:xfrm>
-          <a:prstGeom prst="rect">
-            <a:avLst/>
-          </a:prstGeom>
-          <a:solidFill>
-            <a:schemeClr val="bg1">
-              <a:lumMod val="65000"/>
-            </a:schemeClr>
-          </a:solidFill>
-          <a:ln>
-            <a:solidFill>
-              <a:schemeClr val="tx1">
-                <a:lumMod val="95000"/>
-                <a:lumOff val="5000"/>
-              </a:schemeClr>
-            </a:solidFill>
-          </a:ln>
-        </p:spPr>
-        <p:style>
-          <a:lnRef idx="2">
-            <a:schemeClr val="accent1">
-              <a:shade val="50000"/>
-            </a:schemeClr>
-          </a:lnRef>
-          <a:fillRef idx="1">
-            <a:schemeClr val="accent1"/>
-          </a:fillRef>
-          <a:effectRef idx="0">
-            <a:schemeClr val="accent1"/>
-          </a:effectRef>
-          <a:fontRef idx="minor">
-            <a:schemeClr val="lt1"/>
-          </a:fontRef>
-        </p:style>
-        <p:txBody>
-          <a:bodyPr rtlCol="0" anchor="ctr"/>
-          <a:lstStyle/>
-          <a:p>
-            <a:pPr algn="ctr"/>
-            <a:r>
-              <a:rPr lang="fr-FR" dirty="0"/>
-              <a:t>Laisser un commentaire</a:t>
-            </a:r>
-          </a:p>
-        </p:txBody>
-      </p:sp>
-      <p:sp>
-        <p:nvSpPr>
-          <p:cNvPr id="13" name="Rectangle 12">
-            <a:extLst>
-              <a:ext uri="{FF2B5EF4-FFF2-40B4-BE49-F238E27FC236}">
-                <a16:creationId xmlns:a16="http://schemas.microsoft.com/office/drawing/2014/main" id="{CC827BB1-996D-73ED-C434-444119BDF240}"/>
-              </a:ext>
-            </a:extLst>
-          </p:cNvPr>
-          <p:cNvSpPr/>
-          <p:nvPr/>
-        </p:nvSpPr>
-        <p:spPr>
-          <a:xfrm>
-            <a:off x="1417803" y="4623871"/>
-            <a:ext cx="2629852" cy="822135"/>
-          </a:xfrm>
-          <a:prstGeom prst="rect">
-            <a:avLst/>
-          </a:prstGeom>
-          <a:solidFill>
-            <a:schemeClr val="bg1">
-              <a:lumMod val="65000"/>
-            </a:schemeClr>
-          </a:solidFill>
-          <a:ln>
-            <a:solidFill>
-              <a:schemeClr val="tx1">
-                <a:lumMod val="95000"/>
-                <a:lumOff val="5000"/>
-              </a:schemeClr>
-            </a:solidFill>
-          </a:ln>
-        </p:spPr>
-        <p:style>
-          <a:lnRef idx="2">
-            <a:schemeClr val="accent1">
-              <a:shade val="50000"/>
-            </a:schemeClr>
-          </a:lnRef>
-          <a:fillRef idx="1">
-            <a:schemeClr val="accent1"/>
-          </a:fillRef>
-          <a:effectRef idx="0">
-            <a:schemeClr val="accent1"/>
-          </a:effectRef>
-          <a:fontRef idx="minor">
-            <a:schemeClr val="lt1"/>
-          </a:fontRef>
-        </p:style>
-        <p:txBody>
-          <a:bodyPr rtlCol="0" anchor="ctr"/>
-          <a:lstStyle/>
-          <a:p>
-            <a:pPr algn="ctr"/>
-            <a:r>
-              <a:rPr lang="fr-FR" dirty="0"/>
-              <a:t>Horaires</a:t>
-            </a:r>
-          </a:p>
-        </p:txBody>
-      </p:sp>
-      <p:sp>
-        <p:nvSpPr>
-          <p:cNvPr id="14" name="Rectangle : coins arrondis 13">
-            <a:extLst>
-              <a:ext uri="{FF2B5EF4-FFF2-40B4-BE49-F238E27FC236}">
-                <a16:creationId xmlns:a16="http://schemas.microsoft.com/office/drawing/2014/main" id="{3CE13B42-B9DB-E0D4-9875-31B8B363C20D}"/>
-              </a:ext>
-            </a:extLst>
-          </p:cNvPr>
-          <p:cNvSpPr/>
-          <p:nvPr/>
-        </p:nvSpPr>
-        <p:spPr>
-          <a:xfrm>
-            <a:off x="4906536" y="537133"/>
-            <a:ext cx="3177319" cy="5378742"/>
-          </a:xfrm>
-          <a:prstGeom prst="roundRect">
-            <a:avLst/>
-          </a:prstGeom>
-          <a:noFill/>
-          <a:ln>
-            <a:solidFill>
-              <a:schemeClr val="tx1">
-                <a:lumMod val="95000"/>
-                <a:lumOff val="5000"/>
-              </a:schemeClr>
-            </a:solidFill>
-          </a:ln>
-        </p:spPr>
-        <p:style>
-          <a:lnRef idx="2">
-            <a:schemeClr val="accent1">
-              <a:shade val="50000"/>
-            </a:schemeClr>
-          </a:lnRef>
-          <a:fillRef idx="1">
-            <a:schemeClr val="accent1"/>
-          </a:fillRef>
-          <a:effectRef idx="0">
-            <a:schemeClr val="accent1"/>
-          </a:effectRef>
-          <a:fontRef idx="minor">
-            <a:schemeClr val="lt1"/>
-          </a:fontRef>
-        </p:style>
-        <p:txBody>
-          <a:bodyPr rtlCol="0" anchor="ctr"/>
-          <a:lstStyle/>
-          <a:p>
-            <a:pPr algn="ctr"/>
-            <a:endParaRPr lang="fr-FR"/>
-          </a:p>
-        </p:txBody>
-      </p:sp>
-      <p:sp>
-        <p:nvSpPr>
-          <p:cNvPr id="16" name="Rectangle 15">
-            <a:extLst>
-              <a:ext uri="{FF2B5EF4-FFF2-40B4-BE49-F238E27FC236}">
-                <a16:creationId xmlns:a16="http://schemas.microsoft.com/office/drawing/2014/main" id="{03D86F8D-1F1C-E961-87B9-8D7E3868EAFD}"/>
-              </a:ext>
-            </a:extLst>
-          </p:cNvPr>
-          <p:cNvSpPr/>
-          <p:nvPr/>
-        </p:nvSpPr>
-        <p:spPr>
-          <a:xfrm>
-            <a:off x="7089791" y="856300"/>
-            <a:ext cx="729778" cy="661745"/>
-          </a:xfrm>
-          <a:prstGeom prst="rect">
-            <a:avLst/>
-          </a:prstGeom>
-          <a:solidFill>
-            <a:schemeClr val="bg1">
-              <a:lumMod val="65000"/>
-            </a:schemeClr>
-          </a:solidFill>
-          <a:ln>
-            <a:solidFill>
-              <a:schemeClr val="tx1">
-                <a:lumMod val="95000"/>
-                <a:lumOff val="5000"/>
-              </a:schemeClr>
-            </a:solidFill>
-          </a:ln>
-        </p:spPr>
-        <p:style>
-          <a:lnRef idx="2">
-            <a:schemeClr val="accent1">
-              <a:shade val="50000"/>
-            </a:schemeClr>
-          </a:lnRef>
-          <a:fillRef idx="1">
-            <a:schemeClr val="accent1"/>
-          </a:fillRef>
-          <a:effectRef idx="0">
-            <a:schemeClr val="accent1"/>
-          </a:effectRef>
-          <a:fontRef idx="minor">
-            <a:schemeClr val="lt1"/>
-          </a:fontRef>
-        </p:style>
-        <p:txBody>
-          <a:bodyPr rtlCol="0" anchor="ctr"/>
-          <a:lstStyle/>
-          <a:p>
-            <a:pPr algn="ctr"/>
-            <a:r>
-              <a:rPr lang="fr-FR" sz="1600" dirty="0"/>
-              <a:t>Menu</a:t>
-            </a:r>
-          </a:p>
-        </p:txBody>
-      </p:sp>
-      <p:sp>
-        <p:nvSpPr>
-          <p:cNvPr id="23" name="Rectangle 22">
-            <a:extLst>
-              <a:ext uri="{FF2B5EF4-FFF2-40B4-BE49-F238E27FC236}">
-                <a16:creationId xmlns:a16="http://schemas.microsoft.com/office/drawing/2014/main" id="{83CBF4FD-AB2A-09F8-BC6C-9862D647B541}"/>
-              </a:ext>
-            </a:extLst>
-          </p:cNvPr>
-          <p:cNvSpPr/>
-          <p:nvPr/>
-        </p:nvSpPr>
-        <p:spPr>
-          <a:xfrm>
-            <a:off x="5189717" y="4625507"/>
-            <a:ext cx="2629852" cy="822135"/>
-          </a:xfrm>
-          <a:prstGeom prst="rect">
-            <a:avLst/>
-          </a:prstGeom>
-          <a:solidFill>
-            <a:schemeClr val="bg1">
-              <a:lumMod val="65000"/>
-            </a:schemeClr>
-          </a:solidFill>
-          <a:ln>
-            <a:solidFill>
-              <a:schemeClr val="tx1">
-                <a:lumMod val="95000"/>
-                <a:lumOff val="5000"/>
-              </a:schemeClr>
-            </a:solidFill>
-          </a:ln>
-        </p:spPr>
-        <p:style>
-          <a:lnRef idx="2">
-            <a:schemeClr val="accent1">
-              <a:shade val="50000"/>
-            </a:schemeClr>
-          </a:lnRef>
-          <a:fillRef idx="1">
-            <a:schemeClr val="accent1"/>
-          </a:fillRef>
-          <a:effectRef idx="0">
-            <a:schemeClr val="accent1"/>
-          </a:effectRef>
-          <a:fontRef idx="minor">
-            <a:schemeClr val="lt1"/>
-          </a:fontRef>
-        </p:style>
-        <p:txBody>
-          <a:bodyPr rtlCol="0" anchor="ctr"/>
-          <a:lstStyle/>
-          <a:p>
-            <a:pPr algn="ctr"/>
-            <a:r>
-              <a:rPr lang="fr-FR" dirty="0"/>
-              <a:t>Horaires</a:t>
-            </a:r>
-          </a:p>
-        </p:txBody>
-      </p:sp>
-      <p:sp>
-        <p:nvSpPr>
-          <p:cNvPr id="25" name="Rectangle : coins arrondis 24">
-            <a:extLst>
-              <a:ext uri="{FF2B5EF4-FFF2-40B4-BE49-F238E27FC236}">
-                <a16:creationId xmlns:a16="http://schemas.microsoft.com/office/drawing/2014/main" id="{E8B0A5EB-F628-03FE-D4FF-0128550E70B8}"/>
-              </a:ext>
-            </a:extLst>
-          </p:cNvPr>
-          <p:cNvSpPr/>
-          <p:nvPr/>
-        </p:nvSpPr>
-        <p:spPr>
-          <a:xfrm>
-            <a:off x="8523589" y="535497"/>
-            <a:ext cx="3177319" cy="5378742"/>
-          </a:xfrm>
-          <a:prstGeom prst="roundRect">
-            <a:avLst/>
-          </a:prstGeom>
-          <a:noFill/>
-          <a:ln>
-            <a:solidFill>
-              <a:schemeClr val="tx1">
-                <a:lumMod val="95000"/>
-                <a:lumOff val="5000"/>
-              </a:schemeClr>
-            </a:solidFill>
-          </a:ln>
-        </p:spPr>
-        <p:style>
-          <a:lnRef idx="2">
-            <a:schemeClr val="accent1">
-              <a:shade val="50000"/>
-            </a:schemeClr>
-          </a:lnRef>
-          <a:fillRef idx="1">
-            <a:schemeClr val="accent1"/>
-          </a:fillRef>
-          <a:effectRef idx="0">
-            <a:schemeClr val="accent1"/>
-          </a:effectRef>
-          <a:fontRef idx="minor">
-            <a:schemeClr val="lt1"/>
-          </a:fontRef>
-        </p:style>
-        <p:txBody>
-          <a:bodyPr rtlCol="0" anchor="ctr"/>
-          <a:lstStyle/>
-          <a:p>
-            <a:pPr algn="ctr"/>
-            <a:endParaRPr lang="fr-FR"/>
-          </a:p>
-        </p:txBody>
-      </p:sp>
-      <p:sp>
-        <p:nvSpPr>
-          <p:cNvPr id="27" name="Rectangle 26">
-            <a:extLst>
-              <a:ext uri="{FF2B5EF4-FFF2-40B4-BE49-F238E27FC236}">
-                <a16:creationId xmlns:a16="http://schemas.microsoft.com/office/drawing/2014/main" id="{2EDF2950-5032-93BC-9AAA-268A239755F6}"/>
-              </a:ext>
-            </a:extLst>
-          </p:cNvPr>
-          <p:cNvSpPr/>
-          <p:nvPr/>
-        </p:nvSpPr>
-        <p:spPr>
-          <a:xfrm>
-            <a:off x="10706844" y="854664"/>
-            <a:ext cx="729778" cy="661745"/>
-          </a:xfrm>
-          <a:prstGeom prst="rect">
-            <a:avLst/>
-          </a:prstGeom>
-          <a:solidFill>
-            <a:schemeClr val="bg1">
-              <a:lumMod val="65000"/>
-            </a:schemeClr>
-          </a:solidFill>
-          <a:ln>
-            <a:solidFill>
-              <a:schemeClr val="tx1">
-                <a:lumMod val="95000"/>
-                <a:lumOff val="5000"/>
-              </a:schemeClr>
-            </a:solidFill>
-          </a:ln>
-        </p:spPr>
-        <p:style>
-          <a:lnRef idx="2">
-            <a:schemeClr val="accent1">
-              <a:shade val="50000"/>
-            </a:schemeClr>
-          </a:lnRef>
-          <a:fillRef idx="1">
-            <a:schemeClr val="accent1"/>
-          </a:fillRef>
-          <a:effectRef idx="0">
-            <a:schemeClr val="accent1"/>
-          </a:effectRef>
-          <a:fontRef idx="minor">
-            <a:schemeClr val="lt1"/>
-          </a:fontRef>
-        </p:style>
-        <p:txBody>
-          <a:bodyPr rtlCol="0" anchor="ctr"/>
-          <a:lstStyle/>
-          <a:p>
-            <a:pPr algn="ctr"/>
-            <a:r>
-              <a:rPr lang="fr-FR" sz="1600" dirty="0"/>
-              <a:t>Menu</a:t>
-            </a:r>
-          </a:p>
-        </p:txBody>
-      </p:sp>
-      <p:sp>
-        <p:nvSpPr>
-          <p:cNvPr id="28" name="Rectangle 27">
-            <a:extLst>
-              <a:ext uri="{FF2B5EF4-FFF2-40B4-BE49-F238E27FC236}">
-                <a16:creationId xmlns:a16="http://schemas.microsoft.com/office/drawing/2014/main" id="{210BBA93-525D-CBC3-0CF2-80A3D250367A}"/>
-              </a:ext>
-            </a:extLst>
-          </p:cNvPr>
-          <p:cNvSpPr/>
-          <p:nvPr/>
-        </p:nvSpPr>
-        <p:spPr>
-          <a:xfrm>
-            <a:off x="8806770" y="1711340"/>
-            <a:ext cx="2629852" cy="1325475"/>
-          </a:xfrm>
-          <a:prstGeom prst="rect">
-            <a:avLst/>
-          </a:prstGeom>
-          <a:solidFill>
-            <a:schemeClr val="bg1">
-              <a:lumMod val="50000"/>
-            </a:schemeClr>
-          </a:solidFill>
-          <a:ln>
-            <a:solidFill>
-              <a:schemeClr val="tx1">
-                <a:lumMod val="95000"/>
-                <a:lumOff val="5000"/>
-              </a:schemeClr>
-            </a:solidFill>
-          </a:ln>
-        </p:spPr>
-        <p:style>
-          <a:lnRef idx="2">
-            <a:schemeClr val="accent1">
-              <a:shade val="50000"/>
-            </a:schemeClr>
-          </a:lnRef>
-          <a:fillRef idx="1">
-            <a:schemeClr val="accent1"/>
-          </a:fillRef>
-          <a:effectRef idx="0">
-            <a:schemeClr val="accent1"/>
-          </a:effectRef>
-          <a:fontRef idx="minor">
-            <a:schemeClr val="lt1"/>
-          </a:fontRef>
-        </p:style>
-        <p:txBody>
-          <a:bodyPr rtlCol="0" anchor="ctr"/>
-          <a:lstStyle/>
-          <a:p>
-            <a:pPr algn="ctr"/>
-            <a:r>
-              <a:rPr lang="fr-FR" dirty="0"/>
-              <a:t>Galerie</a:t>
-            </a:r>
-          </a:p>
-        </p:txBody>
-      </p:sp>
-      <p:sp>
-        <p:nvSpPr>
-          <p:cNvPr id="29" name="Rectangle 28">
-            <a:extLst>
-              <a:ext uri="{FF2B5EF4-FFF2-40B4-BE49-F238E27FC236}">
-                <a16:creationId xmlns:a16="http://schemas.microsoft.com/office/drawing/2014/main" id="{A8C4658B-5AEA-3141-87B7-2170E9403C0D}"/>
-              </a:ext>
-            </a:extLst>
-          </p:cNvPr>
-          <p:cNvSpPr/>
-          <p:nvPr/>
-        </p:nvSpPr>
-        <p:spPr>
-          <a:xfrm>
-            <a:off x="8816218" y="5911435"/>
-            <a:ext cx="2629852" cy="822135"/>
-          </a:xfrm>
-          <a:prstGeom prst="rect">
-            <a:avLst/>
-          </a:prstGeom>
-          <a:solidFill>
-            <a:schemeClr val="bg1">
-              <a:lumMod val="65000"/>
-            </a:schemeClr>
-          </a:solidFill>
-          <a:ln>
-            <a:solidFill>
-              <a:schemeClr val="tx1">
-                <a:lumMod val="95000"/>
-                <a:lumOff val="5000"/>
-              </a:schemeClr>
-            </a:solidFill>
-          </a:ln>
-        </p:spPr>
-        <p:style>
-          <a:lnRef idx="2">
-            <a:schemeClr val="accent1">
-              <a:shade val="50000"/>
-            </a:schemeClr>
-          </a:lnRef>
-          <a:fillRef idx="1">
-            <a:schemeClr val="accent1"/>
-          </a:fillRef>
-          <a:effectRef idx="0">
-            <a:schemeClr val="accent1"/>
-          </a:effectRef>
-          <a:fontRef idx="minor">
-            <a:schemeClr val="lt1"/>
-          </a:fontRef>
-        </p:style>
-        <p:txBody>
-          <a:bodyPr rtlCol="0" anchor="ctr"/>
-          <a:lstStyle/>
-          <a:p>
-            <a:pPr algn="ctr"/>
-            <a:r>
-              <a:rPr lang="fr-FR" dirty="0"/>
-              <a:t>Horaires</a:t>
-            </a:r>
-          </a:p>
-        </p:txBody>
-      </p:sp>
-      <p:sp>
-        <p:nvSpPr>
-          <p:cNvPr id="30" name="Rectangle 29">
-            <a:extLst>
-              <a:ext uri="{FF2B5EF4-FFF2-40B4-BE49-F238E27FC236}">
-                <a16:creationId xmlns:a16="http://schemas.microsoft.com/office/drawing/2014/main" id="{97426FA7-9865-CC0D-0D95-15FDF8FFF671}"/>
-              </a:ext>
-            </a:extLst>
-          </p:cNvPr>
-          <p:cNvSpPr/>
-          <p:nvPr/>
-        </p:nvSpPr>
-        <p:spPr>
-          <a:xfrm>
-            <a:off x="8816218" y="5036482"/>
-            <a:ext cx="2629852" cy="822135"/>
-          </a:xfrm>
-          <a:prstGeom prst="rect">
-            <a:avLst/>
-          </a:prstGeom>
-          <a:solidFill>
-            <a:schemeClr val="bg1">
-              <a:lumMod val="65000"/>
-            </a:schemeClr>
-          </a:solidFill>
-          <a:ln>
-            <a:solidFill>
-              <a:schemeClr val="tx1">
-                <a:lumMod val="95000"/>
-                <a:lumOff val="5000"/>
-              </a:schemeClr>
-            </a:solidFill>
-          </a:ln>
-        </p:spPr>
-        <p:style>
-          <a:lnRef idx="2">
-            <a:schemeClr val="accent1">
-              <a:shade val="50000"/>
-            </a:schemeClr>
-          </a:lnRef>
-          <a:fillRef idx="1">
-            <a:schemeClr val="accent1"/>
-          </a:fillRef>
-          <a:effectRef idx="0">
-            <a:schemeClr val="accent1"/>
-          </a:effectRef>
-          <a:fontRef idx="minor">
-            <a:schemeClr val="lt1"/>
-          </a:fontRef>
-        </p:style>
-        <p:txBody>
-          <a:bodyPr rtlCol="0" anchor="ctr"/>
-          <a:lstStyle/>
-          <a:p>
-            <a:pPr algn="ctr"/>
-            <a:r>
-              <a:rPr lang="fr-FR" dirty="0"/>
-              <a:t>Formulaire contact</a:t>
-            </a:r>
-          </a:p>
-        </p:txBody>
-      </p:sp>
-      <p:sp>
-        <p:nvSpPr>
-          <p:cNvPr id="32" name="Rectangle 31">
-            <a:extLst>
-              <a:ext uri="{FF2B5EF4-FFF2-40B4-BE49-F238E27FC236}">
-                <a16:creationId xmlns:a16="http://schemas.microsoft.com/office/drawing/2014/main" id="{4E296B4A-C0D8-9469-EC9E-7189F8126585}"/>
-              </a:ext>
-            </a:extLst>
-          </p:cNvPr>
-          <p:cNvSpPr/>
-          <p:nvPr/>
-        </p:nvSpPr>
-        <p:spPr>
-          <a:xfrm>
-            <a:off x="8797322" y="3148651"/>
-            <a:ext cx="2629852" cy="508949"/>
-          </a:xfrm>
-          <a:prstGeom prst="rect">
-            <a:avLst/>
-          </a:prstGeom>
-          <a:solidFill>
-            <a:schemeClr val="bg1">
-              <a:lumMod val="50000"/>
-            </a:schemeClr>
-          </a:solidFill>
-          <a:ln>
-            <a:solidFill>
-              <a:schemeClr val="tx1">
-                <a:lumMod val="95000"/>
-                <a:lumOff val="5000"/>
-              </a:schemeClr>
-            </a:solidFill>
-          </a:ln>
-        </p:spPr>
-        <p:style>
-          <a:lnRef idx="2">
-            <a:schemeClr val="accent1">
-              <a:shade val="50000"/>
-            </a:schemeClr>
-          </a:lnRef>
-          <a:fillRef idx="1">
-            <a:schemeClr val="accent1"/>
-          </a:fillRef>
-          <a:effectRef idx="0">
-            <a:schemeClr val="accent1"/>
-          </a:effectRef>
-          <a:fontRef idx="minor">
-            <a:schemeClr val="lt1"/>
-          </a:fontRef>
-        </p:style>
-        <p:txBody>
-          <a:bodyPr rtlCol="0" anchor="ctr"/>
-          <a:lstStyle/>
-          <a:p>
-            <a:pPr algn="ctr"/>
-            <a:r>
-              <a:rPr lang="fr-FR" dirty="0"/>
-              <a:t>Caractéristiques</a:t>
-            </a:r>
-          </a:p>
-        </p:txBody>
-      </p:sp>
-      <p:sp>
-        <p:nvSpPr>
-          <p:cNvPr id="33" name="Rectangle 32">
-            <a:extLst>
-              <a:ext uri="{FF2B5EF4-FFF2-40B4-BE49-F238E27FC236}">
-                <a16:creationId xmlns:a16="http://schemas.microsoft.com/office/drawing/2014/main" id="{5ABFF13D-C36E-7E1E-FBA7-60DD32EC3D2F}"/>
-              </a:ext>
-            </a:extLst>
-          </p:cNvPr>
-          <p:cNvSpPr/>
-          <p:nvPr/>
-        </p:nvSpPr>
-        <p:spPr>
-          <a:xfrm>
-            <a:off x="8797322" y="3769436"/>
-            <a:ext cx="2629852" cy="508949"/>
-          </a:xfrm>
-          <a:prstGeom prst="rect">
-            <a:avLst/>
-          </a:prstGeom>
-          <a:solidFill>
-            <a:schemeClr val="bg1">
-              <a:lumMod val="50000"/>
-            </a:schemeClr>
-          </a:solidFill>
-          <a:ln>
-            <a:solidFill>
-              <a:schemeClr val="tx1">
-                <a:lumMod val="95000"/>
-                <a:lumOff val="5000"/>
-              </a:schemeClr>
-            </a:solidFill>
-          </a:ln>
-        </p:spPr>
-        <p:style>
-          <a:lnRef idx="2">
-            <a:schemeClr val="accent1">
-              <a:shade val="50000"/>
-            </a:schemeClr>
-          </a:lnRef>
-          <a:fillRef idx="1">
-            <a:schemeClr val="accent1"/>
-          </a:fillRef>
-          <a:effectRef idx="0">
-            <a:schemeClr val="accent1"/>
-          </a:effectRef>
-          <a:fontRef idx="minor">
-            <a:schemeClr val="lt1"/>
-          </a:fontRef>
-        </p:style>
-        <p:txBody>
-          <a:bodyPr rtlCol="0" anchor="ctr"/>
-          <a:lstStyle/>
-          <a:p>
-            <a:pPr algn="ctr"/>
-            <a:r>
-              <a:rPr lang="fr-FR" dirty="0"/>
-              <a:t>Équipements</a:t>
-            </a:r>
-          </a:p>
-        </p:txBody>
-      </p:sp>
-      <p:sp>
-        <p:nvSpPr>
-          <p:cNvPr id="34" name="Rectangle 33">
-            <a:extLst>
-              <a:ext uri="{FF2B5EF4-FFF2-40B4-BE49-F238E27FC236}">
-                <a16:creationId xmlns:a16="http://schemas.microsoft.com/office/drawing/2014/main" id="{FE236CE8-D502-D26E-D74D-DE9AE46F53AF}"/>
-              </a:ext>
-            </a:extLst>
-          </p:cNvPr>
-          <p:cNvSpPr/>
-          <p:nvPr/>
-        </p:nvSpPr>
-        <p:spPr>
-          <a:xfrm>
-            <a:off x="8797322" y="4402959"/>
-            <a:ext cx="2629852" cy="508949"/>
-          </a:xfrm>
-          <a:prstGeom prst="rect">
-            <a:avLst/>
-          </a:prstGeom>
-          <a:solidFill>
-            <a:schemeClr val="bg1">
-              <a:lumMod val="50000"/>
-            </a:schemeClr>
-          </a:solidFill>
-          <a:ln>
-            <a:solidFill>
-              <a:schemeClr val="tx1">
-                <a:lumMod val="95000"/>
-                <a:lumOff val="5000"/>
-              </a:schemeClr>
-            </a:solidFill>
-          </a:ln>
-        </p:spPr>
-        <p:style>
-          <a:lnRef idx="2">
-            <a:schemeClr val="accent1">
-              <a:shade val="50000"/>
-            </a:schemeClr>
-          </a:lnRef>
-          <a:fillRef idx="1">
-            <a:schemeClr val="accent1"/>
-          </a:fillRef>
-          <a:effectRef idx="0">
-            <a:schemeClr val="accent1"/>
-          </a:effectRef>
-          <a:fontRef idx="minor">
-            <a:schemeClr val="lt1"/>
-          </a:fontRef>
-        </p:style>
-        <p:txBody>
-          <a:bodyPr rtlCol="0" anchor="ctr"/>
-          <a:lstStyle/>
-          <a:p>
-            <a:pPr algn="ctr"/>
-            <a:r>
-              <a:rPr lang="fr-FR" dirty="0"/>
-              <a:t>Options</a:t>
-            </a:r>
-          </a:p>
-        </p:txBody>
-      </p:sp>
-      <p:sp>
-        <p:nvSpPr>
-          <p:cNvPr id="2" name="Rectangle 1">
-            <a:extLst>
-              <a:ext uri="{FF2B5EF4-FFF2-40B4-BE49-F238E27FC236}">
-                <a16:creationId xmlns:a16="http://schemas.microsoft.com/office/drawing/2014/main" id="{7D97CBBE-F17C-9C25-DEDD-8C85D6F96618}"/>
-              </a:ext>
-            </a:extLst>
-          </p:cNvPr>
-          <p:cNvSpPr/>
-          <p:nvPr/>
-        </p:nvSpPr>
-        <p:spPr>
-          <a:xfrm>
-            <a:off x="1417803" y="854663"/>
-            <a:ext cx="730500" cy="661745"/>
+            <a:off x="5528346" y="1770554"/>
+            <a:ext cx="3668120" cy="494480"/>
           </a:xfrm>
           <a:prstGeom prst="rect">
             <a:avLst/>
@@ -15137,112 +14228,17 @@
             <a:pPr algn="ctr"/>
             <a:r>
               <a:rPr lang="fr-FR" dirty="0"/>
-              <a:t>Logo</a:t>
-            </a:r>
-          </a:p>
-        </p:txBody>
-      </p:sp>
-      <p:grpSp>
-        <p:nvGrpSpPr>
-          <p:cNvPr id="3" name="Groupe 2">
-            <a:extLst>
-              <a:ext uri="{FF2B5EF4-FFF2-40B4-BE49-F238E27FC236}">
-                <a16:creationId xmlns:a16="http://schemas.microsoft.com/office/drawing/2014/main" id="{6071B9F9-5728-9FC9-AB49-0F51C14B336D}"/>
-              </a:ext>
-            </a:extLst>
-          </p:cNvPr>
-          <p:cNvGrpSpPr/>
-          <p:nvPr/>
-        </p:nvGrpSpPr>
-        <p:grpSpPr>
-          <a:xfrm>
-            <a:off x="1409350" y="854662"/>
-            <a:ext cx="738230" cy="661746"/>
-            <a:chOff x="100668" y="125820"/>
-            <a:chExt cx="1602297" cy="661746"/>
-          </a:xfrm>
-        </p:grpSpPr>
-        <p:cxnSp>
-          <p:nvCxnSpPr>
-            <p:cNvPr id="18" name="Connecteur droit 17">
-              <a:extLst>
-                <a:ext uri="{FF2B5EF4-FFF2-40B4-BE49-F238E27FC236}">
-                  <a16:creationId xmlns:a16="http://schemas.microsoft.com/office/drawing/2014/main" id="{F412F446-0830-1017-BA34-F378F1F79C28}"/>
-                </a:ext>
-              </a:extLst>
-            </p:cNvPr>
-            <p:cNvCxnSpPr/>
-            <p:nvPr/>
-          </p:nvCxnSpPr>
-          <p:spPr>
-            <a:xfrm>
-              <a:off x="100668" y="125820"/>
-              <a:ext cx="1602297" cy="661746"/>
-            </a:xfrm>
-            <a:prstGeom prst="line">
-              <a:avLst/>
-            </a:prstGeom>
-          </p:spPr>
-          <p:style>
-            <a:lnRef idx="1">
-              <a:schemeClr val="dk1"/>
-            </a:lnRef>
-            <a:fillRef idx="0">
-              <a:schemeClr val="dk1"/>
-            </a:fillRef>
-            <a:effectRef idx="0">
-              <a:schemeClr val="dk1"/>
-            </a:effectRef>
-            <a:fontRef idx="minor">
-              <a:schemeClr val="tx1"/>
-            </a:fontRef>
-          </p:style>
-        </p:cxnSp>
-        <p:cxnSp>
-          <p:nvCxnSpPr>
-            <p:cNvPr id="19" name="Connecteur droit 18">
-              <a:extLst>
-                <a:ext uri="{FF2B5EF4-FFF2-40B4-BE49-F238E27FC236}">
-                  <a16:creationId xmlns:a16="http://schemas.microsoft.com/office/drawing/2014/main" id="{7186DB3D-3BE1-7A3F-948D-EEEA51B882DE}"/>
-                </a:ext>
-              </a:extLst>
-            </p:cNvPr>
-            <p:cNvCxnSpPr>
-              <a:cxnSpLocks/>
-            </p:cNvCxnSpPr>
-            <p:nvPr/>
-          </p:nvCxnSpPr>
-          <p:spPr>
-            <a:xfrm flipV="1">
-              <a:off x="109122" y="125820"/>
-              <a:ext cx="1593843" cy="661746"/>
-            </a:xfrm>
-            <a:prstGeom prst="line">
-              <a:avLst/>
-            </a:prstGeom>
-          </p:spPr>
-          <p:style>
-            <a:lnRef idx="1">
-              <a:schemeClr val="dk1"/>
-            </a:lnRef>
-            <a:fillRef idx="0">
-              <a:schemeClr val="dk1"/>
-            </a:fillRef>
-            <a:effectRef idx="0">
-              <a:schemeClr val="dk1"/>
-            </a:effectRef>
-            <a:fontRef idx="minor">
-              <a:schemeClr val="tx1"/>
-            </a:fontRef>
-          </p:style>
-        </p:cxnSp>
-      </p:grpSp>
-      <p:sp>
-        <p:nvSpPr>
-          <p:cNvPr id="21" name="Rectangle 20">
-            <a:extLst>
-              <a:ext uri="{FF2B5EF4-FFF2-40B4-BE49-F238E27FC236}">
-                <a16:creationId xmlns:a16="http://schemas.microsoft.com/office/drawing/2014/main" id="{7D3CFD55-F4EC-E8F0-6D21-888F47900E41}"/>
+              <a:t>Nom</a:t>
+            </a:r>
+          </a:p>
+        </p:txBody>
+      </p:sp>
+      <p:sp>
+        <p:nvSpPr>
+          <p:cNvPr id="6" name="Rectangle 5">
+            <a:extLst>
+              <a:ext uri="{FF2B5EF4-FFF2-40B4-BE49-F238E27FC236}">
+                <a16:creationId xmlns:a16="http://schemas.microsoft.com/office/drawing/2014/main" id="{6A21BB22-B939-2C24-BAEC-E59769703740}"/>
               </a:ext>
             </a:extLst>
           </p:cNvPr>
@@ -15251,8 +14247,8 @@
         </p:nvSpPr>
         <p:spPr>
           <a:xfrm>
-            <a:off x="8811723" y="866480"/>
-            <a:ext cx="730500" cy="661745"/>
+            <a:off x="5528346" y="2380154"/>
+            <a:ext cx="3668120" cy="494480"/>
           </a:xfrm>
           <a:prstGeom prst="rect">
             <a:avLst/>
@@ -15292,112 +14288,17 @@
             <a:pPr algn="ctr"/>
             <a:r>
               <a:rPr lang="fr-FR" dirty="0"/>
-              <a:t>Logo</a:t>
-            </a:r>
-          </a:p>
-        </p:txBody>
-      </p:sp>
-      <p:grpSp>
-        <p:nvGrpSpPr>
-          <p:cNvPr id="22" name="Groupe 21">
-            <a:extLst>
-              <a:ext uri="{FF2B5EF4-FFF2-40B4-BE49-F238E27FC236}">
-                <a16:creationId xmlns:a16="http://schemas.microsoft.com/office/drawing/2014/main" id="{CB0D53EB-1574-83B6-2A4A-F0F59DDC58A2}"/>
-              </a:ext>
-            </a:extLst>
-          </p:cNvPr>
-          <p:cNvGrpSpPr/>
-          <p:nvPr/>
-        </p:nvGrpSpPr>
-        <p:grpSpPr>
-          <a:xfrm>
-            <a:off x="8816218" y="856299"/>
-            <a:ext cx="738230" cy="661746"/>
-            <a:chOff x="100668" y="125820"/>
-            <a:chExt cx="1602297" cy="661746"/>
-          </a:xfrm>
-        </p:grpSpPr>
-        <p:cxnSp>
-          <p:nvCxnSpPr>
-            <p:cNvPr id="24" name="Connecteur droit 23">
-              <a:extLst>
-                <a:ext uri="{FF2B5EF4-FFF2-40B4-BE49-F238E27FC236}">
-                  <a16:creationId xmlns:a16="http://schemas.microsoft.com/office/drawing/2014/main" id="{82C97F8F-7189-9D03-A0B2-0611BEAD6B4A}"/>
-                </a:ext>
-              </a:extLst>
-            </p:cNvPr>
-            <p:cNvCxnSpPr/>
-            <p:nvPr/>
-          </p:nvCxnSpPr>
-          <p:spPr>
-            <a:xfrm>
-              <a:off x="100668" y="125820"/>
-              <a:ext cx="1602297" cy="661746"/>
-            </a:xfrm>
-            <a:prstGeom prst="line">
-              <a:avLst/>
-            </a:prstGeom>
-          </p:spPr>
-          <p:style>
-            <a:lnRef idx="1">
-              <a:schemeClr val="dk1"/>
-            </a:lnRef>
-            <a:fillRef idx="0">
-              <a:schemeClr val="dk1"/>
-            </a:fillRef>
-            <a:effectRef idx="0">
-              <a:schemeClr val="dk1"/>
-            </a:effectRef>
-            <a:fontRef idx="minor">
-              <a:schemeClr val="tx1"/>
-            </a:fontRef>
-          </p:style>
-        </p:cxnSp>
-        <p:cxnSp>
-          <p:nvCxnSpPr>
-            <p:cNvPr id="31" name="Connecteur droit 30">
-              <a:extLst>
-                <a:ext uri="{FF2B5EF4-FFF2-40B4-BE49-F238E27FC236}">
-                  <a16:creationId xmlns:a16="http://schemas.microsoft.com/office/drawing/2014/main" id="{BBCF17DA-C221-03B8-BFAD-67A63A376D1E}"/>
-                </a:ext>
-              </a:extLst>
-            </p:cNvPr>
-            <p:cNvCxnSpPr>
-              <a:cxnSpLocks/>
-            </p:cNvCxnSpPr>
-            <p:nvPr/>
-          </p:nvCxnSpPr>
-          <p:spPr>
-            <a:xfrm flipV="1">
-              <a:off x="109122" y="125820"/>
-              <a:ext cx="1593843" cy="661746"/>
-            </a:xfrm>
-            <a:prstGeom prst="line">
-              <a:avLst/>
-            </a:prstGeom>
-          </p:spPr>
-          <p:style>
-            <a:lnRef idx="1">
-              <a:schemeClr val="dk1"/>
-            </a:lnRef>
-            <a:fillRef idx="0">
-              <a:schemeClr val="dk1"/>
-            </a:fillRef>
-            <a:effectRef idx="0">
-              <a:schemeClr val="dk1"/>
-            </a:effectRef>
-            <a:fontRef idx="minor">
-              <a:schemeClr val="tx1"/>
-            </a:fontRef>
-          </p:style>
-        </p:cxnSp>
-      </p:grpSp>
-      <p:sp>
-        <p:nvSpPr>
-          <p:cNvPr id="35" name="Rectangle 34">
-            <a:extLst>
-              <a:ext uri="{FF2B5EF4-FFF2-40B4-BE49-F238E27FC236}">
-                <a16:creationId xmlns:a16="http://schemas.microsoft.com/office/drawing/2014/main" id="{3CE9242C-B442-4937-DC6B-1069E8B746F0}"/>
+              <a:t>Nom</a:t>
+            </a:r>
+          </a:p>
+        </p:txBody>
+      </p:sp>
+      <p:sp>
+        <p:nvSpPr>
+          <p:cNvPr id="14" name="Rectangle 13">
+            <a:extLst>
+              <a:ext uri="{FF2B5EF4-FFF2-40B4-BE49-F238E27FC236}">
+                <a16:creationId xmlns:a16="http://schemas.microsoft.com/office/drawing/2014/main" id="{C806DFED-AB2F-4609-9B1F-79899B4269FF}"/>
               </a:ext>
             </a:extLst>
           </p:cNvPr>
@@ -15406,8 +14307,70 @@
         </p:nvSpPr>
         <p:spPr>
           <a:xfrm>
-            <a:off x="5211167" y="854663"/>
-            <a:ext cx="730500" cy="661745"/>
+            <a:off x="2995534" y="2973519"/>
+            <a:ext cx="2532812" cy="494480"/>
+          </a:xfrm>
+          <a:prstGeom prst="rect">
+            <a:avLst/>
+          </a:prstGeom>
+          <a:solidFill>
+            <a:schemeClr val="bg1">
+              <a:lumMod val="50000"/>
+            </a:schemeClr>
+          </a:solidFill>
+          <a:ln>
+            <a:solidFill>
+              <a:schemeClr val="tx1">
+                <a:lumMod val="95000"/>
+                <a:lumOff val="5000"/>
+              </a:schemeClr>
+            </a:solidFill>
+          </a:ln>
+        </p:spPr>
+        <p:style>
+          <a:lnRef idx="2">
+            <a:schemeClr val="accent1">
+              <a:shade val="50000"/>
+            </a:schemeClr>
+          </a:lnRef>
+          <a:fillRef idx="1">
+            <a:schemeClr val="accent1"/>
+          </a:fillRef>
+          <a:effectRef idx="0">
+            <a:schemeClr val="accent1"/>
+          </a:effectRef>
+          <a:fontRef idx="minor">
+            <a:schemeClr val="lt1"/>
+          </a:fontRef>
+        </p:style>
+        <p:txBody>
+          <a:bodyPr rtlCol="0" anchor="ctr"/>
+          <a:lstStyle/>
+          <a:p>
+            <a:pPr algn="ctr"/>
+            <a:r>
+              <a:rPr lang="fr-FR" dirty="0"/>
+              <a:t>Email</a:t>
+            </a:r>
+          </a:p>
+        </p:txBody>
+      </p:sp>
+      <p:sp>
+        <p:nvSpPr>
+          <p:cNvPr id="15" name="Rectangle 14">
+            <a:extLst>
+              <a:ext uri="{FF2B5EF4-FFF2-40B4-BE49-F238E27FC236}">
+                <a16:creationId xmlns:a16="http://schemas.microsoft.com/office/drawing/2014/main" id="{6D9ED933-7125-46AB-045F-3358D1456619}"/>
+              </a:ext>
+            </a:extLst>
+          </p:cNvPr>
+          <p:cNvSpPr/>
+          <p:nvPr/>
+        </p:nvSpPr>
+        <p:spPr>
+          <a:xfrm>
+            <a:off x="5528346" y="2955460"/>
+            <a:ext cx="3668120" cy="494480"/>
           </a:xfrm>
           <a:prstGeom prst="rect">
             <a:avLst/>
@@ -15447,112 +14410,17 @@
             <a:pPr algn="ctr"/>
             <a:r>
               <a:rPr lang="fr-FR" dirty="0"/>
-              <a:t>Logo</a:t>
-            </a:r>
-          </a:p>
-        </p:txBody>
-      </p:sp>
-      <p:grpSp>
-        <p:nvGrpSpPr>
-          <p:cNvPr id="36" name="Groupe 35">
-            <a:extLst>
-              <a:ext uri="{FF2B5EF4-FFF2-40B4-BE49-F238E27FC236}">
-                <a16:creationId xmlns:a16="http://schemas.microsoft.com/office/drawing/2014/main" id="{BB080950-EDFC-74D9-93D2-6F9FF3DEAB9A}"/>
-              </a:ext>
-            </a:extLst>
-          </p:cNvPr>
-          <p:cNvGrpSpPr/>
-          <p:nvPr/>
-        </p:nvGrpSpPr>
-        <p:grpSpPr>
-          <a:xfrm>
-            <a:off x="5202714" y="854662"/>
-            <a:ext cx="738230" cy="661746"/>
-            <a:chOff x="100668" y="125820"/>
-            <a:chExt cx="1602297" cy="661746"/>
-          </a:xfrm>
-        </p:grpSpPr>
-        <p:cxnSp>
-          <p:nvCxnSpPr>
-            <p:cNvPr id="37" name="Connecteur droit 36">
-              <a:extLst>
-                <a:ext uri="{FF2B5EF4-FFF2-40B4-BE49-F238E27FC236}">
-                  <a16:creationId xmlns:a16="http://schemas.microsoft.com/office/drawing/2014/main" id="{5A5B7BC3-FAC6-8EDF-46AA-D7B5BE33ADB3}"/>
-                </a:ext>
-              </a:extLst>
-            </p:cNvPr>
-            <p:cNvCxnSpPr/>
-            <p:nvPr/>
-          </p:nvCxnSpPr>
-          <p:spPr>
-            <a:xfrm>
-              <a:off x="100668" y="125820"/>
-              <a:ext cx="1602297" cy="661746"/>
-            </a:xfrm>
-            <a:prstGeom prst="line">
-              <a:avLst/>
-            </a:prstGeom>
-          </p:spPr>
-          <p:style>
-            <a:lnRef idx="1">
-              <a:schemeClr val="dk1"/>
-            </a:lnRef>
-            <a:fillRef idx="0">
-              <a:schemeClr val="dk1"/>
-            </a:fillRef>
-            <a:effectRef idx="0">
-              <a:schemeClr val="dk1"/>
-            </a:effectRef>
-            <a:fontRef idx="minor">
-              <a:schemeClr val="tx1"/>
-            </a:fontRef>
-          </p:style>
-        </p:cxnSp>
-        <p:cxnSp>
-          <p:nvCxnSpPr>
-            <p:cNvPr id="38" name="Connecteur droit 37">
-              <a:extLst>
-                <a:ext uri="{FF2B5EF4-FFF2-40B4-BE49-F238E27FC236}">
-                  <a16:creationId xmlns:a16="http://schemas.microsoft.com/office/drawing/2014/main" id="{4C48777A-6662-3DBA-04C2-7405D10CAB97}"/>
-                </a:ext>
-              </a:extLst>
-            </p:cNvPr>
-            <p:cNvCxnSpPr>
-              <a:cxnSpLocks/>
-            </p:cNvCxnSpPr>
-            <p:nvPr/>
-          </p:nvCxnSpPr>
-          <p:spPr>
-            <a:xfrm flipV="1">
-              <a:off x="109122" y="125820"/>
-              <a:ext cx="1593843" cy="661746"/>
-            </a:xfrm>
-            <a:prstGeom prst="line">
-              <a:avLst/>
-            </a:prstGeom>
-          </p:spPr>
-          <p:style>
-            <a:lnRef idx="1">
-              <a:schemeClr val="dk1"/>
-            </a:lnRef>
-            <a:fillRef idx="0">
-              <a:schemeClr val="dk1"/>
-            </a:fillRef>
-            <a:effectRef idx="0">
-              <a:schemeClr val="dk1"/>
-            </a:effectRef>
-            <a:fontRef idx="minor">
-              <a:schemeClr val="tx1"/>
-            </a:fontRef>
-          </p:style>
-        </p:cxnSp>
-      </p:grpSp>
-      <p:sp>
-        <p:nvSpPr>
-          <p:cNvPr id="43" name="Rectangle 42">
-            <a:extLst>
-              <a:ext uri="{FF2B5EF4-FFF2-40B4-BE49-F238E27FC236}">
-                <a16:creationId xmlns:a16="http://schemas.microsoft.com/office/drawing/2014/main" id="{3E49A689-6FC3-015B-AA45-9C958EC42EE1}"/>
+              <a:t>Nom</a:t>
+            </a:r>
+          </a:p>
+        </p:txBody>
+      </p:sp>
+      <p:sp>
+        <p:nvSpPr>
+          <p:cNvPr id="16" name="Rectangle 15">
+            <a:extLst>
+              <a:ext uri="{FF2B5EF4-FFF2-40B4-BE49-F238E27FC236}">
+                <a16:creationId xmlns:a16="http://schemas.microsoft.com/office/drawing/2014/main" id="{29B5C5EB-81F7-9451-4755-A2B2106D7D45}"/>
               </a:ext>
             </a:extLst>
           </p:cNvPr>
@@ -15561,8 +14429,8 @@
         </p:nvSpPr>
         <p:spPr>
           <a:xfrm>
-            <a:off x="5374630" y="1741578"/>
-            <a:ext cx="2259478" cy="2746531"/>
+            <a:off x="2995534" y="3565900"/>
+            <a:ext cx="2532812" cy="494480"/>
           </a:xfrm>
           <a:prstGeom prst="rect">
             <a:avLst/>
@@ -15602,75 +14470,19 @@
           <a:lstStyle/>
           <a:p>
             <a:pPr algn="ctr"/>
-            <a:endParaRPr lang="fr-FR" dirty="0"/>
-          </a:p>
-          <a:p>
-            <a:pPr algn="ctr"/>
-            <a:endParaRPr lang="fr-FR" dirty="0"/>
-          </a:p>
-          <a:p>
-            <a:pPr algn="ctr"/>
             <a:r>
               <a:rPr lang="fr-FR" dirty="0"/>
-              <a:t>Véhicule</a:t>
-            </a:r>
-          </a:p>
-          <a:p>
-            <a:pPr algn="ctr"/>
-            <a:endParaRPr lang="fr-FR" dirty="0"/>
-          </a:p>
-          <a:p>
-            <a:pPr algn="ctr"/>
-            <a:endParaRPr lang="fr-FR" dirty="0"/>
-          </a:p>
-          <a:p>
-            <a:pPr algn="ctr"/>
-            <a:endParaRPr lang="fr-FR" dirty="0"/>
-          </a:p>
-          <a:p>
-            <a:r>
-              <a:rPr lang="fr-FR" dirty="0"/>
-              <a:t>            Véhicule</a:t>
-            </a:r>
-          </a:p>
-          <a:p>
-            <a:endParaRPr lang="fr-FR" sz="1400" i="1" dirty="0"/>
-          </a:p>
-          <a:p>
-            <a:r>
-              <a:rPr lang="fr-FR" sz="1400" i="1" dirty="0"/>
-              <a:t>Prix : 10 000€ </a:t>
-            </a:r>
-          </a:p>
-          <a:p>
-            <a:r>
-              <a:rPr lang="fr-FR" sz="1400" i="1" dirty="0"/>
-              <a:t>Année : 2005</a:t>
-            </a:r>
-          </a:p>
-          <a:p>
-            <a:r>
-              <a:rPr lang="fr-FR" sz="1400" i="1" dirty="0"/>
-              <a:t>Kilométrage : 1 000 km</a:t>
-            </a:r>
-            <a:endParaRPr lang="fr-FR" dirty="0"/>
-          </a:p>
-          <a:p>
-            <a:pPr algn="ctr"/>
-            <a:endParaRPr lang="fr-FR" dirty="0"/>
-          </a:p>
-          <a:p>
-            <a:pPr algn="ctr"/>
-            <a:endParaRPr lang="fr-FR" dirty="0"/>
-          </a:p>
-        </p:txBody>
-      </p:sp>
-      <p:sp>
-        <p:nvSpPr>
-          <p:cNvPr id="44" name="Rectangle 43">
-            <a:extLst>
-              <a:ext uri="{FF2B5EF4-FFF2-40B4-BE49-F238E27FC236}">
-                <a16:creationId xmlns:a16="http://schemas.microsoft.com/office/drawing/2014/main" id="{C33A566E-2296-65B6-DA03-0FF18CB3F8FD}"/>
+              <a:t>Téléphone</a:t>
+            </a:r>
+          </a:p>
+        </p:txBody>
+      </p:sp>
+      <p:sp>
+        <p:nvSpPr>
+          <p:cNvPr id="17" name="Rectangle 16">
+            <a:extLst>
+              <a:ext uri="{FF2B5EF4-FFF2-40B4-BE49-F238E27FC236}">
+                <a16:creationId xmlns:a16="http://schemas.microsoft.com/office/drawing/2014/main" id="{18B314F3-03A8-2FA3-EA16-720D438B8EF4}"/>
               </a:ext>
             </a:extLst>
           </p:cNvPr>
@@ -15679,8 +14491,8 @@
         </p:nvSpPr>
         <p:spPr>
           <a:xfrm>
-            <a:off x="5383084" y="1737545"/>
-            <a:ext cx="2259478" cy="1299270"/>
+            <a:off x="5528346" y="3547841"/>
+            <a:ext cx="3668120" cy="494480"/>
           </a:xfrm>
           <a:prstGeom prst="rect">
             <a:avLst/>
@@ -15720,112 +14532,17 @@
             <a:pPr algn="ctr"/>
             <a:r>
               <a:rPr lang="fr-FR" dirty="0"/>
-              <a:t>Logo</a:t>
-            </a:r>
-          </a:p>
-        </p:txBody>
-      </p:sp>
-      <p:grpSp>
-        <p:nvGrpSpPr>
-          <p:cNvPr id="45" name="Groupe 44">
-            <a:extLst>
-              <a:ext uri="{FF2B5EF4-FFF2-40B4-BE49-F238E27FC236}">
-                <a16:creationId xmlns:a16="http://schemas.microsoft.com/office/drawing/2014/main" id="{A9C32322-BDD0-7597-4B89-4C55B1325E45}"/>
-              </a:ext>
-            </a:extLst>
-          </p:cNvPr>
-          <p:cNvGrpSpPr/>
-          <p:nvPr/>
-        </p:nvGrpSpPr>
-        <p:grpSpPr>
-          <a:xfrm>
-            <a:off x="5374630" y="1737544"/>
-            <a:ext cx="2283386" cy="1299272"/>
-            <a:chOff x="100668" y="125820"/>
-            <a:chExt cx="1602297" cy="661746"/>
-          </a:xfrm>
-        </p:grpSpPr>
-        <p:cxnSp>
-          <p:nvCxnSpPr>
-            <p:cNvPr id="46" name="Connecteur droit 45">
-              <a:extLst>
-                <a:ext uri="{FF2B5EF4-FFF2-40B4-BE49-F238E27FC236}">
-                  <a16:creationId xmlns:a16="http://schemas.microsoft.com/office/drawing/2014/main" id="{55352F99-6566-70BA-06B7-EBF812AFDE88}"/>
-                </a:ext>
-              </a:extLst>
-            </p:cNvPr>
-            <p:cNvCxnSpPr/>
-            <p:nvPr/>
-          </p:nvCxnSpPr>
-          <p:spPr>
-            <a:xfrm>
-              <a:off x="100668" y="125820"/>
-              <a:ext cx="1602297" cy="661746"/>
-            </a:xfrm>
-            <a:prstGeom prst="line">
-              <a:avLst/>
-            </a:prstGeom>
-          </p:spPr>
-          <p:style>
-            <a:lnRef idx="1">
-              <a:schemeClr val="dk1"/>
-            </a:lnRef>
-            <a:fillRef idx="0">
-              <a:schemeClr val="dk1"/>
-            </a:fillRef>
-            <a:effectRef idx="0">
-              <a:schemeClr val="dk1"/>
-            </a:effectRef>
-            <a:fontRef idx="minor">
-              <a:schemeClr val="tx1"/>
-            </a:fontRef>
-          </p:style>
-        </p:cxnSp>
-        <p:cxnSp>
-          <p:nvCxnSpPr>
-            <p:cNvPr id="47" name="Connecteur droit 46">
-              <a:extLst>
-                <a:ext uri="{FF2B5EF4-FFF2-40B4-BE49-F238E27FC236}">
-                  <a16:creationId xmlns:a16="http://schemas.microsoft.com/office/drawing/2014/main" id="{0F099F3F-1243-C1D6-6B90-713A1C5671A3}"/>
-                </a:ext>
-              </a:extLst>
-            </p:cNvPr>
-            <p:cNvCxnSpPr>
-              <a:cxnSpLocks/>
-            </p:cNvCxnSpPr>
-            <p:nvPr/>
-          </p:nvCxnSpPr>
-          <p:spPr>
-            <a:xfrm flipV="1">
-              <a:off x="109122" y="125820"/>
-              <a:ext cx="1593843" cy="661746"/>
-            </a:xfrm>
-            <a:prstGeom prst="line">
-              <a:avLst/>
-            </a:prstGeom>
-          </p:spPr>
-          <p:style>
-            <a:lnRef idx="1">
-              <a:schemeClr val="dk1"/>
-            </a:lnRef>
-            <a:fillRef idx="0">
-              <a:schemeClr val="dk1"/>
-            </a:fillRef>
-            <a:effectRef idx="0">
-              <a:schemeClr val="dk1"/>
-            </a:effectRef>
-            <a:fontRef idx="minor">
-              <a:schemeClr val="tx1"/>
-            </a:fontRef>
-          </p:style>
-        </p:cxnSp>
-      </p:grpSp>
-      <p:sp>
-        <p:nvSpPr>
-          <p:cNvPr id="48" name="Rectangle 47">
-            <a:extLst>
-              <a:ext uri="{FF2B5EF4-FFF2-40B4-BE49-F238E27FC236}">
-                <a16:creationId xmlns:a16="http://schemas.microsoft.com/office/drawing/2014/main" id="{2BA28FB1-C1B0-493A-F6A1-07B508A6F8DE}"/>
+              <a:t>Nom</a:t>
+            </a:r>
+          </a:p>
+        </p:txBody>
+      </p:sp>
+      <p:sp>
+        <p:nvSpPr>
+          <p:cNvPr id="18" name="Rectangle 17">
+            <a:extLst>
+              <a:ext uri="{FF2B5EF4-FFF2-40B4-BE49-F238E27FC236}">
+                <a16:creationId xmlns:a16="http://schemas.microsoft.com/office/drawing/2014/main" id="{1745BE07-1779-B494-9B58-14B9D62D5B33}"/>
               </a:ext>
             </a:extLst>
           </p:cNvPr>
@@ -15834,8 +14551,70 @@
         </p:nvSpPr>
         <p:spPr>
           <a:xfrm>
-            <a:off x="8806770" y="1713300"/>
-            <a:ext cx="2607216" cy="1320956"/>
+            <a:off x="2995534" y="4158281"/>
+            <a:ext cx="2532812" cy="494480"/>
+          </a:xfrm>
+          <a:prstGeom prst="rect">
+            <a:avLst/>
+          </a:prstGeom>
+          <a:solidFill>
+            <a:schemeClr val="bg1">
+              <a:lumMod val="50000"/>
+            </a:schemeClr>
+          </a:solidFill>
+          <a:ln>
+            <a:solidFill>
+              <a:schemeClr val="tx1">
+                <a:lumMod val="95000"/>
+                <a:lumOff val="5000"/>
+              </a:schemeClr>
+            </a:solidFill>
+          </a:ln>
+        </p:spPr>
+        <p:style>
+          <a:lnRef idx="2">
+            <a:schemeClr val="accent1">
+              <a:shade val="50000"/>
+            </a:schemeClr>
+          </a:lnRef>
+          <a:fillRef idx="1">
+            <a:schemeClr val="accent1"/>
+          </a:fillRef>
+          <a:effectRef idx="0">
+            <a:schemeClr val="accent1"/>
+          </a:effectRef>
+          <a:fontRef idx="minor">
+            <a:schemeClr val="lt1"/>
+          </a:fontRef>
+        </p:style>
+        <p:txBody>
+          <a:bodyPr rtlCol="0" anchor="ctr"/>
+          <a:lstStyle/>
+          <a:p>
+            <a:pPr algn="ctr"/>
+            <a:r>
+              <a:rPr lang="fr-FR" dirty="0"/>
+              <a:t>Message</a:t>
+            </a:r>
+          </a:p>
+        </p:txBody>
+      </p:sp>
+      <p:sp>
+        <p:nvSpPr>
+          <p:cNvPr id="19" name="Rectangle 18">
+            <a:extLst>
+              <a:ext uri="{FF2B5EF4-FFF2-40B4-BE49-F238E27FC236}">
+                <a16:creationId xmlns:a16="http://schemas.microsoft.com/office/drawing/2014/main" id="{F0B101F4-8629-499A-3454-EFC515B588CC}"/>
+              </a:ext>
+            </a:extLst>
+          </p:cNvPr>
+          <p:cNvSpPr/>
+          <p:nvPr/>
+        </p:nvSpPr>
+        <p:spPr>
+          <a:xfrm>
+            <a:off x="5528346" y="4170945"/>
+            <a:ext cx="3668120" cy="1608676"/>
           </a:xfrm>
           <a:prstGeom prst="rect">
             <a:avLst/>
@@ -15875,110 +14654,137 @@
             <a:pPr algn="ctr"/>
             <a:r>
               <a:rPr lang="fr-FR" dirty="0"/>
-              <a:t>Logo</a:t>
-            </a:r>
-          </a:p>
-        </p:txBody>
-      </p:sp>
-      <p:grpSp>
-        <p:nvGrpSpPr>
-          <p:cNvPr id="49" name="Groupe 48">
-            <a:extLst>
-              <a:ext uri="{FF2B5EF4-FFF2-40B4-BE49-F238E27FC236}">
-                <a16:creationId xmlns:a16="http://schemas.microsoft.com/office/drawing/2014/main" id="{729369CD-8A66-611B-7105-97AB2F7954B8}"/>
-              </a:ext>
-            </a:extLst>
-          </p:cNvPr>
-          <p:cNvGrpSpPr/>
-          <p:nvPr/>
-        </p:nvGrpSpPr>
-        <p:grpSpPr>
-          <a:xfrm>
-            <a:off x="8811264" y="1703119"/>
-            <a:ext cx="2634805" cy="1320958"/>
-            <a:chOff x="100668" y="125820"/>
-            <a:chExt cx="1602297" cy="661746"/>
-          </a:xfrm>
-        </p:grpSpPr>
-        <p:cxnSp>
-          <p:nvCxnSpPr>
-            <p:cNvPr id="50" name="Connecteur droit 49">
-              <a:extLst>
-                <a:ext uri="{FF2B5EF4-FFF2-40B4-BE49-F238E27FC236}">
-                  <a16:creationId xmlns:a16="http://schemas.microsoft.com/office/drawing/2014/main" id="{B79E6EA3-48CC-AF50-135D-234079CAEF19}"/>
-                </a:ext>
-              </a:extLst>
-            </p:cNvPr>
-            <p:cNvCxnSpPr/>
-            <p:nvPr/>
-          </p:nvCxnSpPr>
-          <p:spPr>
-            <a:xfrm>
-              <a:off x="100668" y="125820"/>
-              <a:ext cx="1602297" cy="661746"/>
-            </a:xfrm>
-            <a:prstGeom prst="line">
-              <a:avLst/>
-            </a:prstGeom>
-          </p:spPr>
-          <p:style>
-            <a:lnRef idx="1">
-              <a:schemeClr val="dk1"/>
-            </a:lnRef>
-            <a:fillRef idx="0">
-              <a:schemeClr val="dk1"/>
-            </a:fillRef>
-            <a:effectRef idx="0">
-              <a:schemeClr val="dk1"/>
-            </a:effectRef>
-            <a:fontRef idx="minor">
-              <a:schemeClr val="tx1"/>
-            </a:fontRef>
-          </p:style>
-        </p:cxnSp>
-        <p:cxnSp>
-          <p:nvCxnSpPr>
-            <p:cNvPr id="51" name="Connecteur droit 50">
-              <a:extLst>
-                <a:ext uri="{FF2B5EF4-FFF2-40B4-BE49-F238E27FC236}">
-                  <a16:creationId xmlns:a16="http://schemas.microsoft.com/office/drawing/2014/main" id="{0281CCF2-9B89-7331-FCDF-4777B2944A85}"/>
-                </a:ext>
-              </a:extLst>
-            </p:cNvPr>
-            <p:cNvCxnSpPr>
-              <a:cxnSpLocks/>
-            </p:cNvCxnSpPr>
-            <p:nvPr/>
-          </p:nvCxnSpPr>
-          <p:spPr>
-            <a:xfrm flipV="1">
-              <a:off x="109122" y="125820"/>
-              <a:ext cx="1593843" cy="661746"/>
-            </a:xfrm>
-            <a:prstGeom prst="line">
-              <a:avLst/>
-            </a:prstGeom>
-          </p:spPr>
-          <p:style>
-            <a:lnRef idx="1">
-              <a:schemeClr val="dk1"/>
-            </a:lnRef>
-            <a:fillRef idx="0">
-              <a:schemeClr val="dk1"/>
-            </a:fillRef>
-            <a:effectRef idx="0">
-              <a:schemeClr val="dk1"/>
-            </a:effectRef>
-            <a:fontRef idx="minor">
-              <a:schemeClr val="tx1"/>
-            </a:fontRef>
-          </p:style>
-        </p:cxnSp>
-      </p:grpSp>
+              <a:t>Nom</a:t>
+            </a:r>
+          </a:p>
+        </p:txBody>
+      </p:sp>
+      <p:sp>
+        <p:nvSpPr>
+          <p:cNvPr id="20" name="Rectangle 19">
+            <a:extLst>
+              <a:ext uri="{FF2B5EF4-FFF2-40B4-BE49-F238E27FC236}">
+                <a16:creationId xmlns:a16="http://schemas.microsoft.com/office/drawing/2014/main" id="{07B107CC-2C17-9718-47C6-C5F61870C0DF}"/>
+              </a:ext>
+            </a:extLst>
+          </p:cNvPr>
+          <p:cNvSpPr/>
+          <p:nvPr/>
+        </p:nvSpPr>
+        <p:spPr>
+          <a:xfrm>
+            <a:off x="2995534" y="1142895"/>
+            <a:ext cx="2532812" cy="494480"/>
+          </a:xfrm>
+          <a:prstGeom prst="rect">
+            <a:avLst/>
+          </a:prstGeom>
+          <a:solidFill>
+            <a:schemeClr val="bg1">
+              <a:lumMod val="50000"/>
+            </a:schemeClr>
+          </a:solidFill>
+          <a:ln>
+            <a:solidFill>
+              <a:schemeClr val="tx1">
+                <a:lumMod val="95000"/>
+                <a:lumOff val="5000"/>
+              </a:schemeClr>
+            </a:solidFill>
+          </a:ln>
+        </p:spPr>
+        <p:style>
+          <a:lnRef idx="2">
+            <a:schemeClr val="accent1">
+              <a:shade val="50000"/>
+            </a:schemeClr>
+          </a:lnRef>
+          <a:fillRef idx="1">
+            <a:schemeClr val="accent1"/>
+          </a:fillRef>
+          <a:effectRef idx="0">
+            <a:schemeClr val="accent1"/>
+          </a:effectRef>
+          <a:fontRef idx="minor">
+            <a:schemeClr val="lt1"/>
+          </a:fontRef>
+        </p:style>
+        <p:txBody>
+          <a:bodyPr rtlCol="0" anchor="ctr"/>
+          <a:lstStyle/>
+          <a:p>
+            <a:pPr algn="ctr"/>
+            <a:r>
+              <a:rPr lang="fr-FR" dirty="0"/>
+              <a:t>Sujet</a:t>
+            </a:r>
+          </a:p>
+        </p:txBody>
+      </p:sp>
+      <p:sp>
+        <p:nvSpPr>
+          <p:cNvPr id="21" name="Rectangle 20">
+            <a:extLst>
+              <a:ext uri="{FF2B5EF4-FFF2-40B4-BE49-F238E27FC236}">
+                <a16:creationId xmlns:a16="http://schemas.microsoft.com/office/drawing/2014/main" id="{E402F11A-DEB3-9B2E-4898-4DE77D7C5445}"/>
+              </a:ext>
+            </a:extLst>
+          </p:cNvPr>
+          <p:cNvSpPr/>
+          <p:nvPr/>
+        </p:nvSpPr>
+        <p:spPr>
+          <a:xfrm>
+            <a:off x="5528346" y="1142895"/>
+            <a:ext cx="3668120" cy="494480"/>
+          </a:xfrm>
+          <a:prstGeom prst="rect">
+            <a:avLst/>
+          </a:prstGeom>
+          <a:solidFill>
+            <a:schemeClr val="bg1"/>
+          </a:solidFill>
+          <a:ln>
+            <a:solidFill>
+              <a:schemeClr val="tx1">
+                <a:lumMod val="95000"/>
+                <a:lumOff val="5000"/>
+              </a:schemeClr>
+            </a:solidFill>
+          </a:ln>
+        </p:spPr>
+        <p:style>
+          <a:lnRef idx="2">
+            <a:schemeClr val="accent1">
+              <a:shade val="50000"/>
+            </a:schemeClr>
+          </a:lnRef>
+          <a:fillRef idx="1">
+            <a:schemeClr val="accent1"/>
+          </a:fillRef>
+          <a:effectRef idx="0">
+            <a:schemeClr val="accent1"/>
+          </a:effectRef>
+          <a:fontRef idx="minor">
+            <a:schemeClr val="lt1"/>
+          </a:fontRef>
+        </p:style>
+        <p:txBody>
+          <a:bodyPr rtlCol="0" anchor="ctr"/>
+          <a:lstStyle/>
+          <a:p>
+            <a:pPr algn="ctr"/>
+            <a:r>
+              <a:rPr lang="fr-FR" dirty="0"/>
+              <a:t>Nom</a:t>
+            </a:r>
+          </a:p>
+        </p:txBody>
+      </p:sp>
     </p:spTree>
     <p:extLst>
       <p:ext uri="{BB962C8B-B14F-4D97-AF65-F5344CB8AC3E}">
-        <p14:creationId xmlns:p14="http://schemas.microsoft.com/office/powerpoint/2010/main" val="3943588765"/>
+        <p14:creationId xmlns:p14="http://schemas.microsoft.com/office/powerpoint/2010/main" val="3612715377"/>
       </p:ext>
     </p:extLst>
   </p:cSld>
@@ -16019,954 +14825,6 @@
         </p:nvSpPr>
         <p:spPr>
           <a:xfrm>
-            <a:off x="2745698" y="298845"/>
-            <a:ext cx="6700603" cy="6261345"/>
-          </a:xfrm>
-          <a:prstGeom prst="rect">
-            <a:avLst/>
-          </a:prstGeom>
-          <a:noFill/>
-          <a:ln>
-            <a:solidFill>
-              <a:schemeClr val="tx1">
-                <a:lumMod val="95000"/>
-                <a:lumOff val="5000"/>
-              </a:schemeClr>
-            </a:solidFill>
-          </a:ln>
-        </p:spPr>
-        <p:style>
-          <a:lnRef idx="2">
-            <a:schemeClr val="accent1">
-              <a:shade val="50000"/>
-            </a:schemeClr>
-          </a:lnRef>
-          <a:fillRef idx="1">
-            <a:schemeClr val="accent1"/>
-          </a:fillRef>
-          <a:effectRef idx="0">
-            <a:schemeClr val="accent1"/>
-          </a:effectRef>
-          <a:fontRef idx="minor">
-            <a:schemeClr val="lt1"/>
-          </a:fontRef>
-        </p:style>
-        <p:txBody>
-          <a:bodyPr rtlCol="0" anchor="ctr"/>
-          <a:lstStyle/>
-          <a:p>
-            <a:pPr algn="ctr"/>
-            <a:endParaRPr lang="fr-FR"/>
-          </a:p>
-        </p:txBody>
-      </p:sp>
-      <p:sp>
-        <p:nvSpPr>
-          <p:cNvPr id="8" name="Rectangle 7">
-            <a:extLst>
-              <a:ext uri="{FF2B5EF4-FFF2-40B4-BE49-F238E27FC236}">
-                <a16:creationId xmlns:a16="http://schemas.microsoft.com/office/drawing/2014/main" id="{24F324FC-C37E-467A-BFF9-CA0E3C73D178}"/>
-              </a:ext>
-            </a:extLst>
-          </p:cNvPr>
-          <p:cNvSpPr/>
-          <p:nvPr/>
-        </p:nvSpPr>
-        <p:spPr>
-          <a:xfrm>
-            <a:off x="2995534" y="1770554"/>
-            <a:ext cx="2532812" cy="494480"/>
-          </a:xfrm>
-          <a:prstGeom prst="rect">
-            <a:avLst/>
-          </a:prstGeom>
-          <a:solidFill>
-            <a:schemeClr val="bg1">
-              <a:lumMod val="50000"/>
-            </a:schemeClr>
-          </a:solidFill>
-          <a:ln>
-            <a:solidFill>
-              <a:schemeClr val="tx1">
-                <a:lumMod val="95000"/>
-                <a:lumOff val="5000"/>
-              </a:schemeClr>
-            </a:solidFill>
-          </a:ln>
-        </p:spPr>
-        <p:style>
-          <a:lnRef idx="2">
-            <a:schemeClr val="accent1">
-              <a:shade val="50000"/>
-            </a:schemeClr>
-          </a:lnRef>
-          <a:fillRef idx="1">
-            <a:schemeClr val="accent1"/>
-          </a:fillRef>
-          <a:effectRef idx="0">
-            <a:schemeClr val="accent1"/>
-          </a:effectRef>
-          <a:fontRef idx="minor">
-            <a:schemeClr val="lt1"/>
-          </a:fontRef>
-        </p:style>
-        <p:txBody>
-          <a:bodyPr rtlCol="0" anchor="ctr"/>
-          <a:lstStyle/>
-          <a:p>
-            <a:pPr algn="ctr"/>
-            <a:r>
-              <a:rPr lang="fr-FR" dirty="0"/>
-              <a:t>Nom</a:t>
-            </a:r>
-          </a:p>
-        </p:txBody>
-      </p:sp>
-      <p:sp>
-        <p:nvSpPr>
-          <p:cNvPr id="9" name="Rectangle 8">
-            <a:extLst>
-              <a:ext uri="{FF2B5EF4-FFF2-40B4-BE49-F238E27FC236}">
-                <a16:creationId xmlns:a16="http://schemas.microsoft.com/office/drawing/2014/main" id="{ADD7B468-7595-4BEF-AF5F-88FC77AF3D29}"/>
-              </a:ext>
-            </a:extLst>
-          </p:cNvPr>
-          <p:cNvSpPr/>
-          <p:nvPr/>
-        </p:nvSpPr>
-        <p:spPr>
-          <a:xfrm>
-            <a:off x="2995534" y="2398213"/>
-            <a:ext cx="2532812" cy="494480"/>
-          </a:xfrm>
-          <a:prstGeom prst="rect">
-            <a:avLst/>
-          </a:prstGeom>
-          <a:solidFill>
-            <a:schemeClr val="bg1">
-              <a:lumMod val="50000"/>
-            </a:schemeClr>
-          </a:solidFill>
-          <a:ln>
-            <a:solidFill>
-              <a:schemeClr val="tx1">
-                <a:lumMod val="95000"/>
-                <a:lumOff val="5000"/>
-              </a:schemeClr>
-            </a:solidFill>
-          </a:ln>
-        </p:spPr>
-        <p:style>
-          <a:lnRef idx="2">
-            <a:schemeClr val="accent1">
-              <a:shade val="50000"/>
-            </a:schemeClr>
-          </a:lnRef>
-          <a:fillRef idx="1">
-            <a:schemeClr val="accent1"/>
-          </a:fillRef>
-          <a:effectRef idx="0">
-            <a:schemeClr val="accent1"/>
-          </a:effectRef>
-          <a:fontRef idx="minor">
-            <a:schemeClr val="lt1"/>
-          </a:fontRef>
-        </p:style>
-        <p:txBody>
-          <a:bodyPr rtlCol="0" anchor="ctr"/>
-          <a:lstStyle/>
-          <a:p>
-            <a:pPr algn="ctr"/>
-            <a:r>
-              <a:rPr lang="fr-FR" dirty="0"/>
-              <a:t>Prénom</a:t>
-            </a:r>
-          </a:p>
-        </p:txBody>
-      </p:sp>
-      <p:sp>
-        <p:nvSpPr>
-          <p:cNvPr id="10" name="Rectangle 9">
-            <a:extLst>
-              <a:ext uri="{FF2B5EF4-FFF2-40B4-BE49-F238E27FC236}">
-                <a16:creationId xmlns:a16="http://schemas.microsoft.com/office/drawing/2014/main" id="{CB005456-2DF5-42F4-9212-E99AE26E711A}"/>
-              </a:ext>
-            </a:extLst>
-          </p:cNvPr>
-          <p:cNvSpPr/>
-          <p:nvPr/>
-        </p:nvSpPr>
-        <p:spPr>
-          <a:xfrm>
-            <a:off x="4799348" y="5898970"/>
-            <a:ext cx="2593299" cy="494480"/>
-          </a:xfrm>
-          <a:prstGeom prst="rect">
-            <a:avLst/>
-          </a:prstGeom>
-          <a:solidFill>
-            <a:schemeClr val="bg1">
-              <a:lumMod val="50000"/>
-            </a:schemeClr>
-          </a:solidFill>
-          <a:ln>
-            <a:solidFill>
-              <a:schemeClr val="tx1">
-                <a:lumMod val="95000"/>
-                <a:lumOff val="5000"/>
-              </a:schemeClr>
-            </a:solidFill>
-          </a:ln>
-        </p:spPr>
-        <p:style>
-          <a:lnRef idx="2">
-            <a:schemeClr val="accent1">
-              <a:shade val="50000"/>
-            </a:schemeClr>
-          </a:lnRef>
-          <a:fillRef idx="1">
-            <a:schemeClr val="accent1"/>
-          </a:fillRef>
-          <a:effectRef idx="0">
-            <a:schemeClr val="accent1"/>
-          </a:effectRef>
-          <a:fontRef idx="minor">
-            <a:schemeClr val="lt1"/>
-          </a:fontRef>
-        </p:style>
-        <p:txBody>
-          <a:bodyPr rtlCol="0" anchor="ctr"/>
-          <a:lstStyle/>
-          <a:p>
-            <a:pPr algn="ctr"/>
-            <a:r>
-              <a:rPr lang="fr-FR" dirty="0"/>
-              <a:t>Envoyer</a:t>
-            </a:r>
-          </a:p>
-        </p:txBody>
-      </p:sp>
-      <p:sp>
-        <p:nvSpPr>
-          <p:cNvPr id="11" name="Rectangle 10">
-            <a:extLst>
-              <a:ext uri="{FF2B5EF4-FFF2-40B4-BE49-F238E27FC236}">
-                <a16:creationId xmlns:a16="http://schemas.microsoft.com/office/drawing/2014/main" id="{C3EE19EF-B95D-41DA-A630-9B7E94BAA072}"/>
-              </a:ext>
-            </a:extLst>
-          </p:cNvPr>
-          <p:cNvSpPr/>
-          <p:nvPr/>
-        </p:nvSpPr>
-        <p:spPr>
-          <a:xfrm>
-            <a:off x="2995534" y="464550"/>
-            <a:ext cx="6200932" cy="494480"/>
-          </a:xfrm>
-          <a:prstGeom prst="rect">
-            <a:avLst/>
-          </a:prstGeom>
-          <a:solidFill>
-            <a:schemeClr val="bg1">
-              <a:lumMod val="95000"/>
-            </a:schemeClr>
-          </a:solidFill>
-          <a:ln>
-            <a:solidFill>
-              <a:schemeClr val="tx1">
-                <a:lumMod val="95000"/>
-                <a:lumOff val="5000"/>
-              </a:schemeClr>
-            </a:solidFill>
-          </a:ln>
-        </p:spPr>
-        <p:style>
-          <a:lnRef idx="2">
-            <a:schemeClr val="accent1">
-              <a:shade val="50000"/>
-            </a:schemeClr>
-          </a:lnRef>
-          <a:fillRef idx="1">
-            <a:schemeClr val="accent1"/>
-          </a:fillRef>
-          <a:effectRef idx="0">
-            <a:schemeClr val="accent1"/>
-          </a:effectRef>
-          <a:fontRef idx="minor">
-            <a:schemeClr val="lt1"/>
-          </a:fontRef>
-        </p:style>
-        <p:txBody>
-          <a:bodyPr rtlCol="0" anchor="ctr"/>
-          <a:lstStyle/>
-          <a:p>
-            <a:pPr algn="ctr"/>
-            <a:r>
-              <a:rPr lang="fr-FR" dirty="0">
-                <a:solidFill>
-                  <a:schemeClr val="tx1">
-                    <a:lumMod val="95000"/>
-                    <a:lumOff val="5000"/>
-                  </a:schemeClr>
-                </a:solidFill>
-              </a:rPr>
-              <a:t>Formulaire de contact</a:t>
-            </a:r>
-          </a:p>
-        </p:txBody>
-      </p:sp>
-      <p:sp>
-        <p:nvSpPr>
-          <p:cNvPr id="5" name="Rectangle 4">
-            <a:extLst>
-              <a:ext uri="{FF2B5EF4-FFF2-40B4-BE49-F238E27FC236}">
-                <a16:creationId xmlns:a16="http://schemas.microsoft.com/office/drawing/2014/main" id="{69975996-7430-0143-8B61-7B1EF35B5B11}"/>
-              </a:ext>
-            </a:extLst>
-          </p:cNvPr>
-          <p:cNvSpPr/>
-          <p:nvPr/>
-        </p:nvSpPr>
-        <p:spPr>
-          <a:xfrm>
-            <a:off x="5528346" y="1770554"/>
-            <a:ext cx="3668120" cy="494480"/>
-          </a:xfrm>
-          <a:prstGeom prst="rect">
-            <a:avLst/>
-          </a:prstGeom>
-          <a:solidFill>
-            <a:schemeClr val="bg1"/>
-          </a:solidFill>
-          <a:ln>
-            <a:solidFill>
-              <a:schemeClr val="tx1">
-                <a:lumMod val="95000"/>
-                <a:lumOff val="5000"/>
-              </a:schemeClr>
-            </a:solidFill>
-          </a:ln>
-        </p:spPr>
-        <p:style>
-          <a:lnRef idx="2">
-            <a:schemeClr val="accent1">
-              <a:shade val="50000"/>
-            </a:schemeClr>
-          </a:lnRef>
-          <a:fillRef idx="1">
-            <a:schemeClr val="accent1"/>
-          </a:fillRef>
-          <a:effectRef idx="0">
-            <a:schemeClr val="accent1"/>
-          </a:effectRef>
-          <a:fontRef idx="minor">
-            <a:schemeClr val="lt1"/>
-          </a:fontRef>
-        </p:style>
-        <p:txBody>
-          <a:bodyPr rtlCol="0" anchor="ctr"/>
-          <a:lstStyle/>
-          <a:p>
-            <a:pPr algn="ctr"/>
-            <a:r>
-              <a:rPr lang="fr-FR" dirty="0"/>
-              <a:t>Nom</a:t>
-            </a:r>
-          </a:p>
-        </p:txBody>
-      </p:sp>
-      <p:sp>
-        <p:nvSpPr>
-          <p:cNvPr id="6" name="Rectangle 5">
-            <a:extLst>
-              <a:ext uri="{FF2B5EF4-FFF2-40B4-BE49-F238E27FC236}">
-                <a16:creationId xmlns:a16="http://schemas.microsoft.com/office/drawing/2014/main" id="{6A21BB22-B939-2C24-BAEC-E59769703740}"/>
-              </a:ext>
-            </a:extLst>
-          </p:cNvPr>
-          <p:cNvSpPr/>
-          <p:nvPr/>
-        </p:nvSpPr>
-        <p:spPr>
-          <a:xfrm>
-            <a:off x="5528346" y="2380154"/>
-            <a:ext cx="3668120" cy="494480"/>
-          </a:xfrm>
-          <a:prstGeom prst="rect">
-            <a:avLst/>
-          </a:prstGeom>
-          <a:solidFill>
-            <a:schemeClr val="bg1"/>
-          </a:solidFill>
-          <a:ln>
-            <a:solidFill>
-              <a:schemeClr val="tx1">
-                <a:lumMod val="95000"/>
-                <a:lumOff val="5000"/>
-              </a:schemeClr>
-            </a:solidFill>
-          </a:ln>
-        </p:spPr>
-        <p:style>
-          <a:lnRef idx="2">
-            <a:schemeClr val="accent1">
-              <a:shade val="50000"/>
-            </a:schemeClr>
-          </a:lnRef>
-          <a:fillRef idx="1">
-            <a:schemeClr val="accent1"/>
-          </a:fillRef>
-          <a:effectRef idx="0">
-            <a:schemeClr val="accent1"/>
-          </a:effectRef>
-          <a:fontRef idx="minor">
-            <a:schemeClr val="lt1"/>
-          </a:fontRef>
-        </p:style>
-        <p:txBody>
-          <a:bodyPr rtlCol="0" anchor="ctr"/>
-          <a:lstStyle/>
-          <a:p>
-            <a:pPr algn="ctr"/>
-            <a:r>
-              <a:rPr lang="fr-FR" dirty="0"/>
-              <a:t>Nom</a:t>
-            </a:r>
-          </a:p>
-        </p:txBody>
-      </p:sp>
-      <p:sp>
-        <p:nvSpPr>
-          <p:cNvPr id="14" name="Rectangle 13">
-            <a:extLst>
-              <a:ext uri="{FF2B5EF4-FFF2-40B4-BE49-F238E27FC236}">
-                <a16:creationId xmlns:a16="http://schemas.microsoft.com/office/drawing/2014/main" id="{C806DFED-AB2F-4609-9B1F-79899B4269FF}"/>
-              </a:ext>
-            </a:extLst>
-          </p:cNvPr>
-          <p:cNvSpPr/>
-          <p:nvPr/>
-        </p:nvSpPr>
-        <p:spPr>
-          <a:xfrm>
-            <a:off x="2995534" y="2973519"/>
-            <a:ext cx="2532812" cy="494480"/>
-          </a:xfrm>
-          <a:prstGeom prst="rect">
-            <a:avLst/>
-          </a:prstGeom>
-          <a:solidFill>
-            <a:schemeClr val="bg1">
-              <a:lumMod val="50000"/>
-            </a:schemeClr>
-          </a:solidFill>
-          <a:ln>
-            <a:solidFill>
-              <a:schemeClr val="tx1">
-                <a:lumMod val="95000"/>
-                <a:lumOff val="5000"/>
-              </a:schemeClr>
-            </a:solidFill>
-          </a:ln>
-        </p:spPr>
-        <p:style>
-          <a:lnRef idx="2">
-            <a:schemeClr val="accent1">
-              <a:shade val="50000"/>
-            </a:schemeClr>
-          </a:lnRef>
-          <a:fillRef idx="1">
-            <a:schemeClr val="accent1"/>
-          </a:fillRef>
-          <a:effectRef idx="0">
-            <a:schemeClr val="accent1"/>
-          </a:effectRef>
-          <a:fontRef idx="minor">
-            <a:schemeClr val="lt1"/>
-          </a:fontRef>
-        </p:style>
-        <p:txBody>
-          <a:bodyPr rtlCol="0" anchor="ctr"/>
-          <a:lstStyle/>
-          <a:p>
-            <a:pPr algn="ctr"/>
-            <a:r>
-              <a:rPr lang="fr-FR" dirty="0"/>
-              <a:t>Email</a:t>
-            </a:r>
-          </a:p>
-        </p:txBody>
-      </p:sp>
-      <p:sp>
-        <p:nvSpPr>
-          <p:cNvPr id="15" name="Rectangle 14">
-            <a:extLst>
-              <a:ext uri="{FF2B5EF4-FFF2-40B4-BE49-F238E27FC236}">
-                <a16:creationId xmlns:a16="http://schemas.microsoft.com/office/drawing/2014/main" id="{6D9ED933-7125-46AB-045F-3358D1456619}"/>
-              </a:ext>
-            </a:extLst>
-          </p:cNvPr>
-          <p:cNvSpPr/>
-          <p:nvPr/>
-        </p:nvSpPr>
-        <p:spPr>
-          <a:xfrm>
-            <a:off x="5528346" y="2955460"/>
-            <a:ext cx="3668120" cy="494480"/>
-          </a:xfrm>
-          <a:prstGeom prst="rect">
-            <a:avLst/>
-          </a:prstGeom>
-          <a:solidFill>
-            <a:schemeClr val="bg1"/>
-          </a:solidFill>
-          <a:ln>
-            <a:solidFill>
-              <a:schemeClr val="tx1">
-                <a:lumMod val="95000"/>
-                <a:lumOff val="5000"/>
-              </a:schemeClr>
-            </a:solidFill>
-          </a:ln>
-        </p:spPr>
-        <p:style>
-          <a:lnRef idx="2">
-            <a:schemeClr val="accent1">
-              <a:shade val="50000"/>
-            </a:schemeClr>
-          </a:lnRef>
-          <a:fillRef idx="1">
-            <a:schemeClr val="accent1"/>
-          </a:fillRef>
-          <a:effectRef idx="0">
-            <a:schemeClr val="accent1"/>
-          </a:effectRef>
-          <a:fontRef idx="minor">
-            <a:schemeClr val="lt1"/>
-          </a:fontRef>
-        </p:style>
-        <p:txBody>
-          <a:bodyPr rtlCol="0" anchor="ctr"/>
-          <a:lstStyle/>
-          <a:p>
-            <a:pPr algn="ctr"/>
-            <a:r>
-              <a:rPr lang="fr-FR" dirty="0"/>
-              <a:t>Nom</a:t>
-            </a:r>
-          </a:p>
-        </p:txBody>
-      </p:sp>
-      <p:sp>
-        <p:nvSpPr>
-          <p:cNvPr id="16" name="Rectangle 15">
-            <a:extLst>
-              <a:ext uri="{FF2B5EF4-FFF2-40B4-BE49-F238E27FC236}">
-                <a16:creationId xmlns:a16="http://schemas.microsoft.com/office/drawing/2014/main" id="{29B5C5EB-81F7-9451-4755-A2B2106D7D45}"/>
-              </a:ext>
-            </a:extLst>
-          </p:cNvPr>
-          <p:cNvSpPr/>
-          <p:nvPr/>
-        </p:nvSpPr>
-        <p:spPr>
-          <a:xfrm>
-            <a:off x="2995534" y="3565900"/>
-            <a:ext cx="2532812" cy="494480"/>
-          </a:xfrm>
-          <a:prstGeom prst="rect">
-            <a:avLst/>
-          </a:prstGeom>
-          <a:solidFill>
-            <a:schemeClr val="bg1">
-              <a:lumMod val="50000"/>
-            </a:schemeClr>
-          </a:solidFill>
-          <a:ln>
-            <a:solidFill>
-              <a:schemeClr val="tx1">
-                <a:lumMod val="95000"/>
-                <a:lumOff val="5000"/>
-              </a:schemeClr>
-            </a:solidFill>
-          </a:ln>
-        </p:spPr>
-        <p:style>
-          <a:lnRef idx="2">
-            <a:schemeClr val="accent1">
-              <a:shade val="50000"/>
-            </a:schemeClr>
-          </a:lnRef>
-          <a:fillRef idx="1">
-            <a:schemeClr val="accent1"/>
-          </a:fillRef>
-          <a:effectRef idx="0">
-            <a:schemeClr val="accent1"/>
-          </a:effectRef>
-          <a:fontRef idx="minor">
-            <a:schemeClr val="lt1"/>
-          </a:fontRef>
-        </p:style>
-        <p:txBody>
-          <a:bodyPr rtlCol="0" anchor="ctr"/>
-          <a:lstStyle/>
-          <a:p>
-            <a:pPr algn="ctr"/>
-            <a:r>
-              <a:rPr lang="fr-FR" dirty="0"/>
-              <a:t>Téléphone</a:t>
-            </a:r>
-          </a:p>
-        </p:txBody>
-      </p:sp>
-      <p:sp>
-        <p:nvSpPr>
-          <p:cNvPr id="17" name="Rectangle 16">
-            <a:extLst>
-              <a:ext uri="{FF2B5EF4-FFF2-40B4-BE49-F238E27FC236}">
-                <a16:creationId xmlns:a16="http://schemas.microsoft.com/office/drawing/2014/main" id="{18B314F3-03A8-2FA3-EA16-720D438B8EF4}"/>
-              </a:ext>
-            </a:extLst>
-          </p:cNvPr>
-          <p:cNvSpPr/>
-          <p:nvPr/>
-        </p:nvSpPr>
-        <p:spPr>
-          <a:xfrm>
-            <a:off x="5528346" y="3547841"/>
-            <a:ext cx="3668120" cy="494480"/>
-          </a:xfrm>
-          <a:prstGeom prst="rect">
-            <a:avLst/>
-          </a:prstGeom>
-          <a:solidFill>
-            <a:schemeClr val="bg1"/>
-          </a:solidFill>
-          <a:ln>
-            <a:solidFill>
-              <a:schemeClr val="tx1">
-                <a:lumMod val="95000"/>
-                <a:lumOff val="5000"/>
-              </a:schemeClr>
-            </a:solidFill>
-          </a:ln>
-        </p:spPr>
-        <p:style>
-          <a:lnRef idx="2">
-            <a:schemeClr val="accent1">
-              <a:shade val="50000"/>
-            </a:schemeClr>
-          </a:lnRef>
-          <a:fillRef idx="1">
-            <a:schemeClr val="accent1"/>
-          </a:fillRef>
-          <a:effectRef idx="0">
-            <a:schemeClr val="accent1"/>
-          </a:effectRef>
-          <a:fontRef idx="minor">
-            <a:schemeClr val="lt1"/>
-          </a:fontRef>
-        </p:style>
-        <p:txBody>
-          <a:bodyPr rtlCol="0" anchor="ctr"/>
-          <a:lstStyle/>
-          <a:p>
-            <a:pPr algn="ctr"/>
-            <a:r>
-              <a:rPr lang="fr-FR" dirty="0"/>
-              <a:t>Nom</a:t>
-            </a:r>
-          </a:p>
-        </p:txBody>
-      </p:sp>
-      <p:sp>
-        <p:nvSpPr>
-          <p:cNvPr id="18" name="Rectangle 17">
-            <a:extLst>
-              <a:ext uri="{FF2B5EF4-FFF2-40B4-BE49-F238E27FC236}">
-                <a16:creationId xmlns:a16="http://schemas.microsoft.com/office/drawing/2014/main" id="{1745BE07-1779-B494-9B58-14B9D62D5B33}"/>
-              </a:ext>
-            </a:extLst>
-          </p:cNvPr>
-          <p:cNvSpPr/>
-          <p:nvPr/>
-        </p:nvSpPr>
-        <p:spPr>
-          <a:xfrm>
-            <a:off x="2995534" y="4158281"/>
-            <a:ext cx="2532812" cy="494480"/>
-          </a:xfrm>
-          <a:prstGeom prst="rect">
-            <a:avLst/>
-          </a:prstGeom>
-          <a:solidFill>
-            <a:schemeClr val="bg1">
-              <a:lumMod val="50000"/>
-            </a:schemeClr>
-          </a:solidFill>
-          <a:ln>
-            <a:solidFill>
-              <a:schemeClr val="tx1">
-                <a:lumMod val="95000"/>
-                <a:lumOff val="5000"/>
-              </a:schemeClr>
-            </a:solidFill>
-          </a:ln>
-        </p:spPr>
-        <p:style>
-          <a:lnRef idx="2">
-            <a:schemeClr val="accent1">
-              <a:shade val="50000"/>
-            </a:schemeClr>
-          </a:lnRef>
-          <a:fillRef idx="1">
-            <a:schemeClr val="accent1"/>
-          </a:fillRef>
-          <a:effectRef idx="0">
-            <a:schemeClr val="accent1"/>
-          </a:effectRef>
-          <a:fontRef idx="minor">
-            <a:schemeClr val="lt1"/>
-          </a:fontRef>
-        </p:style>
-        <p:txBody>
-          <a:bodyPr rtlCol="0" anchor="ctr"/>
-          <a:lstStyle/>
-          <a:p>
-            <a:pPr algn="ctr"/>
-            <a:r>
-              <a:rPr lang="fr-FR" dirty="0"/>
-              <a:t>Message</a:t>
-            </a:r>
-          </a:p>
-        </p:txBody>
-      </p:sp>
-      <p:sp>
-        <p:nvSpPr>
-          <p:cNvPr id="19" name="Rectangle 18">
-            <a:extLst>
-              <a:ext uri="{FF2B5EF4-FFF2-40B4-BE49-F238E27FC236}">
-                <a16:creationId xmlns:a16="http://schemas.microsoft.com/office/drawing/2014/main" id="{F0B101F4-8629-499A-3454-EFC515B588CC}"/>
-              </a:ext>
-            </a:extLst>
-          </p:cNvPr>
-          <p:cNvSpPr/>
-          <p:nvPr/>
-        </p:nvSpPr>
-        <p:spPr>
-          <a:xfrm>
-            <a:off x="5528346" y="4170945"/>
-            <a:ext cx="3668120" cy="1608676"/>
-          </a:xfrm>
-          <a:prstGeom prst="rect">
-            <a:avLst/>
-          </a:prstGeom>
-          <a:solidFill>
-            <a:schemeClr val="bg1"/>
-          </a:solidFill>
-          <a:ln>
-            <a:solidFill>
-              <a:schemeClr val="tx1">
-                <a:lumMod val="95000"/>
-                <a:lumOff val="5000"/>
-              </a:schemeClr>
-            </a:solidFill>
-          </a:ln>
-        </p:spPr>
-        <p:style>
-          <a:lnRef idx="2">
-            <a:schemeClr val="accent1">
-              <a:shade val="50000"/>
-            </a:schemeClr>
-          </a:lnRef>
-          <a:fillRef idx="1">
-            <a:schemeClr val="accent1"/>
-          </a:fillRef>
-          <a:effectRef idx="0">
-            <a:schemeClr val="accent1"/>
-          </a:effectRef>
-          <a:fontRef idx="minor">
-            <a:schemeClr val="lt1"/>
-          </a:fontRef>
-        </p:style>
-        <p:txBody>
-          <a:bodyPr rtlCol="0" anchor="ctr"/>
-          <a:lstStyle/>
-          <a:p>
-            <a:pPr algn="ctr"/>
-            <a:r>
-              <a:rPr lang="fr-FR" dirty="0"/>
-              <a:t>Nom</a:t>
-            </a:r>
-          </a:p>
-        </p:txBody>
-      </p:sp>
-      <p:sp>
-        <p:nvSpPr>
-          <p:cNvPr id="20" name="Rectangle 19">
-            <a:extLst>
-              <a:ext uri="{FF2B5EF4-FFF2-40B4-BE49-F238E27FC236}">
-                <a16:creationId xmlns:a16="http://schemas.microsoft.com/office/drawing/2014/main" id="{07B107CC-2C17-9718-47C6-C5F61870C0DF}"/>
-              </a:ext>
-            </a:extLst>
-          </p:cNvPr>
-          <p:cNvSpPr/>
-          <p:nvPr/>
-        </p:nvSpPr>
-        <p:spPr>
-          <a:xfrm>
-            <a:off x="2995534" y="1142895"/>
-            <a:ext cx="2532812" cy="494480"/>
-          </a:xfrm>
-          <a:prstGeom prst="rect">
-            <a:avLst/>
-          </a:prstGeom>
-          <a:solidFill>
-            <a:schemeClr val="bg1">
-              <a:lumMod val="50000"/>
-            </a:schemeClr>
-          </a:solidFill>
-          <a:ln>
-            <a:solidFill>
-              <a:schemeClr val="tx1">
-                <a:lumMod val="95000"/>
-                <a:lumOff val="5000"/>
-              </a:schemeClr>
-            </a:solidFill>
-          </a:ln>
-        </p:spPr>
-        <p:style>
-          <a:lnRef idx="2">
-            <a:schemeClr val="accent1">
-              <a:shade val="50000"/>
-            </a:schemeClr>
-          </a:lnRef>
-          <a:fillRef idx="1">
-            <a:schemeClr val="accent1"/>
-          </a:fillRef>
-          <a:effectRef idx="0">
-            <a:schemeClr val="accent1"/>
-          </a:effectRef>
-          <a:fontRef idx="minor">
-            <a:schemeClr val="lt1"/>
-          </a:fontRef>
-        </p:style>
-        <p:txBody>
-          <a:bodyPr rtlCol="0" anchor="ctr"/>
-          <a:lstStyle/>
-          <a:p>
-            <a:pPr algn="ctr"/>
-            <a:r>
-              <a:rPr lang="fr-FR" dirty="0"/>
-              <a:t>Sujet</a:t>
-            </a:r>
-          </a:p>
-        </p:txBody>
-      </p:sp>
-      <p:sp>
-        <p:nvSpPr>
-          <p:cNvPr id="21" name="Rectangle 20">
-            <a:extLst>
-              <a:ext uri="{FF2B5EF4-FFF2-40B4-BE49-F238E27FC236}">
-                <a16:creationId xmlns:a16="http://schemas.microsoft.com/office/drawing/2014/main" id="{E402F11A-DEB3-9B2E-4898-4DE77D7C5445}"/>
-              </a:ext>
-            </a:extLst>
-          </p:cNvPr>
-          <p:cNvSpPr/>
-          <p:nvPr/>
-        </p:nvSpPr>
-        <p:spPr>
-          <a:xfrm>
-            <a:off x="5528346" y="1142895"/>
-            <a:ext cx="3668120" cy="494480"/>
-          </a:xfrm>
-          <a:prstGeom prst="rect">
-            <a:avLst/>
-          </a:prstGeom>
-          <a:solidFill>
-            <a:schemeClr val="bg1"/>
-          </a:solidFill>
-          <a:ln>
-            <a:solidFill>
-              <a:schemeClr val="tx1">
-                <a:lumMod val="95000"/>
-                <a:lumOff val="5000"/>
-              </a:schemeClr>
-            </a:solidFill>
-          </a:ln>
-        </p:spPr>
-        <p:style>
-          <a:lnRef idx="2">
-            <a:schemeClr val="accent1">
-              <a:shade val="50000"/>
-            </a:schemeClr>
-          </a:lnRef>
-          <a:fillRef idx="1">
-            <a:schemeClr val="accent1"/>
-          </a:fillRef>
-          <a:effectRef idx="0">
-            <a:schemeClr val="accent1"/>
-          </a:effectRef>
-          <a:fontRef idx="minor">
-            <a:schemeClr val="lt1"/>
-          </a:fontRef>
-        </p:style>
-        <p:txBody>
-          <a:bodyPr rtlCol="0" anchor="ctr"/>
-          <a:lstStyle/>
-          <a:p>
-            <a:pPr algn="ctr"/>
-            <a:r>
-              <a:rPr lang="fr-FR" dirty="0"/>
-              <a:t>Nom</a:t>
-            </a:r>
-          </a:p>
-        </p:txBody>
-      </p:sp>
-    </p:spTree>
-    <p:extLst>
-      <p:ext uri="{BB962C8B-B14F-4D97-AF65-F5344CB8AC3E}">
-        <p14:creationId xmlns:p14="http://schemas.microsoft.com/office/powerpoint/2010/main" val="3612715377"/>
-      </p:ext>
-    </p:extLst>
-  </p:cSld>
-  <p:clrMapOvr>
-    <a:masterClrMapping/>
-  </p:clrMapOvr>
-</p:sld>
-</file>
-
-<file path=ppt/slides/slide6.xml><?xml version="1.0" encoding="utf-8"?>
-<p:sld xmlns:a="http://schemas.openxmlformats.org/drawingml/2006/main" xmlns:r="http://schemas.openxmlformats.org/officeDocument/2006/relationships" xmlns:p="http://schemas.openxmlformats.org/presentationml/2006/main">
-  <p:cSld>
-    <p:spTree>
-      <p:nvGrpSpPr>
-        <p:cNvPr id="1" name=""/>
-        <p:cNvGrpSpPr/>
-        <p:nvPr/>
-      </p:nvGrpSpPr>
-      <p:grpSpPr>
-        <a:xfrm>
-          <a:off x="0" y="0"/>
-          <a:ext cx="0" cy="0"/>
-          <a:chOff x="0" y="0"/>
-          <a:chExt cx="0" cy="0"/>
-        </a:xfrm>
-      </p:grpSpPr>
-      <p:sp>
-        <p:nvSpPr>
-          <p:cNvPr id="7" name="Rectangle 6">
-            <a:extLst>
-              <a:ext uri="{FF2B5EF4-FFF2-40B4-BE49-F238E27FC236}">
-                <a16:creationId xmlns:a16="http://schemas.microsoft.com/office/drawing/2014/main" id="{8CA717CA-55EA-45D0-B44F-C0A677319E14}"/>
-              </a:ext>
-            </a:extLst>
-          </p:cNvPr>
-          <p:cNvSpPr/>
-          <p:nvPr/>
-        </p:nvSpPr>
-        <p:spPr>
-          <a:xfrm>
             <a:off x="2745698" y="1216404"/>
             <a:ext cx="6700603" cy="4697835"/>
           </a:xfrm>
@@ -17651,7 +15509,7 @@
 </p:sld>
 </file>
 
-<file path=ppt/slides/slide7.xml><?xml version="1.0" encoding="utf-8"?>
+<file path=ppt/slides/slide6.xml><?xml version="1.0" encoding="utf-8"?>
 <p:sld xmlns:a="http://schemas.openxmlformats.org/drawingml/2006/main" xmlns:r="http://schemas.openxmlformats.org/officeDocument/2006/relationships" xmlns:p="http://schemas.openxmlformats.org/presentationml/2006/main">
   <p:cSld>
     <p:spTree>
@@ -18462,7 +16320,7 @@
 </p:sld>
 </file>
 
-<file path=ppt/slides/slide8.xml><?xml version="1.0" encoding="utf-8"?>
+<file path=ppt/slides/slide7.xml><?xml version="1.0" encoding="utf-8"?>
 <p:sld xmlns:a="http://schemas.openxmlformats.org/drawingml/2006/main" xmlns:r="http://schemas.openxmlformats.org/officeDocument/2006/relationships" xmlns:p="http://schemas.openxmlformats.org/presentationml/2006/main">
   <p:cSld>
     <p:spTree>
@@ -18543,10 +16401,10 @@
       </p:sp>
       <p:sp>
         <p:nvSpPr>
-          <p:cNvPr id="14" name="Rectangle 13">
-            <a:extLst>
-              <a:ext uri="{FF2B5EF4-FFF2-40B4-BE49-F238E27FC236}">
-                <a16:creationId xmlns:a16="http://schemas.microsoft.com/office/drawing/2014/main" id="{0BD043C5-1849-4813-BBBC-3D5D588C9D91}"/>
+          <p:cNvPr id="6" name="Rectangle 5">
+            <a:extLst>
+              <a:ext uri="{FF2B5EF4-FFF2-40B4-BE49-F238E27FC236}">
+                <a16:creationId xmlns:a16="http://schemas.microsoft.com/office/drawing/2014/main" id="{E7363257-97F2-FF4E-B810-6B207CF02B79}"/>
               </a:ext>
             </a:extLst>
           </p:cNvPr>
@@ -18555,15 +16413,15 @@
         </p:nvSpPr>
         <p:spPr>
           <a:xfrm>
-            <a:off x="380999" y="298846"/>
-            <a:ext cx="1338743" cy="719136"/>
+            <a:off x="381003" y="2576696"/>
+            <a:ext cx="1674303" cy="719138"/>
           </a:xfrm>
           <a:prstGeom prst="rect">
             <a:avLst/>
           </a:prstGeom>
           <a:solidFill>
             <a:schemeClr val="bg1">
-              <a:lumMod val="95000"/>
+              <a:lumMod val="50000"/>
             </a:schemeClr>
           </a:solidFill>
           <a:ln>
@@ -18597,25 +16455,18 @@
           <a:p>
             <a:pPr algn="ctr"/>
             <a:r>
-              <a:rPr lang="fr-FR" sz="1600" dirty="0">
-                <a:solidFill>
-                  <a:schemeClr val="tx1">
-                    <a:lumMod val="95000"/>
-                    <a:lumOff val="5000"/>
-                  </a:schemeClr>
-                </a:solidFill>
-              </a:rPr>
-              <a:t>Home</a:t>
-            </a:r>
-          </a:p>
-        </p:txBody>
-      </p:sp>
-      <p:sp>
-        <p:nvSpPr>
-          <p:cNvPr id="15" name="Rectangle 14">
-            <a:extLst>
-              <a:ext uri="{FF2B5EF4-FFF2-40B4-BE49-F238E27FC236}">
-                <a16:creationId xmlns:a16="http://schemas.microsoft.com/office/drawing/2014/main" id="{7C46A0C0-BE53-4419-A1C5-A6339288463D}"/>
+              <a:rPr lang="fr-FR" dirty="0"/>
+              <a:t>Services</a:t>
+            </a:r>
+          </a:p>
+        </p:txBody>
+      </p:sp>
+      <p:sp>
+        <p:nvSpPr>
+          <p:cNvPr id="7" name="Rectangle 6">
+            <a:extLst>
+              <a:ext uri="{FF2B5EF4-FFF2-40B4-BE49-F238E27FC236}">
+                <a16:creationId xmlns:a16="http://schemas.microsoft.com/office/drawing/2014/main" id="{C7F3B923-0D44-3649-5F35-A184FE04043A}"/>
               </a:ext>
             </a:extLst>
           </p:cNvPr>
@@ -18624,15 +16475,15 @@
         </p:nvSpPr>
         <p:spPr>
           <a:xfrm>
-            <a:off x="10167457" y="298846"/>
-            <a:ext cx="1669152" cy="719138"/>
+            <a:off x="381002" y="3295834"/>
+            <a:ext cx="1674303" cy="719138"/>
           </a:xfrm>
           <a:prstGeom prst="rect">
             <a:avLst/>
           </a:prstGeom>
           <a:solidFill>
             <a:schemeClr val="bg1">
-              <a:lumMod val="95000"/>
+              <a:lumMod val="50000"/>
             </a:schemeClr>
           </a:solidFill>
           <a:ln>
@@ -18666,25 +16517,18 @@
           <a:p>
             <a:pPr algn="ctr"/>
             <a:r>
-              <a:rPr lang="fr-FR" dirty="0">
-                <a:solidFill>
-                  <a:schemeClr val="tx1">
-                    <a:lumMod val="95000"/>
-                    <a:lumOff val="5000"/>
-                  </a:schemeClr>
-                </a:solidFill>
-              </a:rPr>
-              <a:t>Déconnexion</a:t>
-            </a:r>
-          </a:p>
-        </p:txBody>
-      </p:sp>
-      <p:sp>
-        <p:nvSpPr>
-          <p:cNvPr id="6" name="Rectangle 5">
-            <a:extLst>
-              <a:ext uri="{FF2B5EF4-FFF2-40B4-BE49-F238E27FC236}">
-                <a16:creationId xmlns:a16="http://schemas.microsoft.com/office/drawing/2014/main" id="{E7363257-97F2-FF4E-B810-6B207CF02B79}"/>
+              <a:rPr lang="fr-FR" dirty="0"/>
+              <a:t>Horaires</a:t>
+            </a:r>
+          </a:p>
+        </p:txBody>
+      </p:sp>
+      <p:sp>
+        <p:nvSpPr>
+          <p:cNvPr id="16" name="Rectangle 15">
+            <a:extLst>
+              <a:ext uri="{FF2B5EF4-FFF2-40B4-BE49-F238E27FC236}">
+                <a16:creationId xmlns:a16="http://schemas.microsoft.com/office/drawing/2014/main" id="{1CA73493-8257-EF36-EC07-362E52058B92}"/>
               </a:ext>
             </a:extLst>
           </p:cNvPr>
@@ -18693,7 +16537,7 @@
         </p:nvSpPr>
         <p:spPr>
           <a:xfrm>
-            <a:off x="381003" y="2576696"/>
+            <a:off x="381001" y="4030711"/>
             <a:ext cx="1674303" cy="719138"/>
           </a:xfrm>
           <a:prstGeom prst="rect">
@@ -18736,17 +16580,17 @@
             <a:pPr algn="ctr"/>
             <a:r>
               <a:rPr lang="fr-FR" dirty="0"/>
-              <a:t>Services</a:t>
-            </a:r>
-          </a:p>
-        </p:txBody>
-      </p:sp>
-      <p:sp>
-        <p:nvSpPr>
-          <p:cNvPr id="7" name="Rectangle 6">
-            <a:extLst>
-              <a:ext uri="{FF2B5EF4-FFF2-40B4-BE49-F238E27FC236}">
-                <a16:creationId xmlns:a16="http://schemas.microsoft.com/office/drawing/2014/main" id="{C7F3B923-0D44-3649-5F35-A184FE04043A}"/>
+              <a:t>Véhicules</a:t>
+            </a:r>
+          </a:p>
+        </p:txBody>
+      </p:sp>
+      <p:sp>
+        <p:nvSpPr>
+          <p:cNvPr id="17" name="Rectangle 16">
+            <a:extLst>
+              <a:ext uri="{FF2B5EF4-FFF2-40B4-BE49-F238E27FC236}">
+                <a16:creationId xmlns:a16="http://schemas.microsoft.com/office/drawing/2014/main" id="{FB35FE74-CB85-D621-E338-DACE1EC9B566}"/>
               </a:ext>
             </a:extLst>
           </p:cNvPr>
@@ -18755,131 +16599,7 @@
         </p:nvSpPr>
         <p:spPr>
           <a:xfrm>
-            <a:off x="381002" y="3295834"/>
-            <a:ext cx="1674303" cy="719138"/>
-          </a:xfrm>
-          <a:prstGeom prst="rect">
-            <a:avLst/>
-          </a:prstGeom>
-          <a:solidFill>
-            <a:schemeClr val="bg1">
-              <a:lumMod val="50000"/>
-            </a:schemeClr>
-          </a:solidFill>
-          <a:ln>
-            <a:solidFill>
-              <a:schemeClr val="tx1">
-                <a:lumMod val="95000"/>
-                <a:lumOff val="5000"/>
-              </a:schemeClr>
-            </a:solidFill>
-          </a:ln>
-        </p:spPr>
-        <p:style>
-          <a:lnRef idx="2">
-            <a:schemeClr val="accent1">
-              <a:shade val="50000"/>
-            </a:schemeClr>
-          </a:lnRef>
-          <a:fillRef idx="1">
-            <a:schemeClr val="accent1"/>
-          </a:fillRef>
-          <a:effectRef idx="0">
-            <a:schemeClr val="accent1"/>
-          </a:effectRef>
-          <a:fontRef idx="minor">
-            <a:schemeClr val="lt1"/>
-          </a:fontRef>
-        </p:style>
-        <p:txBody>
-          <a:bodyPr rtlCol="0" anchor="ctr"/>
-          <a:lstStyle/>
-          <a:p>
-            <a:pPr algn="ctr"/>
-            <a:r>
-              <a:rPr lang="fr-FR" dirty="0"/>
-              <a:t>Horaires</a:t>
-            </a:r>
-          </a:p>
-        </p:txBody>
-      </p:sp>
-      <p:sp>
-        <p:nvSpPr>
-          <p:cNvPr id="16" name="Rectangle 15">
-            <a:extLst>
-              <a:ext uri="{FF2B5EF4-FFF2-40B4-BE49-F238E27FC236}">
-                <a16:creationId xmlns:a16="http://schemas.microsoft.com/office/drawing/2014/main" id="{1CA73493-8257-EF36-EC07-362E52058B92}"/>
-              </a:ext>
-            </a:extLst>
-          </p:cNvPr>
-          <p:cNvSpPr/>
-          <p:nvPr/>
-        </p:nvSpPr>
-        <p:spPr>
-          <a:xfrm>
-            <a:off x="381001" y="4030711"/>
-            <a:ext cx="1674303" cy="719138"/>
-          </a:xfrm>
-          <a:prstGeom prst="rect">
-            <a:avLst/>
-          </a:prstGeom>
-          <a:solidFill>
-            <a:schemeClr val="bg1">
-              <a:lumMod val="50000"/>
-            </a:schemeClr>
-          </a:solidFill>
-          <a:ln>
-            <a:solidFill>
-              <a:schemeClr val="tx1">
-                <a:lumMod val="95000"/>
-                <a:lumOff val="5000"/>
-              </a:schemeClr>
-            </a:solidFill>
-          </a:ln>
-        </p:spPr>
-        <p:style>
-          <a:lnRef idx="2">
-            <a:schemeClr val="accent1">
-              <a:shade val="50000"/>
-            </a:schemeClr>
-          </a:lnRef>
-          <a:fillRef idx="1">
-            <a:schemeClr val="accent1"/>
-          </a:fillRef>
-          <a:effectRef idx="0">
-            <a:schemeClr val="accent1"/>
-          </a:effectRef>
-          <a:fontRef idx="minor">
-            <a:schemeClr val="lt1"/>
-          </a:fontRef>
-        </p:style>
-        <p:txBody>
-          <a:bodyPr rtlCol="0" anchor="ctr"/>
-          <a:lstStyle/>
-          <a:p>
-            <a:pPr algn="ctr"/>
-            <a:r>
-              <a:rPr lang="fr-FR" dirty="0"/>
-              <a:t>Véhicules</a:t>
-            </a:r>
-          </a:p>
-        </p:txBody>
-      </p:sp>
-      <p:sp>
-        <p:nvSpPr>
-          <p:cNvPr id="17" name="Rectangle 16">
-            <a:extLst>
-              <a:ext uri="{FF2B5EF4-FFF2-40B4-BE49-F238E27FC236}">
-                <a16:creationId xmlns:a16="http://schemas.microsoft.com/office/drawing/2014/main" id="{FB35FE74-CB85-D621-E338-DACE1EC9B566}"/>
-              </a:ext>
-            </a:extLst>
-          </p:cNvPr>
-          <p:cNvSpPr/>
-          <p:nvPr/>
-        </p:nvSpPr>
-        <p:spPr>
-          <a:xfrm>
-            <a:off x="2995534" y="292534"/>
+            <a:off x="2966937" y="123170"/>
             <a:ext cx="6200932" cy="719137"/>
           </a:xfrm>
           <a:prstGeom prst="rect">
@@ -19572,6 +17292,295 @@
           </a:p>
         </p:txBody>
       </p:sp>
+      <p:sp>
+        <p:nvSpPr>
+          <p:cNvPr id="2" name="Rectangle 1">
+            <a:extLst>
+              <a:ext uri="{FF2B5EF4-FFF2-40B4-BE49-F238E27FC236}">
+                <a16:creationId xmlns:a16="http://schemas.microsoft.com/office/drawing/2014/main" id="{D3EE8452-E6CD-534E-AE9B-4ACE277B2689}"/>
+              </a:ext>
+            </a:extLst>
+          </p:cNvPr>
+          <p:cNvSpPr/>
+          <p:nvPr/>
+        </p:nvSpPr>
+        <p:spPr>
+          <a:xfrm>
+            <a:off x="109122" y="125821"/>
+            <a:ext cx="1585520" cy="661745"/>
+          </a:xfrm>
+          <a:prstGeom prst="rect">
+            <a:avLst/>
+          </a:prstGeom>
+          <a:solidFill>
+            <a:schemeClr val="bg1"/>
+          </a:solidFill>
+          <a:ln>
+            <a:solidFill>
+              <a:schemeClr val="tx1">
+                <a:lumMod val="95000"/>
+                <a:lumOff val="5000"/>
+              </a:schemeClr>
+            </a:solidFill>
+          </a:ln>
+        </p:spPr>
+        <p:style>
+          <a:lnRef idx="2">
+            <a:schemeClr val="accent1">
+              <a:shade val="50000"/>
+            </a:schemeClr>
+          </a:lnRef>
+          <a:fillRef idx="1">
+            <a:schemeClr val="accent1"/>
+          </a:fillRef>
+          <a:effectRef idx="0">
+            <a:schemeClr val="accent1"/>
+          </a:effectRef>
+          <a:fontRef idx="minor">
+            <a:schemeClr val="lt1"/>
+          </a:fontRef>
+        </p:style>
+        <p:txBody>
+          <a:bodyPr rtlCol="0" anchor="ctr"/>
+          <a:lstStyle/>
+          <a:p>
+            <a:pPr algn="ctr"/>
+            <a:r>
+              <a:rPr lang="fr-FR" dirty="0"/>
+              <a:t>Logo</a:t>
+            </a:r>
+          </a:p>
+        </p:txBody>
+      </p:sp>
+      <p:grpSp>
+        <p:nvGrpSpPr>
+          <p:cNvPr id="4" name="Groupe 3">
+            <a:extLst>
+              <a:ext uri="{FF2B5EF4-FFF2-40B4-BE49-F238E27FC236}">
+                <a16:creationId xmlns:a16="http://schemas.microsoft.com/office/drawing/2014/main" id="{DAA96F3A-EB1B-F40D-750B-CD1F997AB254}"/>
+              </a:ext>
+            </a:extLst>
+          </p:cNvPr>
+          <p:cNvGrpSpPr/>
+          <p:nvPr/>
+        </p:nvGrpSpPr>
+        <p:grpSpPr>
+          <a:xfrm>
+            <a:off x="100668" y="125820"/>
+            <a:ext cx="1602297" cy="661746"/>
+            <a:chOff x="100668" y="125820"/>
+            <a:chExt cx="1602297" cy="661746"/>
+          </a:xfrm>
+        </p:grpSpPr>
+        <p:cxnSp>
+          <p:nvCxnSpPr>
+            <p:cNvPr id="5" name="Connecteur droit 4">
+              <a:extLst>
+                <a:ext uri="{FF2B5EF4-FFF2-40B4-BE49-F238E27FC236}">
+                  <a16:creationId xmlns:a16="http://schemas.microsoft.com/office/drawing/2014/main" id="{32DB48A9-6ECA-C2A4-DD65-9D25AEA97C1F}"/>
+                </a:ext>
+              </a:extLst>
+            </p:cNvPr>
+            <p:cNvCxnSpPr/>
+            <p:nvPr/>
+          </p:nvCxnSpPr>
+          <p:spPr>
+            <a:xfrm>
+              <a:off x="100668" y="125820"/>
+              <a:ext cx="1602297" cy="661746"/>
+            </a:xfrm>
+            <a:prstGeom prst="line">
+              <a:avLst/>
+            </a:prstGeom>
+          </p:spPr>
+          <p:style>
+            <a:lnRef idx="1">
+              <a:schemeClr val="dk1"/>
+            </a:lnRef>
+            <a:fillRef idx="0">
+              <a:schemeClr val="dk1"/>
+            </a:fillRef>
+            <a:effectRef idx="0">
+              <a:schemeClr val="dk1"/>
+            </a:effectRef>
+            <a:fontRef idx="minor">
+              <a:schemeClr val="tx1"/>
+            </a:fontRef>
+          </p:style>
+        </p:cxnSp>
+        <p:cxnSp>
+          <p:nvCxnSpPr>
+            <p:cNvPr id="9" name="Connecteur droit 8">
+              <a:extLst>
+                <a:ext uri="{FF2B5EF4-FFF2-40B4-BE49-F238E27FC236}">
+                  <a16:creationId xmlns:a16="http://schemas.microsoft.com/office/drawing/2014/main" id="{89EB755C-991C-2086-9D7F-9375350C93AE}"/>
+                </a:ext>
+              </a:extLst>
+            </p:cNvPr>
+            <p:cNvCxnSpPr>
+              <a:cxnSpLocks/>
+            </p:cNvCxnSpPr>
+            <p:nvPr/>
+          </p:nvCxnSpPr>
+          <p:spPr>
+            <a:xfrm flipV="1">
+              <a:off x="109122" y="125820"/>
+              <a:ext cx="1593843" cy="661746"/>
+            </a:xfrm>
+            <a:prstGeom prst="line">
+              <a:avLst/>
+            </a:prstGeom>
+          </p:spPr>
+          <p:style>
+            <a:lnRef idx="1">
+              <a:schemeClr val="dk1"/>
+            </a:lnRef>
+            <a:fillRef idx="0">
+              <a:schemeClr val="dk1"/>
+            </a:fillRef>
+            <a:effectRef idx="0">
+              <a:schemeClr val="dk1"/>
+            </a:effectRef>
+            <a:fontRef idx="minor">
+              <a:schemeClr val="tx1"/>
+            </a:fontRef>
+          </p:style>
+        </p:cxnSp>
+      </p:grpSp>
+      <p:sp>
+        <p:nvSpPr>
+          <p:cNvPr id="10" name="Rectangle 9">
+            <a:extLst>
+              <a:ext uri="{FF2B5EF4-FFF2-40B4-BE49-F238E27FC236}">
+                <a16:creationId xmlns:a16="http://schemas.microsoft.com/office/drawing/2014/main" id="{B0612FC2-3588-E7B8-A7B9-BEF51AC68C77}"/>
+              </a:ext>
+            </a:extLst>
+          </p:cNvPr>
+          <p:cNvSpPr/>
+          <p:nvPr/>
+        </p:nvSpPr>
+        <p:spPr>
+          <a:xfrm>
+            <a:off x="10448488" y="125821"/>
+            <a:ext cx="1585520" cy="661745"/>
+          </a:xfrm>
+          <a:prstGeom prst="rect">
+            <a:avLst/>
+          </a:prstGeom>
+          <a:solidFill>
+            <a:schemeClr val="bg1"/>
+          </a:solidFill>
+          <a:ln>
+            <a:solidFill>
+              <a:schemeClr val="tx1">
+                <a:lumMod val="95000"/>
+                <a:lumOff val="5000"/>
+              </a:schemeClr>
+            </a:solidFill>
+          </a:ln>
+        </p:spPr>
+        <p:style>
+          <a:lnRef idx="2">
+            <a:schemeClr val="accent1">
+              <a:shade val="50000"/>
+            </a:schemeClr>
+          </a:lnRef>
+          <a:fillRef idx="1">
+            <a:schemeClr val="accent1"/>
+          </a:fillRef>
+          <a:effectRef idx="0">
+            <a:schemeClr val="accent1"/>
+          </a:effectRef>
+          <a:fontRef idx="minor">
+            <a:schemeClr val="lt1"/>
+          </a:fontRef>
+        </p:style>
+        <p:txBody>
+          <a:bodyPr rtlCol="0" anchor="ctr"/>
+          <a:lstStyle/>
+          <a:p>
+            <a:pPr algn="ctr"/>
+            <a:r>
+              <a:rPr lang="fr-FR" dirty="0"/>
+              <a:t>Logo</a:t>
+            </a:r>
+          </a:p>
+        </p:txBody>
+      </p:sp>
+      <p:cxnSp>
+        <p:nvCxnSpPr>
+          <p:cNvPr id="11" name="Connecteur droit 10">
+            <a:extLst>
+              <a:ext uri="{FF2B5EF4-FFF2-40B4-BE49-F238E27FC236}">
+                <a16:creationId xmlns:a16="http://schemas.microsoft.com/office/drawing/2014/main" id="{AEA0968F-E8AA-2987-F751-E274AB84DD42}"/>
+              </a:ext>
+            </a:extLst>
+          </p:cNvPr>
+          <p:cNvCxnSpPr/>
+          <p:nvPr/>
+        </p:nvCxnSpPr>
+        <p:spPr>
+          <a:xfrm>
+            <a:off x="10448488" y="127512"/>
+            <a:ext cx="1602297" cy="661746"/>
+          </a:xfrm>
+          <a:prstGeom prst="line">
+            <a:avLst/>
+          </a:prstGeom>
+        </p:spPr>
+        <p:style>
+          <a:lnRef idx="1">
+            <a:schemeClr val="dk1"/>
+          </a:lnRef>
+          <a:fillRef idx="0">
+            <a:schemeClr val="dk1"/>
+          </a:fillRef>
+          <a:effectRef idx="0">
+            <a:schemeClr val="dk1"/>
+          </a:effectRef>
+          <a:fontRef idx="minor">
+            <a:schemeClr val="tx1"/>
+          </a:fontRef>
+        </p:style>
+      </p:cxnSp>
+      <p:cxnSp>
+        <p:nvCxnSpPr>
+          <p:cNvPr id="12" name="Connecteur droit 11">
+            <a:extLst>
+              <a:ext uri="{FF2B5EF4-FFF2-40B4-BE49-F238E27FC236}">
+                <a16:creationId xmlns:a16="http://schemas.microsoft.com/office/drawing/2014/main" id="{D5FD83C3-047C-62F9-9829-D47E14B99D91}"/>
+              </a:ext>
+            </a:extLst>
+          </p:cNvPr>
+          <p:cNvCxnSpPr>
+            <a:cxnSpLocks/>
+          </p:cNvCxnSpPr>
+          <p:nvPr/>
+        </p:nvCxnSpPr>
+        <p:spPr>
+          <a:xfrm flipV="1">
+            <a:off x="10456942" y="127512"/>
+            <a:ext cx="1593843" cy="661746"/>
+          </a:xfrm>
+          <a:prstGeom prst="line">
+            <a:avLst/>
+          </a:prstGeom>
+        </p:spPr>
+        <p:style>
+          <a:lnRef idx="1">
+            <a:schemeClr val="dk1"/>
+          </a:lnRef>
+          <a:fillRef idx="0">
+            <a:schemeClr val="dk1"/>
+          </a:fillRef>
+          <a:effectRef idx="0">
+            <a:schemeClr val="dk1"/>
+          </a:effectRef>
+          <a:fontRef idx="minor">
+            <a:schemeClr val="tx1"/>
+          </a:fontRef>
+        </p:style>
+      </p:cxnSp>
     </p:spTree>
     <p:extLst>
       <p:ext uri="{BB962C8B-B14F-4D97-AF65-F5344CB8AC3E}">
@@ -19585,7 +17594,7 @@
 </p:sld>
 </file>
 
-<file path=ppt/slides/slide9.xml><?xml version="1.0" encoding="utf-8"?>
+<file path=ppt/slides/slide8.xml><?xml version="1.0" encoding="utf-8"?>
 <p:sld xmlns:a="http://schemas.openxmlformats.org/drawingml/2006/main" xmlns:r="http://schemas.openxmlformats.org/officeDocument/2006/relationships" xmlns:p="http://schemas.openxmlformats.org/presentationml/2006/main">
   <p:cSld>
     <p:spTree>
@@ -19604,10 +17613,10 @@
       </p:grpSpPr>
       <p:sp>
         <p:nvSpPr>
-          <p:cNvPr id="14" name="Rectangle 13">
-            <a:extLst>
-              <a:ext uri="{FF2B5EF4-FFF2-40B4-BE49-F238E27FC236}">
-                <a16:creationId xmlns:a16="http://schemas.microsoft.com/office/drawing/2014/main" id="{0BD043C5-1849-4813-BBBC-3D5D588C9D91}"/>
+          <p:cNvPr id="16" name="Rectangle 15">
+            <a:extLst>
+              <a:ext uri="{FF2B5EF4-FFF2-40B4-BE49-F238E27FC236}">
+                <a16:creationId xmlns:a16="http://schemas.microsoft.com/office/drawing/2014/main" id="{1CA73493-8257-EF36-EC07-362E52058B92}"/>
               </a:ext>
             </a:extLst>
           </p:cNvPr>
@@ -19616,15 +17625,15 @@
         </p:nvSpPr>
         <p:spPr>
           <a:xfrm>
-            <a:off x="380999" y="298846"/>
-            <a:ext cx="1338743" cy="719136"/>
+            <a:off x="381000" y="2981349"/>
+            <a:ext cx="1674303" cy="719138"/>
           </a:xfrm>
           <a:prstGeom prst="rect">
             <a:avLst/>
           </a:prstGeom>
           <a:solidFill>
             <a:schemeClr val="bg1">
-              <a:lumMod val="95000"/>
+              <a:lumMod val="50000"/>
             </a:schemeClr>
           </a:solidFill>
           <a:ln>
@@ -19658,215 +17667,8 @@
           <a:p>
             <a:pPr algn="ctr"/>
             <a:r>
-              <a:rPr lang="fr-FR" sz="1600" dirty="0">
-                <a:solidFill>
-                  <a:schemeClr val="tx1">
-                    <a:lumMod val="95000"/>
-                    <a:lumOff val="5000"/>
-                  </a:schemeClr>
-                </a:solidFill>
-              </a:rPr>
-              <a:t>Home</a:t>
-            </a:r>
-          </a:p>
-        </p:txBody>
-      </p:sp>
-      <p:sp>
-        <p:nvSpPr>
-          <p:cNvPr id="15" name="Rectangle 14">
-            <a:extLst>
-              <a:ext uri="{FF2B5EF4-FFF2-40B4-BE49-F238E27FC236}">
-                <a16:creationId xmlns:a16="http://schemas.microsoft.com/office/drawing/2014/main" id="{7C46A0C0-BE53-4419-A1C5-A6339288463D}"/>
-              </a:ext>
-            </a:extLst>
-          </p:cNvPr>
-          <p:cNvSpPr/>
-          <p:nvPr/>
-        </p:nvSpPr>
-        <p:spPr>
-          <a:xfrm>
-            <a:off x="10167457" y="298846"/>
-            <a:ext cx="1669152" cy="719138"/>
-          </a:xfrm>
-          <a:prstGeom prst="rect">
-            <a:avLst/>
-          </a:prstGeom>
-          <a:solidFill>
-            <a:schemeClr val="bg1">
-              <a:lumMod val="95000"/>
-            </a:schemeClr>
-          </a:solidFill>
-          <a:ln>
-            <a:solidFill>
-              <a:schemeClr val="tx1">
-                <a:lumMod val="95000"/>
-                <a:lumOff val="5000"/>
-              </a:schemeClr>
-            </a:solidFill>
-          </a:ln>
-        </p:spPr>
-        <p:style>
-          <a:lnRef idx="2">
-            <a:schemeClr val="accent1">
-              <a:shade val="50000"/>
-            </a:schemeClr>
-          </a:lnRef>
-          <a:fillRef idx="1">
-            <a:schemeClr val="accent1"/>
-          </a:fillRef>
-          <a:effectRef idx="0">
-            <a:schemeClr val="accent1"/>
-          </a:effectRef>
-          <a:fontRef idx="minor">
-            <a:schemeClr val="lt1"/>
-          </a:fontRef>
-        </p:style>
-        <p:txBody>
-          <a:bodyPr rtlCol="0" anchor="ctr"/>
-          <a:lstStyle/>
-          <a:p>
-            <a:pPr algn="ctr"/>
-            <a:r>
-              <a:rPr lang="fr-FR" dirty="0">
-                <a:solidFill>
-                  <a:schemeClr val="tx1">
-                    <a:lumMod val="95000"/>
-                    <a:lumOff val="5000"/>
-                  </a:schemeClr>
-                </a:solidFill>
-              </a:rPr>
-              <a:t>Déconnexion</a:t>
-            </a:r>
-          </a:p>
-        </p:txBody>
-      </p:sp>
-      <p:sp>
-        <p:nvSpPr>
-          <p:cNvPr id="16" name="Rectangle 15">
-            <a:extLst>
-              <a:ext uri="{FF2B5EF4-FFF2-40B4-BE49-F238E27FC236}">
-                <a16:creationId xmlns:a16="http://schemas.microsoft.com/office/drawing/2014/main" id="{1CA73493-8257-EF36-EC07-362E52058B92}"/>
-              </a:ext>
-            </a:extLst>
-          </p:cNvPr>
-          <p:cNvSpPr/>
-          <p:nvPr/>
-        </p:nvSpPr>
-        <p:spPr>
-          <a:xfrm>
-            <a:off x="381000" y="2981349"/>
-            <a:ext cx="1674303" cy="719138"/>
-          </a:xfrm>
-          <a:prstGeom prst="rect">
-            <a:avLst/>
-          </a:prstGeom>
-          <a:solidFill>
-            <a:schemeClr val="bg1">
-              <a:lumMod val="50000"/>
-            </a:schemeClr>
-          </a:solidFill>
-          <a:ln>
-            <a:solidFill>
-              <a:schemeClr val="tx1">
-                <a:lumMod val="95000"/>
-                <a:lumOff val="5000"/>
-              </a:schemeClr>
-            </a:solidFill>
-          </a:ln>
-        </p:spPr>
-        <p:style>
-          <a:lnRef idx="2">
-            <a:schemeClr val="accent1">
-              <a:shade val="50000"/>
-            </a:schemeClr>
-          </a:lnRef>
-          <a:fillRef idx="1">
-            <a:schemeClr val="accent1"/>
-          </a:fillRef>
-          <a:effectRef idx="0">
-            <a:schemeClr val="accent1"/>
-          </a:effectRef>
-          <a:fontRef idx="minor">
-            <a:schemeClr val="lt1"/>
-          </a:fontRef>
-        </p:style>
-        <p:txBody>
-          <a:bodyPr rtlCol="0" anchor="ctr"/>
-          <a:lstStyle/>
-          <a:p>
-            <a:pPr algn="ctr"/>
-            <a:r>
               <a:rPr lang="fr-FR" dirty="0"/>
               <a:t>Véhicules</a:t>
-            </a:r>
-          </a:p>
-        </p:txBody>
-      </p:sp>
-      <p:sp>
-        <p:nvSpPr>
-          <p:cNvPr id="17" name="Rectangle 16">
-            <a:extLst>
-              <a:ext uri="{FF2B5EF4-FFF2-40B4-BE49-F238E27FC236}">
-                <a16:creationId xmlns:a16="http://schemas.microsoft.com/office/drawing/2014/main" id="{FB35FE74-CB85-D621-E338-DACE1EC9B566}"/>
-              </a:ext>
-            </a:extLst>
-          </p:cNvPr>
-          <p:cNvSpPr/>
-          <p:nvPr/>
-        </p:nvSpPr>
-        <p:spPr>
-          <a:xfrm>
-            <a:off x="2995534" y="292534"/>
-            <a:ext cx="6200932" cy="719137"/>
-          </a:xfrm>
-          <a:prstGeom prst="rect">
-            <a:avLst/>
-          </a:prstGeom>
-          <a:solidFill>
-            <a:schemeClr val="bg1">
-              <a:lumMod val="95000"/>
-            </a:schemeClr>
-          </a:solidFill>
-          <a:ln>
-            <a:solidFill>
-              <a:schemeClr val="tx1">
-                <a:lumMod val="95000"/>
-                <a:lumOff val="5000"/>
-              </a:schemeClr>
-            </a:solidFill>
-          </a:ln>
-        </p:spPr>
-        <p:style>
-          <a:lnRef idx="2">
-            <a:schemeClr val="accent1">
-              <a:shade val="50000"/>
-            </a:schemeClr>
-          </a:lnRef>
-          <a:fillRef idx="1">
-            <a:schemeClr val="accent1"/>
-          </a:fillRef>
-          <a:effectRef idx="0">
-            <a:schemeClr val="accent1"/>
-          </a:effectRef>
-          <a:fontRef idx="minor">
-            <a:schemeClr val="lt1"/>
-          </a:fontRef>
-        </p:style>
-        <p:txBody>
-          <a:bodyPr rtlCol="0" anchor="ctr"/>
-          <a:lstStyle/>
-          <a:p>
-            <a:pPr algn="ctr"/>
-            <a:r>
-              <a:rPr lang="fr-FR" dirty="0">
-                <a:solidFill>
-                  <a:schemeClr val="tx1">
-                    <a:lumMod val="95000"/>
-                    <a:lumOff val="5000"/>
-                  </a:schemeClr>
-                </a:solidFill>
-              </a:rPr>
-              <a:t>Espace employé</a:t>
             </a:r>
           </a:p>
         </p:txBody>
@@ -20643,10 +18445,2510 @@
           </a:p>
         </p:txBody>
       </p:sp>
+      <p:sp>
+        <p:nvSpPr>
+          <p:cNvPr id="2" name="Rectangle 1">
+            <a:extLst>
+              <a:ext uri="{FF2B5EF4-FFF2-40B4-BE49-F238E27FC236}">
+                <a16:creationId xmlns:a16="http://schemas.microsoft.com/office/drawing/2014/main" id="{EA2B4178-2BDF-0CC9-CC44-57C386A4FC65}"/>
+              </a:ext>
+            </a:extLst>
+          </p:cNvPr>
+          <p:cNvSpPr/>
+          <p:nvPr/>
+        </p:nvSpPr>
+        <p:spPr>
+          <a:xfrm>
+            <a:off x="2966937" y="123170"/>
+            <a:ext cx="6200932" cy="719137"/>
+          </a:xfrm>
+          <a:prstGeom prst="rect">
+            <a:avLst/>
+          </a:prstGeom>
+          <a:solidFill>
+            <a:schemeClr val="bg1">
+              <a:lumMod val="95000"/>
+            </a:schemeClr>
+          </a:solidFill>
+          <a:ln>
+            <a:solidFill>
+              <a:schemeClr val="tx1">
+                <a:lumMod val="95000"/>
+                <a:lumOff val="5000"/>
+              </a:schemeClr>
+            </a:solidFill>
+          </a:ln>
+        </p:spPr>
+        <p:style>
+          <a:lnRef idx="2">
+            <a:schemeClr val="accent1">
+              <a:shade val="50000"/>
+            </a:schemeClr>
+          </a:lnRef>
+          <a:fillRef idx="1">
+            <a:schemeClr val="accent1"/>
+          </a:fillRef>
+          <a:effectRef idx="0">
+            <a:schemeClr val="accent1"/>
+          </a:effectRef>
+          <a:fontRef idx="minor">
+            <a:schemeClr val="lt1"/>
+          </a:fontRef>
+        </p:style>
+        <p:txBody>
+          <a:bodyPr rtlCol="0" anchor="ctr"/>
+          <a:lstStyle/>
+          <a:p>
+            <a:pPr algn="ctr"/>
+            <a:r>
+              <a:rPr lang="fr-FR" dirty="0">
+                <a:solidFill>
+                  <a:schemeClr val="tx1">
+                    <a:lumMod val="95000"/>
+                    <a:lumOff val="5000"/>
+                  </a:schemeClr>
+                </a:solidFill>
+              </a:rPr>
+              <a:t>Espace administrateur</a:t>
+            </a:r>
+          </a:p>
+        </p:txBody>
+      </p:sp>
+      <p:sp>
+        <p:nvSpPr>
+          <p:cNvPr id="3" name="Rectangle 2">
+            <a:extLst>
+              <a:ext uri="{FF2B5EF4-FFF2-40B4-BE49-F238E27FC236}">
+                <a16:creationId xmlns:a16="http://schemas.microsoft.com/office/drawing/2014/main" id="{F4409806-3460-EB88-07A1-D9833AF32572}"/>
+              </a:ext>
+            </a:extLst>
+          </p:cNvPr>
+          <p:cNvSpPr/>
+          <p:nvPr/>
+        </p:nvSpPr>
+        <p:spPr>
+          <a:xfrm>
+            <a:off x="109122" y="125821"/>
+            <a:ext cx="1585520" cy="661745"/>
+          </a:xfrm>
+          <a:prstGeom prst="rect">
+            <a:avLst/>
+          </a:prstGeom>
+          <a:solidFill>
+            <a:schemeClr val="bg1"/>
+          </a:solidFill>
+          <a:ln>
+            <a:solidFill>
+              <a:schemeClr val="tx1">
+                <a:lumMod val="95000"/>
+                <a:lumOff val="5000"/>
+              </a:schemeClr>
+            </a:solidFill>
+          </a:ln>
+        </p:spPr>
+        <p:style>
+          <a:lnRef idx="2">
+            <a:schemeClr val="accent1">
+              <a:shade val="50000"/>
+            </a:schemeClr>
+          </a:lnRef>
+          <a:fillRef idx="1">
+            <a:schemeClr val="accent1"/>
+          </a:fillRef>
+          <a:effectRef idx="0">
+            <a:schemeClr val="accent1"/>
+          </a:effectRef>
+          <a:fontRef idx="minor">
+            <a:schemeClr val="lt1"/>
+          </a:fontRef>
+        </p:style>
+        <p:txBody>
+          <a:bodyPr rtlCol="0" anchor="ctr"/>
+          <a:lstStyle/>
+          <a:p>
+            <a:pPr algn="ctr"/>
+            <a:r>
+              <a:rPr lang="fr-FR" dirty="0"/>
+              <a:t>Logo</a:t>
+            </a:r>
+          </a:p>
+        </p:txBody>
+      </p:sp>
+      <p:grpSp>
+        <p:nvGrpSpPr>
+          <p:cNvPr id="4" name="Groupe 3">
+            <a:extLst>
+              <a:ext uri="{FF2B5EF4-FFF2-40B4-BE49-F238E27FC236}">
+                <a16:creationId xmlns:a16="http://schemas.microsoft.com/office/drawing/2014/main" id="{4BBBD57E-5926-C43B-2A76-C85A8D143746}"/>
+              </a:ext>
+            </a:extLst>
+          </p:cNvPr>
+          <p:cNvGrpSpPr/>
+          <p:nvPr/>
+        </p:nvGrpSpPr>
+        <p:grpSpPr>
+          <a:xfrm>
+            <a:off x="100668" y="125820"/>
+            <a:ext cx="1602297" cy="661746"/>
+            <a:chOff x="100668" y="125820"/>
+            <a:chExt cx="1602297" cy="661746"/>
+          </a:xfrm>
+        </p:grpSpPr>
+        <p:cxnSp>
+          <p:nvCxnSpPr>
+            <p:cNvPr id="5" name="Connecteur droit 4">
+              <a:extLst>
+                <a:ext uri="{FF2B5EF4-FFF2-40B4-BE49-F238E27FC236}">
+                  <a16:creationId xmlns:a16="http://schemas.microsoft.com/office/drawing/2014/main" id="{5F09E19A-35B1-5AD3-8D80-07D35E398106}"/>
+                </a:ext>
+              </a:extLst>
+            </p:cNvPr>
+            <p:cNvCxnSpPr/>
+            <p:nvPr/>
+          </p:nvCxnSpPr>
+          <p:spPr>
+            <a:xfrm>
+              <a:off x="100668" y="125820"/>
+              <a:ext cx="1602297" cy="661746"/>
+            </a:xfrm>
+            <a:prstGeom prst="line">
+              <a:avLst/>
+            </a:prstGeom>
+          </p:spPr>
+          <p:style>
+            <a:lnRef idx="1">
+              <a:schemeClr val="dk1"/>
+            </a:lnRef>
+            <a:fillRef idx="0">
+              <a:schemeClr val="dk1"/>
+            </a:fillRef>
+            <a:effectRef idx="0">
+              <a:schemeClr val="dk1"/>
+            </a:effectRef>
+            <a:fontRef idx="minor">
+              <a:schemeClr val="tx1"/>
+            </a:fontRef>
+          </p:style>
+        </p:cxnSp>
+        <p:cxnSp>
+          <p:nvCxnSpPr>
+            <p:cNvPr id="6" name="Connecteur droit 5">
+              <a:extLst>
+                <a:ext uri="{FF2B5EF4-FFF2-40B4-BE49-F238E27FC236}">
+                  <a16:creationId xmlns:a16="http://schemas.microsoft.com/office/drawing/2014/main" id="{369F3430-4501-7106-2821-432A3B3D3A2C}"/>
+                </a:ext>
+              </a:extLst>
+            </p:cNvPr>
+            <p:cNvCxnSpPr>
+              <a:cxnSpLocks/>
+            </p:cNvCxnSpPr>
+            <p:nvPr/>
+          </p:nvCxnSpPr>
+          <p:spPr>
+            <a:xfrm flipV="1">
+              <a:off x="109122" y="125820"/>
+              <a:ext cx="1593843" cy="661746"/>
+            </a:xfrm>
+            <a:prstGeom prst="line">
+              <a:avLst/>
+            </a:prstGeom>
+          </p:spPr>
+          <p:style>
+            <a:lnRef idx="1">
+              <a:schemeClr val="dk1"/>
+            </a:lnRef>
+            <a:fillRef idx="0">
+              <a:schemeClr val="dk1"/>
+            </a:fillRef>
+            <a:effectRef idx="0">
+              <a:schemeClr val="dk1"/>
+            </a:effectRef>
+            <a:fontRef idx="minor">
+              <a:schemeClr val="tx1"/>
+            </a:fontRef>
+          </p:style>
+        </p:cxnSp>
+      </p:grpSp>
+      <p:sp>
+        <p:nvSpPr>
+          <p:cNvPr id="7" name="Rectangle 6">
+            <a:extLst>
+              <a:ext uri="{FF2B5EF4-FFF2-40B4-BE49-F238E27FC236}">
+                <a16:creationId xmlns:a16="http://schemas.microsoft.com/office/drawing/2014/main" id="{DA5AD7A9-78E2-F345-9C36-7108A7CA2654}"/>
+              </a:ext>
+            </a:extLst>
+          </p:cNvPr>
+          <p:cNvSpPr/>
+          <p:nvPr/>
+        </p:nvSpPr>
+        <p:spPr>
+          <a:xfrm>
+            <a:off x="10448488" y="125821"/>
+            <a:ext cx="1585520" cy="661745"/>
+          </a:xfrm>
+          <a:prstGeom prst="rect">
+            <a:avLst/>
+          </a:prstGeom>
+          <a:solidFill>
+            <a:schemeClr val="bg1"/>
+          </a:solidFill>
+          <a:ln>
+            <a:solidFill>
+              <a:schemeClr val="tx1">
+                <a:lumMod val="95000"/>
+                <a:lumOff val="5000"/>
+              </a:schemeClr>
+            </a:solidFill>
+          </a:ln>
+        </p:spPr>
+        <p:style>
+          <a:lnRef idx="2">
+            <a:schemeClr val="accent1">
+              <a:shade val="50000"/>
+            </a:schemeClr>
+          </a:lnRef>
+          <a:fillRef idx="1">
+            <a:schemeClr val="accent1"/>
+          </a:fillRef>
+          <a:effectRef idx="0">
+            <a:schemeClr val="accent1"/>
+          </a:effectRef>
+          <a:fontRef idx="minor">
+            <a:schemeClr val="lt1"/>
+          </a:fontRef>
+        </p:style>
+        <p:txBody>
+          <a:bodyPr rtlCol="0" anchor="ctr"/>
+          <a:lstStyle/>
+          <a:p>
+            <a:pPr algn="ctr"/>
+            <a:r>
+              <a:rPr lang="fr-FR" dirty="0"/>
+              <a:t>Logo</a:t>
+            </a:r>
+          </a:p>
+        </p:txBody>
+      </p:sp>
+      <p:cxnSp>
+        <p:nvCxnSpPr>
+          <p:cNvPr id="8" name="Connecteur droit 7">
+            <a:extLst>
+              <a:ext uri="{FF2B5EF4-FFF2-40B4-BE49-F238E27FC236}">
+                <a16:creationId xmlns:a16="http://schemas.microsoft.com/office/drawing/2014/main" id="{1AEFC2DF-9D3F-65CF-722C-4DFB108882DA}"/>
+              </a:ext>
+            </a:extLst>
+          </p:cNvPr>
+          <p:cNvCxnSpPr/>
+          <p:nvPr/>
+        </p:nvCxnSpPr>
+        <p:spPr>
+          <a:xfrm>
+            <a:off x="10448488" y="127512"/>
+            <a:ext cx="1602297" cy="661746"/>
+          </a:xfrm>
+          <a:prstGeom prst="line">
+            <a:avLst/>
+          </a:prstGeom>
+        </p:spPr>
+        <p:style>
+          <a:lnRef idx="1">
+            <a:schemeClr val="dk1"/>
+          </a:lnRef>
+          <a:fillRef idx="0">
+            <a:schemeClr val="dk1"/>
+          </a:fillRef>
+          <a:effectRef idx="0">
+            <a:schemeClr val="dk1"/>
+          </a:effectRef>
+          <a:fontRef idx="minor">
+            <a:schemeClr val="tx1"/>
+          </a:fontRef>
+        </p:style>
+      </p:cxnSp>
+      <p:cxnSp>
+        <p:nvCxnSpPr>
+          <p:cNvPr id="9" name="Connecteur droit 8">
+            <a:extLst>
+              <a:ext uri="{FF2B5EF4-FFF2-40B4-BE49-F238E27FC236}">
+                <a16:creationId xmlns:a16="http://schemas.microsoft.com/office/drawing/2014/main" id="{99B4214D-5400-E9BB-7367-9F64D012846C}"/>
+              </a:ext>
+            </a:extLst>
+          </p:cNvPr>
+          <p:cNvCxnSpPr>
+            <a:cxnSpLocks/>
+          </p:cNvCxnSpPr>
+          <p:nvPr/>
+        </p:nvCxnSpPr>
+        <p:spPr>
+          <a:xfrm flipV="1">
+            <a:off x="10456942" y="127512"/>
+            <a:ext cx="1593843" cy="661746"/>
+          </a:xfrm>
+          <a:prstGeom prst="line">
+            <a:avLst/>
+          </a:prstGeom>
+        </p:spPr>
+        <p:style>
+          <a:lnRef idx="1">
+            <a:schemeClr val="dk1"/>
+          </a:lnRef>
+          <a:fillRef idx="0">
+            <a:schemeClr val="dk1"/>
+          </a:fillRef>
+          <a:effectRef idx="0">
+            <a:schemeClr val="dk1"/>
+          </a:effectRef>
+          <a:fontRef idx="minor">
+            <a:schemeClr val="tx1"/>
+          </a:fontRef>
+        </p:style>
+      </p:cxnSp>
     </p:spTree>
     <p:extLst>
       <p:ext uri="{BB962C8B-B14F-4D97-AF65-F5344CB8AC3E}">
         <p14:creationId xmlns:p14="http://schemas.microsoft.com/office/powerpoint/2010/main" val="1461441299"/>
+      </p:ext>
+    </p:extLst>
+  </p:cSld>
+  <p:clrMapOvr>
+    <a:masterClrMapping/>
+  </p:clrMapOvr>
+</p:sld>
+</file>
+
+<file path=ppt/slides/slide9.xml><?xml version="1.0" encoding="utf-8"?>
+<p:sld xmlns:a="http://schemas.openxmlformats.org/drawingml/2006/main" xmlns:r="http://schemas.openxmlformats.org/officeDocument/2006/relationships" xmlns:p="http://schemas.openxmlformats.org/presentationml/2006/main">
+  <p:cSld>
+    <p:spTree>
+      <p:nvGrpSpPr>
+        <p:cNvPr id="1" name=""/>
+        <p:cNvGrpSpPr/>
+        <p:nvPr/>
+      </p:nvGrpSpPr>
+      <p:grpSpPr>
+        <a:xfrm>
+          <a:off x="0" y="0"/>
+          <a:ext cx="0" cy="0"/>
+          <a:chOff x="0" y="0"/>
+          <a:chExt cx="0" cy="0"/>
+        </a:xfrm>
+      </p:grpSpPr>
+      <p:sp>
+        <p:nvSpPr>
+          <p:cNvPr id="4" name="Rectangle : coins arrondis 3">
+            <a:extLst>
+              <a:ext uri="{FF2B5EF4-FFF2-40B4-BE49-F238E27FC236}">
+                <a16:creationId xmlns:a16="http://schemas.microsoft.com/office/drawing/2014/main" id="{6CC9E5E7-A9D4-F6CC-CA5D-60E6CADD3A42}"/>
+              </a:ext>
+            </a:extLst>
+          </p:cNvPr>
+          <p:cNvSpPr/>
+          <p:nvPr/>
+        </p:nvSpPr>
+        <p:spPr>
+          <a:xfrm>
+            <a:off x="1134622" y="535497"/>
+            <a:ext cx="3177319" cy="5378742"/>
+          </a:xfrm>
+          <a:prstGeom prst="roundRect">
+            <a:avLst/>
+          </a:prstGeom>
+          <a:noFill/>
+          <a:ln>
+            <a:solidFill>
+              <a:schemeClr val="tx1">
+                <a:lumMod val="95000"/>
+                <a:lumOff val="5000"/>
+              </a:schemeClr>
+            </a:solidFill>
+          </a:ln>
+        </p:spPr>
+        <p:style>
+          <a:lnRef idx="2">
+            <a:schemeClr val="accent1">
+              <a:shade val="50000"/>
+            </a:schemeClr>
+          </a:lnRef>
+          <a:fillRef idx="1">
+            <a:schemeClr val="accent1"/>
+          </a:fillRef>
+          <a:effectRef idx="0">
+            <a:schemeClr val="accent1"/>
+          </a:effectRef>
+          <a:fontRef idx="minor">
+            <a:schemeClr val="lt1"/>
+          </a:fontRef>
+        </p:style>
+        <p:txBody>
+          <a:bodyPr rtlCol="0" anchor="ctr"/>
+          <a:lstStyle/>
+          <a:p>
+            <a:pPr algn="ctr"/>
+            <a:endParaRPr lang="fr-FR"/>
+          </a:p>
+        </p:txBody>
+      </p:sp>
+      <p:sp>
+        <p:nvSpPr>
+          <p:cNvPr id="6" name="Rectangle 5">
+            <a:extLst>
+              <a:ext uri="{FF2B5EF4-FFF2-40B4-BE49-F238E27FC236}">
+                <a16:creationId xmlns:a16="http://schemas.microsoft.com/office/drawing/2014/main" id="{6C887EFD-8C7E-69BB-8926-3CE708618A3F}"/>
+              </a:ext>
+            </a:extLst>
+          </p:cNvPr>
+          <p:cNvSpPr/>
+          <p:nvPr/>
+        </p:nvSpPr>
+        <p:spPr>
+          <a:xfrm>
+            <a:off x="3317877" y="854664"/>
+            <a:ext cx="729778" cy="661745"/>
+          </a:xfrm>
+          <a:prstGeom prst="rect">
+            <a:avLst/>
+          </a:prstGeom>
+          <a:solidFill>
+            <a:schemeClr val="bg1">
+              <a:lumMod val="65000"/>
+            </a:schemeClr>
+          </a:solidFill>
+          <a:ln>
+            <a:solidFill>
+              <a:schemeClr val="tx1">
+                <a:lumMod val="95000"/>
+                <a:lumOff val="5000"/>
+              </a:schemeClr>
+            </a:solidFill>
+          </a:ln>
+        </p:spPr>
+        <p:style>
+          <a:lnRef idx="2">
+            <a:schemeClr val="accent1">
+              <a:shade val="50000"/>
+            </a:schemeClr>
+          </a:lnRef>
+          <a:fillRef idx="1">
+            <a:schemeClr val="accent1"/>
+          </a:fillRef>
+          <a:effectRef idx="0">
+            <a:schemeClr val="accent1"/>
+          </a:effectRef>
+          <a:fontRef idx="minor">
+            <a:schemeClr val="lt1"/>
+          </a:fontRef>
+        </p:style>
+        <p:txBody>
+          <a:bodyPr rtlCol="0" anchor="ctr"/>
+          <a:lstStyle/>
+          <a:p>
+            <a:pPr algn="ctr"/>
+            <a:r>
+              <a:rPr lang="fr-FR" sz="1600" dirty="0"/>
+              <a:t>Menu</a:t>
+            </a:r>
+          </a:p>
+        </p:txBody>
+      </p:sp>
+      <p:sp>
+        <p:nvSpPr>
+          <p:cNvPr id="7" name="Rectangle 6">
+            <a:extLst>
+              <a:ext uri="{FF2B5EF4-FFF2-40B4-BE49-F238E27FC236}">
+                <a16:creationId xmlns:a16="http://schemas.microsoft.com/office/drawing/2014/main" id="{004BBD0A-3301-8C81-559A-04EC3767021D}"/>
+              </a:ext>
+            </a:extLst>
+          </p:cNvPr>
+          <p:cNvSpPr/>
+          <p:nvPr/>
+        </p:nvSpPr>
+        <p:spPr>
+          <a:xfrm>
+            <a:off x="1417804" y="1711340"/>
+            <a:ext cx="1233116" cy="822135"/>
+          </a:xfrm>
+          <a:prstGeom prst="rect">
+            <a:avLst/>
+          </a:prstGeom>
+          <a:solidFill>
+            <a:schemeClr val="bg1">
+              <a:lumMod val="50000"/>
+            </a:schemeClr>
+          </a:solidFill>
+          <a:ln>
+            <a:solidFill>
+              <a:schemeClr val="tx1">
+                <a:lumMod val="95000"/>
+                <a:lumOff val="5000"/>
+              </a:schemeClr>
+            </a:solidFill>
+          </a:ln>
+        </p:spPr>
+        <p:style>
+          <a:lnRef idx="2">
+            <a:schemeClr val="accent1">
+              <a:shade val="50000"/>
+            </a:schemeClr>
+          </a:lnRef>
+          <a:fillRef idx="1">
+            <a:schemeClr val="accent1"/>
+          </a:fillRef>
+          <a:effectRef idx="0">
+            <a:schemeClr val="accent1"/>
+          </a:effectRef>
+          <a:fontRef idx="minor">
+            <a:schemeClr val="lt1"/>
+          </a:fontRef>
+        </p:style>
+        <p:txBody>
+          <a:bodyPr rtlCol="0" anchor="ctr"/>
+          <a:lstStyle/>
+          <a:p>
+            <a:pPr algn="ctr"/>
+            <a:r>
+              <a:rPr lang="fr-FR" dirty="0"/>
+              <a:t>Service</a:t>
+            </a:r>
+          </a:p>
+        </p:txBody>
+      </p:sp>
+      <p:sp>
+        <p:nvSpPr>
+          <p:cNvPr id="8" name="Rectangle 7">
+            <a:extLst>
+              <a:ext uri="{FF2B5EF4-FFF2-40B4-BE49-F238E27FC236}">
+                <a16:creationId xmlns:a16="http://schemas.microsoft.com/office/drawing/2014/main" id="{8C24D0E8-2C61-12B9-B5BC-0601586CFD9A}"/>
+              </a:ext>
+            </a:extLst>
+          </p:cNvPr>
+          <p:cNvSpPr/>
+          <p:nvPr/>
+        </p:nvSpPr>
+        <p:spPr>
+          <a:xfrm>
+            <a:off x="2723281" y="1711340"/>
+            <a:ext cx="1324374" cy="822135"/>
+          </a:xfrm>
+          <a:prstGeom prst="rect">
+            <a:avLst/>
+          </a:prstGeom>
+          <a:solidFill>
+            <a:schemeClr val="bg1">
+              <a:lumMod val="50000"/>
+            </a:schemeClr>
+          </a:solidFill>
+          <a:ln>
+            <a:solidFill>
+              <a:schemeClr val="tx1">
+                <a:lumMod val="95000"/>
+                <a:lumOff val="5000"/>
+              </a:schemeClr>
+            </a:solidFill>
+          </a:ln>
+        </p:spPr>
+        <p:style>
+          <a:lnRef idx="2">
+            <a:schemeClr val="accent1">
+              <a:shade val="50000"/>
+            </a:schemeClr>
+          </a:lnRef>
+          <a:fillRef idx="1">
+            <a:schemeClr val="accent1"/>
+          </a:fillRef>
+          <a:effectRef idx="0">
+            <a:schemeClr val="accent1"/>
+          </a:effectRef>
+          <a:fontRef idx="minor">
+            <a:schemeClr val="lt1"/>
+          </a:fontRef>
+        </p:style>
+        <p:txBody>
+          <a:bodyPr rtlCol="0" anchor="ctr"/>
+          <a:lstStyle/>
+          <a:p>
+            <a:pPr algn="ctr"/>
+            <a:r>
+              <a:rPr lang="fr-FR" dirty="0"/>
+              <a:t>Service</a:t>
+            </a:r>
+          </a:p>
+        </p:txBody>
+      </p:sp>
+      <p:sp>
+        <p:nvSpPr>
+          <p:cNvPr id="9" name="Rectangle 8">
+            <a:extLst>
+              <a:ext uri="{FF2B5EF4-FFF2-40B4-BE49-F238E27FC236}">
+                <a16:creationId xmlns:a16="http://schemas.microsoft.com/office/drawing/2014/main" id="{5CD85C63-54D1-B0F2-6902-4A717F32908F}"/>
+              </a:ext>
+            </a:extLst>
+          </p:cNvPr>
+          <p:cNvSpPr/>
+          <p:nvPr/>
+        </p:nvSpPr>
+        <p:spPr>
+          <a:xfrm>
+            <a:off x="1417803" y="2639806"/>
+            <a:ext cx="2629852" cy="822135"/>
+          </a:xfrm>
+          <a:prstGeom prst="rect">
+            <a:avLst/>
+          </a:prstGeom>
+          <a:solidFill>
+            <a:schemeClr val="bg1">
+              <a:lumMod val="50000"/>
+            </a:schemeClr>
+          </a:solidFill>
+          <a:ln>
+            <a:solidFill>
+              <a:schemeClr val="tx1">
+                <a:lumMod val="95000"/>
+                <a:lumOff val="5000"/>
+              </a:schemeClr>
+            </a:solidFill>
+          </a:ln>
+        </p:spPr>
+        <p:style>
+          <a:lnRef idx="2">
+            <a:schemeClr val="accent1">
+              <a:shade val="50000"/>
+            </a:schemeClr>
+          </a:lnRef>
+          <a:fillRef idx="1">
+            <a:schemeClr val="accent1"/>
+          </a:fillRef>
+          <a:effectRef idx="0">
+            <a:schemeClr val="accent1"/>
+          </a:effectRef>
+          <a:fontRef idx="minor">
+            <a:schemeClr val="lt1"/>
+          </a:fontRef>
+        </p:style>
+        <p:txBody>
+          <a:bodyPr rtlCol="0" anchor="ctr"/>
+          <a:lstStyle/>
+          <a:p>
+            <a:pPr algn="ctr"/>
+            <a:r>
+              <a:rPr lang="fr-FR" dirty="0"/>
+              <a:t>Véhicules d’occasions</a:t>
+            </a:r>
+          </a:p>
+        </p:txBody>
+      </p:sp>
+      <p:sp>
+        <p:nvSpPr>
+          <p:cNvPr id="10" name="Rectangle 9">
+            <a:extLst>
+              <a:ext uri="{FF2B5EF4-FFF2-40B4-BE49-F238E27FC236}">
+                <a16:creationId xmlns:a16="http://schemas.microsoft.com/office/drawing/2014/main" id="{EC326338-4156-B831-392A-764CCAFF7BD4}"/>
+              </a:ext>
+            </a:extLst>
+          </p:cNvPr>
+          <p:cNvSpPr/>
+          <p:nvPr/>
+        </p:nvSpPr>
+        <p:spPr>
+          <a:xfrm>
+            <a:off x="1417803" y="3566959"/>
+            <a:ext cx="1233117" cy="510092"/>
+          </a:xfrm>
+          <a:prstGeom prst="rect">
+            <a:avLst/>
+          </a:prstGeom>
+          <a:solidFill>
+            <a:schemeClr val="bg1">
+              <a:lumMod val="65000"/>
+            </a:schemeClr>
+          </a:solidFill>
+          <a:ln>
+            <a:solidFill>
+              <a:schemeClr val="tx1">
+                <a:lumMod val="95000"/>
+                <a:lumOff val="5000"/>
+              </a:schemeClr>
+            </a:solidFill>
+          </a:ln>
+        </p:spPr>
+        <p:style>
+          <a:lnRef idx="2">
+            <a:schemeClr val="accent1">
+              <a:shade val="50000"/>
+            </a:schemeClr>
+          </a:lnRef>
+          <a:fillRef idx="1">
+            <a:schemeClr val="accent1"/>
+          </a:fillRef>
+          <a:effectRef idx="0">
+            <a:schemeClr val="accent1"/>
+          </a:effectRef>
+          <a:fontRef idx="minor">
+            <a:schemeClr val="lt1"/>
+          </a:fontRef>
+        </p:style>
+        <p:txBody>
+          <a:bodyPr rtlCol="0" anchor="ctr"/>
+          <a:lstStyle/>
+          <a:p>
+            <a:pPr algn="ctr"/>
+            <a:r>
+              <a:rPr lang="fr-FR" sz="1400" dirty="0"/>
+              <a:t>Commentaire</a:t>
+            </a:r>
+          </a:p>
+        </p:txBody>
+      </p:sp>
+      <p:sp>
+        <p:nvSpPr>
+          <p:cNvPr id="11" name="Rectangle 10">
+            <a:extLst>
+              <a:ext uri="{FF2B5EF4-FFF2-40B4-BE49-F238E27FC236}">
+                <a16:creationId xmlns:a16="http://schemas.microsoft.com/office/drawing/2014/main" id="{CFC0CE70-0DDA-8B3E-6F34-DB18063503DE}"/>
+              </a:ext>
+            </a:extLst>
+          </p:cNvPr>
+          <p:cNvSpPr/>
+          <p:nvPr/>
+        </p:nvSpPr>
+        <p:spPr>
+          <a:xfrm>
+            <a:off x="2723281" y="3566957"/>
+            <a:ext cx="1324374" cy="510093"/>
+          </a:xfrm>
+          <a:prstGeom prst="rect">
+            <a:avLst/>
+          </a:prstGeom>
+          <a:solidFill>
+            <a:schemeClr val="bg1">
+              <a:lumMod val="65000"/>
+            </a:schemeClr>
+          </a:solidFill>
+          <a:ln>
+            <a:solidFill>
+              <a:schemeClr val="tx1">
+                <a:lumMod val="95000"/>
+                <a:lumOff val="5000"/>
+              </a:schemeClr>
+            </a:solidFill>
+          </a:ln>
+        </p:spPr>
+        <p:style>
+          <a:lnRef idx="2">
+            <a:schemeClr val="accent1">
+              <a:shade val="50000"/>
+            </a:schemeClr>
+          </a:lnRef>
+          <a:fillRef idx="1">
+            <a:schemeClr val="accent1"/>
+          </a:fillRef>
+          <a:effectRef idx="0">
+            <a:schemeClr val="accent1"/>
+          </a:effectRef>
+          <a:fontRef idx="minor">
+            <a:schemeClr val="lt1"/>
+          </a:fontRef>
+        </p:style>
+        <p:txBody>
+          <a:bodyPr rtlCol="0" anchor="ctr"/>
+          <a:lstStyle/>
+          <a:p>
+            <a:pPr algn="ctr"/>
+            <a:r>
+              <a:rPr lang="fr-FR" sz="1400" dirty="0"/>
+              <a:t>Commentaire</a:t>
+            </a:r>
+          </a:p>
+        </p:txBody>
+      </p:sp>
+      <p:sp>
+        <p:nvSpPr>
+          <p:cNvPr id="12" name="Rectangle 11">
+            <a:extLst>
+              <a:ext uri="{FF2B5EF4-FFF2-40B4-BE49-F238E27FC236}">
+                <a16:creationId xmlns:a16="http://schemas.microsoft.com/office/drawing/2014/main" id="{CCC2746A-281E-B266-F16A-9CEF06B6E228}"/>
+              </a:ext>
+            </a:extLst>
+          </p:cNvPr>
+          <p:cNvSpPr/>
+          <p:nvPr/>
+        </p:nvSpPr>
+        <p:spPr>
+          <a:xfrm>
+            <a:off x="1417803" y="4172956"/>
+            <a:ext cx="2629852" cy="322468"/>
+          </a:xfrm>
+          <a:prstGeom prst="rect">
+            <a:avLst/>
+          </a:prstGeom>
+          <a:solidFill>
+            <a:schemeClr val="bg1">
+              <a:lumMod val="65000"/>
+            </a:schemeClr>
+          </a:solidFill>
+          <a:ln>
+            <a:solidFill>
+              <a:schemeClr val="tx1">
+                <a:lumMod val="95000"/>
+                <a:lumOff val="5000"/>
+              </a:schemeClr>
+            </a:solidFill>
+          </a:ln>
+        </p:spPr>
+        <p:style>
+          <a:lnRef idx="2">
+            <a:schemeClr val="accent1">
+              <a:shade val="50000"/>
+            </a:schemeClr>
+          </a:lnRef>
+          <a:fillRef idx="1">
+            <a:schemeClr val="accent1"/>
+          </a:fillRef>
+          <a:effectRef idx="0">
+            <a:schemeClr val="accent1"/>
+          </a:effectRef>
+          <a:fontRef idx="minor">
+            <a:schemeClr val="lt1"/>
+          </a:fontRef>
+        </p:style>
+        <p:txBody>
+          <a:bodyPr rtlCol="0" anchor="ctr"/>
+          <a:lstStyle/>
+          <a:p>
+            <a:pPr algn="ctr"/>
+            <a:r>
+              <a:rPr lang="fr-FR" dirty="0"/>
+              <a:t>Laisser un commentaire</a:t>
+            </a:r>
+          </a:p>
+        </p:txBody>
+      </p:sp>
+      <p:sp>
+        <p:nvSpPr>
+          <p:cNvPr id="13" name="Rectangle 12">
+            <a:extLst>
+              <a:ext uri="{FF2B5EF4-FFF2-40B4-BE49-F238E27FC236}">
+                <a16:creationId xmlns:a16="http://schemas.microsoft.com/office/drawing/2014/main" id="{CC827BB1-996D-73ED-C434-444119BDF240}"/>
+              </a:ext>
+            </a:extLst>
+          </p:cNvPr>
+          <p:cNvSpPr/>
+          <p:nvPr/>
+        </p:nvSpPr>
+        <p:spPr>
+          <a:xfrm>
+            <a:off x="1417803" y="4623871"/>
+            <a:ext cx="2629852" cy="822135"/>
+          </a:xfrm>
+          <a:prstGeom prst="rect">
+            <a:avLst/>
+          </a:prstGeom>
+          <a:solidFill>
+            <a:schemeClr val="bg1">
+              <a:lumMod val="65000"/>
+            </a:schemeClr>
+          </a:solidFill>
+          <a:ln>
+            <a:solidFill>
+              <a:schemeClr val="tx1">
+                <a:lumMod val="95000"/>
+                <a:lumOff val="5000"/>
+              </a:schemeClr>
+            </a:solidFill>
+          </a:ln>
+        </p:spPr>
+        <p:style>
+          <a:lnRef idx="2">
+            <a:schemeClr val="accent1">
+              <a:shade val="50000"/>
+            </a:schemeClr>
+          </a:lnRef>
+          <a:fillRef idx="1">
+            <a:schemeClr val="accent1"/>
+          </a:fillRef>
+          <a:effectRef idx="0">
+            <a:schemeClr val="accent1"/>
+          </a:effectRef>
+          <a:fontRef idx="minor">
+            <a:schemeClr val="lt1"/>
+          </a:fontRef>
+        </p:style>
+        <p:txBody>
+          <a:bodyPr rtlCol="0" anchor="ctr"/>
+          <a:lstStyle/>
+          <a:p>
+            <a:pPr algn="ctr"/>
+            <a:r>
+              <a:rPr lang="fr-FR" dirty="0"/>
+              <a:t>Horaires</a:t>
+            </a:r>
+          </a:p>
+        </p:txBody>
+      </p:sp>
+      <p:sp>
+        <p:nvSpPr>
+          <p:cNvPr id="14" name="Rectangle : coins arrondis 13">
+            <a:extLst>
+              <a:ext uri="{FF2B5EF4-FFF2-40B4-BE49-F238E27FC236}">
+                <a16:creationId xmlns:a16="http://schemas.microsoft.com/office/drawing/2014/main" id="{3CE13B42-B9DB-E0D4-9875-31B8B363C20D}"/>
+              </a:ext>
+            </a:extLst>
+          </p:cNvPr>
+          <p:cNvSpPr/>
+          <p:nvPr/>
+        </p:nvSpPr>
+        <p:spPr>
+          <a:xfrm>
+            <a:off x="4906536" y="537133"/>
+            <a:ext cx="3177319" cy="5378742"/>
+          </a:xfrm>
+          <a:prstGeom prst="roundRect">
+            <a:avLst/>
+          </a:prstGeom>
+          <a:noFill/>
+          <a:ln>
+            <a:solidFill>
+              <a:schemeClr val="tx1">
+                <a:lumMod val="95000"/>
+                <a:lumOff val="5000"/>
+              </a:schemeClr>
+            </a:solidFill>
+          </a:ln>
+        </p:spPr>
+        <p:style>
+          <a:lnRef idx="2">
+            <a:schemeClr val="accent1">
+              <a:shade val="50000"/>
+            </a:schemeClr>
+          </a:lnRef>
+          <a:fillRef idx="1">
+            <a:schemeClr val="accent1"/>
+          </a:fillRef>
+          <a:effectRef idx="0">
+            <a:schemeClr val="accent1"/>
+          </a:effectRef>
+          <a:fontRef idx="minor">
+            <a:schemeClr val="lt1"/>
+          </a:fontRef>
+        </p:style>
+        <p:txBody>
+          <a:bodyPr rtlCol="0" anchor="ctr"/>
+          <a:lstStyle/>
+          <a:p>
+            <a:pPr algn="ctr"/>
+            <a:endParaRPr lang="fr-FR"/>
+          </a:p>
+        </p:txBody>
+      </p:sp>
+      <p:sp>
+        <p:nvSpPr>
+          <p:cNvPr id="16" name="Rectangle 15">
+            <a:extLst>
+              <a:ext uri="{FF2B5EF4-FFF2-40B4-BE49-F238E27FC236}">
+                <a16:creationId xmlns:a16="http://schemas.microsoft.com/office/drawing/2014/main" id="{03D86F8D-1F1C-E961-87B9-8D7E3868EAFD}"/>
+              </a:ext>
+            </a:extLst>
+          </p:cNvPr>
+          <p:cNvSpPr/>
+          <p:nvPr/>
+        </p:nvSpPr>
+        <p:spPr>
+          <a:xfrm>
+            <a:off x="7089791" y="856300"/>
+            <a:ext cx="729778" cy="661745"/>
+          </a:xfrm>
+          <a:prstGeom prst="rect">
+            <a:avLst/>
+          </a:prstGeom>
+          <a:solidFill>
+            <a:schemeClr val="bg1">
+              <a:lumMod val="65000"/>
+            </a:schemeClr>
+          </a:solidFill>
+          <a:ln>
+            <a:solidFill>
+              <a:schemeClr val="tx1">
+                <a:lumMod val="95000"/>
+                <a:lumOff val="5000"/>
+              </a:schemeClr>
+            </a:solidFill>
+          </a:ln>
+        </p:spPr>
+        <p:style>
+          <a:lnRef idx="2">
+            <a:schemeClr val="accent1">
+              <a:shade val="50000"/>
+            </a:schemeClr>
+          </a:lnRef>
+          <a:fillRef idx="1">
+            <a:schemeClr val="accent1"/>
+          </a:fillRef>
+          <a:effectRef idx="0">
+            <a:schemeClr val="accent1"/>
+          </a:effectRef>
+          <a:fontRef idx="minor">
+            <a:schemeClr val="lt1"/>
+          </a:fontRef>
+        </p:style>
+        <p:txBody>
+          <a:bodyPr rtlCol="0" anchor="ctr"/>
+          <a:lstStyle/>
+          <a:p>
+            <a:pPr algn="ctr"/>
+            <a:r>
+              <a:rPr lang="fr-FR" sz="1600" dirty="0"/>
+              <a:t>Menu</a:t>
+            </a:r>
+          </a:p>
+        </p:txBody>
+      </p:sp>
+      <p:sp>
+        <p:nvSpPr>
+          <p:cNvPr id="23" name="Rectangle 22">
+            <a:extLst>
+              <a:ext uri="{FF2B5EF4-FFF2-40B4-BE49-F238E27FC236}">
+                <a16:creationId xmlns:a16="http://schemas.microsoft.com/office/drawing/2014/main" id="{83CBF4FD-AB2A-09F8-BC6C-9862D647B541}"/>
+              </a:ext>
+            </a:extLst>
+          </p:cNvPr>
+          <p:cNvSpPr/>
+          <p:nvPr/>
+        </p:nvSpPr>
+        <p:spPr>
+          <a:xfrm>
+            <a:off x="5189717" y="4625507"/>
+            <a:ext cx="2629852" cy="822135"/>
+          </a:xfrm>
+          <a:prstGeom prst="rect">
+            <a:avLst/>
+          </a:prstGeom>
+          <a:solidFill>
+            <a:schemeClr val="bg1">
+              <a:lumMod val="65000"/>
+            </a:schemeClr>
+          </a:solidFill>
+          <a:ln>
+            <a:solidFill>
+              <a:schemeClr val="tx1">
+                <a:lumMod val="95000"/>
+                <a:lumOff val="5000"/>
+              </a:schemeClr>
+            </a:solidFill>
+          </a:ln>
+        </p:spPr>
+        <p:style>
+          <a:lnRef idx="2">
+            <a:schemeClr val="accent1">
+              <a:shade val="50000"/>
+            </a:schemeClr>
+          </a:lnRef>
+          <a:fillRef idx="1">
+            <a:schemeClr val="accent1"/>
+          </a:fillRef>
+          <a:effectRef idx="0">
+            <a:schemeClr val="accent1"/>
+          </a:effectRef>
+          <a:fontRef idx="minor">
+            <a:schemeClr val="lt1"/>
+          </a:fontRef>
+        </p:style>
+        <p:txBody>
+          <a:bodyPr rtlCol="0" anchor="ctr"/>
+          <a:lstStyle/>
+          <a:p>
+            <a:pPr algn="ctr"/>
+            <a:r>
+              <a:rPr lang="fr-FR" dirty="0"/>
+              <a:t>Horaires</a:t>
+            </a:r>
+          </a:p>
+        </p:txBody>
+      </p:sp>
+      <p:sp>
+        <p:nvSpPr>
+          <p:cNvPr id="25" name="Rectangle : coins arrondis 24">
+            <a:extLst>
+              <a:ext uri="{FF2B5EF4-FFF2-40B4-BE49-F238E27FC236}">
+                <a16:creationId xmlns:a16="http://schemas.microsoft.com/office/drawing/2014/main" id="{E8B0A5EB-F628-03FE-D4FF-0128550E70B8}"/>
+              </a:ext>
+            </a:extLst>
+          </p:cNvPr>
+          <p:cNvSpPr/>
+          <p:nvPr/>
+        </p:nvSpPr>
+        <p:spPr>
+          <a:xfrm>
+            <a:off x="8523589" y="535497"/>
+            <a:ext cx="3177319" cy="5378742"/>
+          </a:xfrm>
+          <a:prstGeom prst="roundRect">
+            <a:avLst/>
+          </a:prstGeom>
+          <a:noFill/>
+          <a:ln>
+            <a:solidFill>
+              <a:schemeClr val="tx1">
+                <a:lumMod val="95000"/>
+                <a:lumOff val="5000"/>
+              </a:schemeClr>
+            </a:solidFill>
+          </a:ln>
+        </p:spPr>
+        <p:style>
+          <a:lnRef idx="2">
+            <a:schemeClr val="accent1">
+              <a:shade val="50000"/>
+            </a:schemeClr>
+          </a:lnRef>
+          <a:fillRef idx="1">
+            <a:schemeClr val="accent1"/>
+          </a:fillRef>
+          <a:effectRef idx="0">
+            <a:schemeClr val="accent1"/>
+          </a:effectRef>
+          <a:fontRef idx="minor">
+            <a:schemeClr val="lt1"/>
+          </a:fontRef>
+        </p:style>
+        <p:txBody>
+          <a:bodyPr rtlCol="0" anchor="ctr"/>
+          <a:lstStyle/>
+          <a:p>
+            <a:pPr algn="ctr"/>
+            <a:endParaRPr lang="fr-FR"/>
+          </a:p>
+        </p:txBody>
+      </p:sp>
+      <p:sp>
+        <p:nvSpPr>
+          <p:cNvPr id="27" name="Rectangle 26">
+            <a:extLst>
+              <a:ext uri="{FF2B5EF4-FFF2-40B4-BE49-F238E27FC236}">
+                <a16:creationId xmlns:a16="http://schemas.microsoft.com/office/drawing/2014/main" id="{2EDF2950-5032-93BC-9AAA-268A239755F6}"/>
+              </a:ext>
+            </a:extLst>
+          </p:cNvPr>
+          <p:cNvSpPr/>
+          <p:nvPr/>
+        </p:nvSpPr>
+        <p:spPr>
+          <a:xfrm>
+            <a:off x="10706844" y="854664"/>
+            <a:ext cx="729778" cy="661745"/>
+          </a:xfrm>
+          <a:prstGeom prst="rect">
+            <a:avLst/>
+          </a:prstGeom>
+          <a:solidFill>
+            <a:schemeClr val="bg1">
+              <a:lumMod val="65000"/>
+            </a:schemeClr>
+          </a:solidFill>
+          <a:ln>
+            <a:solidFill>
+              <a:schemeClr val="tx1">
+                <a:lumMod val="95000"/>
+                <a:lumOff val="5000"/>
+              </a:schemeClr>
+            </a:solidFill>
+          </a:ln>
+        </p:spPr>
+        <p:style>
+          <a:lnRef idx="2">
+            <a:schemeClr val="accent1">
+              <a:shade val="50000"/>
+            </a:schemeClr>
+          </a:lnRef>
+          <a:fillRef idx="1">
+            <a:schemeClr val="accent1"/>
+          </a:fillRef>
+          <a:effectRef idx="0">
+            <a:schemeClr val="accent1"/>
+          </a:effectRef>
+          <a:fontRef idx="minor">
+            <a:schemeClr val="lt1"/>
+          </a:fontRef>
+        </p:style>
+        <p:txBody>
+          <a:bodyPr rtlCol="0" anchor="ctr"/>
+          <a:lstStyle/>
+          <a:p>
+            <a:pPr algn="ctr"/>
+            <a:r>
+              <a:rPr lang="fr-FR" sz="1600" dirty="0"/>
+              <a:t>Menu</a:t>
+            </a:r>
+          </a:p>
+        </p:txBody>
+      </p:sp>
+      <p:sp>
+        <p:nvSpPr>
+          <p:cNvPr id="28" name="Rectangle 27">
+            <a:extLst>
+              <a:ext uri="{FF2B5EF4-FFF2-40B4-BE49-F238E27FC236}">
+                <a16:creationId xmlns:a16="http://schemas.microsoft.com/office/drawing/2014/main" id="{210BBA93-525D-CBC3-0CF2-80A3D250367A}"/>
+              </a:ext>
+            </a:extLst>
+          </p:cNvPr>
+          <p:cNvSpPr/>
+          <p:nvPr/>
+        </p:nvSpPr>
+        <p:spPr>
+          <a:xfrm>
+            <a:off x="8806770" y="1711340"/>
+            <a:ext cx="2629852" cy="1325475"/>
+          </a:xfrm>
+          <a:prstGeom prst="rect">
+            <a:avLst/>
+          </a:prstGeom>
+          <a:solidFill>
+            <a:schemeClr val="bg1">
+              <a:lumMod val="50000"/>
+            </a:schemeClr>
+          </a:solidFill>
+          <a:ln>
+            <a:solidFill>
+              <a:schemeClr val="tx1">
+                <a:lumMod val="95000"/>
+                <a:lumOff val="5000"/>
+              </a:schemeClr>
+            </a:solidFill>
+          </a:ln>
+        </p:spPr>
+        <p:style>
+          <a:lnRef idx="2">
+            <a:schemeClr val="accent1">
+              <a:shade val="50000"/>
+            </a:schemeClr>
+          </a:lnRef>
+          <a:fillRef idx="1">
+            <a:schemeClr val="accent1"/>
+          </a:fillRef>
+          <a:effectRef idx="0">
+            <a:schemeClr val="accent1"/>
+          </a:effectRef>
+          <a:fontRef idx="minor">
+            <a:schemeClr val="lt1"/>
+          </a:fontRef>
+        </p:style>
+        <p:txBody>
+          <a:bodyPr rtlCol="0" anchor="ctr"/>
+          <a:lstStyle/>
+          <a:p>
+            <a:pPr algn="ctr"/>
+            <a:r>
+              <a:rPr lang="fr-FR" dirty="0"/>
+              <a:t>Galerie</a:t>
+            </a:r>
+          </a:p>
+        </p:txBody>
+      </p:sp>
+      <p:sp>
+        <p:nvSpPr>
+          <p:cNvPr id="29" name="Rectangle 28">
+            <a:extLst>
+              <a:ext uri="{FF2B5EF4-FFF2-40B4-BE49-F238E27FC236}">
+                <a16:creationId xmlns:a16="http://schemas.microsoft.com/office/drawing/2014/main" id="{A8C4658B-5AEA-3141-87B7-2170E9403C0D}"/>
+              </a:ext>
+            </a:extLst>
+          </p:cNvPr>
+          <p:cNvSpPr/>
+          <p:nvPr/>
+        </p:nvSpPr>
+        <p:spPr>
+          <a:xfrm>
+            <a:off x="8816218" y="5911435"/>
+            <a:ext cx="2629852" cy="822135"/>
+          </a:xfrm>
+          <a:prstGeom prst="rect">
+            <a:avLst/>
+          </a:prstGeom>
+          <a:solidFill>
+            <a:schemeClr val="bg1">
+              <a:lumMod val="65000"/>
+            </a:schemeClr>
+          </a:solidFill>
+          <a:ln>
+            <a:solidFill>
+              <a:schemeClr val="tx1">
+                <a:lumMod val="95000"/>
+                <a:lumOff val="5000"/>
+              </a:schemeClr>
+            </a:solidFill>
+          </a:ln>
+        </p:spPr>
+        <p:style>
+          <a:lnRef idx="2">
+            <a:schemeClr val="accent1">
+              <a:shade val="50000"/>
+            </a:schemeClr>
+          </a:lnRef>
+          <a:fillRef idx="1">
+            <a:schemeClr val="accent1"/>
+          </a:fillRef>
+          <a:effectRef idx="0">
+            <a:schemeClr val="accent1"/>
+          </a:effectRef>
+          <a:fontRef idx="minor">
+            <a:schemeClr val="lt1"/>
+          </a:fontRef>
+        </p:style>
+        <p:txBody>
+          <a:bodyPr rtlCol="0" anchor="ctr"/>
+          <a:lstStyle/>
+          <a:p>
+            <a:pPr algn="ctr"/>
+            <a:r>
+              <a:rPr lang="fr-FR" dirty="0"/>
+              <a:t>Horaires</a:t>
+            </a:r>
+          </a:p>
+        </p:txBody>
+      </p:sp>
+      <p:sp>
+        <p:nvSpPr>
+          <p:cNvPr id="30" name="Rectangle 29">
+            <a:extLst>
+              <a:ext uri="{FF2B5EF4-FFF2-40B4-BE49-F238E27FC236}">
+                <a16:creationId xmlns:a16="http://schemas.microsoft.com/office/drawing/2014/main" id="{97426FA7-9865-CC0D-0D95-15FDF8FFF671}"/>
+              </a:ext>
+            </a:extLst>
+          </p:cNvPr>
+          <p:cNvSpPr/>
+          <p:nvPr/>
+        </p:nvSpPr>
+        <p:spPr>
+          <a:xfrm>
+            <a:off x="8816218" y="5036482"/>
+            <a:ext cx="2629852" cy="822135"/>
+          </a:xfrm>
+          <a:prstGeom prst="rect">
+            <a:avLst/>
+          </a:prstGeom>
+          <a:solidFill>
+            <a:schemeClr val="bg1">
+              <a:lumMod val="65000"/>
+            </a:schemeClr>
+          </a:solidFill>
+          <a:ln>
+            <a:solidFill>
+              <a:schemeClr val="tx1">
+                <a:lumMod val="95000"/>
+                <a:lumOff val="5000"/>
+              </a:schemeClr>
+            </a:solidFill>
+          </a:ln>
+        </p:spPr>
+        <p:style>
+          <a:lnRef idx="2">
+            <a:schemeClr val="accent1">
+              <a:shade val="50000"/>
+            </a:schemeClr>
+          </a:lnRef>
+          <a:fillRef idx="1">
+            <a:schemeClr val="accent1"/>
+          </a:fillRef>
+          <a:effectRef idx="0">
+            <a:schemeClr val="accent1"/>
+          </a:effectRef>
+          <a:fontRef idx="minor">
+            <a:schemeClr val="lt1"/>
+          </a:fontRef>
+        </p:style>
+        <p:txBody>
+          <a:bodyPr rtlCol="0" anchor="ctr"/>
+          <a:lstStyle/>
+          <a:p>
+            <a:pPr algn="ctr"/>
+            <a:r>
+              <a:rPr lang="fr-FR" dirty="0"/>
+              <a:t>Formulaire contact</a:t>
+            </a:r>
+          </a:p>
+        </p:txBody>
+      </p:sp>
+      <p:sp>
+        <p:nvSpPr>
+          <p:cNvPr id="32" name="Rectangle 31">
+            <a:extLst>
+              <a:ext uri="{FF2B5EF4-FFF2-40B4-BE49-F238E27FC236}">
+                <a16:creationId xmlns:a16="http://schemas.microsoft.com/office/drawing/2014/main" id="{4E296B4A-C0D8-9469-EC9E-7189F8126585}"/>
+              </a:ext>
+            </a:extLst>
+          </p:cNvPr>
+          <p:cNvSpPr/>
+          <p:nvPr/>
+        </p:nvSpPr>
+        <p:spPr>
+          <a:xfrm>
+            <a:off x="8797322" y="3148651"/>
+            <a:ext cx="2629852" cy="508949"/>
+          </a:xfrm>
+          <a:prstGeom prst="rect">
+            <a:avLst/>
+          </a:prstGeom>
+          <a:solidFill>
+            <a:schemeClr val="bg1">
+              <a:lumMod val="50000"/>
+            </a:schemeClr>
+          </a:solidFill>
+          <a:ln>
+            <a:solidFill>
+              <a:schemeClr val="tx1">
+                <a:lumMod val="95000"/>
+                <a:lumOff val="5000"/>
+              </a:schemeClr>
+            </a:solidFill>
+          </a:ln>
+        </p:spPr>
+        <p:style>
+          <a:lnRef idx="2">
+            <a:schemeClr val="accent1">
+              <a:shade val="50000"/>
+            </a:schemeClr>
+          </a:lnRef>
+          <a:fillRef idx="1">
+            <a:schemeClr val="accent1"/>
+          </a:fillRef>
+          <a:effectRef idx="0">
+            <a:schemeClr val="accent1"/>
+          </a:effectRef>
+          <a:fontRef idx="minor">
+            <a:schemeClr val="lt1"/>
+          </a:fontRef>
+        </p:style>
+        <p:txBody>
+          <a:bodyPr rtlCol="0" anchor="ctr"/>
+          <a:lstStyle/>
+          <a:p>
+            <a:pPr algn="ctr"/>
+            <a:r>
+              <a:rPr lang="fr-FR" dirty="0"/>
+              <a:t>Caractéristiques</a:t>
+            </a:r>
+          </a:p>
+        </p:txBody>
+      </p:sp>
+      <p:sp>
+        <p:nvSpPr>
+          <p:cNvPr id="33" name="Rectangle 32">
+            <a:extLst>
+              <a:ext uri="{FF2B5EF4-FFF2-40B4-BE49-F238E27FC236}">
+                <a16:creationId xmlns:a16="http://schemas.microsoft.com/office/drawing/2014/main" id="{5ABFF13D-C36E-7E1E-FBA7-60DD32EC3D2F}"/>
+              </a:ext>
+            </a:extLst>
+          </p:cNvPr>
+          <p:cNvSpPr/>
+          <p:nvPr/>
+        </p:nvSpPr>
+        <p:spPr>
+          <a:xfrm>
+            <a:off x="8797322" y="3769436"/>
+            <a:ext cx="2629852" cy="508949"/>
+          </a:xfrm>
+          <a:prstGeom prst="rect">
+            <a:avLst/>
+          </a:prstGeom>
+          <a:solidFill>
+            <a:schemeClr val="bg1">
+              <a:lumMod val="50000"/>
+            </a:schemeClr>
+          </a:solidFill>
+          <a:ln>
+            <a:solidFill>
+              <a:schemeClr val="tx1">
+                <a:lumMod val="95000"/>
+                <a:lumOff val="5000"/>
+              </a:schemeClr>
+            </a:solidFill>
+          </a:ln>
+        </p:spPr>
+        <p:style>
+          <a:lnRef idx="2">
+            <a:schemeClr val="accent1">
+              <a:shade val="50000"/>
+            </a:schemeClr>
+          </a:lnRef>
+          <a:fillRef idx="1">
+            <a:schemeClr val="accent1"/>
+          </a:fillRef>
+          <a:effectRef idx="0">
+            <a:schemeClr val="accent1"/>
+          </a:effectRef>
+          <a:fontRef idx="minor">
+            <a:schemeClr val="lt1"/>
+          </a:fontRef>
+        </p:style>
+        <p:txBody>
+          <a:bodyPr rtlCol="0" anchor="ctr"/>
+          <a:lstStyle/>
+          <a:p>
+            <a:pPr algn="ctr"/>
+            <a:r>
+              <a:rPr lang="fr-FR" dirty="0"/>
+              <a:t>Équipements</a:t>
+            </a:r>
+          </a:p>
+        </p:txBody>
+      </p:sp>
+      <p:sp>
+        <p:nvSpPr>
+          <p:cNvPr id="34" name="Rectangle 33">
+            <a:extLst>
+              <a:ext uri="{FF2B5EF4-FFF2-40B4-BE49-F238E27FC236}">
+                <a16:creationId xmlns:a16="http://schemas.microsoft.com/office/drawing/2014/main" id="{FE236CE8-D502-D26E-D74D-DE9AE46F53AF}"/>
+              </a:ext>
+            </a:extLst>
+          </p:cNvPr>
+          <p:cNvSpPr/>
+          <p:nvPr/>
+        </p:nvSpPr>
+        <p:spPr>
+          <a:xfrm>
+            <a:off x="8797322" y="4402959"/>
+            <a:ext cx="2629852" cy="508949"/>
+          </a:xfrm>
+          <a:prstGeom prst="rect">
+            <a:avLst/>
+          </a:prstGeom>
+          <a:solidFill>
+            <a:schemeClr val="bg1">
+              <a:lumMod val="50000"/>
+            </a:schemeClr>
+          </a:solidFill>
+          <a:ln>
+            <a:solidFill>
+              <a:schemeClr val="tx1">
+                <a:lumMod val="95000"/>
+                <a:lumOff val="5000"/>
+              </a:schemeClr>
+            </a:solidFill>
+          </a:ln>
+        </p:spPr>
+        <p:style>
+          <a:lnRef idx="2">
+            <a:schemeClr val="accent1">
+              <a:shade val="50000"/>
+            </a:schemeClr>
+          </a:lnRef>
+          <a:fillRef idx="1">
+            <a:schemeClr val="accent1"/>
+          </a:fillRef>
+          <a:effectRef idx="0">
+            <a:schemeClr val="accent1"/>
+          </a:effectRef>
+          <a:fontRef idx="minor">
+            <a:schemeClr val="lt1"/>
+          </a:fontRef>
+        </p:style>
+        <p:txBody>
+          <a:bodyPr rtlCol="0" anchor="ctr"/>
+          <a:lstStyle/>
+          <a:p>
+            <a:pPr algn="ctr"/>
+            <a:r>
+              <a:rPr lang="fr-FR" dirty="0"/>
+              <a:t>Options</a:t>
+            </a:r>
+          </a:p>
+        </p:txBody>
+      </p:sp>
+      <p:sp>
+        <p:nvSpPr>
+          <p:cNvPr id="2" name="Rectangle 1">
+            <a:extLst>
+              <a:ext uri="{FF2B5EF4-FFF2-40B4-BE49-F238E27FC236}">
+                <a16:creationId xmlns:a16="http://schemas.microsoft.com/office/drawing/2014/main" id="{7D97CBBE-F17C-9C25-DEDD-8C85D6F96618}"/>
+              </a:ext>
+            </a:extLst>
+          </p:cNvPr>
+          <p:cNvSpPr/>
+          <p:nvPr/>
+        </p:nvSpPr>
+        <p:spPr>
+          <a:xfrm>
+            <a:off x="1417803" y="854663"/>
+            <a:ext cx="730500" cy="661745"/>
+          </a:xfrm>
+          <a:prstGeom prst="rect">
+            <a:avLst/>
+          </a:prstGeom>
+          <a:solidFill>
+            <a:schemeClr val="bg1"/>
+          </a:solidFill>
+          <a:ln>
+            <a:solidFill>
+              <a:schemeClr val="tx1">
+                <a:lumMod val="95000"/>
+                <a:lumOff val="5000"/>
+              </a:schemeClr>
+            </a:solidFill>
+          </a:ln>
+        </p:spPr>
+        <p:style>
+          <a:lnRef idx="2">
+            <a:schemeClr val="accent1">
+              <a:shade val="50000"/>
+            </a:schemeClr>
+          </a:lnRef>
+          <a:fillRef idx="1">
+            <a:schemeClr val="accent1"/>
+          </a:fillRef>
+          <a:effectRef idx="0">
+            <a:schemeClr val="accent1"/>
+          </a:effectRef>
+          <a:fontRef idx="minor">
+            <a:schemeClr val="lt1"/>
+          </a:fontRef>
+        </p:style>
+        <p:txBody>
+          <a:bodyPr rtlCol="0" anchor="ctr"/>
+          <a:lstStyle/>
+          <a:p>
+            <a:pPr algn="ctr"/>
+            <a:r>
+              <a:rPr lang="fr-FR" dirty="0"/>
+              <a:t>Logo</a:t>
+            </a:r>
+          </a:p>
+        </p:txBody>
+      </p:sp>
+      <p:grpSp>
+        <p:nvGrpSpPr>
+          <p:cNvPr id="3" name="Groupe 2">
+            <a:extLst>
+              <a:ext uri="{FF2B5EF4-FFF2-40B4-BE49-F238E27FC236}">
+                <a16:creationId xmlns:a16="http://schemas.microsoft.com/office/drawing/2014/main" id="{6071B9F9-5728-9FC9-AB49-0F51C14B336D}"/>
+              </a:ext>
+            </a:extLst>
+          </p:cNvPr>
+          <p:cNvGrpSpPr/>
+          <p:nvPr/>
+        </p:nvGrpSpPr>
+        <p:grpSpPr>
+          <a:xfrm>
+            <a:off x="1409350" y="854662"/>
+            <a:ext cx="738230" cy="661746"/>
+            <a:chOff x="100668" y="125820"/>
+            <a:chExt cx="1602297" cy="661746"/>
+          </a:xfrm>
+        </p:grpSpPr>
+        <p:cxnSp>
+          <p:nvCxnSpPr>
+            <p:cNvPr id="18" name="Connecteur droit 17">
+              <a:extLst>
+                <a:ext uri="{FF2B5EF4-FFF2-40B4-BE49-F238E27FC236}">
+                  <a16:creationId xmlns:a16="http://schemas.microsoft.com/office/drawing/2014/main" id="{F412F446-0830-1017-BA34-F378F1F79C28}"/>
+                </a:ext>
+              </a:extLst>
+            </p:cNvPr>
+            <p:cNvCxnSpPr/>
+            <p:nvPr/>
+          </p:nvCxnSpPr>
+          <p:spPr>
+            <a:xfrm>
+              <a:off x="100668" y="125820"/>
+              <a:ext cx="1602297" cy="661746"/>
+            </a:xfrm>
+            <a:prstGeom prst="line">
+              <a:avLst/>
+            </a:prstGeom>
+          </p:spPr>
+          <p:style>
+            <a:lnRef idx="1">
+              <a:schemeClr val="dk1"/>
+            </a:lnRef>
+            <a:fillRef idx="0">
+              <a:schemeClr val="dk1"/>
+            </a:fillRef>
+            <a:effectRef idx="0">
+              <a:schemeClr val="dk1"/>
+            </a:effectRef>
+            <a:fontRef idx="minor">
+              <a:schemeClr val="tx1"/>
+            </a:fontRef>
+          </p:style>
+        </p:cxnSp>
+        <p:cxnSp>
+          <p:nvCxnSpPr>
+            <p:cNvPr id="19" name="Connecteur droit 18">
+              <a:extLst>
+                <a:ext uri="{FF2B5EF4-FFF2-40B4-BE49-F238E27FC236}">
+                  <a16:creationId xmlns:a16="http://schemas.microsoft.com/office/drawing/2014/main" id="{7186DB3D-3BE1-7A3F-948D-EEEA51B882DE}"/>
+                </a:ext>
+              </a:extLst>
+            </p:cNvPr>
+            <p:cNvCxnSpPr>
+              <a:cxnSpLocks/>
+            </p:cNvCxnSpPr>
+            <p:nvPr/>
+          </p:nvCxnSpPr>
+          <p:spPr>
+            <a:xfrm flipV="1">
+              <a:off x="109122" y="125820"/>
+              <a:ext cx="1593843" cy="661746"/>
+            </a:xfrm>
+            <a:prstGeom prst="line">
+              <a:avLst/>
+            </a:prstGeom>
+          </p:spPr>
+          <p:style>
+            <a:lnRef idx="1">
+              <a:schemeClr val="dk1"/>
+            </a:lnRef>
+            <a:fillRef idx="0">
+              <a:schemeClr val="dk1"/>
+            </a:fillRef>
+            <a:effectRef idx="0">
+              <a:schemeClr val="dk1"/>
+            </a:effectRef>
+            <a:fontRef idx="minor">
+              <a:schemeClr val="tx1"/>
+            </a:fontRef>
+          </p:style>
+        </p:cxnSp>
+      </p:grpSp>
+      <p:sp>
+        <p:nvSpPr>
+          <p:cNvPr id="21" name="Rectangle 20">
+            <a:extLst>
+              <a:ext uri="{FF2B5EF4-FFF2-40B4-BE49-F238E27FC236}">
+                <a16:creationId xmlns:a16="http://schemas.microsoft.com/office/drawing/2014/main" id="{7D3CFD55-F4EC-E8F0-6D21-888F47900E41}"/>
+              </a:ext>
+            </a:extLst>
+          </p:cNvPr>
+          <p:cNvSpPr/>
+          <p:nvPr/>
+        </p:nvSpPr>
+        <p:spPr>
+          <a:xfrm>
+            <a:off x="8811723" y="866480"/>
+            <a:ext cx="730500" cy="661745"/>
+          </a:xfrm>
+          <a:prstGeom prst="rect">
+            <a:avLst/>
+          </a:prstGeom>
+          <a:solidFill>
+            <a:schemeClr val="bg1"/>
+          </a:solidFill>
+          <a:ln>
+            <a:solidFill>
+              <a:schemeClr val="tx1">
+                <a:lumMod val="95000"/>
+                <a:lumOff val="5000"/>
+              </a:schemeClr>
+            </a:solidFill>
+          </a:ln>
+        </p:spPr>
+        <p:style>
+          <a:lnRef idx="2">
+            <a:schemeClr val="accent1">
+              <a:shade val="50000"/>
+            </a:schemeClr>
+          </a:lnRef>
+          <a:fillRef idx="1">
+            <a:schemeClr val="accent1"/>
+          </a:fillRef>
+          <a:effectRef idx="0">
+            <a:schemeClr val="accent1"/>
+          </a:effectRef>
+          <a:fontRef idx="minor">
+            <a:schemeClr val="lt1"/>
+          </a:fontRef>
+        </p:style>
+        <p:txBody>
+          <a:bodyPr rtlCol="0" anchor="ctr"/>
+          <a:lstStyle/>
+          <a:p>
+            <a:pPr algn="ctr"/>
+            <a:r>
+              <a:rPr lang="fr-FR" dirty="0"/>
+              <a:t>Logo</a:t>
+            </a:r>
+          </a:p>
+        </p:txBody>
+      </p:sp>
+      <p:grpSp>
+        <p:nvGrpSpPr>
+          <p:cNvPr id="22" name="Groupe 21">
+            <a:extLst>
+              <a:ext uri="{FF2B5EF4-FFF2-40B4-BE49-F238E27FC236}">
+                <a16:creationId xmlns:a16="http://schemas.microsoft.com/office/drawing/2014/main" id="{CB0D53EB-1574-83B6-2A4A-F0F59DDC58A2}"/>
+              </a:ext>
+            </a:extLst>
+          </p:cNvPr>
+          <p:cNvGrpSpPr/>
+          <p:nvPr/>
+        </p:nvGrpSpPr>
+        <p:grpSpPr>
+          <a:xfrm>
+            <a:off x="8816218" y="856299"/>
+            <a:ext cx="738230" cy="661746"/>
+            <a:chOff x="100668" y="125820"/>
+            <a:chExt cx="1602297" cy="661746"/>
+          </a:xfrm>
+        </p:grpSpPr>
+        <p:cxnSp>
+          <p:nvCxnSpPr>
+            <p:cNvPr id="24" name="Connecteur droit 23">
+              <a:extLst>
+                <a:ext uri="{FF2B5EF4-FFF2-40B4-BE49-F238E27FC236}">
+                  <a16:creationId xmlns:a16="http://schemas.microsoft.com/office/drawing/2014/main" id="{82C97F8F-7189-9D03-A0B2-0611BEAD6B4A}"/>
+                </a:ext>
+              </a:extLst>
+            </p:cNvPr>
+            <p:cNvCxnSpPr/>
+            <p:nvPr/>
+          </p:nvCxnSpPr>
+          <p:spPr>
+            <a:xfrm>
+              <a:off x="100668" y="125820"/>
+              <a:ext cx="1602297" cy="661746"/>
+            </a:xfrm>
+            <a:prstGeom prst="line">
+              <a:avLst/>
+            </a:prstGeom>
+          </p:spPr>
+          <p:style>
+            <a:lnRef idx="1">
+              <a:schemeClr val="dk1"/>
+            </a:lnRef>
+            <a:fillRef idx="0">
+              <a:schemeClr val="dk1"/>
+            </a:fillRef>
+            <a:effectRef idx="0">
+              <a:schemeClr val="dk1"/>
+            </a:effectRef>
+            <a:fontRef idx="minor">
+              <a:schemeClr val="tx1"/>
+            </a:fontRef>
+          </p:style>
+        </p:cxnSp>
+        <p:cxnSp>
+          <p:nvCxnSpPr>
+            <p:cNvPr id="31" name="Connecteur droit 30">
+              <a:extLst>
+                <a:ext uri="{FF2B5EF4-FFF2-40B4-BE49-F238E27FC236}">
+                  <a16:creationId xmlns:a16="http://schemas.microsoft.com/office/drawing/2014/main" id="{BBCF17DA-C221-03B8-BFAD-67A63A376D1E}"/>
+                </a:ext>
+              </a:extLst>
+            </p:cNvPr>
+            <p:cNvCxnSpPr>
+              <a:cxnSpLocks/>
+            </p:cNvCxnSpPr>
+            <p:nvPr/>
+          </p:nvCxnSpPr>
+          <p:spPr>
+            <a:xfrm flipV="1">
+              <a:off x="109122" y="125820"/>
+              <a:ext cx="1593843" cy="661746"/>
+            </a:xfrm>
+            <a:prstGeom prst="line">
+              <a:avLst/>
+            </a:prstGeom>
+          </p:spPr>
+          <p:style>
+            <a:lnRef idx="1">
+              <a:schemeClr val="dk1"/>
+            </a:lnRef>
+            <a:fillRef idx="0">
+              <a:schemeClr val="dk1"/>
+            </a:fillRef>
+            <a:effectRef idx="0">
+              <a:schemeClr val="dk1"/>
+            </a:effectRef>
+            <a:fontRef idx="minor">
+              <a:schemeClr val="tx1"/>
+            </a:fontRef>
+          </p:style>
+        </p:cxnSp>
+      </p:grpSp>
+      <p:sp>
+        <p:nvSpPr>
+          <p:cNvPr id="35" name="Rectangle 34">
+            <a:extLst>
+              <a:ext uri="{FF2B5EF4-FFF2-40B4-BE49-F238E27FC236}">
+                <a16:creationId xmlns:a16="http://schemas.microsoft.com/office/drawing/2014/main" id="{3CE9242C-B442-4937-DC6B-1069E8B746F0}"/>
+              </a:ext>
+            </a:extLst>
+          </p:cNvPr>
+          <p:cNvSpPr/>
+          <p:nvPr/>
+        </p:nvSpPr>
+        <p:spPr>
+          <a:xfrm>
+            <a:off x="5211167" y="854663"/>
+            <a:ext cx="730500" cy="661745"/>
+          </a:xfrm>
+          <a:prstGeom prst="rect">
+            <a:avLst/>
+          </a:prstGeom>
+          <a:solidFill>
+            <a:schemeClr val="bg1"/>
+          </a:solidFill>
+          <a:ln>
+            <a:solidFill>
+              <a:schemeClr val="tx1">
+                <a:lumMod val="95000"/>
+                <a:lumOff val="5000"/>
+              </a:schemeClr>
+            </a:solidFill>
+          </a:ln>
+        </p:spPr>
+        <p:style>
+          <a:lnRef idx="2">
+            <a:schemeClr val="accent1">
+              <a:shade val="50000"/>
+            </a:schemeClr>
+          </a:lnRef>
+          <a:fillRef idx="1">
+            <a:schemeClr val="accent1"/>
+          </a:fillRef>
+          <a:effectRef idx="0">
+            <a:schemeClr val="accent1"/>
+          </a:effectRef>
+          <a:fontRef idx="minor">
+            <a:schemeClr val="lt1"/>
+          </a:fontRef>
+        </p:style>
+        <p:txBody>
+          <a:bodyPr rtlCol="0" anchor="ctr"/>
+          <a:lstStyle/>
+          <a:p>
+            <a:pPr algn="ctr"/>
+            <a:r>
+              <a:rPr lang="fr-FR" dirty="0"/>
+              <a:t>Logo</a:t>
+            </a:r>
+          </a:p>
+        </p:txBody>
+      </p:sp>
+      <p:grpSp>
+        <p:nvGrpSpPr>
+          <p:cNvPr id="36" name="Groupe 35">
+            <a:extLst>
+              <a:ext uri="{FF2B5EF4-FFF2-40B4-BE49-F238E27FC236}">
+                <a16:creationId xmlns:a16="http://schemas.microsoft.com/office/drawing/2014/main" id="{BB080950-EDFC-74D9-93D2-6F9FF3DEAB9A}"/>
+              </a:ext>
+            </a:extLst>
+          </p:cNvPr>
+          <p:cNvGrpSpPr/>
+          <p:nvPr/>
+        </p:nvGrpSpPr>
+        <p:grpSpPr>
+          <a:xfrm>
+            <a:off x="5202714" y="854662"/>
+            <a:ext cx="738230" cy="661746"/>
+            <a:chOff x="100668" y="125820"/>
+            <a:chExt cx="1602297" cy="661746"/>
+          </a:xfrm>
+        </p:grpSpPr>
+        <p:cxnSp>
+          <p:nvCxnSpPr>
+            <p:cNvPr id="37" name="Connecteur droit 36">
+              <a:extLst>
+                <a:ext uri="{FF2B5EF4-FFF2-40B4-BE49-F238E27FC236}">
+                  <a16:creationId xmlns:a16="http://schemas.microsoft.com/office/drawing/2014/main" id="{5A5B7BC3-FAC6-8EDF-46AA-D7B5BE33ADB3}"/>
+                </a:ext>
+              </a:extLst>
+            </p:cNvPr>
+            <p:cNvCxnSpPr/>
+            <p:nvPr/>
+          </p:nvCxnSpPr>
+          <p:spPr>
+            <a:xfrm>
+              <a:off x="100668" y="125820"/>
+              <a:ext cx="1602297" cy="661746"/>
+            </a:xfrm>
+            <a:prstGeom prst="line">
+              <a:avLst/>
+            </a:prstGeom>
+          </p:spPr>
+          <p:style>
+            <a:lnRef idx="1">
+              <a:schemeClr val="dk1"/>
+            </a:lnRef>
+            <a:fillRef idx="0">
+              <a:schemeClr val="dk1"/>
+            </a:fillRef>
+            <a:effectRef idx="0">
+              <a:schemeClr val="dk1"/>
+            </a:effectRef>
+            <a:fontRef idx="minor">
+              <a:schemeClr val="tx1"/>
+            </a:fontRef>
+          </p:style>
+        </p:cxnSp>
+        <p:cxnSp>
+          <p:nvCxnSpPr>
+            <p:cNvPr id="38" name="Connecteur droit 37">
+              <a:extLst>
+                <a:ext uri="{FF2B5EF4-FFF2-40B4-BE49-F238E27FC236}">
+                  <a16:creationId xmlns:a16="http://schemas.microsoft.com/office/drawing/2014/main" id="{4C48777A-6662-3DBA-04C2-7405D10CAB97}"/>
+                </a:ext>
+              </a:extLst>
+            </p:cNvPr>
+            <p:cNvCxnSpPr>
+              <a:cxnSpLocks/>
+            </p:cNvCxnSpPr>
+            <p:nvPr/>
+          </p:nvCxnSpPr>
+          <p:spPr>
+            <a:xfrm flipV="1">
+              <a:off x="109122" y="125820"/>
+              <a:ext cx="1593843" cy="661746"/>
+            </a:xfrm>
+            <a:prstGeom prst="line">
+              <a:avLst/>
+            </a:prstGeom>
+          </p:spPr>
+          <p:style>
+            <a:lnRef idx="1">
+              <a:schemeClr val="dk1"/>
+            </a:lnRef>
+            <a:fillRef idx="0">
+              <a:schemeClr val="dk1"/>
+            </a:fillRef>
+            <a:effectRef idx="0">
+              <a:schemeClr val="dk1"/>
+            </a:effectRef>
+            <a:fontRef idx="minor">
+              <a:schemeClr val="tx1"/>
+            </a:fontRef>
+          </p:style>
+        </p:cxnSp>
+      </p:grpSp>
+      <p:sp>
+        <p:nvSpPr>
+          <p:cNvPr id="43" name="Rectangle 42">
+            <a:extLst>
+              <a:ext uri="{FF2B5EF4-FFF2-40B4-BE49-F238E27FC236}">
+                <a16:creationId xmlns:a16="http://schemas.microsoft.com/office/drawing/2014/main" id="{3E49A689-6FC3-015B-AA45-9C958EC42EE1}"/>
+              </a:ext>
+            </a:extLst>
+          </p:cNvPr>
+          <p:cNvSpPr/>
+          <p:nvPr/>
+        </p:nvSpPr>
+        <p:spPr>
+          <a:xfrm>
+            <a:off x="5374630" y="1741578"/>
+            <a:ext cx="2259478" cy="2746531"/>
+          </a:xfrm>
+          <a:prstGeom prst="rect">
+            <a:avLst/>
+          </a:prstGeom>
+          <a:solidFill>
+            <a:schemeClr val="bg1">
+              <a:lumMod val="50000"/>
+            </a:schemeClr>
+          </a:solidFill>
+          <a:ln>
+            <a:solidFill>
+              <a:schemeClr val="tx1">
+                <a:lumMod val="95000"/>
+                <a:lumOff val="5000"/>
+              </a:schemeClr>
+            </a:solidFill>
+          </a:ln>
+        </p:spPr>
+        <p:style>
+          <a:lnRef idx="2">
+            <a:schemeClr val="accent1">
+              <a:shade val="50000"/>
+            </a:schemeClr>
+          </a:lnRef>
+          <a:fillRef idx="1">
+            <a:schemeClr val="accent1"/>
+          </a:fillRef>
+          <a:effectRef idx="0">
+            <a:schemeClr val="accent1"/>
+          </a:effectRef>
+          <a:fontRef idx="minor">
+            <a:schemeClr val="lt1"/>
+          </a:fontRef>
+        </p:style>
+        <p:txBody>
+          <a:bodyPr rtlCol="0" anchor="ctr"/>
+          <a:lstStyle/>
+          <a:p>
+            <a:pPr algn="ctr"/>
+            <a:endParaRPr lang="fr-FR" dirty="0"/>
+          </a:p>
+          <a:p>
+            <a:pPr algn="ctr"/>
+            <a:endParaRPr lang="fr-FR" dirty="0"/>
+          </a:p>
+          <a:p>
+            <a:pPr algn="ctr"/>
+            <a:r>
+              <a:rPr lang="fr-FR" dirty="0"/>
+              <a:t>Véhicule</a:t>
+            </a:r>
+          </a:p>
+          <a:p>
+            <a:pPr algn="ctr"/>
+            <a:endParaRPr lang="fr-FR" dirty="0"/>
+          </a:p>
+          <a:p>
+            <a:pPr algn="ctr"/>
+            <a:endParaRPr lang="fr-FR" dirty="0"/>
+          </a:p>
+          <a:p>
+            <a:pPr algn="ctr"/>
+            <a:endParaRPr lang="fr-FR" dirty="0"/>
+          </a:p>
+          <a:p>
+            <a:r>
+              <a:rPr lang="fr-FR" dirty="0"/>
+              <a:t>            Véhicule</a:t>
+            </a:r>
+          </a:p>
+          <a:p>
+            <a:endParaRPr lang="fr-FR" sz="1400" i="1" dirty="0"/>
+          </a:p>
+          <a:p>
+            <a:r>
+              <a:rPr lang="fr-FR" sz="1400" i="1" dirty="0"/>
+              <a:t>Prix : 10 000€ </a:t>
+            </a:r>
+          </a:p>
+          <a:p>
+            <a:r>
+              <a:rPr lang="fr-FR" sz="1400" i="1" dirty="0"/>
+              <a:t>Année : 2005</a:t>
+            </a:r>
+          </a:p>
+          <a:p>
+            <a:r>
+              <a:rPr lang="fr-FR" sz="1400" i="1" dirty="0"/>
+              <a:t>Kilométrage : 1 000 km</a:t>
+            </a:r>
+            <a:endParaRPr lang="fr-FR" dirty="0"/>
+          </a:p>
+          <a:p>
+            <a:pPr algn="ctr"/>
+            <a:endParaRPr lang="fr-FR" dirty="0"/>
+          </a:p>
+          <a:p>
+            <a:pPr algn="ctr"/>
+            <a:endParaRPr lang="fr-FR" dirty="0"/>
+          </a:p>
+        </p:txBody>
+      </p:sp>
+      <p:sp>
+        <p:nvSpPr>
+          <p:cNvPr id="44" name="Rectangle 43">
+            <a:extLst>
+              <a:ext uri="{FF2B5EF4-FFF2-40B4-BE49-F238E27FC236}">
+                <a16:creationId xmlns:a16="http://schemas.microsoft.com/office/drawing/2014/main" id="{C33A566E-2296-65B6-DA03-0FF18CB3F8FD}"/>
+              </a:ext>
+            </a:extLst>
+          </p:cNvPr>
+          <p:cNvSpPr/>
+          <p:nvPr/>
+        </p:nvSpPr>
+        <p:spPr>
+          <a:xfrm>
+            <a:off x="5383084" y="1737545"/>
+            <a:ext cx="2259478" cy="1299270"/>
+          </a:xfrm>
+          <a:prstGeom prst="rect">
+            <a:avLst/>
+          </a:prstGeom>
+          <a:solidFill>
+            <a:schemeClr val="bg1"/>
+          </a:solidFill>
+          <a:ln>
+            <a:solidFill>
+              <a:schemeClr val="tx1">
+                <a:lumMod val="95000"/>
+                <a:lumOff val="5000"/>
+              </a:schemeClr>
+            </a:solidFill>
+          </a:ln>
+        </p:spPr>
+        <p:style>
+          <a:lnRef idx="2">
+            <a:schemeClr val="accent1">
+              <a:shade val="50000"/>
+            </a:schemeClr>
+          </a:lnRef>
+          <a:fillRef idx="1">
+            <a:schemeClr val="accent1"/>
+          </a:fillRef>
+          <a:effectRef idx="0">
+            <a:schemeClr val="accent1"/>
+          </a:effectRef>
+          <a:fontRef idx="minor">
+            <a:schemeClr val="lt1"/>
+          </a:fontRef>
+        </p:style>
+        <p:txBody>
+          <a:bodyPr rtlCol="0" anchor="ctr"/>
+          <a:lstStyle/>
+          <a:p>
+            <a:pPr algn="ctr"/>
+            <a:r>
+              <a:rPr lang="fr-FR" dirty="0"/>
+              <a:t>Logo</a:t>
+            </a:r>
+          </a:p>
+        </p:txBody>
+      </p:sp>
+      <p:grpSp>
+        <p:nvGrpSpPr>
+          <p:cNvPr id="45" name="Groupe 44">
+            <a:extLst>
+              <a:ext uri="{FF2B5EF4-FFF2-40B4-BE49-F238E27FC236}">
+                <a16:creationId xmlns:a16="http://schemas.microsoft.com/office/drawing/2014/main" id="{A9C32322-BDD0-7597-4B89-4C55B1325E45}"/>
+              </a:ext>
+            </a:extLst>
+          </p:cNvPr>
+          <p:cNvGrpSpPr/>
+          <p:nvPr/>
+        </p:nvGrpSpPr>
+        <p:grpSpPr>
+          <a:xfrm>
+            <a:off x="5374630" y="1737544"/>
+            <a:ext cx="2283386" cy="1299272"/>
+            <a:chOff x="100668" y="125820"/>
+            <a:chExt cx="1602297" cy="661746"/>
+          </a:xfrm>
+        </p:grpSpPr>
+        <p:cxnSp>
+          <p:nvCxnSpPr>
+            <p:cNvPr id="46" name="Connecteur droit 45">
+              <a:extLst>
+                <a:ext uri="{FF2B5EF4-FFF2-40B4-BE49-F238E27FC236}">
+                  <a16:creationId xmlns:a16="http://schemas.microsoft.com/office/drawing/2014/main" id="{55352F99-6566-70BA-06B7-EBF812AFDE88}"/>
+                </a:ext>
+              </a:extLst>
+            </p:cNvPr>
+            <p:cNvCxnSpPr/>
+            <p:nvPr/>
+          </p:nvCxnSpPr>
+          <p:spPr>
+            <a:xfrm>
+              <a:off x="100668" y="125820"/>
+              <a:ext cx="1602297" cy="661746"/>
+            </a:xfrm>
+            <a:prstGeom prst="line">
+              <a:avLst/>
+            </a:prstGeom>
+          </p:spPr>
+          <p:style>
+            <a:lnRef idx="1">
+              <a:schemeClr val="dk1"/>
+            </a:lnRef>
+            <a:fillRef idx="0">
+              <a:schemeClr val="dk1"/>
+            </a:fillRef>
+            <a:effectRef idx="0">
+              <a:schemeClr val="dk1"/>
+            </a:effectRef>
+            <a:fontRef idx="minor">
+              <a:schemeClr val="tx1"/>
+            </a:fontRef>
+          </p:style>
+        </p:cxnSp>
+        <p:cxnSp>
+          <p:nvCxnSpPr>
+            <p:cNvPr id="47" name="Connecteur droit 46">
+              <a:extLst>
+                <a:ext uri="{FF2B5EF4-FFF2-40B4-BE49-F238E27FC236}">
+                  <a16:creationId xmlns:a16="http://schemas.microsoft.com/office/drawing/2014/main" id="{0F099F3F-1243-C1D6-6B90-713A1C5671A3}"/>
+                </a:ext>
+              </a:extLst>
+            </p:cNvPr>
+            <p:cNvCxnSpPr>
+              <a:cxnSpLocks/>
+            </p:cNvCxnSpPr>
+            <p:nvPr/>
+          </p:nvCxnSpPr>
+          <p:spPr>
+            <a:xfrm flipV="1">
+              <a:off x="109122" y="125820"/>
+              <a:ext cx="1593843" cy="661746"/>
+            </a:xfrm>
+            <a:prstGeom prst="line">
+              <a:avLst/>
+            </a:prstGeom>
+          </p:spPr>
+          <p:style>
+            <a:lnRef idx="1">
+              <a:schemeClr val="dk1"/>
+            </a:lnRef>
+            <a:fillRef idx="0">
+              <a:schemeClr val="dk1"/>
+            </a:fillRef>
+            <a:effectRef idx="0">
+              <a:schemeClr val="dk1"/>
+            </a:effectRef>
+            <a:fontRef idx="minor">
+              <a:schemeClr val="tx1"/>
+            </a:fontRef>
+          </p:style>
+        </p:cxnSp>
+      </p:grpSp>
+      <p:sp>
+        <p:nvSpPr>
+          <p:cNvPr id="48" name="Rectangle 47">
+            <a:extLst>
+              <a:ext uri="{FF2B5EF4-FFF2-40B4-BE49-F238E27FC236}">
+                <a16:creationId xmlns:a16="http://schemas.microsoft.com/office/drawing/2014/main" id="{2BA28FB1-C1B0-493A-F6A1-07B508A6F8DE}"/>
+              </a:ext>
+            </a:extLst>
+          </p:cNvPr>
+          <p:cNvSpPr/>
+          <p:nvPr/>
+        </p:nvSpPr>
+        <p:spPr>
+          <a:xfrm>
+            <a:off x="8806770" y="1713300"/>
+            <a:ext cx="2607216" cy="1320956"/>
+          </a:xfrm>
+          <a:prstGeom prst="rect">
+            <a:avLst/>
+          </a:prstGeom>
+          <a:solidFill>
+            <a:schemeClr val="bg1"/>
+          </a:solidFill>
+          <a:ln>
+            <a:solidFill>
+              <a:schemeClr val="tx1">
+                <a:lumMod val="95000"/>
+                <a:lumOff val="5000"/>
+              </a:schemeClr>
+            </a:solidFill>
+          </a:ln>
+        </p:spPr>
+        <p:style>
+          <a:lnRef idx="2">
+            <a:schemeClr val="accent1">
+              <a:shade val="50000"/>
+            </a:schemeClr>
+          </a:lnRef>
+          <a:fillRef idx="1">
+            <a:schemeClr val="accent1"/>
+          </a:fillRef>
+          <a:effectRef idx="0">
+            <a:schemeClr val="accent1"/>
+          </a:effectRef>
+          <a:fontRef idx="minor">
+            <a:schemeClr val="lt1"/>
+          </a:fontRef>
+        </p:style>
+        <p:txBody>
+          <a:bodyPr rtlCol="0" anchor="ctr"/>
+          <a:lstStyle/>
+          <a:p>
+            <a:pPr algn="ctr"/>
+            <a:r>
+              <a:rPr lang="fr-FR" dirty="0"/>
+              <a:t>Logo</a:t>
+            </a:r>
+          </a:p>
+        </p:txBody>
+      </p:sp>
+      <p:grpSp>
+        <p:nvGrpSpPr>
+          <p:cNvPr id="49" name="Groupe 48">
+            <a:extLst>
+              <a:ext uri="{FF2B5EF4-FFF2-40B4-BE49-F238E27FC236}">
+                <a16:creationId xmlns:a16="http://schemas.microsoft.com/office/drawing/2014/main" id="{729369CD-8A66-611B-7105-97AB2F7954B8}"/>
+              </a:ext>
+            </a:extLst>
+          </p:cNvPr>
+          <p:cNvGrpSpPr/>
+          <p:nvPr/>
+        </p:nvGrpSpPr>
+        <p:grpSpPr>
+          <a:xfrm>
+            <a:off x="8811264" y="1703119"/>
+            <a:ext cx="2634805" cy="1320958"/>
+            <a:chOff x="100668" y="125820"/>
+            <a:chExt cx="1602297" cy="661746"/>
+          </a:xfrm>
+        </p:grpSpPr>
+        <p:cxnSp>
+          <p:nvCxnSpPr>
+            <p:cNvPr id="50" name="Connecteur droit 49">
+              <a:extLst>
+                <a:ext uri="{FF2B5EF4-FFF2-40B4-BE49-F238E27FC236}">
+                  <a16:creationId xmlns:a16="http://schemas.microsoft.com/office/drawing/2014/main" id="{B79E6EA3-48CC-AF50-135D-234079CAEF19}"/>
+                </a:ext>
+              </a:extLst>
+            </p:cNvPr>
+            <p:cNvCxnSpPr/>
+            <p:nvPr/>
+          </p:nvCxnSpPr>
+          <p:spPr>
+            <a:xfrm>
+              <a:off x="100668" y="125820"/>
+              <a:ext cx="1602297" cy="661746"/>
+            </a:xfrm>
+            <a:prstGeom prst="line">
+              <a:avLst/>
+            </a:prstGeom>
+          </p:spPr>
+          <p:style>
+            <a:lnRef idx="1">
+              <a:schemeClr val="dk1"/>
+            </a:lnRef>
+            <a:fillRef idx="0">
+              <a:schemeClr val="dk1"/>
+            </a:fillRef>
+            <a:effectRef idx="0">
+              <a:schemeClr val="dk1"/>
+            </a:effectRef>
+            <a:fontRef idx="minor">
+              <a:schemeClr val="tx1"/>
+            </a:fontRef>
+          </p:style>
+        </p:cxnSp>
+        <p:cxnSp>
+          <p:nvCxnSpPr>
+            <p:cNvPr id="51" name="Connecteur droit 50">
+              <a:extLst>
+                <a:ext uri="{FF2B5EF4-FFF2-40B4-BE49-F238E27FC236}">
+                  <a16:creationId xmlns:a16="http://schemas.microsoft.com/office/drawing/2014/main" id="{0281CCF2-9B89-7331-FCDF-4777B2944A85}"/>
+                </a:ext>
+              </a:extLst>
+            </p:cNvPr>
+            <p:cNvCxnSpPr>
+              <a:cxnSpLocks/>
+            </p:cNvCxnSpPr>
+            <p:nvPr/>
+          </p:nvCxnSpPr>
+          <p:spPr>
+            <a:xfrm flipV="1">
+              <a:off x="109122" y="125820"/>
+              <a:ext cx="1593843" cy="661746"/>
+            </a:xfrm>
+            <a:prstGeom prst="line">
+              <a:avLst/>
+            </a:prstGeom>
+          </p:spPr>
+          <p:style>
+            <a:lnRef idx="1">
+              <a:schemeClr val="dk1"/>
+            </a:lnRef>
+            <a:fillRef idx="0">
+              <a:schemeClr val="dk1"/>
+            </a:fillRef>
+            <a:effectRef idx="0">
+              <a:schemeClr val="dk1"/>
+            </a:effectRef>
+            <a:fontRef idx="minor">
+              <a:schemeClr val="tx1"/>
+            </a:fontRef>
+          </p:style>
+        </p:cxnSp>
+      </p:grpSp>
+    </p:spTree>
+    <p:extLst>
+      <p:ext uri="{BB962C8B-B14F-4D97-AF65-F5344CB8AC3E}">
+        <p14:creationId xmlns:p14="http://schemas.microsoft.com/office/powerpoint/2010/main" val="3943588765"/>
       </p:ext>
     </p:extLst>
   </p:cSld>

--- a/other/Maquette -Wireframe.pptx
+++ b/other/Maquette -Wireframe.pptx
@@ -11,13 +11,13 @@
     <p:sldId id="258" r:id="rId2"/>
     <p:sldId id="259" r:id="rId3"/>
     <p:sldId id="257" r:id="rId4"/>
-    <p:sldId id="260" r:id="rId5"/>
-    <p:sldId id="263" r:id="rId6"/>
+    <p:sldId id="267" r:id="rId5"/>
+    <p:sldId id="260" r:id="rId6"/>
     <p:sldId id="265" r:id="rId7"/>
     <p:sldId id="261" r:id="rId8"/>
-    <p:sldId id="264" r:id="rId9"/>
-    <p:sldId id="267" r:id="rId10"/>
-    <p:sldId id="268" r:id="rId11"/>
+    <p:sldId id="268" r:id="rId9"/>
+    <p:sldId id="264" r:id="rId10"/>
+    <p:sldId id="263" r:id="rId11"/>
     <p:sldId id="266" r:id="rId12"/>
   </p:sldIdLst>
   <p:sldSz cx="12192000" cy="6858000"/>
@@ -207,7 +207,7 @@
           <a:p>
             <a:fld id="{2EC9B8E1-8737-41A6-8049-8821F6FD00B8}" type="datetimeFigureOut">
               <a:rPr lang="fr-FR" smtClean="0"/>
-              <a:t>06/11/2023</a:t>
+              <a:t>07/11/2023</a:t>
             </a:fld>
             <a:endParaRPr lang="fr-FR"/>
           </a:p>
@@ -792,7 +792,7 @@
           <a:p>
             <a:fld id="{5D78E834-0D2C-44D5-883E-03BA4DDD9834}" type="datetimeFigureOut">
               <a:rPr lang="fr-FR" smtClean="0"/>
-              <a:t>06/11/2023</a:t>
+              <a:t>07/11/2023</a:t>
             </a:fld>
             <a:endParaRPr lang="fr-FR"/>
           </a:p>
@@ -990,7 +990,7 @@
           <a:p>
             <a:fld id="{5D78E834-0D2C-44D5-883E-03BA4DDD9834}" type="datetimeFigureOut">
               <a:rPr lang="fr-FR" smtClean="0"/>
-              <a:t>06/11/2023</a:t>
+              <a:t>07/11/2023</a:t>
             </a:fld>
             <a:endParaRPr lang="fr-FR"/>
           </a:p>
@@ -1198,7 +1198,7 @@
           <a:p>
             <a:fld id="{5D78E834-0D2C-44D5-883E-03BA4DDD9834}" type="datetimeFigureOut">
               <a:rPr lang="fr-FR" smtClean="0"/>
-              <a:t>06/11/2023</a:t>
+              <a:t>07/11/2023</a:t>
             </a:fld>
             <a:endParaRPr lang="fr-FR"/>
           </a:p>
@@ -1396,7 +1396,7 @@
           <a:p>
             <a:fld id="{5D78E834-0D2C-44D5-883E-03BA4DDD9834}" type="datetimeFigureOut">
               <a:rPr lang="fr-FR" smtClean="0"/>
-              <a:t>06/11/2023</a:t>
+              <a:t>07/11/2023</a:t>
             </a:fld>
             <a:endParaRPr lang="fr-FR"/>
           </a:p>
@@ -1671,7 +1671,7 @@
           <a:p>
             <a:fld id="{5D78E834-0D2C-44D5-883E-03BA4DDD9834}" type="datetimeFigureOut">
               <a:rPr lang="fr-FR" smtClean="0"/>
-              <a:t>06/11/2023</a:t>
+              <a:t>07/11/2023</a:t>
             </a:fld>
             <a:endParaRPr lang="fr-FR"/>
           </a:p>
@@ -1936,7 +1936,7 @@
           <a:p>
             <a:fld id="{5D78E834-0D2C-44D5-883E-03BA4DDD9834}" type="datetimeFigureOut">
               <a:rPr lang="fr-FR" smtClean="0"/>
-              <a:t>06/11/2023</a:t>
+              <a:t>07/11/2023</a:t>
             </a:fld>
             <a:endParaRPr lang="fr-FR"/>
           </a:p>
@@ -2348,7 +2348,7 @@
           <a:p>
             <a:fld id="{5D78E834-0D2C-44D5-883E-03BA4DDD9834}" type="datetimeFigureOut">
               <a:rPr lang="fr-FR" smtClean="0"/>
-              <a:t>06/11/2023</a:t>
+              <a:t>07/11/2023</a:t>
             </a:fld>
             <a:endParaRPr lang="fr-FR"/>
           </a:p>
@@ -2489,7 +2489,7 @@
           <a:p>
             <a:fld id="{5D78E834-0D2C-44D5-883E-03BA4DDD9834}" type="datetimeFigureOut">
               <a:rPr lang="fr-FR" smtClean="0"/>
-              <a:t>06/11/2023</a:t>
+              <a:t>07/11/2023</a:t>
             </a:fld>
             <a:endParaRPr lang="fr-FR"/>
           </a:p>
@@ -2602,7 +2602,7 @@
           <a:p>
             <a:fld id="{5D78E834-0D2C-44D5-883E-03BA4DDD9834}" type="datetimeFigureOut">
               <a:rPr lang="fr-FR" smtClean="0"/>
-              <a:t>06/11/2023</a:t>
+              <a:t>07/11/2023</a:t>
             </a:fld>
             <a:endParaRPr lang="fr-FR"/>
           </a:p>
@@ -2913,7 +2913,7 @@
           <a:p>
             <a:fld id="{5D78E834-0D2C-44D5-883E-03BA4DDD9834}" type="datetimeFigureOut">
               <a:rPr lang="fr-FR" smtClean="0"/>
-              <a:t>06/11/2023</a:t>
+              <a:t>07/11/2023</a:t>
             </a:fld>
             <a:endParaRPr lang="fr-FR"/>
           </a:p>
@@ -3201,7 +3201,7 @@
           <a:p>
             <a:fld id="{5D78E834-0D2C-44D5-883E-03BA4DDD9834}" type="datetimeFigureOut">
               <a:rPr lang="fr-FR" smtClean="0"/>
-              <a:t>06/11/2023</a:t>
+              <a:t>07/11/2023</a:t>
             </a:fld>
             <a:endParaRPr lang="fr-FR"/>
           </a:p>
@@ -3442,7 +3442,7 @@
           <a:p>
             <a:fld id="{5D78E834-0D2C-44D5-883E-03BA4DDD9834}" type="datetimeFigureOut">
               <a:rPr lang="fr-FR" smtClean="0"/>
-              <a:t>06/11/2023</a:t>
+              <a:t>07/11/2023</a:t>
             </a:fld>
             <a:endParaRPr lang="fr-FR"/>
           </a:p>
@@ -6276,10 +6276,10 @@
       </p:grpSpPr>
       <p:sp>
         <p:nvSpPr>
-          <p:cNvPr id="4" name="Rectangle : coins arrondis 3">
-            <a:extLst>
-              <a:ext uri="{FF2B5EF4-FFF2-40B4-BE49-F238E27FC236}">
-                <a16:creationId xmlns:a16="http://schemas.microsoft.com/office/drawing/2014/main" id="{6CC9E5E7-A9D4-F6CC-CA5D-60E6CADD3A42}"/>
+          <p:cNvPr id="7" name="Rectangle 6">
+            <a:extLst>
+              <a:ext uri="{FF2B5EF4-FFF2-40B4-BE49-F238E27FC236}">
+                <a16:creationId xmlns:a16="http://schemas.microsoft.com/office/drawing/2014/main" id="{8CA717CA-55EA-45D0-B44F-C0A677319E14}"/>
               </a:ext>
             </a:extLst>
           </p:cNvPr>
@@ -6288,10 +6288,10 @@
         </p:nvSpPr>
         <p:spPr>
           <a:xfrm>
-            <a:off x="1134622" y="535497"/>
-            <a:ext cx="3177319" cy="5378742"/>
-          </a:xfrm>
-          <a:prstGeom prst="roundRect">
+            <a:off x="2745698" y="1216404"/>
+            <a:ext cx="6700603" cy="4697835"/>
+          </a:xfrm>
+          <a:prstGeom prst="rect">
             <a:avLst/>
           </a:prstGeom>
           <a:noFill/>
@@ -6331,10 +6331,10 @@
       </p:sp>
       <p:sp>
         <p:nvSpPr>
-          <p:cNvPr id="6" name="Rectangle 5">
-            <a:extLst>
-              <a:ext uri="{FF2B5EF4-FFF2-40B4-BE49-F238E27FC236}">
-                <a16:creationId xmlns:a16="http://schemas.microsoft.com/office/drawing/2014/main" id="{6C887EFD-8C7E-69BB-8926-3CE708618A3F}"/>
+          <p:cNvPr id="10" name="Rectangle 9">
+            <a:extLst>
+              <a:ext uri="{FF2B5EF4-FFF2-40B4-BE49-F238E27FC236}">
+                <a16:creationId xmlns:a16="http://schemas.microsoft.com/office/drawing/2014/main" id="{CB005456-2DF5-42F4-9212-E99AE26E711A}"/>
               </a:ext>
             </a:extLst>
           </p:cNvPr>
@@ -6343,15 +6343,15 @@
         </p:nvSpPr>
         <p:spPr>
           <a:xfrm>
-            <a:off x="3317877" y="854664"/>
-            <a:ext cx="729778" cy="661745"/>
+            <a:off x="4799349" y="5002065"/>
+            <a:ext cx="2593299" cy="494480"/>
           </a:xfrm>
           <a:prstGeom prst="rect">
             <a:avLst/>
           </a:prstGeom>
           <a:solidFill>
             <a:schemeClr val="bg1">
-              <a:lumMod val="65000"/>
+              <a:lumMod val="50000"/>
             </a:schemeClr>
           </a:solidFill>
           <a:ln>
@@ -6385,18 +6385,18 @@
           <a:p>
             <a:pPr algn="ctr"/>
             <a:r>
-              <a:rPr lang="fr-FR" sz="1600" dirty="0"/>
-              <a:t>Menu</a:t>
-            </a:r>
-          </a:p>
-        </p:txBody>
-      </p:sp>
-      <p:sp>
-        <p:nvSpPr>
-          <p:cNvPr id="18" name="Rectangle : coins arrondis 17">
-            <a:extLst>
-              <a:ext uri="{FF2B5EF4-FFF2-40B4-BE49-F238E27FC236}">
-                <a16:creationId xmlns:a16="http://schemas.microsoft.com/office/drawing/2014/main" id="{A5AFB5BA-DCEA-7E45-EA57-8827D00B20DE}"/>
+              <a:rPr lang="fr-FR" dirty="0"/>
+              <a:t>Témoigner</a:t>
+            </a:r>
+          </a:p>
+        </p:txBody>
+      </p:sp>
+      <p:sp>
+        <p:nvSpPr>
+          <p:cNvPr id="11" name="Rectangle 10">
+            <a:extLst>
+              <a:ext uri="{FF2B5EF4-FFF2-40B4-BE49-F238E27FC236}">
+                <a16:creationId xmlns:a16="http://schemas.microsoft.com/office/drawing/2014/main" id="{C3EE19EF-B95D-41DA-A630-9B7E94BAA072}"/>
               </a:ext>
             </a:extLst>
           </p:cNvPr>
@@ -6405,70 +6405,15 @@
         </p:nvSpPr>
         <p:spPr>
           <a:xfrm>
-            <a:off x="4785231" y="535497"/>
-            <a:ext cx="3177319" cy="5378742"/>
-          </a:xfrm>
-          <a:prstGeom prst="roundRect">
-            <a:avLst/>
-          </a:prstGeom>
-          <a:noFill/>
-          <a:ln>
-            <a:solidFill>
-              <a:schemeClr val="tx1">
-                <a:lumMod val="95000"/>
-                <a:lumOff val="5000"/>
-              </a:schemeClr>
-            </a:solidFill>
-          </a:ln>
-        </p:spPr>
-        <p:style>
-          <a:lnRef idx="2">
-            <a:schemeClr val="accent1">
-              <a:shade val="50000"/>
-            </a:schemeClr>
-          </a:lnRef>
-          <a:fillRef idx="1">
-            <a:schemeClr val="accent1"/>
-          </a:fillRef>
-          <a:effectRef idx="0">
-            <a:schemeClr val="accent1"/>
-          </a:effectRef>
-          <a:fontRef idx="minor">
-            <a:schemeClr val="lt1"/>
-          </a:fontRef>
-        </p:style>
-        <p:txBody>
-          <a:bodyPr rtlCol="0" anchor="ctr"/>
-          <a:lstStyle/>
-          <a:p>
-            <a:pPr algn="ctr"/>
-            <a:endParaRPr lang="fr-FR"/>
-          </a:p>
-        </p:txBody>
-      </p:sp>
-      <p:sp>
-        <p:nvSpPr>
-          <p:cNvPr id="20" name="Rectangle 19">
-            <a:extLst>
-              <a:ext uri="{FF2B5EF4-FFF2-40B4-BE49-F238E27FC236}">
-                <a16:creationId xmlns:a16="http://schemas.microsoft.com/office/drawing/2014/main" id="{F2763D8D-123B-3C77-D6FD-53BBEF21E7B2}"/>
-              </a:ext>
-            </a:extLst>
-          </p:cNvPr>
-          <p:cNvSpPr/>
-          <p:nvPr/>
-        </p:nvSpPr>
-        <p:spPr>
-          <a:xfrm>
-            <a:off x="6968486" y="854664"/>
-            <a:ext cx="729778" cy="661745"/>
+            <a:off x="2995534" y="1608695"/>
+            <a:ext cx="6200932" cy="494480"/>
           </a:xfrm>
           <a:prstGeom prst="rect">
             <a:avLst/>
           </a:prstGeom>
           <a:solidFill>
             <a:schemeClr val="bg1">
-              <a:lumMod val="65000"/>
+              <a:lumMod val="95000"/>
             </a:schemeClr>
           </a:solidFill>
           <a:ln>
@@ -6502,227 +6447,25 @@
           <a:p>
             <a:pPr algn="ctr"/>
             <a:r>
-              <a:rPr lang="fr-FR" sz="1600" dirty="0"/>
-              <a:t>Menu</a:t>
-            </a:r>
-          </a:p>
-        </p:txBody>
-      </p:sp>
-      <p:graphicFrame>
-        <p:nvGraphicFramePr>
-          <p:cNvPr id="24" name="Tableau 21">
-            <a:extLst>
-              <a:ext uri="{FF2B5EF4-FFF2-40B4-BE49-F238E27FC236}">
-                <a16:creationId xmlns:a16="http://schemas.microsoft.com/office/drawing/2014/main" id="{75FD5AA1-8915-D68C-BDE5-E9F889E1A60C}"/>
-              </a:ext>
-            </a:extLst>
-          </p:cNvPr>
-          <p:cNvGraphicFramePr>
-            <a:graphicFrameLocks noGrp="1"/>
-          </p:cNvGraphicFramePr>
-          <p:nvPr>
-            <p:extLst>
-              <p:ext uri="{D42A27DB-BD31-4B8C-83A1-F6EECF244321}">
-                <p14:modId xmlns:p14="http://schemas.microsoft.com/office/powerpoint/2010/main" val="2120521135"/>
-              </p:ext>
-            </p:extLst>
-          </p:nvPr>
-        </p:nvGraphicFramePr>
-        <p:xfrm>
-          <a:off x="5068412" y="1985860"/>
-          <a:ext cx="2629851" cy="1854200"/>
-        </p:xfrm>
-        <a:graphic>
-          <a:graphicData uri="http://schemas.openxmlformats.org/drawingml/2006/table">
-            <a:tbl>
-              <a:tblPr firstRow="1" bandRow="1">
-                <a:tableStyleId>{D7AC3CCA-C797-4891-BE02-D94E43425B78}</a:tableStyleId>
-              </a:tblPr>
-              <a:tblGrid>
-                <a:gridCol w="1324648">
-                  <a:extLst>
-                    <a:ext uri="{9D8B030D-6E8A-4147-A177-3AD203B41FA5}">
-                      <a16:colId xmlns:a16="http://schemas.microsoft.com/office/drawing/2014/main" val="2559633700"/>
-                    </a:ext>
-                  </a:extLst>
-                </a:gridCol>
-                <a:gridCol w="1305203">
-                  <a:extLst>
-                    <a:ext uri="{9D8B030D-6E8A-4147-A177-3AD203B41FA5}">
-                      <a16:colId xmlns:a16="http://schemas.microsoft.com/office/drawing/2014/main" val="1613398091"/>
-                    </a:ext>
-                  </a:extLst>
-                </a:gridCol>
-              </a:tblGrid>
-              <a:tr h="370840">
-                <a:tc gridSpan="2">
-                  <a:txBody>
-                    <a:bodyPr/>
-                    <a:lstStyle/>
-                    <a:p>
-                      <a:pPr algn="ctr"/>
-                      <a:r>
-                        <a:rPr lang="fr-FR" dirty="0"/>
-                        <a:t>Ajouter un Véhicule</a:t>
-                      </a:r>
-                    </a:p>
-                  </a:txBody>
-                  <a:tcPr/>
-                </a:tc>
-                <a:tc hMerge="1">
-                  <a:txBody>
-                    <a:bodyPr/>
-                    <a:lstStyle/>
-                    <a:p>
-                      <a:endParaRPr lang="fr-FR" dirty="0"/>
-                    </a:p>
-                  </a:txBody>
-                  <a:tcPr/>
-                </a:tc>
-                <a:extLst>
-                  <a:ext uri="{0D108BD9-81ED-4DB2-BD59-A6C34878D82A}">
-                    <a16:rowId xmlns:a16="http://schemas.microsoft.com/office/drawing/2014/main" val="143683512"/>
-                  </a:ext>
-                </a:extLst>
-              </a:tr>
-              <a:tr h="370840">
-                <a:tc>
-                  <a:txBody>
-                    <a:bodyPr/>
-                    <a:lstStyle/>
-                    <a:p>
-                      <a:pPr algn="ctr"/>
-                      <a:r>
-                        <a:rPr lang="fr-FR" dirty="0"/>
-                        <a:t>Modèle</a:t>
-                      </a:r>
-                    </a:p>
-                  </a:txBody>
-                  <a:tcPr/>
-                </a:tc>
-                <a:tc>
-                  <a:txBody>
-                    <a:bodyPr/>
-                    <a:lstStyle/>
-                    <a:p>
-                      <a:pPr algn="ctr"/>
-                      <a:endParaRPr lang="fr-FR"/>
-                    </a:p>
-                  </a:txBody>
-                  <a:tcPr/>
-                </a:tc>
-                <a:extLst>
-                  <a:ext uri="{0D108BD9-81ED-4DB2-BD59-A6C34878D82A}">
-                    <a16:rowId xmlns:a16="http://schemas.microsoft.com/office/drawing/2014/main" val="1971952596"/>
-                  </a:ext>
-                </a:extLst>
-              </a:tr>
-              <a:tr h="370840">
-                <a:tc>
-                  <a:txBody>
-                    <a:bodyPr/>
-                    <a:lstStyle/>
-                    <a:p>
-                      <a:pPr algn="ctr"/>
-                      <a:r>
-                        <a:rPr lang="fr-FR" dirty="0"/>
-                        <a:t>Prix</a:t>
-                      </a:r>
-                    </a:p>
-                  </a:txBody>
-                  <a:tcPr/>
-                </a:tc>
-                <a:tc>
-                  <a:txBody>
-                    <a:bodyPr/>
-                    <a:lstStyle/>
-                    <a:p>
-                      <a:pPr algn="ctr"/>
-                      <a:endParaRPr lang="fr-FR" dirty="0"/>
-                    </a:p>
-                  </a:txBody>
-                  <a:tcPr/>
-                </a:tc>
-                <a:extLst>
-                  <a:ext uri="{0D108BD9-81ED-4DB2-BD59-A6C34878D82A}">
-                    <a16:rowId xmlns:a16="http://schemas.microsoft.com/office/drawing/2014/main" val="3587838678"/>
-                  </a:ext>
-                </a:extLst>
-              </a:tr>
-              <a:tr h="370840">
-                <a:tc>
-                  <a:txBody>
-                    <a:bodyPr/>
-                    <a:lstStyle/>
-                    <a:p>
-                      <a:pPr algn="ctr"/>
-                      <a:r>
-                        <a:rPr lang="fr-FR" dirty="0"/>
-                        <a:t>Km</a:t>
-                      </a:r>
-                    </a:p>
-                  </a:txBody>
-                  <a:tcPr/>
-                </a:tc>
-                <a:tc>
-                  <a:txBody>
-                    <a:bodyPr/>
-                    <a:lstStyle/>
-                    <a:p>
-                      <a:pPr algn="ctr"/>
-                      <a:endParaRPr lang="fr-FR" dirty="0"/>
-                    </a:p>
-                  </a:txBody>
-                  <a:tcPr/>
-                </a:tc>
-                <a:extLst>
-                  <a:ext uri="{0D108BD9-81ED-4DB2-BD59-A6C34878D82A}">
-                    <a16:rowId xmlns:a16="http://schemas.microsoft.com/office/drawing/2014/main" val="2227477226"/>
-                  </a:ext>
-                </a:extLst>
-              </a:tr>
-              <a:tr h="370840">
-                <a:tc>
-                  <a:txBody>
-                    <a:bodyPr/>
-                    <a:lstStyle/>
-                    <a:p>
-                      <a:pPr algn="ctr"/>
-                      <a:r>
-                        <a:rPr lang="fr-FR" dirty="0"/>
-                        <a:t>…</a:t>
-                      </a:r>
-                    </a:p>
-                  </a:txBody>
-                  <a:tcPr/>
-                </a:tc>
-                <a:tc>
-                  <a:txBody>
-                    <a:bodyPr/>
-                    <a:lstStyle/>
-                    <a:p>
-                      <a:pPr algn="ctr"/>
-                      <a:endParaRPr lang="fr-FR" dirty="0"/>
-                    </a:p>
-                  </a:txBody>
-                  <a:tcPr/>
-                </a:tc>
-                <a:extLst>
-                  <a:ext uri="{0D108BD9-81ED-4DB2-BD59-A6C34878D82A}">
-                    <a16:rowId xmlns:a16="http://schemas.microsoft.com/office/drawing/2014/main" val="2536157049"/>
-                  </a:ext>
-                </a:extLst>
-              </a:tr>
-            </a:tbl>
-          </a:graphicData>
-        </a:graphic>
-      </p:graphicFrame>
-      <p:sp>
-        <p:nvSpPr>
-          <p:cNvPr id="31" name="Rectangle 30">
-            <a:extLst>
-              <a:ext uri="{FF2B5EF4-FFF2-40B4-BE49-F238E27FC236}">
-                <a16:creationId xmlns:a16="http://schemas.microsoft.com/office/drawing/2014/main" id="{71CBE2FD-B781-6ABE-05CC-E01D37AEB15D}"/>
+              <a:rPr lang="fr-FR" dirty="0">
+                <a:solidFill>
+                  <a:schemeClr val="tx1">
+                    <a:lumMod val="95000"/>
+                    <a:lumOff val="5000"/>
+                  </a:schemeClr>
+                </a:solidFill>
+              </a:rPr>
+              <a:t>Témoignage</a:t>
+            </a:r>
+          </a:p>
+        </p:txBody>
+      </p:sp>
+      <p:sp>
+        <p:nvSpPr>
+          <p:cNvPr id="14" name="Rectangle 13">
+            <a:extLst>
+              <a:ext uri="{FF2B5EF4-FFF2-40B4-BE49-F238E27FC236}">
+                <a16:creationId xmlns:a16="http://schemas.microsoft.com/office/drawing/2014/main" id="{C806DFED-AB2F-4609-9B1F-79899B4269FF}"/>
               </a:ext>
             </a:extLst>
           </p:cNvPr>
@@ -6731,8 +6474,8 @@
         </p:nvSpPr>
         <p:spPr>
           <a:xfrm>
-            <a:off x="5890754" y="3894847"/>
-            <a:ext cx="985166" cy="414664"/>
+            <a:off x="2995534" y="2335955"/>
+            <a:ext cx="2532812" cy="494480"/>
           </a:xfrm>
           <a:prstGeom prst="rect">
             <a:avLst/>
@@ -6774,17 +6517,17 @@
             <a:pPr algn="ctr"/>
             <a:r>
               <a:rPr lang="fr-FR" dirty="0"/>
-              <a:t>Ajouter</a:t>
-            </a:r>
-          </a:p>
-        </p:txBody>
-      </p:sp>
-      <p:sp>
-        <p:nvSpPr>
-          <p:cNvPr id="7" name="Rectangle 6">
-            <a:extLst>
-              <a:ext uri="{FF2B5EF4-FFF2-40B4-BE49-F238E27FC236}">
-                <a16:creationId xmlns:a16="http://schemas.microsoft.com/office/drawing/2014/main" id="{72D19D99-378F-B53B-22D3-B4F209BC70C6}"/>
+              <a:t>Nom</a:t>
+            </a:r>
+          </a:p>
+        </p:txBody>
+      </p:sp>
+      <p:sp>
+        <p:nvSpPr>
+          <p:cNvPr id="15" name="Rectangle 14">
+            <a:extLst>
+              <a:ext uri="{FF2B5EF4-FFF2-40B4-BE49-F238E27FC236}">
+                <a16:creationId xmlns:a16="http://schemas.microsoft.com/office/drawing/2014/main" id="{6D9ED933-7125-46AB-045F-3358D1456619}"/>
               </a:ext>
             </a:extLst>
           </p:cNvPr>
@@ -6793,318 +6536,8 @@
         </p:nvSpPr>
         <p:spPr>
           <a:xfrm>
-            <a:off x="1644244" y="1737433"/>
-            <a:ext cx="2231472" cy="719138"/>
-          </a:xfrm>
-          <a:prstGeom prst="rect">
-            <a:avLst/>
-          </a:prstGeom>
-          <a:solidFill>
-            <a:schemeClr val="bg1">
-              <a:lumMod val="50000"/>
-            </a:schemeClr>
-          </a:solidFill>
-          <a:ln>
-            <a:solidFill>
-              <a:schemeClr val="tx1">
-                <a:lumMod val="95000"/>
-                <a:lumOff val="5000"/>
-              </a:schemeClr>
-            </a:solidFill>
-          </a:ln>
-        </p:spPr>
-        <p:style>
-          <a:lnRef idx="2">
-            <a:schemeClr val="accent1">
-              <a:shade val="50000"/>
-            </a:schemeClr>
-          </a:lnRef>
-          <a:fillRef idx="1">
-            <a:schemeClr val="accent1"/>
-          </a:fillRef>
-          <a:effectRef idx="0">
-            <a:schemeClr val="accent1"/>
-          </a:effectRef>
-          <a:fontRef idx="minor">
-            <a:schemeClr val="lt1"/>
-          </a:fontRef>
-        </p:style>
-        <p:txBody>
-          <a:bodyPr rtlCol="0" anchor="ctr"/>
-          <a:lstStyle/>
-          <a:p>
-            <a:pPr algn="ctr"/>
-            <a:r>
-              <a:rPr lang="fr-FR" dirty="0"/>
-              <a:t>Employé</a:t>
-            </a:r>
-          </a:p>
-        </p:txBody>
-      </p:sp>
-      <p:sp>
-        <p:nvSpPr>
-          <p:cNvPr id="8" name="Rectangle 7">
-            <a:extLst>
-              <a:ext uri="{FF2B5EF4-FFF2-40B4-BE49-F238E27FC236}">
-                <a16:creationId xmlns:a16="http://schemas.microsoft.com/office/drawing/2014/main" id="{CC94C885-8775-16E5-01FD-39290D3580BC}"/>
-              </a:ext>
-            </a:extLst>
-          </p:cNvPr>
-          <p:cNvSpPr/>
-          <p:nvPr/>
-        </p:nvSpPr>
-        <p:spPr>
-          <a:xfrm>
-            <a:off x="1644243" y="2456571"/>
-            <a:ext cx="2231472" cy="719138"/>
-          </a:xfrm>
-          <a:prstGeom prst="rect">
-            <a:avLst/>
-          </a:prstGeom>
-          <a:solidFill>
-            <a:schemeClr val="bg1">
-              <a:lumMod val="50000"/>
-            </a:schemeClr>
-          </a:solidFill>
-          <a:ln>
-            <a:solidFill>
-              <a:schemeClr val="tx1">
-                <a:lumMod val="95000"/>
-                <a:lumOff val="5000"/>
-              </a:schemeClr>
-            </a:solidFill>
-          </a:ln>
-        </p:spPr>
-        <p:style>
-          <a:lnRef idx="2">
-            <a:schemeClr val="accent1">
-              <a:shade val="50000"/>
-            </a:schemeClr>
-          </a:lnRef>
-          <a:fillRef idx="1">
-            <a:schemeClr val="accent1"/>
-          </a:fillRef>
-          <a:effectRef idx="0">
-            <a:schemeClr val="accent1"/>
-          </a:effectRef>
-          <a:fontRef idx="minor">
-            <a:schemeClr val="lt1"/>
-          </a:fontRef>
-        </p:style>
-        <p:txBody>
-          <a:bodyPr rtlCol="0" anchor="ctr"/>
-          <a:lstStyle/>
-          <a:p>
-            <a:pPr algn="ctr"/>
-            <a:r>
-              <a:rPr lang="fr-FR" dirty="0"/>
-              <a:t>Services</a:t>
-            </a:r>
-          </a:p>
-        </p:txBody>
-      </p:sp>
-      <p:sp>
-        <p:nvSpPr>
-          <p:cNvPr id="9" name="Rectangle 8">
-            <a:extLst>
-              <a:ext uri="{FF2B5EF4-FFF2-40B4-BE49-F238E27FC236}">
-                <a16:creationId xmlns:a16="http://schemas.microsoft.com/office/drawing/2014/main" id="{C92DDE97-E856-F9B2-9FDE-3C574DC80FC4}"/>
-              </a:ext>
-            </a:extLst>
-          </p:cNvPr>
-          <p:cNvSpPr/>
-          <p:nvPr/>
-        </p:nvSpPr>
-        <p:spPr>
-          <a:xfrm>
-            <a:off x="1644242" y="3175709"/>
-            <a:ext cx="2231472" cy="719138"/>
-          </a:xfrm>
-          <a:prstGeom prst="rect">
-            <a:avLst/>
-          </a:prstGeom>
-          <a:solidFill>
-            <a:schemeClr val="bg1">
-              <a:lumMod val="50000"/>
-            </a:schemeClr>
-          </a:solidFill>
-          <a:ln>
-            <a:solidFill>
-              <a:schemeClr val="tx1">
-                <a:lumMod val="95000"/>
-                <a:lumOff val="5000"/>
-              </a:schemeClr>
-            </a:solidFill>
-          </a:ln>
-        </p:spPr>
-        <p:style>
-          <a:lnRef idx="2">
-            <a:schemeClr val="accent1">
-              <a:shade val="50000"/>
-            </a:schemeClr>
-          </a:lnRef>
-          <a:fillRef idx="1">
-            <a:schemeClr val="accent1"/>
-          </a:fillRef>
-          <a:effectRef idx="0">
-            <a:schemeClr val="accent1"/>
-          </a:effectRef>
-          <a:fontRef idx="minor">
-            <a:schemeClr val="lt1"/>
-          </a:fontRef>
-        </p:style>
-        <p:txBody>
-          <a:bodyPr rtlCol="0" anchor="ctr"/>
-          <a:lstStyle/>
-          <a:p>
-            <a:pPr algn="ctr"/>
-            <a:r>
-              <a:rPr lang="fr-FR" dirty="0"/>
-              <a:t>Horaires</a:t>
-            </a:r>
-          </a:p>
-        </p:txBody>
-      </p:sp>
-      <p:sp>
-        <p:nvSpPr>
-          <p:cNvPr id="10" name="Rectangle 9">
-            <a:extLst>
-              <a:ext uri="{FF2B5EF4-FFF2-40B4-BE49-F238E27FC236}">
-                <a16:creationId xmlns:a16="http://schemas.microsoft.com/office/drawing/2014/main" id="{2E865336-051C-33BA-0659-571F9DADA538}"/>
-              </a:ext>
-            </a:extLst>
-          </p:cNvPr>
-          <p:cNvSpPr/>
-          <p:nvPr/>
-        </p:nvSpPr>
-        <p:spPr>
-          <a:xfrm>
-            <a:off x="1644241" y="3910586"/>
-            <a:ext cx="2231472" cy="719138"/>
-          </a:xfrm>
-          <a:prstGeom prst="rect">
-            <a:avLst/>
-          </a:prstGeom>
-          <a:solidFill>
-            <a:schemeClr val="bg1">
-              <a:lumMod val="50000"/>
-            </a:schemeClr>
-          </a:solidFill>
-          <a:ln>
-            <a:solidFill>
-              <a:schemeClr val="tx1">
-                <a:lumMod val="95000"/>
-                <a:lumOff val="5000"/>
-              </a:schemeClr>
-            </a:solidFill>
-          </a:ln>
-        </p:spPr>
-        <p:style>
-          <a:lnRef idx="2">
-            <a:schemeClr val="accent1">
-              <a:shade val="50000"/>
-            </a:schemeClr>
-          </a:lnRef>
-          <a:fillRef idx="1">
-            <a:schemeClr val="accent1"/>
-          </a:fillRef>
-          <a:effectRef idx="0">
-            <a:schemeClr val="accent1"/>
-          </a:effectRef>
-          <a:fontRef idx="minor">
-            <a:schemeClr val="lt1"/>
-          </a:fontRef>
-        </p:style>
-        <p:txBody>
-          <a:bodyPr rtlCol="0" anchor="ctr"/>
-          <a:lstStyle/>
-          <a:p>
-            <a:pPr algn="ctr"/>
-            <a:r>
-              <a:rPr lang="fr-FR" dirty="0"/>
-              <a:t>Véhicules</a:t>
-            </a:r>
-          </a:p>
-        </p:txBody>
-      </p:sp>
-      <p:sp>
-        <p:nvSpPr>
-          <p:cNvPr id="11" name="Rectangle 10">
-            <a:extLst>
-              <a:ext uri="{FF2B5EF4-FFF2-40B4-BE49-F238E27FC236}">
-                <a16:creationId xmlns:a16="http://schemas.microsoft.com/office/drawing/2014/main" id="{3CD13647-C8C4-F8CD-DE36-8B25925AD641}"/>
-              </a:ext>
-            </a:extLst>
-          </p:cNvPr>
-          <p:cNvSpPr/>
-          <p:nvPr/>
-        </p:nvSpPr>
-        <p:spPr>
-          <a:xfrm>
-            <a:off x="1644240" y="4613985"/>
-            <a:ext cx="2231472" cy="719138"/>
-          </a:xfrm>
-          <a:prstGeom prst="rect">
-            <a:avLst/>
-          </a:prstGeom>
-          <a:solidFill>
-            <a:schemeClr val="bg1">
-              <a:lumMod val="50000"/>
-            </a:schemeClr>
-          </a:solidFill>
-          <a:ln>
-            <a:solidFill>
-              <a:schemeClr val="tx1">
-                <a:lumMod val="95000"/>
-                <a:lumOff val="5000"/>
-              </a:schemeClr>
-            </a:solidFill>
-          </a:ln>
-        </p:spPr>
-        <p:style>
-          <a:lnRef idx="2">
-            <a:schemeClr val="accent1">
-              <a:shade val="50000"/>
-            </a:schemeClr>
-          </a:lnRef>
-          <a:fillRef idx="1">
-            <a:schemeClr val="accent1"/>
-          </a:fillRef>
-          <a:effectRef idx="0">
-            <a:schemeClr val="accent1"/>
-          </a:effectRef>
-          <a:fontRef idx="minor">
-            <a:schemeClr val="lt1"/>
-          </a:fontRef>
-        </p:style>
-        <p:txBody>
-          <a:bodyPr rtlCol="0" anchor="ctr"/>
-          <a:lstStyle/>
-          <a:p>
-            <a:pPr algn="ctr"/>
-            <a:r>
-              <a:rPr lang="fr-FR" dirty="0"/>
-              <a:t>Témoignage</a:t>
-            </a:r>
-          </a:p>
-        </p:txBody>
-      </p:sp>
-      <p:sp>
-        <p:nvSpPr>
-          <p:cNvPr id="12" name="Rectangle 11">
-            <a:extLst>
-              <a:ext uri="{FF2B5EF4-FFF2-40B4-BE49-F238E27FC236}">
-                <a16:creationId xmlns:a16="http://schemas.microsoft.com/office/drawing/2014/main" id="{60174CB7-C292-3A48-BFD5-F5A6AE851687}"/>
-              </a:ext>
-            </a:extLst>
-          </p:cNvPr>
-          <p:cNvSpPr/>
-          <p:nvPr/>
-        </p:nvSpPr>
-        <p:spPr>
-          <a:xfrm>
-            <a:off x="1652693" y="854663"/>
-            <a:ext cx="730500" cy="661745"/>
+            <a:off x="5528346" y="2326285"/>
+            <a:ext cx="3668120" cy="494480"/>
           </a:xfrm>
           <a:prstGeom prst="rect">
             <a:avLst/>
@@ -7144,112 +6577,17 @@
             <a:pPr algn="ctr"/>
             <a:r>
               <a:rPr lang="fr-FR" dirty="0"/>
-              <a:t>Logo</a:t>
-            </a:r>
-          </a:p>
-        </p:txBody>
-      </p:sp>
-      <p:grpSp>
-        <p:nvGrpSpPr>
-          <p:cNvPr id="13" name="Groupe 12">
-            <a:extLst>
-              <a:ext uri="{FF2B5EF4-FFF2-40B4-BE49-F238E27FC236}">
-                <a16:creationId xmlns:a16="http://schemas.microsoft.com/office/drawing/2014/main" id="{C52DCDFB-4AEC-DD54-DFCF-7F4C03005624}"/>
-              </a:ext>
-            </a:extLst>
-          </p:cNvPr>
-          <p:cNvGrpSpPr/>
-          <p:nvPr/>
-        </p:nvGrpSpPr>
-        <p:grpSpPr>
-          <a:xfrm>
-            <a:off x="1644240" y="854662"/>
-            <a:ext cx="738230" cy="661746"/>
-            <a:chOff x="100668" y="125820"/>
-            <a:chExt cx="1602297" cy="661746"/>
-          </a:xfrm>
-        </p:grpSpPr>
-        <p:cxnSp>
-          <p:nvCxnSpPr>
-            <p:cNvPr id="14" name="Connecteur droit 13">
-              <a:extLst>
-                <a:ext uri="{FF2B5EF4-FFF2-40B4-BE49-F238E27FC236}">
-                  <a16:creationId xmlns:a16="http://schemas.microsoft.com/office/drawing/2014/main" id="{11C41D7F-1B82-DC2F-8FB0-7236FF510D2F}"/>
-                </a:ext>
-              </a:extLst>
-            </p:cNvPr>
-            <p:cNvCxnSpPr/>
-            <p:nvPr/>
-          </p:nvCxnSpPr>
-          <p:spPr>
-            <a:xfrm>
-              <a:off x="100668" y="125820"/>
-              <a:ext cx="1602297" cy="661746"/>
-            </a:xfrm>
-            <a:prstGeom prst="line">
-              <a:avLst/>
-            </a:prstGeom>
-          </p:spPr>
-          <p:style>
-            <a:lnRef idx="1">
-              <a:schemeClr val="dk1"/>
-            </a:lnRef>
-            <a:fillRef idx="0">
-              <a:schemeClr val="dk1"/>
-            </a:fillRef>
-            <a:effectRef idx="0">
-              <a:schemeClr val="dk1"/>
-            </a:effectRef>
-            <a:fontRef idx="minor">
-              <a:schemeClr val="tx1"/>
-            </a:fontRef>
-          </p:style>
-        </p:cxnSp>
-        <p:cxnSp>
-          <p:nvCxnSpPr>
-            <p:cNvPr id="15" name="Connecteur droit 14">
-              <a:extLst>
-                <a:ext uri="{FF2B5EF4-FFF2-40B4-BE49-F238E27FC236}">
-                  <a16:creationId xmlns:a16="http://schemas.microsoft.com/office/drawing/2014/main" id="{68ED6974-DE50-ED32-4FCE-5C4DF69F0504}"/>
-                </a:ext>
-              </a:extLst>
-            </p:cNvPr>
-            <p:cNvCxnSpPr>
-              <a:cxnSpLocks/>
-            </p:cNvCxnSpPr>
-            <p:nvPr/>
-          </p:nvCxnSpPr>
-          <p:spPr>
-            <a:xfrm flipV="1">
-              <a:off x="109122" y="125820"/>
-              <a:ext cx="1593843" cy="661746"/>
-            </a:xfrm>
-            <a:prstGeom prst="line">
-              <a:avLst/>
-            </a:prstGeom>
-          </p:spPr>
-          <p:style>
-            <a:lnRef idx="1">
-              <a:schemeClr val="dk1"/>
-            </a:lnRef>
-            <a:fillRef idx="0">
-              <a:schemeClr val="dk1"/>
-            </a:fillRef>
-            <a:effectRef idx="0">
-              <a:schemeClr val="dk1"/>
-            </a:effectRef>
-            <a:fontRef idx="minor">
-              <a:schemeClr val="tx1"/>
-            </a:fontRef>
-          </p:style>
-        </p:cxnSp>
-      </p:grpSp>
+              <a:t>Nom</a:t>
+            </a:r>
+          </a:p>
+        </p:txBody>
+      </p:sp>
       <p:sp>
         <p:nvSpPr>
           <p:cNvPr id="16" name="Rectangle 15">
             <a:extLst>
               <a:ext uri="{FF2B5EF4-FFF2-40B4-BE49-F238E27FC236}">
-                <a16:creationId xmlns:a16="http://schemas.microsoft.com/office/drawing/2014/main" id="{33D0C2F9-8FB3-A7A1-4EC8-BF15966CF960}"/>
+                <a16:creationId xmlns:a16="http://schemas.microsoft.com/office/drawing/2014/main" id="{29B5C5EB-81F7-9451-4755-A2B2106D7D45}"/>
               </a:ext>
             </a:extLst>
           </p:cNvPr>
@@ -7258,8 +6596,70 @@
         </p:nvSpPr>
         <p:spPr>
           <a:xfrm>
-            <a:off x="5068412" y="871072"/>
-            <a:ext cx="730500" cy="661745"/>
+            <a:off x="2995534" y="2928336"/>
+            <a:ext cx="2532812" cy="494480"/>
+          </a:xfrm>
+          <a:prstGeom prst="rect">
+            <a:avLst/>
+          </a:prstGeom>
+          <a:solidFill>
+            <a:schemeClr val="bg1">
+              <a:lumMod val="50000"/>
+            </a:schemeClr>
+          </a:solidFill>
+          <a:ln>
+            <a:solidFill>
+              <a:schemeClr val="tx1">
+                <a:lumMod val="95000"/>
+                <a:lumOff val="5000"/>
+              </a:schemeClr>
+            </a:solidFill>
+          </a:ln>
+        </p:spPr>
+        <p:style>
+          <a:lnRef idx="2">
+            <a:schemeClr val="accent1">
+              <a:shade val="50000"/>
+            </a:schemeClr>
+          </a:lnRef>
+          <a:fillRef idx="1">
+            <a:schemeClr val="accent1"/>
+          </a:fillRef>
+          <a:effectRef idx="0">
+            <a:schemeClr val="accent1"/>
+          </a:effectRef>
+          <a:fontRef idx="minor">
+            <a:schemeClr val="lt1"/>
+          </a:fontRef>
+        </p:style>
+        <p:txBody>
+          <a:bodyPr rtlCol="0" anchor="ctr"/>
+          <a:lstStyle/>
+          <a:p>
+            <a:pPr algn="ctr"/>
+            <a:r>
+              <a:rPr lang="fr-FR" dirty="0"/>
+              <a:t>Commentaire</a:t>
+            </a:r>
+          </a:p>
+        </p:txBody>
+      </p:sp>
+      <p:sp>
+        <p:nvSpPr>
+          <p:cNvPr id="17" name="Rectangle 16">
+            <a:extLst>
+              <a:ext uri="{FF2B5EF4-FFF2-40B4-BE49-F238E27FC236}">
+                <a16:creationId xmlns:a16="http://schemas.microsoft.com/office/drawing/2014/main" id="{18B314F3-03A8-2FA3-EA16-720D438B8EF4}"/>
+              </a:ext>
+            </a:extLst>
+          </p:cNvPr>
+          <p:cNvSpPr/>
+          <p:nvPr/>
+        </p:nvSpPr>
+        <p:spPr>
+          <a:xfrm>
+            <a:off x="5528346" y="2930675"/>
+            <a:ext cx="3668120" cy="1062484"/>
           </a:xfrm>
           <a:prstGeom prst="rect">
             <a:avLst/>
@@ -7299,110 +6699,270 @@
             <a:pPr algn="ctr"/>
             <a:r>
               <a:rPr lang="fr-FR" dirty="0"/>
-              <a:t>Logo</a:t>
-            </a:r>
-          </a:p>
-        </p:txBody>
-      </p:sp>
-      <p:grpSp>
-        <p:nvGrpSpPr>
-          <p:cNvPr id="17" name="Groupe 16">
-            <a:extLst>
-              <a:ext uri="{FF2B5EF4-FFF2-40B4-BE49-F238E27FC236}">
-                <a16:creationId xmlns:a16="http://schemas.microsoft.com/office/drawing/2014/main" id="{C6B3C740-FB86-3F6E-CF94-D9313459F569}"/>
-              </a:ext>
-            </a:extLst>
-          </p:cNvPr>
-          <p:cNvGrpSpPr/>
-          <p:nvPr/>
-        </p:nvGrpSpPr>
-        <p:grpSpPr>
-          <a:xfrm>
-            <a:off x="5059959" y="871071"/>
-            <a:ext cx="738230" cy="661746"/>
-            <a:chOff x="100668" y="125820"/>
-            <a:chExt cx="1602297" cy="661746"/>
-          </a:xfrm>
-        </p:grpSpPr>
-        <p:cxnSp>
-          <p:nvCxnSpPr>
-            <p:cNvPr id="21" name="Connecteur droit 20">
-              <a:extLst>
-                <a:ext uri="{FF2B5EF4-FFF2-40B4-BE49-F238E27FC236}">
-                  <a16:creationId xmlns:a16="http://schemas.microsoft.com/office/drawing/2014/main" id="{4AE2795A-7588-0445-1274-B4A04EA635D0}"/>
-                </a:ext>
-              </a:extLst>
-            </p:cNvPr>
-            <p:cNvCxnSpPr/>
-            <p:nvPr/>
-          </p:nvCxnSpPr>
-          <p:spPr>
-            <a:xfrm>
-              <a:off x="100668" y="125820"/>
-              <a:ext cx="1602297" cy="661746"/>
-            </a:xfrm>
-            <a:prstGeom prst="line">
-              <a:avLst/>
-            </a:prstGeom>
-          </p:spPr>
-          <p:style>
-            <a:lnRef idx="1">
-              <a:schemeClr val="dk1"/>
-            </a:lnRef>
-            <a:fillRef idx="0">
-              <a:schemeClr val="dk1"/>
-            </a:fillRef>
-            <a:effectRef idx="0">
-              <a:schemeClr val="dk1"/>
-            </a:effectRef>
-            <a:fontRef idx="minor">
-              <a:schemeClr val="tx1"/>
-            </a:fontRef>
-          </p:style>
-        </p:cxnSp>
-        <p:cxnSp>
-          <p:nvCxnSpPr>
-            <p:cNvPr id="22" name="Connecteur droit 21">
-              <a:extLst>
-                <a:ext uri="{FF2B5EF4-FFF2-40B4-BE49-F238E27FC236}">
-                  <a16:creationId xmlns:a16="http://schemas.microsoft.com/office/drawing/2014/main" id="{A0C439F8-EA22-5145-8EB3-46C49EB4C642}"/>
-                </a:ext>
-              </a:extLst>
-            </p:cNvPr>
-            <p:cNvCxnSpPr>
-              <a:cxnSpLocks/>
-            </p:cNvCxnSpPr>
-            <p:nvPr/>
-          </p:nvCxnSpPr>
-          <p:spPr>
-            <a:xfrm flipV="1">
-              <a:off x="109122" y="125820"/>
-              <a:ext cx="1593843" cy="661746"/>
-            </a:xfrm>
-            <a:prstGeom prst="line">
-              <a:avLst/>
-            </a:prstGeom>
-          </p:spPr>
-          <p:style>
-            <a:lnRef idx="1">
-              <a:schemeClr val="dk1"/>
-            </a:lnRef>
-            <a:fillRef idx="0">
-              <a:schemeClr val="dk1"/>
-            </a:fillRef>
-            <a:effectRef idx="0">
-              <a:schemeClr val="dk1"/>
-            </a:effectRef>
-            <a:fontRef idx="minor">
-              <a:schemeClr val="tx1"/>
-            </a:fontRef>
-          </p:style>
-        </p:cxnSp>
-      </p:grpSp>
+              <a:t>Nom</a:t>
+            </a:r>
+          </a:p>
+        </p:txBody>
+      </p:sp>
+      <p:sp>
+        <p:nvSpPr>
+          <p:cNvPr id="2" name="Étoile : 5 branches 1">
+            <a:extLst>
+              <a:ext uri="{FF2B5EF4-FFF2-40B4-BE49-F238E27FC236}">
+                <a16:creationId xmlns:a16="http://schemas.microsoft.com/office/drawing/2014/main" id="{350CFC1A-8DFE-5C70-5782-67CF27993088}"/>
+              </a:ext>
+            </a:extLst>
+          </p:cNvPr>
+          <p:cNvSpPr/>
+          <p:nvPr/>
+        </p:nvSpPr>
+        <p:spPr>
+          <a:xfrm>
+            <a:off x="4990052" y="4175478"/>
+            <a:ext cx="595618" cy="535164"/>
+          </a:xfrm>
+          <a:prstGeom prst="star5">
+            <a:avLst/>
+          </a:prstGeom>
+          <a:solidFill>
+            <a:schemeClr val="bg1">
+              <a:lumMod val="65000"/>
+            </a:schemeClr>
+          </a:solidFill>
+        </p:spPr>
+        <p:style>
+          <a:lnRef idx="2">
+            <a:schemeClr val="accent1">
+              <a:shade val="15000"/>
+            </a:schemeClr>
+          </a:lnRef>
+          <a:fillRef idx="1">
+            <a:schemeClr val="accent1"/>
+          </a:fillRef>
+          <a:effectRef idx="0">
+            <a:schemeClr val="accent1"/>
+          </a:effectRef>
+          <a:fontRef idx="minor">
+            <a:schemeClr val="lt1"/>
+          </a:fontRef>
+        </p:style>
+        <p:txBody>
+          <a:bodyPr rtlCol="0" anchor="ctr"/>
+          <a:lstStyle/>
+          <a:p>
+            <a:pPr algn="ctr"/>
+            <a:endParaRPr lang="fr-FR"/>
+          </a:p>
+        </p:txBody>
+      </p:sp>
+      <p:sp>
+        <p:nvSpPr>
+          <p:cNvPr id="3" name="Étoile : 5 branches 2">
+            <a:extLst>
+              <a:ext uri="{FF2B5EF4-FFF2-40B4-BE49-F238E27FC236}">
+                <a16:creationId xmlns:a16="http://schemas.microsoft.com/office/drawing/2014/main" id="{E927A86A-2C46-0C02-B9E9-4A5EE88CF1C3}"/>
+              </a:ext>
+            </a:extLst>
+          </p:cNvPr>
+          <p:cNvSpPr/>
+          <p:nvPr/>
+        </p:nvSpPr>
+        <p:spPr>
+          <a:xfrm>
+            <a:off x="7145359" y="4175478"/>
+            <a:ext cx="595618" cy="535164"/>
+          </a:xfrm>
+          <a:prstGeom prst="star5">
+            <a:avLst/>
+          </a:prstGeom>
+          <a:solidFill>
+            <a:schemeClr val="bg1">
+              <a:lumMod val="65000"/>
+            </a:schemeClr>
+          </a:solidFill>
+        </p:spPr>
+        <p:style>
+          <a:lnRef idx="2">
+            <a:schemeClr val="accent1">
+              <a:shade val="15000"/>
+            </a:schemeClr>
+          </a:lnRef>
+          <a:fillRef idx="1">
+            <a:schemeClr val="accent1"/>
+          </a:fillRef>
+          <a:effectRef idx="0">
+            <a:schemeClr val="accent1"/>
+          </a:effectRef>
+          <a:fontRef idx="minor">
+            <a:schemeClr val="lt1"/>
+          </a:fontRef>
+        </p:style>
+        <p:txBody>
+          <a:bodyPr rtlCol="0" anchor="ctr"/>
+          <a:lstStyle/>
+          <a:p>
+            <a:pPr algn="ctr"/>
+            <a:endParaRPr lang="fr-FR"/>
+          </a:p>
+        </p:txBody>
+      </p:sp>
+      <p:sp>
+        <p:nvSpPr>
+          <p:cNvPr id="4" name="Étoile : 5 branches 3">
+            <a:extLst>
+              <a:ext uri="{FF2B5EF4-FFF2-40B4-BE49-F238E27FC236}">
+                <a16:creationId xmlns:a16="http://schemas.microsoft.com/office/drawing/2014/main" id="{65323DF7-06ED-55B9-151A-684B06629399}"/>
+              </a:ext>
+            </a:extLst>
+          </p:cNvPr>
+          <p:cNvSpPr/>
+          <p:nvPr/>
+        </p:nvSpPr>
+        <p:spPr>
+          <a:xfrm>
+            <a:off x="4321730" y="4175478"/>
+            <a:ext cx="595618" cy="535164"/>
+          </a:xfrm>
+          <a:prstGeom prst="star5">
+            <a:avLst/>
+          </a:prstGeom>
+          <a:solidFill>
+            <a:schemeClr val="bg1">
+              <a:lumMod val="65000"/>
+            </a:schemeClr>
+          </a:solidFill>
+        </p:spPr>
+        <p:style>
+          <a:lnRef idx="2">
+            <a:schemeClr val="accent1">
+              <a:shade val="15000"/>
+            </a:schemeClr>
+          </a:lnRef>
+          <a:fillRef idx="1">
+            <a:schemeClr val="accent1"/>
+          </a:fillRef>
+          <a:effectRef idx="0">
+            <a:schemeClr val="accent1"/>
+          </a:effectRef>
+          <a:fontRef idx="minor">
+            <a:schemeClr val="lt1"/>
+          </a:fontRef>
+        </p:style>
+        <p:txBody>
+          <a:bodyPr rtlCol="0" anchor="ctr"/>
+          <a:lstStyle/>
+          <a:p>
+            <a:pPr algn="ctr"/>
+            <a:endParaRPr lang="fr-FR"/>
+          </a:p>
+        </p:txBody>
+      </p:sp>
+      <p:sp>
+        <p:nvSpPr>
+          <p:cNvPr id="22" name="Étoile : 5 branches 21">
+            <a:extLst>
+              <a:ext uri="{FF2B5EF4-FFF2-40B4-BE49-F238E27FC236}">
+                <a16:creationId xmlns:a16="http://schemas.microsoft.com/office/drawing/2014/main" id="{3FC313EC-BEB2-1FD1-2A4D-1C125144F80E}"/>
+              </a:ext>
+            </a:extLst>
+          </p:cNvPr>
+          <p:cNvSpPr/>
+          <p:nvPr/>
+        </p:nvSpPr>
+        <p:spPr>
+          <a:xfrm>
+            <a:off x="5731079" y="4175478"/>
+            <a:ext cx="595618" cy="535164"/>
+          </a:xfrm>
+          <a:prstGeom prst="star5">
+            <a:avLst/>
+          </a:prstGeom>
+          <a:solidFill>
+            <a:schemeClr val="bg1">
+              <a:lumMod val="65000"/>
+            </a:schemeClr>
+          </a:solidFill>
+        </p:spPr>
+        <p:style>
+          <a:lnRef idx="2">
+            <a:schemeClr val="accent1">
+              <a:shade val="15000"/>
+            </a:schemeClr>
+          </a:lnRef>
+          <a:fillRef idx="1">
+            <a:schemeClr val="accent1"/>
+          </a:fillRef>
+          <a:effectRef idx="0">
+            <a:schemeClr val="accent1"/>
+          </a:effectRef>
+          <a:fontRef idx="minor">
+            <a:schemeClr val="lt1"/>
+          </a:fontRef>
+        </p:style>
+        <p:txBody>
+          <a:bodyPr rtlCol="0" anchor="ctr"/>
+          <a:lstStyle/>
+          <a:p>
+            <a:pPr algn="ctr"/>
+            <a:endParaRPr lang="fr-FR"/>
+          </a:p>
+        </p:txBody>
+      </p:sp>
+      <p:sp>
+        <p:nvSpPr>
+          <p:cNvPr id="23" name="Étoile : 5 branches 22">
+            <a:extLst>
+              <a:ext uri="{FF2B5EF4-FFF2-40B4-BE49-F238E27FC236}">
+                <a16:creationId xmlns:a16="http://schemas.microsoft.com/office/drawing/2014/main" id="{DAB2C103-4D51-0EBA-D5A8-9C9EB5A03744}"/>
+              </a:ext>
+            </a:extLst>
+          </p:cNvPr>
+          <p:cNvSpPr/>
+          <p:nvPr/>
+        </p:nvSpPr>
+        <p:spPr>
+          <a:xfrm>
+            <a:off x="6448006" y="4176876"/>
+            <a:ext cx="595618" cy="535164"/>
+          </a:xfrm>
+          <a:prstGeom prst="star5">
+            <a:avLst/>
+          </a:prstGeom>
+          <a:solidFill>
+            <a:schemeClr val="bg1">
+              <a:lumMod val="65000"/>
+            </a:schemeClr>
+          </a:solidFill>
+        </p:spPr>
+        <p:style>
+          <a:lnRef idx="2">
+            <a:schemeClr val="accent1">
+              <a:shade val="15000"/>
+            </a:schemeClr>
+          </a:lnRef>
+          <a:fillRef idx="1">
+            <a:schemeClr val="accent1"/>
+          </a:fillRef>
+          <a:effectRef idx="0">
+            <a:schemeClr val="accent1"/>
+          </a:effectRef>
+          <a:fontRef idx="minor">
+            <a:schemeClr val="lt1"/>
+          </a:fontRef>
+        </p:style>
+        <p:txBody>
+          <a:bodyPr rtlCol="0" anchor="ctr"/>
+          <a:lstStyle/>
+          <a:p>
+            <a:pPr algn="ctr"/>
+            <a:endParaRPr lang="fr-FR"/>
+          </a:p>
+        </p:txBody>
+      </p:sp>
     </p:spTree>
     <p:extLst>
       <p:ext uri="{BB962C8B-B14F-4D97-AF65-F5344CB8AC3E}">
-        <p14:creationId xmlns:p14="http://schemas.microsoft.com/office/powerpoint/2010/main" val="2636253567"/>
+        <p14:creationId xmlns:p14="http://schemas.microsoft.com/office/powerpoint/2010/main" val="2077720779"/>
       </p:ext>
     </p:extLst>
   </p:cSld>
@@ -13865,10 +13425,10 @@
       </p:grpSpPr>
       <p:sp>
         <p:nvSpPr>
-          <p:cNvPr id="7" name="Rectangle 6">
-            <a:extLst>
-              <a:ext uri="{FF2B5EF4-FFF2-40B4-BE49-F238E27FC236}">
-                <a16:creationId xmlns:a16="http://schemas.microsoft.com/office/drawing/2014/main" id="{8CA717CA-55EA-45D0-B44F-C0A677319E14}"/>
+          <p:cNvPr id="4" name="Rectangle : coins arrondis 3">
+            <a:extLst>
+              <a:ext uri="{FF2B5EF4-FFF2-40B4-BE49-F238E27FC236}">
+                <a16:creationId xmlns:a16="http://schemas.microsoft.com/office/drawing/2014/main" id="{6CC9E5E7-A9D4-F6CC-CA5D-60E6CADD3A42}"/>
               </a:ext>
             </a:extLst>
           </p:cNvPr>
@@ -13877,10 +13437,10 @@
         </p:nvSpPr>
         <p:spPr>
           <a:xfrm>
-            <a:off x="2745698" y="298845"/>
-            <a:ext cx="6700603" cy="6261345"/>
-          </a:xfrm>
-          <a:prstGeom prst="rect">
+            <a:off x="1134622" y="535497"/>
+            <a:ext cx="3177319" cy="5378742"/>
+          </a:xfrm>
+          <a:prstGeom prst="roundRect">
             <a:avLst/>
           </a:prstGeom>
           <a:noFill/>
@@ -13920,10 +13480,10 @@
       </p:sp>
       <p:sp>
         <p:nvSpPr>
-          <p:cNvPr id="8" name="Rectangle 7">
-            <a:extLst>
-              <a:ext uri="{FF2B5EF4-FFF2-40B4-BE49-F238E27FC236}">
-                <a16:creationId xmlns:a16="http://schemas.microsoft.com/office/drawing/2014/main" id="{24F324FC-C37E-467A-BFF9-CA0E3C73D178}"/>
+          <p:cNvPr id="6" name="Rectangle 5">
+            <a:extLst>
+              <a:ext uri="{FF2B5EF4-FFF2-40B4-BE49-F238E27FC236}">
+                <a16:creationId xmlns:a16="http://schemas.microsoft.com/office/drawing/2014/main" id="{6C887EFD-8C7E-69BB-8926-3CE708618A3F}"/>
               </a:ext>
             </a:extLst>
           </p:cNvPr>
@@ -13932,15 +13492,15 @@
         </p:nvSpPr>
         <p:spPr>
           <a:xfrm>
-            <a:off x="2995534" y="1770554"/>
-            <a:ext cx="2532812" cy="494480"/>
+            <a:off x="3317877" y="854664"/>
+            <a:ext cx="729778" cy="661745"/>
           </a:xfrm>
           <a:prstGeom prst="rect">
             <a:avLst/>
           </a:prstGeom>
           <a:solidFill>
             <a:schemeClr val="bg1">
-              <a:lumMod val="50000"/>
+              <a:lumMod val="65000"/>
             </a:schemeClr>
           </a:solidFill>
           <a:ln>
@@ -13974,18 +13534,18 @@
           <a:p>
             <a:pPr algn="ctr"/>
             <a:r>
-              <a:rPr lang="fr-FR" dirty="0"/>
-              <a:t>Nom</a:t>
-            </a:r>
-          </a:p>
-        </p:txBody>
-      </p:sp>
-      <p:sp>
-        <p:nvSpPr>
-          <p:cNvPr id="9" name="Rectangle 8">
-            <a:extLst>
-              <a:ext uri="{FF2B5EF4-FFF2-40B4-BE49-F238E27FC236}">
-                <a16:creationId xmlns:a16="http://schemas.microsoft.com/office/drawing/2014/main" id="{ADD7B468-7595-4BEF-AF5F-88FC77AF3D29}"/>
+              <a:rPr lang="fr-FR" sz="1600" dirty="0"/>
+              <a:t>Menu</a:t>
+            </a:r>
+          </a:p>
+        </p:txBody>
+      </p:sp>
+      <p:sp>
+        <p:nvSpPr>
+          <p:cNvPr id="7" name="Rectangle 6">
+            <a:extLst>
+              <a:ext uri="{FF2B5EF4-FFF2-40B4-BE49-F238E27FC236}">
+                <a16:creationId xmlns:a16="http://schemas.microsoft.com/office/drawing/2014/main" id="{004BBD0A-3301-8C81-559A-04EC3767021D}"/>
               </a:ext>
             </a:extLst>
           </p:cNvPr>
@@ -13994,8 +13554,8 @@
         </p:nvSpPr>
         <p:spPr>
           <a:xfrm>
-            <a:off x="2995534" y="2398213"/>
-            <a:ext cx="2532812" cy="494480"/>
+            <a:off x="1417804" y="1711340"/>
+            <a:ext cx="1233116" cy="822135"/>
           </a:xfrm>
           <a:prstGeom prst="rect">
             <a:avLst/>
@@ -14037,17 +13597,17 @@
             <a:pPr algn="ctr"/>
             <a:r>
               <a:rPr lang="fr-FR" dirty="0"/>
-              <a:t>Prénom</a:t>
-            </a:r>
-          </a:p>
-        </p:txBody>
-      </p:sp>
-      <p:sp>
-        <p:nvSpPr>
-          <p:cNvPr id="10" name="Rectangle 9">
-            <a:extLst>
-              <a:ext uri="{FF2B5EF4-FFF2-40B4-BE49-F238E27FC236}">
-                <a16:creationId xmlns:a16="http://schemas.microsoft.com/office/drawing/2014/main" id="{CB005456-2DF5-42F4-9212-E99AE26E711A}"/>
+              <a:t>Service</a:t>
+            </a:r>
+          </a:p>
+        </p:txBody>
+      </p:sp>
+      <p:sp>
+        <p:nvSpPr>
+          <p:cNvPr id="8" name="Rectangle 7">
+            <a:extLst>
+              <a:ext uri="{FF2B5EF4-FFF2-40B4-BE49-F238E27FC236}">
+                <a16:creationId xmlns:a16="http://schemas.microsoft.com/office/drawing/2014/main" id="{8C24D0E8-2C61-12B9-B5BC-0601586CFD9A}"/>
               </a:ext>
             </a:extLst>
           </p:cNvPr>
@@ -14056,8 +13616,8 @@
         </p:nvSpPr>
         <p:spPr>
           <a:xfrm>
-            <a:off x="4799348" y="5898970"/>
-            <a:ext cx="2593299" cy="494480"/>
+            <a:off x="2723281" y="1711340"/>
+            <a:ext cx="1324374" cy="822135"/>
           </a:xfrm>
           <a:prstGeom prst="rect">
             <a:avLst/>
@@ -14099,17 +13659,17 @@
             <a:pPr algn="ctr"/>
             <a:r>
               <a:rPr lang="fr-FR" dirty="0"/>
-              <a:t>Envoyer</a:t>
-            </a:r>
-          </a:p>
-        </p:txBody>
-      </p:sp>
-      <p:sp>
-        <p:nvSpPr>
-          <p:cNvPr id="11" name="Rectangle 10">
-            <a:extLst>
-              <a:ext uri="{FF2B5EF4-FFF2-40B4-BE49-F238E27FC236}">
-                <a16:creationId xmlns:a16="http://schemas.microsoft.com/office/drawing/2014/main" id="{C3EE19EF-B95D-41DA-A630-9B7E94BAA072}"/>
+              <a:t>Service</a:t>
+            </a:r>
+          </a:p>
+        </p:txBody>
+      </p:sp>
+      <p:sp>
+        <p:nvSpPr>
+          <p:cNvPr id="9" name="Rectangle 8">
+            <a:extLst>
+              <a:ext uri="{FF2B5EF4-FFF2-40B4-BE49-F238E27FC236}">
+                <a16:creationId xmlns:a16="http://schemas.microsoft.com/office/drawing/2014/main" id="{5CD85C63-54D1-B0F2-6902-4A717F32908F}"/>
               </a:ext>
             </a:extLst>
           </p:cNvPr>
@@ -14118,15 +13678,15 @@
         </p:nvSpPr>
         <p:spPr>
           <a:xfrm>
-            <a:off x="2995534" y="464550"/>
-            <a:ext cx="6200932" cy="494480"/>
+            <a:off x="1417803" y="2639806"/>
+            <a:ext cx="2629852" cy="822135"/>
           </a:xfrm>
           <a:prstGeom prst="rect">
             <a:avLst/>
           </a:prstGeom>
           <a:solidFill>
             <a:schemeClr val="bg1">
-              <a:lumMod val="95000"/>
+              <a:lumMod val="50000"/>
             </a:schemeClr>
           </a:solidFill>
           <a:ln>
@@ -14160,25 +13720,18 @@
           <a:p>
             <a:pPr algn="ctr"/>
             <a:r>
-              <a:rPr lang="fr-FR" dirty="0">
-                <a:solidFill>
-                  <a:schemeClr val="tx1">
-                    <a:lumMod val="95000"/>
-                    <a:lumOff val="5000"/>
-                  </a:schemeClr>
-                </a:solidFill>
-              </a:rPr>
-              <a:t>Formulaire de contact</a:t>
-            </a:r>
-          </a:p>
-        </p:txBody>
-      </p:sp>
-      <p:sp>
-        <p:nvSpPr>
-          <p:cNvPr id="5" name="Rectangle 4">
-            <a:extLst>
-              <a:ext uri="{FF2B5EF4-FFF2-40B4-BE49-F238E27FC236}">
-                <a16:creationId xmlns:a16="http://schemas.microsoft.com/office/drawing/2014/main" id="{69975996-7430-0143-8B61-7B1EF35B5B11}"/>
+              <a:rPr lang="fr-FR" dirty="0"/>
+              <a:t>Véhicules d’occasions</a:t>
+            </a:r>
+          </a:p>
+        </p:txBody>
+      </p:sp>
+      <p:sp>
+        <p:nvSpPr>
+          <p:cNvPr id="10" name="Rectangle 9">
+            <a:extLst>
+              <a:ext uri="{FF2B5EF4-FFF2-40B4-BE49-F238E27FC236}">
+                <a16:creationId xmlns:a16="http://schemas.microsoft.com/office/drawing/2014/main" id="{EC326338-4156-B831-392A-764CCAFF7BD4}"/>
               </a:ext>
             </a:extLst>
           </p:cNvPr>
@@ -14187,8 +13740,924 @@
         </p:nvSpPr>
         <p:spPr>
           <a:xfrm>
-            <a:off x="5528346" y="1770554"/>
-            <a:ext cx="3668120" cy="494480"/>
+            <a:off x="1417803" y="3566959"/>
+            <a:ext cx="1233117" cy="510092"/>
+          </a:xfrm>
+          <a:prstGeom prst="rect">
+            <a:avLst/>
+          </a:prstGeom>
+          <a:solidFill>
+            <a:schemeClr val="bg1">
+              <a:lumMod val="65000"/>
+            </a:schemeClr>
+          </a:solidFill>
+          <a:ln>
+            <a:solidFill>
+              <a:schemeClr val="tx1">
+                <a:lumMod val="95000"/>
+                <a:lumOff val="5000"/>
+              </a:schemeClr>
+            </a:solidFill>
+          </a:ln>
+        </p:spPr>
+        <p:style>
+          <a:lnRef idx="2">
+            <a:schemeClr val="accent1">
+              <a:shade val="50000"/>
+            </a:schemeClr>
+          </a:lnRef>
+          <a:fillRef idx="1">
+            <a:schemeClr val="accent1"/>
+          </a:fillRef>
+          <a:effectRef idx="0">
+            <a:schemeClr val="accent1"/>
+          </a:effectRef>
+          <a:fontRef idx="minor">
+            <a:schemeClr val="lt1"/>
+          </a:fontRef>
+        </p:style>
+        <p:txBody>
+          <a:bodyPr rtlCol="0" anchor="ctr"/>
+          <a:lstStyle/>
+          <a:p>
+            <a:pPr algn="ctr"/>
+            <a:r>
+              <a:rPr lang="fr-FR" sz="1400" dirty="0"/>
+              <a:t>Commentaire</a:t>
+            </a:r>
+          </a:p>
+        </p:txBody>
+      </p:sp>
+      <p:sp>
+        <p:nvSpPr>
+          <p:cNvPr id="11" name="Rectangle 10">
+            <a:extLst>
+              <a:ext uri="{FF2B5EF4-FFF2-40B4-BE49-F238E27FC236}">
+                <a16:creationId xmlns:a16="http://schemas.microsoft.com/office/drawing/2014/main" id="{CFC0CE70-0DDA-8B3E-6F34-DB18063503DE}"/>
+              </a:ext>
+            </a:extLst>
+          </p:cNvPr>
+          <p:cNvSpPr/>
+          <p:nvPr/>
+        </p:nvSpPr>
+        <p:spPr>
+          <a:xfrm>
+            <a:off x="2723281" y="3566957"/>
+            <a:ext cx="1324374" cy="510093"/>
+          </a:xfrm>
+          <a:prstGeom prst="rect">
+            <a:avLst/>
+          </a:prstGeom>
+          <a:solidFill>
+            <a:schemeClr val="bg1">
+              <a:lumMod val="65000"/>
+            </a:schemeClr>
+          </a:solidFill>
+          <a:ln>
+            <a:solidFill>
+              <a:schemeClr val="tx1">
+                <a:lumMod val="95000"/>
+                <a:lumOff val="5000"/>
+              </a:schemeClr>
+            </a:solidFill>
+          </a:ln>
+        </p:spPr>
+        <p:style>
+          <a:lnRef idx="2">
+            <a:schemeClr val="accent1">
+              <a:shade val="50000"/>
+            </a:schemeClr>
+          </a:lnRef>
+          <a:fillRef idx="1">
+            <a:schemeClr val="accent1"/>
+          </a:fillRef>
+          <a:effectRef idx="0">
+            <a:schemeClr val="accent1"/>
+          </a:effectRef>
+          <a:fontRef idx="minor">
+            <a:schemeClr val="lt1"/>
+          </a:fontRef>
+        </p:style>
+        <p:txBody>
+          <a:bodyPr rtlCol="0" anchor="ctr"/>
+          <a:lstStyle/>
+          <a:p>
+            <a:pPr algn="ctr"/>
+            <a:r>
+              <a:rPr lang="fr-FR" sz="1400" dirty="0"/>
+              <a:t>Commentaire</a:t>
+            </a:r>
+          </a:p>
+        </p:txBody>
+      </p:sp>
+      <p:sp>
+        <p:nvSpPr>
+          <p:cNvPr id="12" name="Rectangle 11">
+            <a:extLst>
+              <a:ext uri="{FF2B5EF4-FFF2-40B4-BE49-F238E27FC236}">
+                <a16:creationId xmlns:a16="http://schemas.microsoft.com/office/drawing/2014/main" id="{CCC2746A-281E-B266-F16A-9CEF06B6E228}"/>
+              </a:ext>
+            </a:extLst>
+          </p:cNvPr>
+          <p:cNvSpPr/>
+          <p:nvPr/>
+        </p:nvSpPr>
+        <p:spPr>
+          <a:xfrm>
+            <a:off x="1417803" y="4172956"/>
+            <a:ext cx="2629852" cy="322468"/>
+          </a:xfrm>
+          <a:prstGeom prst="rect">
+            <a:avLst/>
+          </a:prstGeom>
+          <a:solidFill>
+            <a:schemeClr val="bg1">
+              <a:lumMod val="65000"/>
+            </a:schemeClr>
+          </a:solidFill>
+          <a:ln>
+            <a:solidFill>
+              <a:schemeClr val="tx1">
+                <a:lumMod val="95000"/>
+                <a:lumOff val="5000"/>
+              </a:schemeClr>
+            </a:solidFill>
+          </a:ln>
+        </p:spPr>
+        <p:style>
+          <a:lnRef idx="2">
+            <a:schemeClr val="accent1">
+              <a:shade val="50000"/>
+            </a:schemeClr>
+          </a:lnRef>
+          <a:fillRef idx="1">
+            <a:schemeClr val="accent1"/>
+          </a:fillRef>
+          <a:effectRef idx="0">
+            <a:schemeClr val="accent1"/>
+          </a:effectRef>
+          <a:fontRef idx="minor">
+            <a:schemeClr val="lt1"/>
+          </a:fontRef>
+        </p:style>
+        <p:txBody>
+          <a:bodyPr rtlCol="0" anchor="ctr"/>
+          <a:lstStyle/>
+          <a:p>
+            <a:pPr algn="ctr"/>
+            <a:r>
+              <a:rPr lang="fr-FR" dirty="0"/>
+              <a:t>Laisser un commentaire</a:t>
+            </a:r>
+          </a:p>
+        </p:txBody>
+      </p:sp>
+      <p:sp>
+        <p:nvSpPr>
+          <p:cNvPr id="13" name="Rectangle 12">
+            <a:extLst>
+              <a:ext uri="{FF2B5EF4-FFF2-40B4-BE49-F238E27FC236}">
+                <a16:creationId xmlns:a16="http://schemas.microsoft.com/office/drawing/2014/main" id="{CC827BB1-996D-73ED-C434-444119BDF240}"/>
+              </a:ext>
+            </a:extLst>
+          </p:cNvPr>
+          <p:cNvSpPr/>
+          <p:nvPr/>
+        </p:nvSpPr>
+        <p:spPr>
+          <a:xfrm>
+            <a:off x="1417803" y="4623871"/>
+            <a:ext cx="2629852" cy="822135"/>
+          </a:xfrm>
+          <a:prstGeom prst="rect">
+            <a:avLst/>
+          </a:prstGeom>
+          <a:solidFill>
+            <a:schemeClr val="bg1">
+              <a:lumMod val="65000"/>
+            </a:schemeClr>
+          </a:solidFill>
+          <a:ln>
+            <a:solidFill>
+              <a:schemeClr val="tx1">
+                <a:lumMod val="95000"/>
+                <a:lumOff val="5000"/>
+              </a:schemeClr>
+            </a:solidFill>
+          </a:ln>
+        </p:spPr>
+        <p:style>
+          <a:lnRef idx="2">
+            <a:schemeClr val="accent1">
+              <a:shade val="50000"/>
+            </a:schemeClr>
+          </a:lnRef>
+          <a:fillRef idx="1">
+            <a:schemeClr val="accent1"/>
+          </a:fillRef>
+          <a:effectRef idx="0">
+            <a:schemeClr val="accent1"/>
+          </a:effectRef>
+          <a:fontRef idx="minor">
+            <a:schemeClr val="lt1"/>
+          </a:fontRef>
+        </p:style>
+        <p:txBody>
+          <a:bodyPr rtlCol="0" anchor="ctr"/>
+          <a:lstStyle/>
+          <a:p>
+            <a:pPr algn="ctr"/>
+            <a:r>
+              <a:rPr lang="fr-FR" dirty="0"/>
+              <a:t>Horaires</a:t>
+            </a:r>
+          </a:p>
+        </p:txBody>
+      </p:sp>
+      <p:sp>
+        <p:nvSpPr>
+          <p:cNvPr id="14" name="Rectangle : coins arrondis 13">
+            <a:extLst>
+              <a:ext uri="{FF2B5EF4-FFF2-40B4-BE49-F238E27FC236}">
+                <a16:creationId xmlns:a16="http://schemas.microsoft.com/office/drawing/2014/main" id="{3CE13B42-B9DB-E0D4-9875-31B8B363C20D}"/>
+              </a:ext>
+            </a:extLst>
+          </p:cNvPr>
+          <p:cNvSpPr/>
+          <p:nvPr/>
+        </p:nvSpPr>
+        <p:spPr>
+          <a:xfrm>
+            <a:off x="4906536" y="537133"/>
+            <a:ext cx="3177319" cy="5378742"/>
+          </a:xfrm>
+          <a:prstGeom prst="roundRect">
+            <a:avLst/>
+          </a:prstGeom>
+          <a:noFill/>
+          <a:ln>
+            <a:solidFill>
+              <a:schemeClr val="tx1">
+                <a:lumMod val="95000"/>
+                <a:lumOff val="5000"/>
+              </a:schemeClr>
+            </a:solidFill>
+          </a:ln>
+        </p:spPr>
+        <p:style>
+          <a:lnRef idx="2">
+            <a:schemeClr val="accent1">
+              <a:shade val="50000"/>
+            </a:schemeClr>
+          </a:lnRef>
+          <a:fillRef idx="1">
+            <a:schemeClr val="accent1"/>
+          </a:fillRef>
+          <a:effectRef idx="0">
+            <a:schemeClr val="accent1"/>
+          </a:effectRef>
+          <a:fontRef idx="minor">
+            <a:schemeClr val="lt1"/>
+          </a:fontRef>
+        </p:style>
+        <p:txBody>
+          <a:bodyPr rtlCol="0" anchor="ctr"/>
+          <a:lstStyle/>
+          <a:p>
+            <a:pPr algn="ctr"/>
+            <a:endParaRPr lang="fr-FR"/>
+          </a:p>
+        </p:txBody>
+      </p:sp>
+      <p:sp>
+        <p:nvSpPr>
+          <p:cNvPr id="16" name="Rectangle 15">
+            <a:extLst>
+              <a:ext uri="{FF2B5EF4-FFF2-40B4-BE49-F238E27FC236}">
+                <a16:creationId xmlns:a16="http://schemas.microsoft.com/office/drawing/2014/main" id="{03D86F8D-1F1C-E961-87B9-8D7E3868EAFD}"/>
+              </a:ext>
+            </a:extLst>
+          </p:cNvPr>
+          <p:cNvSpPr/>
+          <p:nvPr/>
+        </p:nvSpPr>
+        <p:spPr>
+          <a:xfrm>
+            <a:off x="7089791" y="856300"/>
+            <a:ext cx="729778" cy="661745"/>
+          </a:xfrm>
+          <a:prstGeom prst="rect">
+            <a:avLst/>
+          </a:prstGeom>
+          <a:solidFill>
+            <a:schemeClr val="bg1">
+              <a:lumMod val="65000"/>
+            </a:schemeClr>
+          </a:solidFill>
+          <a:ln>
+            <a:solidFill>
+              <a:schemeClr val="tx1">
+                <a:lumMod val="95000"/>
+                <a:lumOff val="5000"/>
+              </a:schemeClr>
+            </a:solidFill>
+          </a:ln>
+        </p:spPr>
+        <p:style>
+          <a:lnRef idx="2">
+            <a:schemeClr val="accent1">
+              <a:shade val="50000"/>
+            </a:schemeClr>
+          </a:lnRef>
+          <a:fillRef idx="1">
+            <a:schemeClr val="accent1"/>
+          </a:fillRef>
+          <a:effectRef idx="0">
+            <a:schemeClr val="accent1"/>
+          </a:effectRef>
+          <a:fontRef idx="minor">
+            <a:schemeClr val="lt1"/>
+          </a:fontRef>
+        </p:style>
+        <p:txBody>
+          <a:bodyPr rtlCol="0" anchor="ctr"/>
+          <a:lstStyle/>
+          <a:p>
+            <a:pPr algn="ctr"/>
+            <a:r>
+              <a:rPr lang="fr-FR" sz="1600" dirty="0"/>
+              <a:t>Menu</a:t>
+            </a:r>
+          </a:p>
+        </p:txBody>
+      </p:sp>
+      <p:sp>
+        <p:nvSpPr>
+          <p:cNvPr id="23" name="Rectangle 22">
+            <a:extLst>
+              <a:ext uri="{FF2B5EF4-FFF2-40B4-BE49-F238E27FC236}">
+                <a16:creationId xmlns:a16="http://schemas.microsoft.com/office/drawing/2014/main" id="{83CBF4FD-AB2A-09F8-BC6C-9862D647B541}"/>
+              </a:ext>
+            </a:extLst>
+          </p:cNvPr>
+          <p:cNvSpPr/>
+          <p:nvPr/>
+        </p:nvSpPr>
+        <p:spPr>
+          <a:xfrm>
+            <a:off x="5189717" y="4625507"/>
+            <a:ext cx="2629852" cy="822135"/>
+          </a:xfrm>
+          <a:prstGeom prst="rect">
+            <a:avLst/>
+          </a:prstGeom>
+          <a:solidFill>
+            <a:schemeClr val="bg1">
+              <a:lumMod val="65000"/>
+            </a:schemeClr>
+          </a:solidFill>
+          <a:ln>
+            <a:solidFill>
+              <a:schemeClr val="tx1">
+                <a:lumMod val="95000"/>
+                <a:lumOff val="5000"/>
+              </a:schemeClr>
+            </a:solidFill>
+          </a:ln>
+        </p:spPr>
+        <p:style>
+          <a:lnRef idx="2">
+            <a:schemeClr val="accent1">
+              <a:shade val="50000"/>
+            </a:schemeClr>
+          </a:lnRef>
+          <a:fillRef idx="1">
+            <a:schemeClr val="accent1"/>
+          </a:fillRef>
+          <a:effectRef idx="0">
+            <a:schemeClr val="accent1"/>
+          </a:effectRef>
+          <a:fontRef idx="minor">
+            <a:schemeClr val="lt1"/>
+          </a:fontRef>
+        </p:style>
+        <p:txBody>
+          <a:bodyPr rtlCol="0" anchor="ctr"/>
+          <a:lstStyle/>
+          <a:p>
+            <a:pPr algn="ctr"/>
+            <a:r>
+              <a:rPr lang="fr-FR" dirty="0"/>
+              <a:t>Horaires</a:t>
+            </a:r>
+          </a:p>
+        </p:txBody>
+      </p:sp>
+      <p:sp>
+        <p:nvSpPr>
+          <p:cNvPr id="25" name="Rectangle : coins arrondis 24">
+            <a:extLst>
+              <a:ext uri="{FF2B5EF4-FFF2-40B4-BE49-F238E27FC236}">
+                <a16:creationId xmlns:a16="http://schemas.microsoft.com/office/drawing/2014/main" id="{E8B0A5EB-F628-03FE-D4FF-0128550E70B8}"/>
+              </a:ext>
+            </a:extLst>
+          </p:cNvPr>
+          <p:cNvSpPr/>
+          <p:nvPr/>
+        </p:nvSpPr>
+        <p:spPr>
+          <a:xfrm>
+            <a:off x="8523589" y="535497"/>
+            <a:ext cx="3177319" cy="5378742"/>
+          </a:xfrm>
+          <a:prstGeom prst="roundRect">
+            <a:avLst/>
+          </a:prstGeom>
+          <a:noFill/>
+          <a:ln>
+            <a:solidFill>
+              <a:schemeClr val="tx1">
+                <a:lumMod val="95000"/>
+                <a:lumOff val="5000"/>
+              </a:schemeClr>
+            </a:solidFill>
+          </a:ln>
+        </p:spPr>
+        <p:style>
+          <a:lnRef idx="2">
+            <a:schemeClr val="accent1">
+              <a:shade val="50000"/>
+            </a:schemeClr>
+          </a:lnRef>
+          <a:fillRef idx="1">
+            <a:schemeClr val="accent1"/>
+          </a:fillRef>
+          <a:effectRef idx="0">
+            <a:schemeClr val="accent1"/>
+          </a:effectRef>
+          <a:fontRef idx="minor">
+            <a:schemeClr val="lt1"/>
+          </a:fontRef>
+        </p:style>
+        <p:txBody>
+          <a:bodyPr rtlCol="0" anchor="ctr"/>
+          <a:lstStyle/>
+          <a:p>
+            <a:pPr algn="ctr"/>
+            <a:endParaRPr lang="fr-FR"/>
+          </a:p>
+        </p:txBody>
+      </p:sp>
+      <p:sp>
+        <p:nvSpPr>
+          <p:cNvPr id="27" name="Rectangle 26">
+            <a:extLst>
+              <a:ext uri="{FF2B5EF4-FFF2-40B4-BE49-F238E27FC236}">
+                <a16:creationId xmlns:a16="http://schemas.microsoft.com/office/drawing/2014/main" id="{2EDF2950-5032-93BC-9AAA-268A239755F6}"/>
+              </a:ext>
+            </a:extLst>
+          </p:cNvPr>
+          <p:cNvSpPr/>
+          <p:nvPr/>
+        </p:nvSpPr>
+        <p:spPr>
+          <a:xfrm>
+            <a:off x="10706844" y="854664"/>
+            <a:ext cx="729778" cy="661745"/>
+          </a:xfrm>
+          <a:prstGeom prst="rect">
+            <a:avLst/>
+          </a:prstGeom>
+          <a:solidFill>
+            <a:schemeClr val="bg1">
+              <a:lumMod val="65000"/>
+            </a:schemeClr>
+          </a:solidFill>
+          <a:ln>
+            <a:solidFill>
+              <a:schemeClr val="tx1">
+                <a:lumMod val="95000"/>
+                <a:lumOff val="5000"/>
+              </a:schemeClr>
+            </a:solidFill>
+          </a:ln>
+        </p:spPr>
+        <p:style>
+          <a:lnRef idx="2">
+            <a:schemeClr val="accent1">
+              <a:shade val="50000"/>
+            </a:schemeClr>
+          </a:lnRef>
+          <a:fillRef idx="1">
+            <a:schemeClr val="accent1"/>
+          </a:fillRef>
+          <a:effectRef idx="0">
+            <a:schemeClr val="accent1"/>
+          </a:effectRef>
+          <a:fontRef idx="minor">
+            <a:schemeClr val="lt1"/>
+          </a:fontRef>
+        </p:style>
+        <p:txBody>
+          <a:bodyPr rtlCol="0" anchor="ctr"/>
+          <a:lstStyle/>
+          <a:p>
+            <a:pPr algn="ctr"/>
+            <a:r>
+              <a:rPr lang="fr-FR" sz="1600" dirty="0"/>
+              <a:t>Menu</a:t>
+            </a:r>
+          </a:p>
+        </p:txBody>
+      </p:sp>
+      <p:sp>
+        <p:nvSpPr>
+          <p:cNvPr id="28" name="Rectangle 27">
+            <a:extLst>
+              <a:ext uri="{FF2B5EF4-FFF2-40B4-BE49-F238E27FC236}">
+                <a16:creationId xmlns:a16="http://schemas.microsoft.com/office/drawing/2014/main" id="{210BBA93-525D-CBC3-0CF2-80A3D250367A}"/>
+              </a:ext>
+            </a:extLst>
+          </p:cNvPr>
+          <p:cNvSpPr/>
+          <p:nvPr/>
+        </p:nvSpPr>
+        <p:spPr>
+          <a:xfrm>
+            <a:off x="8806770" y="1711340"/>
+            <a:ext cx="2629852" cy="1325475"/>
+          </a:xfrm>
+          <a:prstGeom prst="rect">
+            <a:avLst/>
+          </a:prstGeom>
+          <a:solidFill>
+            <a:schemeClr val="bg1">
+              <a:lumMod val="50000"/>
+            </a:schemeClr>
+          </a:solidFill>
+          <a:ln>
+            <a:solidFill>
+              <a:schemeClr val="tx1">
+                <a:lumMod val="95000"/>
+                <a:lumOff val="5000"/>
+              </a:schemeClr>
+            </a:solidFill>
+          </a:ln>
+        </p:spPr>
+        <p:style>
+          <a:lnRef idx="2">
+            <a:schemeClr val="accent1">
+              <a:shade val="50000"/>
+            </a:schemeClr>
+          </a:lnRef>
+          <a:fillRef idx="1">
+            <a:schemeClr val="accent1"/>
+          </a:fillRef>
+          <a:effectRef idx="0">
+            <a:schemeClr val="accent1"/>
+          </a:effectRef>
+          <a:fontRef idx="minor">
+            <a:schemeClr val="lt1"/>
+          </a:fontRef>
+        </p:style>
+        <p:txBody>
+          <a:bodyPr rtlCol="0" anchor="ctr"/>
+          <a:lstStyle/>
+          <a:p>
+            <a:pPr algn="ctr"/>
+            <a:r>
+              <a:rPr lang="fr-FR" dirty="0"/>
+              <a:t>Galerie</a:t>
+            </a:r>
+          </a:p>
+        </p:txBody>
+      </p:sp>
+      <p:sp>
+        <p:nvSpPr>
+          <p:cNvPr id="29" name="Rectangle 28">
+            <a:extLst>
+              <a:ext uri="{FF2B5EF4-FFF2-40B4-BE49-F238E27FC236}">
+                <a16:creationId xmlns:a16="http://schemas.microsoft.com/office/drawing/2014/main" id="{A8C4658B-5AEA-3141-87B7-2170E9403C0D}"/>
+              </a:ext>
+            </a:extLst>
+          </p:cNvPr>
+          <p:cNvSpPr/>
+          <p:nvPr/>
+        </p:nvSpPr>
+        <p:spPr>
+          <a:xfrm>
+            <a:off x="8816218" y="5911435"/>
+            <a:ext cx="2629852" cy="822135"/>
+          </a:xfrm>
+          <a:prstGeom prst="rect">
+            <a:avLst/>
+          </a:prstGeom>
+          <a:solidFill>
+            <a:schemeClr val="bg1">
+              <a:lumMod val="65000"/>
+            </a:schemeClr>
+          </a:solidFill>
+          <a:ln>
+            <a:solidFill>
+              <a:schemeClr val="tx1">
+                <a:lumMod val="95000"/>
+                <a:lumOff val="5000"/>
+              </a:schemeClr>
+            </a:solidFill>
+          </a:ln>
+        </p:spPr>
+        <p:style>
+          <a:lnRef idx="2">
+            <a:schemeClr val="accent1">
+              <a:shade val="50000"/>
+            </a:schemeClr>
+          </a:lnRef>
+          <a:fillRef idx="1">
+            <a:schemeClr val="accent1"/>
+          </a:fillRef>
+          <a:effectRef idx="0">
+            <a:schemeClr val="accent1"/>
+          </a:effectRef>
+          <a:fontRef idx="minor">
+            <a:schemeClr val="lt1"/>
+          </a:fontRef>
+        </p:style>
+        <p:txBody>
+          <a:bodyPr rtlCol="0" anchor="ctr"/>
+          <a:lstStyle/>
+          <a:p>
+            <a:pPr algn="ctr"/>
+            <a:r>
+              <a:rPr lang="fr-FR" dirty="0"/>
+              <a:t>Horaires</a:t>
+            </a:r>
+          </a:p>
+        </p:txBody>
+      </p:sp>
+      <p:sp>
+        <p:nvSpPr>
+          <p:cNvPr id="30" name="Rectangle 29">
+            <a:extLst>
+              <a:ext uri="{FF2B5EF4-FFF2-40B4-BE49-F238E27FC236}">
+                <a16:creationId xmlns:a16="http://schemas.microsoft.com/office/drawing/2014/main" id="{97426FA7-9865-CC0D-0D95-15FDF8FFF671}"/>
+              </a:ext>
+            </a:extLst>
+          </p:cNvPr>
+          <p:cNvSpPr/>
+          <p:nvPr/>
+        </p:nvSpPr>
+        <p:spPr>
+          <a:xfrm>
+            <a:off x="8816218" y="5036482"/>
+            <a:ext cx="2629852" cy="822135"/>
+          </a:xfrm>
+          <a:prstGeom prst="rect">
+            <a:avLst/>
+          </a:prstGeom>
+          <a:solidFill>
+            <a:schemeClr val="bg1">
+              <a:lumMod val="65000"/>
+            </a:schemeClr>
+          </a:solidFill>
+          <a:ln>
+            <a:solidFill>
+              <a:schemeClr val="tx1">
+                <a:lumMod val="95000"/>
+                <a:lumOff val="5000"/>
+              </a:schemeClr>
+            </a:solidFill>
+          </a:ln>
+        </p:spPr>
+        <p:style>
+          <a:lnRef idx="2">
+            <a:schemeClr val="accent1">
+              <a:shade val="50000"/>
+            </a:schemeClr>
+          </a:lnRef>
+          <a:fillRef idx="1">
+            <a:schemeClr val="accent1"/>
+          </a:fillRef>
+          <a:effectRef idx="0">
+            <a:schemeClr val="accent1"/>
+          </a:effectRef>
+          <a:fontRef idx="minor">
+            <a:schemeClr val="lt1"/>
+          </a:fontRef>
+        </p:style>
+        <p:txBody>
+          <a:bodyPr rtlCol="0" anchor="ctr"/>
+          <a:lstStyle/>
+          <a:p>
+            <a:pPr algn="ctr"/>
+            <a:r>
+              <a:rPr lang="fr-FR" dirty="0"/>
+              <a:t>Formulaire contact</a:t>
+            </a:r>
+          </a:p>
+        </p:txBody>
+      </p:sp>
+      <p:sp>
+        <p:nvSpPr>
+          <p:cNvPr id="32" name="Rectangle 31">
+            <a:extLst>
+              <a:ext uri="{FF2B5EF4-FFF2-40B4-BE49-F238E27FC236}">
+                <a16:creationId xmlns:a16="http://schemas.microsoft.com/office/drawing/2014/main" id="{4E296B4A-C0D8-9469-EC9E-7189F8126585}"/>
+              </a:ext>
+            </a:extLst>
+          </p:cNvPr>
+          <p:cNvSpPr/>
+          <p:nvPr/>
+        </p:nvSpPr>
+        <p:spPr>
+          <a:xfrm>
+            <a:off x="8797322" y="3148651"/>
+            <a:ext cx="2629852" cy="508949"/>
+          </a:xfrm>
+          <a:prstGeom prst="rect">
+            <a:avLst/>
+          </a:prstGeom>
+          <a:solidFill>
+            <a:schemeClr val="bg1">
+              <a:lumMod val="50000"/>
+            </a:schemeClr>
+          </a:solidFill>
+          <a:ln>
+            <a:solidFill>
+              <a:schemeClr val="tx1">
+                <a:lumMod val="95000"/>
+                <a:lumOff val="5000"/>
+              </a:schemeClr>
+            </a:solidFill>
+          </a:ln>
+        </p:spPr>
+        <p:style>
+          <a:lnRef idx="2">
+            <a:schemeClr val="accent1">
+              <a:shade val="50000"/>
+            </a:schemeClr>
+          </a:lnRef>
+          <a:fillRef idx="1">
+            <a:schemeClr val="accent1"/>
+          </a:fillRef>
+          <a:effectRef idx="0">
+            <a:schemeClr val="accent1"/>
+          </a:effectRef>
+          <a:fontRef idx="minor">
+            <a:schemeClr val="lt1"/>
+          </a:fontRef>
+        </p:style>
+        <p:txBody>
+          <a:bodyPr rtlCol="0" anchor="ctr"/>
+          <a:lstStyle/>
+          <a:p>
+            <a:pPr algn="ctr"/>
+            <a:r>
+              <a:rPr lang="fr-FR" dirty="0"/>
+              <a:t>Caractéristiques</a:t>
+            </a:r>
+          </a:p>
+        </p:txBody>
+      </p:sp>
+      <p:sp>
+        <p:nvSpPr>
+          <p:cNvPr id="33" name="Rectangle 32">
+            <a:extLst>
+              <a:ext uri="{FF2B5EF4-FFF2-40B4-BE49-F238E27FC236}">
+                <a16:creationId xmlns:a16="http://schemas.microsoft.com/office/drawing/2014/main" id="{5ABFF13D-C36E-7E1E-FBA7-60DD32EC3D2F}"/>
+              </a:ext>
+            </a:extLst>
+          </p:cNvPr>
+          <p:cNvSpPr/>
+          <p:nvPr/>
+        </p:nvSpPr>
+        <p:spPr>
+          <a:xfrm>
+            <a:off x="8797322" y="3769436"/>
+            <a:ext cx="2629852" cy="508949"/>
+          </a:xfrm>
+          <a:prstGeom prst="rect">
+            <a:avLst/>
+          </a:prstGeom>
+          <a:solidFill>
+            <a:schemeClr val="bg1">
+              <a:lumMod val="50000"/>
+            </a:schemeClr>
+          </a:solidFill>
+          <a:ln>
+            <a:solidFill>
+              <a:schemeClr val="tx1">
+                <a:lumMod val="95000"/>
+                <a:lumOff val="5000"/>
+              </a:schemeClr>
+            </a:solidFill>
+          </a:ln>
+        </p:spPr>
+        <p:style>
+          <a:lnRef idx="2">
+            <a:schemeClr val="accent1">
+              <a:shade val="50000"/>
+            </a:schemeClr>
+          </a:lnRef>
+          <a:fillRef idx="1">
+            <a:schemeClr val="accent1"/>
+          </a:fillRef>
+          <a:effectRef idx="0">
+            <a:schemeClr val="accent1"/>
+          </a:effectRef>
+          <a:fontRef idx="minor">
+            <a:schemeClr val="lt1"/>
+          </a:fontRef>
+        </p:style>
+        <p:txBody>
+          <a:bodyPr rtlCol="0" anchor="ctr"/>
+          <a:lstStyle/>
+          <a:p>
+            <a:pPr algn="ctr"/>
+            <a:r>
+              <a:rPr lang="fr-FR" dirty="0"/>
+              <a:t>Équipements</a:t>
+            </a:r>
+          </a:p>
+        </p:txBody>
+      </p:sp>
+      <p:sp>
+        <p:nvSpPr>
+          <p:cNvPr id="34" name="Rectangle 33">
+            <a:extLst>
+              <a:ext uri="{FF2B5EF4-FFF2-40B4-BE49-F238E27FC236}">
+                <a16:creationId xmlns:a16="http://schemas.microsoft.com/office/drawing/2014/main" id="{FE236CE8-D502-D26E-D74D-DE9AE46F53AF}"/>
+              </a:ext>
+            </a:extLst>
+          </p:cNvPr>
+          <p:cNvSpPr/>
+          <p:nvPr/>
+        </p:nvSpPr>
+        <p:spPr>
+          <a:xfrm>
+            <a:off x="8797322" y="4402959"/>
+            <a:ext cx="2629852" cy="508949"/>
+          </a:xfrm>
+          <a:prstGeom prst="rect">
+            <a:avLst/>
+          </a:prstGeom>
+          <a:solidFill>
+            <a:schemeClr val="bg1">
+              <a:lumMod val="50000"/>
+            </a:schemeClr>
+          </a:solidFill>
+          <a:ln>
+            <a:solidFill>
+              <a:schemeClr val="tx1">
+                <a:lumMod val="95000"/>
+                <a:lumOff val="5000"/>
+              </a:schemeClr>
+            </a:solidFill>
+          </a:ln>
+        </p:spPr>
+        <p:style>
+          <a:lnRef idx="2">
+            <a:schemeClr val="accent1">
+              <a:shade val="50000"/>
+            </a:schemeClr>
+          </a:lnRef>
+          <a:fillRef idx="1">
+            <a:schemeClr val="accent1"/>
+          </a:fillRef>
+          <a:effectRef idx="0">
+            <a:schemeClr val="accent1"/>
+          </a:effectRef>
+          <a:fontRef idx="minor">
+            <a:schemeClr val="lt1"/>
+          </a:fontRef>
+        </p:style>
+        <p:txBody>
+          <a:bodyPr rtlCol="0" anchor="ctr"/>
+          <a:lstStyle/>
+          <a:p>
+            <a:pPr algn="ctr"/>
+            <a:r>
+              <a:rPr lang="fr-FR" dirty="0"/>
+              <a:t>Options</a:t>
+            </a:r>
+          </a:p>
+        </p:txBody>
+      </p:sp>
+      <p:sp>
+        <p:nvSpPr>
+          <p:cNvPr id="2" name="Rectangle 1">
+            <a:extLst>
+              <a:ext uri="{FF2B5EF4-FFF2-40B4-BE49-F238E27FC236}">
+                <a16:creationId xmlns:a16="http://schemas.microsoft.com/office/drawing/2014/main" id="{7D97CBBE-F17C-9C25-DEDD-8C85D6F96618}"/>
+              </a:ext>
+            </a:extLst>
+          </p:cNvPr>
+          <p:cNvSpPr/>
+          <p:nvPr/>
+        </p:nvSpPr>
+        <p:spPr>
+          <a:xfrm>
+            <a:off x="1417803" y="854663"/>
+            <a:ext cx="730500" cy="661745"/>
           </a:xfrm>
           <a:prstGeom prst="rect">
             <a:avLst/>
@@ -14228,17 +14697,112 @@
             <a:pPr algn="ctr"/>
             <a:r>
               <a:rPr lang="fr-FR" dirty="0"/>
-              <a:t>Nom</a:t>
-            </a:r>
-          </a:p>
-        </p:txBody>
-      </p:sp>
-      <p:sp>
-        <p:nvSpPr>
-          <p:cNvPr id="6" name="Rectangle 5">
-            <a:extLst>
-              <a:ext uri="{FF2B5EF4-FFF2-40B4-BE49-F238E27FC236}">
-                <a16:creationId xmlns:a16="http://schemas.microsoft.com/office/drawing/2014/main" id="{6A21BB22-B939-2C24-BAEC-E59769703740}"/>
+              <a:t>Logo</a:t>
+            </a:r>
+          </a:p>
+        </p:txBody>
+      </p:sp>
+      <p:grpSp>
+        <p:nvGrpSpPr>
+          <p:cNvPr id="3" name="Groupe 2">
+            <a:extLst>
+              <a:ext uri="{FF2B5EF4-FFF2-40B4-BE49-F238E27FC236}">
+                <a16:creationId xmlns:a16="http://schemas.microsoft.com/office/drawing/2014/main" id="{6071B9F9-5728-9FC9-AB49-0F51C14B336D}"/>
+              </a:ext>
+            </a:extLst>
+          </p:cNvPr>
+          <p:cNvGrpSpPr/>
+          <p:nvPr/>
+        </p:nvGrpSpPr>
+        <p:grpSpPr>
+          <a:xfrm>
+            <a:off x="1409350" y="854662"/>
+            <a:ext cx="738230" cy="661746"/>
+            <a:chOff x="100668" y="125820"/>
+            <a:chExt cx="1602297" cy="661746"/>
+          </a:xfrm>
+        </p:grpSpPr>
+        <p:cxnSp>
+          <p:nvCxnSpPr>
+            <p:cNvPr id="18" name="Connecteur droit 17">
+              <a:extLst>
+                <a:ext uri="{FF2B5EF4-FFF2-40B4-BE49-F238E27FC236}">
+                  <a16:creationId xmlns:a16="http://schemas.microsoft.com/office/drawing/2014/main" id="{F412F446-0830-1017-BA34-F378F1F79C28}"/>
+                </a:ext>
+              </a:extLst>
+            </p:cNvPr>
+            <p:cNvCxnSpPr/>
+            <p:nvPr/>
+          </p:nvCxnSpPr>
+          <p:spPr>
+            <a:xfrm>
+              <a:off x="100668" y="125820"/>
+              <a:ext cx="1602297" cy="661746"/>
+            </a:xfrm>
+            <a:prstGeom prst="line">
+              <a:avLst/>
+            </a:prstGeom>
+          </p:spPr>
+          <p:style>
+            <a:lnRef idx="1">
+              <a:schemeClr val="dk1"/>
+            </a:lnRef>
+            <a:fillRef idx="0">
+              <a:schemeClr val="dk1"/>
+            </a:fillRef>
+            <a:effectRef idx="0">
+              <a:schemeClr val="dk1"/>
+            </a:effectRef>
+            <a:fontRef idx="minor">
+              <a:schemeClr val="tx1"/>
+            </a:fontRef>
+          </p:style>
+        </p:cxnSp>
+        <p:cxnSp>
+          <p:nvCxnSpPr>
+            <p:cNvPr id="19" name="Connecteur droit 18">
+              <a:extLst>
+                <a:ext uri="{FF2B5EF4-FFF2-40B4-BE49-F238E27FC236}">
+                  <a16:creationId xmlns:a16="http://schemas.microsoft.com/office/drawing/2014/main" id="{7186DB3D-3BE1-7A3F-948D-EEEA51B882DE}"/>
+                </a:ext>
+              </a:extLst>
+            </p:cNvPr>
+            <p:cNvCxnSpPr>
+              <a:cxnSpLocks/>
+            </p:cNvCxnSpPr>
+            <p:nvPr/>
+          </p:nvCxnSpPr>
+          <p:spPr>
+            <a:xfrm flipV="1">
+              <a:off x="109122" y="125820"/>
+              <a:ext cx="1593843" cy="661746"/>
+            </a:xfrm>
+            <a:prstGeom prst="line">
+              <a:avLst/>
+            </a:prstGeom>
+          </p:spPr>
+          <p:style>
+            <a:lnRef idx="1">
+              <a:schemeClr val="dk1"/>
+            </a:lnRef>
+            <a:fillRef idx="0">
+              <a:schemeClr val="dk1"/>
+            </a:fillRef>
+            <a:effectRef idx="0">
+              <a:schemeClr val="dk1"/>
+            </a:effectRef>
+            <a:fontRef idx="minor">
+              <a:schemeClr val="tx1"/>
+            </a:fontRef>
+          </p:style>
+        </p:cxnSp>
+      </p:grpSp>
+      <p:sp>
+        <p:nvSpPr>
+          <p:cNvPr id="21" name="Rectangle 20">
+            <a:extLst>
+              <a:ext uri="{FF2B5EF4-FFF2-40B4-BE49-F238E27FC236}">
+                <a16:creationId xmlns:a16="http://schemas.microsoft.com/office/drawing/2014/main" id="{7D3CFD55-F4EC-E8F0-6D21-888F47900E41}"/>
               </a:ext>
             </a:extLst>
           </p:cNvPr>
@@ -14247,8 +14811,8 @@
         </p:nvSpPr>
         <p:spPr>
           <a:xfrm>
-            <a:off x="5528346" y="2380154"/>
-            <a:ext cx="3668120" cy="494480"/>
+            <a:off x="8811723" y="866480"/>
+            <a:ext cx="730500" cy="661745"/>
           </a:xfrm>
           <a:prstGeom prst="rect">
             <a:avLst/>
@@ -14288,17 +14852,112 @@
             <a:pPr algn="ctr"/>
             <a:r>
               <a:rPr lang="fr-FR" dirty="0"/>
-              <a:t>Nom</a:t>
-            </a:r>
-          </a:p>
-        </p:txBody>
-      </p:sp>
-      <p:sp>
-        <p:nvSpPr>
-          <p:cNvPr id="14" name="Rectangle 13">
-            <a:extLst>
-              <a:ext uri="{FF2B5EF4-FFF2-40B4-BE49-F238E27FC236}">
-                <a16:creationId xmlns:a16="http://schemas.microsoft.com/office/drawing/2014/main" id="{C806DFED-AB2F-4609-9B1F-79899B4269FF}"/>
+              <a:t>Logo</a:t>
+            </a:r>
+          </a:p>
+        </p:txBody>
+      </p:sp>
+      <p:grpSp>
+        <p:nvGrpSpPr>
+          <p:cNvPr id="22" name="Groupe 21">
+            <a:extLst>
+              <a:ext uri="{FF2B5EF4-FFF2-40B4-BE49-F238E27FC236}">
+                <a16:creationId xmlns:a16="http://schemas.microsoft.com/office/drawing/2014/main" id="{CB0D53EB-1574-83B6-2A4A-F0F59DDC58A2}"/>
+              </a:ext>
+            </a:extLst>
+          </p:cNvPr>
+          <p:cNvGrpSpPr/>
+          <p:nvPr/>
+        </p:nvGrpSpPr>
+        <p:grpSpPr>
+          <a:xfrm>
+            <a:off x="8816218" y="856299"/>
+            <a:ext cx="738230" cy="661746"/>
+            <a:chOff x="100668" y="125820"/>
+            <a:chExt cx="1602297" cy="661746"/>
+          </a:xfrm>
+        </p:grpSpPr>
+        <p:cxnSp>
+          <p:nvCxnSpPr>
+            <p:cNvPr id="24" name="Connecteur droit 23">
+              <a:extLst>
+                <a:ext uri="{FF2B5EF4-FFF2-40B4-BE49-F238E27FC236}">
+                  <a16:creationId xmlns:a16="http://schemas.microsoft.com/office/drawing/2014/main" id="{82C97F8F-7189-9D03-A0B2-0611BEAD6B4A}"/>
+                </a:ext>
+              </a:extLst>
+            </p:cNvPr>
+            <p:cNvCxnSpPr/>
+            <p:nvPr/>
+          </p:nvCxnSpPr>
+          <p:spPr>
+            <a:xfrm>
+              <a:off x="100668" y="125820"/>
+              <a:ext cx="1602297" cy="661746"/>
+            </a:xfrm>
+            <a:prstGeom prst="line">
+              <a:avLst/>
+            </a:prstGeom>
+          </p:spPr>
+          <p:style>
+            <a:lnRef idx="1">
+              <a:schemeClr val="dk1"/>
+            </a:lnRef>
+            <a:fillRef idx="0">
+              <a:schemeClr val="dk1"/>
+            </a:fillRef>
+            <a:effectRef idx="0">
+              <a:schemeClr val="dk1"/>
+            </a:effectRef>
+            <a:fontRef idx="minor">
+              <a:schemeClr val="tx1"/>
+            </a:fontRef>
+          </p:style>
+        </p:cxnSp>
+        <p:cxnSp>
+          <p:nvCxnSpPr>
+            <p:cNvPr id="31" name="Connecteur droit 30">
+              <a:extLst>
+                <a:ext uri="{FF2B5EF4-FFF2-40B4-BE49-F238E27FC236}">
+                  <a16:creationId xmlns:a16="http://schemas.microsoft.com/office/drawing/2014/main" id="{BBCF17DA-C221-03B8-BFAD-67A63A376D1E}"/>
+                </a:ext>
+              </a:extLst>
+            </p:cNvPr>
+            <p:cNvCxnSpPr>
+              <a:cxnSpLocks/>
+            </p:cNvCxnSpPr>
+            <p:nvPr/>
+          </p:nvCxnSpPr>
+          <p:spPr>
+            <a:xfrm flipV="1">
+              <a:off x="109122" y="125820"/>
+              <a:ext cx="1593843" cy="661746"/>
+            </a:xfrm>
+            <a:prstGeom prst="line">
+              <a:avLst/>
+            </a:prstGeom>
+          </p:spPr>
+          <p:style>
+            <a:lnRef idx="1">
+              <a:schemeClr val="dk1"/>
+            </a:lnRef>
+            <a:fillRef idx="0">
+              <a:schemeClr val="dk1"/>
+            </a:fillRef>
+            <a:effectRef idx="0">
+              <a:schemeClr val="dk1"/>
+            </a:effectRef>
+            <a:fontRef idx="minor">
+              <a:schemeClr val="tx1"/>
+            </a:fontRef>
+          </p:style>
+        </p:cxnSp>
+      </p:grpSp>
+      <p:sp>
+        <p:nvSpPr>
+          <p:cNvPr id="35" name="Rectangle 34">
+            <a:extLst>
+              <a:ext uri="{FF2B5EF4-FFF2-40B4-BE49-F238E27FC236}">
+                <a16:creationId xmlns:a16="http://schemas.microsoft.com/office/drawing/2014/main" id="{3CE9242C-B442-4937-DC6B-1069E8B746F0}"/>
               </a:ext>
             </a:extLst>
           </p:cNvPr>
@@ -14307,70 +14966,8 @@
         </p:nvSpPr>
         <p:spPr>
           <a:xfrm>
-            <a:off x="2995534" y="2973519"/>
-            <a:ext cx="2532812" cy="494480"/>
-          </a:xfrm>
-          <a:prstGeom prst="rect">
-            <a:avLst/>
-          </a:prstGeom>
-          <a:solidFill>
-            <a:schemeClr val="bg1">
-              <a:lumMod val="50000"/>
-            </a:schemeClr>
-          </a:solidFill>
-          <a:ln>
-            <a:solidFill>
-              <a:schemeClr val="tx1">
-                <a:lumMod val="95000"/>
-                <a:lumOff val="5000"/>
-              </a:schemeClr>
-            </a:solidFill>
-          </a:ln>
-        </p:spPr>
-        <p:style>
-          <a:lnRef idx="2">
-            <a:schemeClr val="accent1">
-              <a:shade val="50000"/>
-            </a:schemeClr>
-          </a:lnRef>
-          <a:fillRef idx="1">
-            <a:schemeClr val="accent1"/>
-          </a:fillRef>
-          <a:effectRef idx="0">
-            <a:schemeClr val="accent1"/>
-          </a:effectRef>
-          <a:fontRef idx="minor">
-            <a:schemeClr val="lt1"/>
-          </a:fontRef>
-        </p:style>
-        <p:txBody>
-          <a:bodyPr rtlCol="0" anchor="ctr"/>
-          <a:lstStyle/>
-          <a:p>
-            <a:pPr algn="ctr"/>
-            <a:r>
-              <a:rPr lang="fr-FR" dirty="0"/>
-              <a:t>Email</a:t>
-            </a:r>
-          </a:p>
-        </p:txBody>
-      </p:sp>
-      <p:sp>
-        <p:nvSpPr>
-          <p:cNvPr id="15" name="Rectangle 14">
-            <a:extLst>
-              <a:ext uri="{FF2B5EF4-FFF2-40B4-BE49-F238E27FC236}">
-                <a16:creationId xmlns:a16="http://schemas.microsoft.com/office/drawing/2014/main" id="{6D9ED933-7125-46AB-045F-3358D1456619}"/>
-              </a:ext>
-            </a:extLst>
-          </p:cNvPr>
-          <p:cNvSpPr/>
-          <p:nvPr/>
-        </p:nvSpPr>
-        <p:spPr>
-          <a:xfrm>
-            <a:off x="5528346" y="2955460"/>
-            <a:ext cx="3668120" cy="494480"/>
+            <a:off x="5211167" y="854663"/>
+            <a:ext cx="730500" cy="661745"/>
           </a:xfrm>
           <a:prstGeom prst="rect">
             <a:avLst/>
@@ -14410,17 +15007,112 @@
             <a:pPr algn="ctr"/>
             <a:r>
               <a:rPr lang="fr-FR" dirty="0"/>
-              <a:t>Nom</a:t>
-            </a:r>
-          </a:p>
-        </p:txBody>
-      </p:sp>
-      <p:sp>
-        <p:nvSpPr>
-          <p:cNvPr id="16" name="Rectangle 15">
-            <a:extLst>
-              <a:ext uri="{FF2B5EF4-FFF2-40B4-BE49-F238E27FC236}">
-                <a16:creationId xmlns:a16="http://schemas.microsoft.com/office/drawing/2014/main" id="{29B5C5EB-81F7-9451-4755-A2B2106D7D45}"/>
+              <a:t>Logo</a:t>
+            </a:r>
+          </a:p>
+        </p:txBody>
+      </p:sp>
+      <p:grpSp>
+        <p:nvGrpSpPr>
+          <p:cNvPr id="36" name="Groupe 35">
+            <a:extLst>
+              <a:ext uri="{FF2B5EF4-FFF2-40B4-BE49-F238E27FC236}">
+                <a16:creationId xmlns:a16="http://schemas.microsoft.com/office/drawing/2014/main" id="{BB080950-EDFC-74D9-93D2-6F9FF3DEAB9A}"/>
+              </a:ext>
+            </a:extLst>
+          </p:cNvPr>
+          <p:cNvGrpSpPr/>
+          <p:nvPr/>
+        </p:nvGrpSpPr>
+        <p:grpSpPr>
+          <a:xfrm>
+            <a:off x="5202714" y="854662"/>
+            <a:ext cx="738230" cy="661746"/>
+            <a:chOff x="100668" y="125820"/>
+            <a:chExt cx="1602297" cy="661746"/>
+          </a:xfrm>
+        </p:grpSpPr>
+        <p:cxnSp>
+          <p:nvCxnSpPr>
+            <p:cNvPr id="37" name="Connecteur droit 36">
+              <a:extLst>
+                <a:ext uri="{FF2B5EF4-FFF2-40B4-BE49-F238E27FC236}">
+                  <a16:creationId xmlns:a16="http://schemas.microsoft.com/office/drawing/2014/main" id="{5A5B7BC3-FAC6-8EDF-46AA-D7B5BE33ADB3}"/>
+                </a:ext>
+              </a:extLst>
+            </p:cNvPr>
+            <p:cNvCxnSpPr/>
+            <p:nvPr/>
+          </p:nvCxnSpPr>
+          <p:spPr>
+            <a:xfrm>
+              <a:off x="100668" y="125820"/>
+              <a:ext cx="1602297" cy="661746"/>
+            </a:xfrm>
+            <a:prstGeom prst="line">
+              <a:avLst/>
+            </a:prstGeom>
+          </p:spPr>
+          <p:style>
+            <a:lnRef idx="1">
+              <a:schemeClr val="dk1"/>
+            </a:lnRef>
+            <a:fillRef idx="0">
+              <a:schemeClr val="dk1"/>
+            </a:fillRef>
+            <a:effectRef idx="0">
+              <a:schemeClr val="dk1"/>
+            </a:effectRef>
+            <a:fontRef idx="minor">
+              <a:schemeClr val="tx1"/>
+            </a:fontRef>
+          </p:style>
+        </p:cxnSp>
+        <p:cxnSp>
+          <p:nvCxnSpPr>
+            <p:cNvPr id="38" name="Connecteur droit 37">
+              <a:extLst>
+                <a:ext uri="{FF2B5EF4-FFF2-40B4-BE49-F238E27FC236}">
+                  <a16:creationId xmlns:a16="http://schemas.microsoft.com/office/drawing/2014/main" id="{4C48777A-6662-3DBA-04C2-7405D10CAB97}"/>
+                </a:ext>
+              </a:extLst>
+            </p:cNvPr>
+            <p:cNvCxnSpPr>
+              <a:cxnSpLocks/>
+            </p:cNvCxnSpPr>
+            <p:nvPr/>
+          </p:nvCxnSpPr>
+          <p:spPr>
+            <a:xfrm flipV="1">
+              <a:off x="109122" y="125820"/>
+              <a:ext cx="1593843" cy="661746"/>
+            </a:xfrm>
+            <a:prstGeom prst="line">
+              <a:avLst/>
+            </a:prstGeom>
+          </p:spPr>
+          <p:style>
+            <a:lnRef idx="1">
+              <a:schemeClr val="dk1"/>
+            </a:lnRef>
+            <a:fillRef idx="0">
+              <a:schemeClr val="dk1"/>
+            </a:fillRef>
+            <a:effectRef idx="0">
+              <a:schemeClr val="dk1"/>
+            </a:effectRef>
+            <a:fontRef idx="minor">
+              <a:schemeClr val="tx1"/>
+            </a:fontRef>
+          </p:style>
+        </p:cxnSp>
+      </p:grpSp>
+      <p:sp>
+        <p:nvSpPr>
+          <p:cNvPr id="43" name="Rectangle 42">
+            <a:extLst>
+              <a:ext uri="{FF2B5EF4-FFF2-40B4-BE49-F238E27FC236}">
+                <a16:creationId xmlns:a16="http://schemas.microsoft.com/office/drawing/2014/main" id="{3E49A689-6FC3-015B-AA45-9C958EC42EE1}"/>
               </a:ext>
             </a:extLst>
           </p:cNvPr>
@@ -14429,8 +15121,8 @@
         </p:nvSpPr>
         <p:spPr>
           <a:xfrm>
-            <a:off x="2995534" y="3565900"/>
-            <a:ext cx="2532812" cy="494480"/>
+            <a:off x="5374630" y="1741578"/>
+            <a:ext cx="2259478" cy="2746531"/>
           </a:xfrm>
           <a:prstGeom prst="rect">
             <a:avLst/>
@@ -14470,19 +15162,75 @@
           <a:lstStyle/>
           <a:p>
             <a:pPr algn="ctr"/>
+            <a:endParaRPr lang="fr-FR" dirty="0"/>
+          </a:p>
+          <a:p>
+            <a:pPr algn="ctr"/>
+            <a:endParaRPr lang="fr-FR" dirty="0"/>
+          </a:p>
+          <a:p>
+            <a:pPr algn="ctr"/>
             <a:r>
               <a:rPr lang="fr-FR" dirty="0"/>
-              <a:t>Téléphone</a:t>
-            </a:r>
-          </a:p>
-        </p:txBody>
-      </p:sp>
-      <p:sp>
-        <p:nvSpPr>
-          <p:cNvPr id="17" name="Rectangle 16">
-            <a:extLst>
-              <a:ext uri="{FF2B5EF4-FFF2-40B4-BE49-F238E27FC236}">
-                <a16:creationId xmlns:a16="http://schemas.microsoft.com/office/drawing/2014/main" id="{18B314F3-03A8-2FA3-EA16-720D438B8EF4}"/>
+              <a:t>Véhicule</a:t>
+            </a:r>
+          </a:p>
+          <a:p>
+            <a:pPr algn="ctr"/>
+            <a:endParaRPr lang="fr-FR" dirty="0"/>
+          </a:p>
+          <a:p>
+            <a:pPr algn="ctr"/>
+            <a:endParaRPr lang="fr-FR" dirty="0"/>
+          </a:p>
+          <a:p>
+            <a:pPr algn="ctr"/>
+            <a:endParaRPr lang="fr-FR" dirty="0"/>
+          </a:p>
+          <a:p>
+            <a:r>
+              <a:rPr lang="fr-FR" dirty="0"/>
+              <a:t>            Véhicule</a:t>
+            </a:r>
+          </a:p>
+          <a:p>
+            <a:endParaRPr lang="fr-FR" sz="1400" i="1" dirty="0"/>
+          </a:p>
+          <a:p>
+            <a:r>
+              <a:rPr lang="fr-FR" sz="1400" i="1" dirty="0"/>
+              <a:t>Prix : 10 000€ </a:t>
+            </a:r>
+          </a:p>
+          <a:p>
+            <a:r>
+              <a:rPr lang="fr-FR" sz="1400" i="1" dirty="0"/>
+              <a:t>Année : 2005</a:t>
+            </a:r>
+          </a:p>
+          <a:p>
+            <a:r>
+              <a:rPr lang="fr-FR" sz="1400" i="1" dirty="0"/>
+              <a:t>Kilométrage : 1 000 km</a:t>
+            </a:r>
+            <a:endParaRPr lang="fr-FR" dirty="0"/>
+          </a:p>
+          <a:p>
+            <a:pPr algn="ctr"/>
+            <a:endParaRPr lang="fr-FR" dirty="0"/>
+          </a:p>
+          <a:p>
+            <a:pPr algn="ctr"/>
+            <a:endParaRPr lang="fr-FR" dirty="0"/>
+          </a:p>
+        </p:txBody>
+      </p:sp>
+      <p:sp>
+        <p:nvSpPr>
+          <p:cNvPr id="44" name="Rectangle 43">
+            <a:extLst>
+              <a:ext uri="{FF2B5EF4-FFF2-40B4-BE49-F238E27FC236}">
+                <a16:creationId xmlns:a16="http://schemas.microsoft.com/office/drawing/2014/main" id="{C33A566E-2296-65B6-DA03-0FF18CB3F8FD}"/>
               </a:ext>
             </a:extLst>
           </p:cNvPr>
@@ -14491,8 +15239,8 @@
         </p:nvSpPr>
         <p:spPr>
           <a:xfrm>
-            <a:off x="5528346" y="3547841"/>
-            <a:ext cx="3668120" cy="494480"/>
+            <a:off x="5383084" y="1737545"/>
+            <a:ext cx="2259478" cy="1299270"/>
           </a:xfrm>
           <a:prstGeom prst="rect">
             <a:avLst/>
@@ -14532,17 +15280,112 @@
             <a:pPr algn="ctr"/>
             <a:r>
               <a:rPr lang="fr-FR" dirty="0"/>
-              <a:t>Nom</a:t>
-            </a:r>
-          </a:p>
-        </p:txBody>
-      </p:sp>
-      <p:sp>
-        <p:nvSpPr>
-          <p:cNvPr id="18" name="Rectangle 17">
-            <a:extLst>
-              <a:ext uri="{FF2B5EF4-FFF2-40B4-BE49-F238E27FC236}">
-                <a16:creationId xmlns:a16="http://schemas.microsoft.com/office/drawing/2014/main" id="{1745BE07-1779-B494-9B58-14B9D62D5B33}"/>
+              <a:t>Logo</a:t>
+            </a:r>
+          </a:p>
+        </p:txBody>
+      </p:sp>
+      <p:grpSp>
+        <p:nvGrpSpPr>
+          <p:cNvPr id="45" name="Groupe 44">
+            <a:extLst>
+              <a:ext uri="{FF2B5EF4-FFF2-40B4-BE49-F238E27FC236}">
+                <a16:creationId xmlns:a16="http://schemas.microsoft.com/office/drawing/2014/main" id="{A9C32322-BDD0-7597-4B89-4C55B1325E45}"/>
+              </a:ext>
+            </a:extLst>
+          </p:cNvPr>
+          <p:cNvGrpSpPr/>
+          <p:nvPr/>
+        </p:nvGrpSpPr>
+        <p:grpSpPr>
+          <a:xfrm>
+            <a:off x="5374630" y="1737544"/>
+            <a:ext cx="2283386" cy="1299272"/>
+            <a:chOff x="100668" y="125820"/>
+            <a:chExt cx="1602297" cy="661746"/>
+          </a:xfrm>
+        </p:grpSpPr>
+        <p:cxnSp>
+          <p:nvCxnSpPr>
+            <p:cNvPr id="46" name="Connecteur droit 45">
+              <a:extLst>
+                <a:ext uri="{FF2B5EF4-FFF2-40B4-BE49-F238E27FC236}">
+                  <a16:creationId xmlns:a16="http://schemas.microsoft.com/office/drawing/2014/main" id="{55352F99-6566-70BA-06B7-EBF812AFDE88}"/>
+                </a:ext>
+              </a:extLst>
+            </p:cNvPr>
+            <p:cNvCxnSpPr/>
+            <p:nvPr/>
+          </p:nvCxnSpPr>
+          <p:spPr>
+            <a:xfrm>
+              <a:off x="100668" y="125820"/>
+              <a:ext cx="1602297" cy="661746"/>
+            </a:xfrm>
+            <a:prstGeom prst="line">
+              <a:avLst/>
+            </a:prstGeom>
+          </p:spPr>
+          <p:style>
+            <a:lnRef idx="1">
+              <a:schemeClr val="dk1"/>
+            </a:lnRef>
+            <a:fillRef idx="0">
+              <a:schemeClr val="dk1"/>
+            </a:fillRef>
+            <a:effectRef idx="0">
+              <a:schemeClr val="dk1"/>
+            </a:effectRef>
+            <a:fontRef idx="minor">
+              <a:schemeClr val="tx1"/>
+            </a:fontRef>
+          </p:style>
+        </p:cxnSp>
+        <p:cxnSp>
+          <p:nvCxnSpPr>
+            <p:cNvPr id="47" name="Connecteur droit 46">
+              <a:extLst>
+                <a:ext uri="{FF2B5EF4-FFF2-40B4-BE49-F238E27FC236}">
+                  <a16:creationId xmlns:a16="http://schemas.microsoft.com/office/drawing/2014/main" id="{0F099F3F-1243-C1D6-6B90-713A1C5671A3}"/>
+                </a:ext>
+              </a:extLst>
+            </p:cNvPr>
+            <p:cNvCxnSpPr>
+              <a:cxnSpLocks/>
+            </p:cNvCxnSpPr>
+            <p:nvPr/>
+          </p:nvCxnSpPr>
+          <p:spPr>
+            <a:xfrm flipV="1">
+              <a:off x="109122" y="125820"/>
+              <a:ext cx="1593843" cy="661746"/>
+            </a:xfrm>
+            <a:prstGeom prst="line">
+              <a:avLst/>
+            </a:prstGeom>
+          </p:spPr>
+          <p:style>
+            <a:lnRef idx="1">
+              <a:schemeClr val="dk1"/>
+            </a:lnRef>
+            <a:fillRef idx="0">
+              <a:schemeClr val="dk1"/>
+            </a:fillRef>
+            <a:effectRef idx="0">
+              <a:schemeClr val="dk1"/>
+            </a:effectRef>
+            <a:fontRef idx="minor">
+              <a:schemeClr val="tx1"/>
+            </a:fontRef>
+          </p:style>
+        </p:cxnSp>
+      </p:grpSp>
+      <p:sp>
+        <p:nvSpPr>
+          <p:cNvPr id="48" name="Rectangle 47">
+            <a:extLst>
+              <a:ext uri="{FF2B5EF4-FFF2-40B4-BE49-F238E27FC236}">
+                <a16:creationId xmlns:a16="http://schemas.microsoft.com/office/drawing/2014/main" id="{2BA28FB1-C1B0-493A-F6A1-07B508A6F8DE}"/>
               </a:ext>
             </a:extLst>
           </p:cNvPr>
@@ -14551,70 +15394,8 @@
         </p:nvSpPr>
         <p:spPr>
           <a:xfrm>
-            <a:off x="2995534" y="4158281"/>
-            <a:ext cx="2532812" cy="494480"/>
-          </a:xfrm>
-          <a:prstGeom prst="rect">
-            <a:avLst/>
-          </a:prstGeom>
-          <a:solidFill>
-            <a:schemeClr val="bg1">
-              <a:lumMod val="50000"/>
-            </a:schemeClr>
-          </a:solidFill>
-          <a:ln>
-            <a:solidFill>
-              <a:schemeClr val="tx1">
-                <a:lumMod val="95000"/>
-                <a:lumOff val="5000"/>
-              </a:schemeClr>
-            </a:solidFill>
-          </a:ln>
-        </p:spPr>
-        <p:style>
-          <a:lnRef idx="2">
-            <a:schemeClr val="accent1">
-              <a:shade val="50000"/>
-            </a:schemeClr>
-          </a:lnRef>
-          <a:fillRef idx="1">
-            <a:schemeClr val="accent1"/>
-          </a:fillRef>
-          <a:effectRef idx="0">
-            <a:schemeClr val="accent1"/>
-          </a:effectRef>
-          <a:fontRef idx="minor">
-            <a:schemeClr val="lt1"/>
-          </a:fontRef>
-        </p:style>
-        <p:txBody>
-          <a:bodyPr rtlCol="0" anchor="ctr"/>
-          <a:lstStyle/>
-          <a:p>
-            <a:pPr algn="ctr"/>
-            <a:r>
-              <a:rPr lang="fr-FR" dirty="0"/>
-              <a:t>Message</a:t>
-            </a:r>
-          </a:p>
-        </p:txBody>
-      </p:sp>
-      <p:sp>
-        <p:nvSpPr>
-          <p:cNvPr id="19" name="Rectangle 18">
-            <a:extLst>
-              <a:ext uri="{FF2B5EF4-FFF2-40B4-BE49-F238E27FC236}">
-                <a16:creationId xmlns:a16="http://schemas.microsoft.com/office/drawing/2014/main" id="{F0B101F4-8629-499A-3454-EFC515B588CC}"/>
-              </a:ext>
-            </a:extLst>
-          </p:cNvPr>
-          <p:cNvSpPr/>
-          <p:nvPr/>
-        </p:nvSpPr>
-        <p:spPr>
-          <a:xfrm>
-            <a:off x="5528346" y="4170945"/>
-            <a:ext cx="3668120" cy="1608676"/>
+            <a:off x="8806770" y="1713300"/>
+            <a:ext cx="2607216" cy="1320956"/>
           </a:xfrm>
           <a:prstGeom prst="rect">
             <a:avLst/>
@@ -14654,137 +15435,110 @@
             <a:pPr algn="ctr"/>
             <a:r>
               <a:rPr lang="fr-FR" dirty="0"/>
-              <a:t>Nom</a:t>
-            </a:r>
-          </a:p>
-        </p:txBody>
-      </p:sp>
-      <p:sp>
-        <p:nvSpPr>
-          <p:cNvPr id="20" name="Rectangle 19">
-            <a:extLst>
-              <a:ext uri="{FF2B5EF4-FFF2-40B4-BE49-F238E27FC236}">
-                <a16:creationId xmlns:a16="http://schemas.microsoft.com/office/drawing/2014/main" id="{07B107CC-2C17-9718-47C6-C5F61870C0DF}"/>
-              </a:ext>
-            </a:extLst>
-          </p:cNvPr>
-          <p:cNvSpPr/>
-          <p:nvPr/>
-        </p:nvSpPr>
-        <p:spPr>
-          <a:xfrm>
-            <a:off x="2995534" y="1142895"/>
-            <a:ext cx="2532812" cy="494480"/>
-          </a:xfrm>
-          <a:prstGeom prst="rect">
-            <a:avLst/>
-          </a:prstGeom>
-          <a:solidFill>
-            <a:schemeClr val="bg1">
-              <a:lumMod val="50000"/>
-            </a:schemeClr>
-          </a:solidFill>
-          <a:ln>
-            <a:solidFill>
-              <a:schemeClr val="tx1">
-                <a:lumMod val="95000"/>
-                <a:lumOff val="5000"/>
-              </a:schemeClr>
-            </a:solidFill>
-          </a:ln>
-        </p:spPr>
-        <p:style>
-          <a:lnRef idx="2">
-            <a:schemeClr val="accent1">
-              <a:shade val="50000"/>
-            </a:schemeClr>
-          </a:lnRef>
-          <a:fillRef idx="1">
-            <a:schemeClr val="accent1"/>
-          </a:fillRef>
-          <a:effectRef idx="0">
-            <a:schemeClr val="accent1"/>
-          </a:effectRef>
-          <a:fontRef idx="minor">
-            <a:schemeClr val="lt1"/>
-          </a:fontRef>
-        </p:style>
-        <p:txBody>
-          <a:bodyPr rtlCol="0" anchor="ctr"/>
-          <a:lstStyle/>
-          <a:p>
-            <a:pPr algn="ctr"/>
-            <a:r>
-              <a:rPr lang="fr-FR" dirty="0"/>
-              <a:t>Sujet</a:t>
-            </a:r>
-          </a:p>
-        </p:txBody>
-      </p:sp>
-      <p:sp>
-        <p:nvSpPr>
-          <p:cNvPr id="21" name="Rectangle 20">
-            <a:extLst>
-              <a:ext uri="{FF2B5EF4-FFF2-40B4-BE49-F238E27FC236}">
-                <a16:creationId xmlns:a16="http://schemas.microsoft.com/office/drawing/2014/main" id="{E402F11A-DEB3-9B2E-4898-4DE77D7C5445}"/>
-              </a:ext>
-            </a:extLst>
-          </p:cNvPr>
-          <p:cNvSpPr/>
-          <p:nvPr/>
-        </p:nvSpPr>
-        <p:spPr>
-          <a:xfrm>
-            <a:off x="5528346" y="1142895"/>
-            <a:ext cx="3668120" cy="494480"/>
-          </a:xfrm>
-          <a:prstGeom prst="rect">
-            <a:avLst/>
-          </a:prstGeom>
-          <a:solidFill>
-            <a:schemeClr val="bg1"/>
-          </a:solidFill>
-          <a:ln>
-            <a:solidFill>
-              <a:schemeClr val="tx1">
-                <a:lumMod val="95000"/>
-                <a:lumOff val="5000"/>
-              </a:schemeClr>
-            </a:solidFill>
-          </a:ln>
-        </p:spPr>
-        <p:style>
-          <a:lnRef idx="2">
-            <a:schemeClr val="accent1">
-              <a:shade val="50000"/>
-            </a:schemeClr>
-          </a:lnRef>
-          <a:fillRef idx="1">
-            <a:schemeClr val="accent1"/>
-          </a:fillRef>
-          <a:effectRef idx="0">
-            <a:schemeClr val="accent1"/>
-          </a:effectRef>
-          <a:fontRef idx="minor">
-            <a:schemeClr val="lt1"/>
-          </a:fontRef>
-        </p:style>
-        <p:txBody>
-          <a:bodyPr rtlCol="0" anchor="ctr"/>
-          <a:lstStyle/>
-          <a:p>
-            <a:pPr algn="ctr"/>
-            <a:r>
-              <a:rPr lang="fr-FR" dirty="0"/>
-              <a:t>Nom</a:t>
-            </a:r>
-          </a:p>
-        </p:txBody>
-      </p:sp>
+              <a:t>Logo</a:t>
+            </a:r>
+          </a:p>
+        </p:txBody>
+      </p:sp>
+      <p:grpSp>
+        <p:nvGrpSpPr>
+          <p:cNvPr id="49" name="Groupe 48">
+            <a:extLst>
+              <a:ext uri="{FF2B5EF4-FFF2-40B4-BE49-F238E27FC236}">
+                <a16:creationId xmlns:a16="http://schemas.microsoft.com/office/drawing/2014/main" id="{729369CD-8A66-611B-7105-97AB2F7954B8}"/>
+              </a:ext>
+            </a:extLst>
+          </p:cNvPr>
+          <p:cNvGrpSpPr/>
+          <p:nvPr/>
+        </p:nvGrpSpPr>
+        <p:grpSpPr>
+          <a:xfrm>
+            <a:off x="8811264" y="1703119"/>
+            <a:ext cx="2634805" cy="1320958"/>
+            <a:chOff x="100668" y="125820"/>
+            <a:chExt cx="1602297" cy="661746"/>
+          </a:xfrm>
+        </p:grpSpPr>
+        <p:cxnSp>
+          <p:nvCxnSpPr>
+            <p:cNvPr id="50" name="Connecteur droit 49">
+              <a:extLst>
+                <a:ext uri="{FF2B5EF4-FFF2-40B4-BE49-F238E27FC236}">
+                  <a16:creationId xmlns:a16="http://schemas.microsoft.com/office/drawing/2014/main" id="{B79E6EA3-48CC-AF50-135D-234079CAEF19}"/>
+                </a:ext>
+              </a:extLst>
+            </p:cNvPr>
+            <p:cNvCxnSpPr/>
+            <p:nvPr/>
+          </p:nvCxnSpPr>
+          <p:spPr>
+            <a:xfrm>
+              <a:off x="100668" y="125820"/>
+              <a:ext cx="1602297" cy="661746"/>
+            </a:xfrm>
+            <a:prstGeom prst="line">
+              <a:avLst/>
+            </a:prstGeom>
+          </p:spPr>
+          <p:style>
+            <a:lnRef idx="1">
+              <a:schemeClr val="dk1"/>
+            </a:lnRef>
+            <a:fillRef idx="0">
+              <a:schemeClr val="dk1"/>
+            </a:fillRef>
+            <a:effectRef idx="0">
+              <a:schemeClr val="dk1"/>
+            </a:effectRef>
+            <a:fontRef idx="minor">
+              <a:schemeClr val="tx1"/>
+            </a:fontRef>
+          </p:style>
+        </p:cxnSp>
+        <p:cxnSp>
+          <p:nvCxnSpPr>
+            <p:cNvPr id="51" name="Connecteur droit 50">
+              <a:extLst>
+                <a:ext uri="{FF2B5EF4-FFF2-40B4-BE49-F238E27FC236}">
+                  <a16:creationId xmlns:a16="http://schemas.microsoft.com/office/drawing/2014/main" id="{0281CCF2-9B89-7331-FCDF-4777B2944A85}"/>
+                </a:ext>
+              </a:extLst>
+            </p:cNvPr>
+            <p:cNvCxnSpPr>
+              <a:cxnSpLocks/>
+            </p:cNvCxnSpPr>
+            <p:nvPr/>
+          </p:nvCxnSpPr>
+          <p:spPr>
+            <a:xfrm flipV="1">
+              <a:off x="109122" y="125820"/>
+              <a:ext cx="1593843" cy="661746"/>
+            </a:xfrm>
+            <a:prstGeom prst="line">
+              <a:avLst/>
+            </a:prstGeom>
+          </p:spPr>
+          <p:style>
+            <a:lnRef idx="1">
+              <a:schemeClr val="dk1"/>
+            </a:lnRef>
+            <a:fillRef idx="0">
+              <a:schemeClr val="dk1"/>
+            </a:fillRef>
+            <a:effectRef idx="0">
+              <a:schemeClr val="dk1"/>
+            </a:effectRef>
+            <a:fontRef idx="minor">
+              <a:schemeClr val="tx1"/>
+            </a:fontRef>
+          </p:style>
+        </p:cxnSp>
+      </p:grpSp>
     </p:spTree>
     <p:extLst>
       <p:ext uri="{BB962C8B-B14F-4D97-AF65-F5344CB8AC3E}">
-        <p14:creationId xmlns:p14="http://schemas.microsoft.com/office/powerpoint/2010/main" val="3612715377"/>
+        <p14:creationId xmlns:p14="http://schemas.microsoft.com/office/powerpoint/2010/main" val="3943588765"/>
       </p:ext>
     </p:extLst>
   </p:cSld>
@@ -14825,8 +15579,8 @@
         </p:nvSpPr>
         <p:spPr>
           <a:xfrm>
-            <a:off x="2745698" y="1216404"/>
-            <a:ext cx="6700603" cy="4697835"/>
+            <a:off x="2745698" y="298845"/>
+            <a:ext cx="6700603" cy="6261345"/>
           </a:xfrm>
           <a:prstGeom prst="rect">
             <a:avLst/>
@@ -14868,10 +15622,10 @@
       </p:sp>
       <p:sp>
         <p:nvSpPr>
-          <p:cNvPr id="10" name="Rectangle 9">
-            <a:extLst>
-              <a:ext uri="{FF2B5EF4-FFF2-40B4-BE49-F238E27FC236}">
-                <a16:creationId xmlns:a16="http://schemas.microsoft.com/office/drawing/2014/main" id="{CB005456-2DF5-42F4-9212-E99AE26E711A}"/>
+          <p:cNvPr id="8" name="Rectangle 7">
+            <a:extLst>
+              <a:ext uri="{FF2B5EF4-FFF2-40B4-BE49-F238E27FC236}">
+                <a16:creationId xmlns:a16="http://schemas.microsoft.com/office/drawing/2014/main" id="{24F324FC-C37E-467A-BFF9-CA0E3C73D178}"/>
               </a:ext>
             </a:extLst>
           </p:cNvPr>
@@ -14880,8 +15634,8 @@
         </p:nvSpPr>
         <p:spPr>
           <a:xfrm>
-            <a:off x="4799349" y="5002065"/>
-            <a:ext cx="2593299" cy="494480"/>
+            <a:off x="2995534" y="1770554"/>
+            <a:ext cx="2532812" cy="494480"/>
           </a:xfrm>
           <a:prstGeom prst="rect">
             <a:avLst/>
@@ -14923,17 +15677,17 @@
             <a:pPr algn="ctr"/>
             <a:r>
               <a:rPr lang="fr-FR" dirty="0"/>
-              <a:t>Témoigner</a:t>
-            </a:r>
-          </a:p>
-        </p:txBody>
-      </p:sp>
-      <p:sp>
-        <p:nvSpPr>
-          <p:cNvPr id="11" name="Rectangle 10">
-            <a:extLst>
-              <a:ext uri="{FF2B5EF4-FFF2-40B4-BE49-F238E27FC236}">
-                <a16:creationId xmlns:a16="http://schemas.microsoft.com/office/drawing/2014/main" id="{C3EE19EF-B95D-41DA-A630-9B7E94BAA072}"/>
+              <a:t>Nom</a:t>
+            </a:r>
+          </a:p>
+        </p:txBody>
+      </p:sp>
+      <p:sp>
+        <p:nvSpPr>
+          <p:cNvPr id="9" name="Rectangle 8">
+            <a:extLst>
+              <a:ext uri="{FF2B5EF4-FFF2-40B4-BE49-F238E27FC236}">
+                <a16:creationId xmlns:a16="http://schemas.microsoft.com/office/drawing/2014/main" id="{ADD7B468-7595-4BEF-AF5F-88FC77AF3D29}"/>
               </a:ext>
             </a:extLst>
           </p:cNvPr>
@@ -14942,15 +15696,15 @@
         </p:nvSpPr>
         <p:spPr>
           <a:xfrm>
-            <a:off x="2995534" y="1608695"/>
-            <a:ext cx="6200932" cy="494480"/>
+            <a:off x="2995534" y="2398213"/>
+            <a:ext cx="2532812" cy="494480"/>
           </a:xfrm>
           <a:prstGeom prst="rect">
             <a:avLst/>
           </a:prstGeom>
           <a:solidFill>
             <a:schemeClr val="bg1">
-              <a:lumMod val="95000"/>
+              <a:lumMod val="50000"/>
             </a:schemeClr>
           </a:solidFill>
           <a:ln>
@@ -14984,25 +15738,18 @@
           <a:p>
             <a:pPr algn="ctr"/>
             <a:r>
-              <a:rPr lang="fr-FR" dirty="0">
-                <a:solidFill>
-                  <a:schemeClr val="tx1">
-                    <a:lumMod val="95000"/>
-                    <a:lumOff val="5000"/>
-                  </a:schemeClr>
-                </a:solidFill>
-              </a:rPr>
-              <a:t>Témoignage</a:t>
-            </a:r>
-          </a:p>
-        </p:txBody>
-      </p:sp>
-      <p:sp>
-        <p:nvSpPr>
-          <p:cNvPr id="14" name="Rectangle 13">
-            <a:extLst>
-              <a:ext uri="{FF2B5EF4-FFF2-40B4-BE49-F238E27FC236}">
-                <a16:creationId xmlns:a16="http://schemas.microsoft.com/office/drawing/2014/main" id="{C806DFED-AB2F-4609-9B1F-79899B4269FF}"/>
+              <a:rPr lang="fr-FR" dirty="0"/>
+              <a:t>Prénom</a:t>
+            </a:r>
+          </a:p>
+        </p:txBody>
+      </p:sp>
+      <p:sp>
+        <p:nvSpPr>
+          <p:cNvPr id="10" name="Rectangle 9">
+            <a:extLst>
+              <a:ext uri="{FF2B5EF4-FFF2-40B4-BE49-F238E27FC236}">
+                <a16:creationId xmlns:a16="http://schemas.microsoft.com/office/drawing/2014/main" id="{CB005456-2DF5-42F4-9212-E99AE26E711A}"/>
               </a:ext>
             </a:extLst>
           </p:cNvPr>
@@ -15011,8 +15758,8 @@
         </p:nvSpPr>
         <p:spPr>
           <a:xfrm>
-            <a:off x="2995534" y="2335955"/>
-            <a:ext cx="2532812" cy="494480"/>
+            <a:off x="4799348" y="5898970"/>
+            <a:ext cx="2593299" cy="494480"/>
           </a:xfrm>
           <a:prstGeom prst="rect">
             <a:avLst/>
@@ -15054,17 +15801,17 @@
             <a:pPr algn="ctr"/>
             <a:r>
               <a:rPr lang="fr-FR" dirty="0"/>
-              <a:t>Nom</a:t>
-            </a:r>
-          </a:p>
-        </p:txBody>
-      </p:sp>
-      <p:sp>
-        <p:nvSpPr>
-          <p:cNvPr id="15" name="Rectangle 14">
-            <a:extLst>
-              <a:ext uri="{FF2B5EF4-FFF2-40B4-BE49-F238E27FC236}">
-                <a16:creationId xmlns:a16="http://schemas.microsoft.com/office/drawing/2014/main" id="{6D9ED933-7125-46AB-045F-3358D1456619}"/>
+              <a:t>Envoyer</a:t>
+            </a:r>
+          </a:p>
+        </p:txBody>
+      </p:sp>
+      <p:sp>
+        <p:nvSpPr>
+          <p:cNvPr id="11" name="Rectangle 10">
+            <a:extLst>
+              <a:ext uri="{FF2B5EF4-FFF2-40B4-BE49-F238E27FC236}">
+                <a16:creationId xmlns:a16="http://schemas.microsoft.com/office/drawing/2014/main" id="{C3EE19EF-B95D-41DA-A630-9B7E94BAA072}"/>
               </a:ext>
             </a:extLst>
           </p:cNvPr>
@@ -15073,7 +15820,76 @@
         </p:nvSpPr>
         <p:spPr>
           <a:xfrm>
-            <a:off x="5528346" y="2326285"/>
+            <a:off x="2995534" y="464550"/>
+            <a:ext cx="6200932" cy="494480"/>
+          </a:xfrm>
+          <a:prstGeom prst="rect">
+            <a:avLst/>
+          </a:prstGeom>
+          <a:solidFill>
+            <a:schemeClr val="bg1">
+              <a:lumMod val="95000"/>
+            </a:schemeClr>
+          </a:solidFill>
+          <a:ln>
+            <a:solidFill>
+              <a:schemeClr val="tx1">
+                <a:lumMod val="95000"/>
+                <a:lumOff val="5000"/>
+              </a:schemeClr>
+            </a:solidFill>
+          </a:ln>
+        </p:spPr>
+        <p:style>
+          <a:lnRef idx="2">
+            <a:schemeClr val="accent1">
+              <a:shade val="50000"/>
+            </a:schemeClr>
+          </a:lnRef>
+          <a:fillRef idx="1">
+            <a:schemeClr val="accent1"/>
+          </a:fillRef>
+          <a:effectRef idx="0">
+            <a:schemeClr val="accent1"/>
+          </a:effectRef>
+          <a:fontRef idx="minor">
+            <a:schemeClr val="lt1"/>
+          </a:fontRef>
+        </p:style>
+        <p:txBody>
+          <a:bodyPr rtlCol="0" anchor="ctr"/>
+          <a:lstStyle/>
+          <a:p>
+            <a:pPr algn="ctr"/>
+            <a:r>
+              <a:rPr lang="fr-FR" dirty="0">
+                <a:solidFill>
+                  <a:schemeClr val="tx1">
+                    <a:lumMod val="95000"/>
+                    <a:lumOff val="5000"/>
+                  </a:schemeClr>
+                </a:solidFill>
+              </a:rPr>
+              <a:t>Formulaire de contact</a:t>
+            </a:r>
+          </a:p>
+        </p:txBody>
+      </p:sp>
+      <p:sp>
+        <p:nvSpPr>
+          <p:cNvPr id="5" name="Rectangle 4">
+            <a:extLst>
+              <a:ext uri="{FF2B5EF4-FFF2-40B4-BE49-F238E27FC236}">
+                <a16:creationId xmlns:a16="http://schemas.microsoft.com/office/drawing/2014/main" id="{69975996-7430-0143-8B61-7B1EF35B5B11}"/>
+              </a:ext>
+            </a:extLst>
+          </p:cNvPr>
+          <p:cNvSpPr/>
+          <p:nvPr/>
+        </p:nvSpPr>
+        <p:spPr>
+          <a:xfrm>
+            <a:off x="5528346" y="1770554"/>
             <a:ext cx="3668120" cy="494480"/>
           </a:xfrm>
           <a:prstGeom prst="rect">
@@ -15121,10 +15937,10 @@
       </p:sp>
       <p:sp>
         <p:nvSpPr>
-          <p:cNvPr id="16" name="Rectangle 15">
-            <a:extLst>
-              <a:ext uri="{FF2B5EF4-FFF2-40B4-BE49-F238E27FC236}">
-                <a16:creationId xmlns:a16="http://schemas.microsoft.com/office/drawing/2014/main" id="{29B5C5EB-81F7-9451-4755-A2B2106D7D45}"/>
+          <p:cNvPr id="6" name="Rectangle 5">
+            <a:extLst>
+              <a:ext uri="{FF2B5EF4-FFF2-40B4-BE49-F238E27FC236}">
+                <a16:creationId xmlns:a16="http://schemas.microsoft.com/office/drawing/2014/main" id="{6A21BB22-B939-2C24-BAEC-E59769703740}"/>
               </a:ext>
             </a:extLst>
           </p:cNvPr>
@@ -15133,70 +15949,8 @@
         </p:nvSpPr>
         <p:spPr>
           <a:xfrm>
-            <a:off x="2995534" y="2928336"/>
-            <a:ext cx="2532812" cy="494480"/>
-          </a:xfrm>
-          <a:prstGeom prst="rect">
-            <a:avLst/>
-          </a:prstGeom>
-          <a:solidFill>
-            <a:schemeClr val="bg1">
-              <a:lumMod val="50000"/>
-            </a:schemeClr>
-          </a:solidFill>
-          <a:ln>
-            <a:solidFill>
-              <a:schemeClr val="tx1">
-                <a:lumMod val="95000"/>
-                <a:lumOff val="5000"/>
-              </a:schemeClr>
-            </a:solidFill>
-          </a:ln>
-        </p:spPr>
-        <p:style>
-          <a:lnRef idx="2">
-            <a:schemeClr val="accent1">
-              <a:shade val="50000"/>
-            </a:schemeClr>
-          </a:lnRef>
-          <a:fillRef idx="1">
-            <a:schemeClr val="accent1"/>
-          </a:fillRef>
-          <a:effectRef idx="0">
-            <a:schemeClr val="accent1"/>
-          </a:effectRef>
-          <a:fontRef idx="minor">
-            <a:schemeClr val="lt1"/>
-          </a:fontRef>
-        </p:style>
-        <p:txBody>
-          <a:bodyPr rtlCol="0" anchor="ctr"/>
-          <a:lstStyle/>
-          <a:p>
-            <a:pPr algn="ctr"/>
-            <a:r>
-              <a:rPr lang="fr-FR" dirty="0"/>
-              <a:t>Commentaire</a:t>
-            </a:r>
-          </a:p>
-        </p:txBody>
-      </p:sp>
-      <p:sp>
-        <p:nvSpPr>
-          <p:cNvPr id="17" name="Rectangle 16">
-            <a:extLst>
-              <a:ext uri="{FF2B5EF4-FFF2-40B4-BE49-F238E27FC236}">
-                <a16:creationId xmlns:a16="http://schemas.microsoft.com/office/drawing/2014/main" id="{18B314F3-03A8-2FA3-EA16-720D438B8EF4}"/>
-              </a:ext>
-            </a:extLst>
-          </p:cNvPr>
-          <p:cNvSpPr/>
-          <p:nvPr/>
-        </p:nvSpPr>
-        <p:spPr>
-          <a:xfrm>
-            <a:off x="5528346" y="2930675"/>
-            <a:ext cx="3668120" cy="1062484"/>
+            <a:off x="5528346" y="2380154"/>
+            <a:ext cx="3668120" cy="494480"/>
           </a:xfrm>
           <a:prstGeom prst="rect">
             <a:avLst/>
@@ -15243,10 +15997,10 @@
       </p:sp>
       <p:sp>
         <p:nvSpPr>
-          <p:cNvPr id="2" name="Étoile : 5 branches 1">
-            <a:extLst>
-              <a:ext uri="{FF2B5EF4-FFF2-40B4-BE49-F238E27FC236}">
-                <a16:creationId xmlns:a16="http://schemas.microsoft.com/office/drawing/2014/main" id="{350CFC1A-8DFE-5C70-5782-67CF27993088}"/>
+          <p:cNvPr id="14" name="Rectangle 13">
+            <a:extLst>
+              <a:ext uri="{FF2B5EF4-FFF2-40B4-BE49-F238E27FC236}">
+                <a16:creationId xmlns:a16="http://schemas.microsoft.com/office/drawing/2014/main" id="{C806DFED-AB2F-4609-9B1F-79899B4269FF}"/>
               </a:ext>
             </a:extLst>
           </p:cNvPr>
@@ -15255,22 +16009,30 @@
         </p:nvSpPr>
         <p:spPr>
           <a:xfrm>
-            <a:off x="4990052" y="4175478"/>
-            <a:ext cx="595618" cy="535164"/>
-          </a:xfrm>
-          <a:prstGeom prst="star5">
+            <a:off x="2995534" y="2973519"/>
+            <a:ext cx="2532812" cy="494480"/>
+          </a:xfrm>
+          <a:prstGeom prst="rect">
             <a:avLst/>
           </a:prstGeom>
           <a:solidFill>
             <a:schemeClr val="bg1">
-              <a:lumMod val="65000"/>
+              <a:lumMod val="50000"/>
             </a:schemeClr>
           </a:solidFill>
+          <a:ln>
+            <a:solidFill>
+              <a:schemeClr val="tx1">
+                <a:lumMod val="95000"/>
+                <a:lumOff val="5000"/>
+              </a:schemeClr>
+            </a:solidFill>
+          </a:ln>
         </p:spPr>
         <p:style>
           <a:lnRef idx="2">
             <a:schemeClr val="accent1">
-              <a:shade val="15000"/>
+              <a:shade val="50000"/>
             </a:schemeClr>
           </a:lnRef>
           <a:fillRef idx="1">
@@ -15288,16 +16050,19 @@
           <a:lstStyle/>
           <a:p>
             <a:pPr algn="ctr"/>
-            <a:endParaRPr lang="fr-FR"/>
-          </a:p>
-        </p:txBody>
-      </p:sp>
-      <p:sp>
-        <p:nvSpPr>
-          <p:cNvPr id="3" name="Étoile : 5 branches 2">
-            <a:extLst>
-              <a:ext uri="{FF2B5EF4-FFF2-40B4-BE49-F238E27FC236}">
-                <a16:creationId xmlns:a16="http://schemas.microsoft.com/office/drawing/2014/main" id="{E927A86A-2C46-0C02-B9E9-4A5EE88CF1C3}"/>
+            <a:r>
+              <a:rPr lang="fr-FR" dirty="0"/>
+              <a:t>Email</a:t>
+            </a:r>
+          </a:p>
+        </p:txBody>
+      </p:sp>
+      <p:sp>
+        <p:nvSpPr>
+          <p:cNvPr id="15" name="Rectangle 14">
+            <a:extLst>
+              <a:ext uri="{FF2B5EF4-FFF2-40B4-BE49-F238E27FC236}">
+                <a16:creationId xmlns:a16="http://schemas.microsoft.com/office/drawing/2014/main" id="{6D9ED933-7125-46AB-045F-3358D1456619}"/>
               </a:ext>
             </a:extLst>
           </p:cNvPr>
@@ -15306,22 +16071,28 @@
         </p:nvSpPr>
         <p:spPr>
           <a:xfrm>
-            <a:off x="7145359" y="4175478"/>
-            <a:ext cx="595618" cy="535164"/>
-          </a:xfrm>
-          <a:prstGeom prst="star5">
+            <a:off x="5528346" y="2955460"/>
+            <a:ext cx="3668120" cy="494480"/>
+          </a:xfrm>
+          <a:prstGeom prst="rect">
             <a:avLst/>
           </a:prstGeom>
           <a:solidFill>
-            <a:schemeClr val="bg1">
-              <a:lumMod val="65000"/>
-            </a:schemeClr>
+            <a:schemeClr val="bg1"/>
           </a:solidFill>
+          <a:ln>
+            <a:solidFill>
+              <a:schemeClr val="tx1">
+                <a:lumMod val="95000"/>
+                <a:lumOff val="5000"/>
+              </a:schemeClr>
+            </a:solidFill>
+          </a:ln>
         </p:spPr>
         <p:style>
           <a:lnRef idx="2">
             <a:schemeClr val="accent1">
-              <a:shade val="15000"/>
+              <a:shade val="50000"/>
             </a:schemeClr>
           </a:lnRef>
           <a:fillRef idx="1">
@@ -15339,16 +16110,19 @@
           <a:lstStyle/>
           <a:p>
             <a:pPr algn="ctr"/>
-            <a:endParaRPr lang="fr-FR"/>
-          </a:p>
-        </p:txBody>
-      </p:sp>
-      <p:sp>
-        <p:nvSpPr>
-          <p:cNvPr id="4" name="Étoile : 5 branches 3">
-            <a:extLst>
-              <a:ext uri="{FF2B5EF4-FFF2-40B4-BE49-F238E27FC236}">
-                <a16:creationId xmlns:a16="http://schemas.microsoft.com/office/drawing/2014/main" id="{65323DF7-06ED-55B9-151A-684B06629399}"/>
+            <a:r>
+              <a:rPr lang="fr-FR" dirty="0"/>
+              <a:t>Nom</a:t>
+            </a:r>
+          </a:p>
+        </p:txBody>
+      </p:sp>
+      <p:sp>
+        <p:nvSpPr>
+          <p:cNvPr id="16" name="Rectangle 15">
+            <a:extLst>
+              <a:ext uri="{FF2B5EF4-FFF2-40B4-BE49-F238E27FC236}">
+                <a16:creationId xmlns:a16="http://schemas.microsoft.com/office/drawing/2014/main" id="{29B5C5EB-81F7-9451-4755-A2B2106D7D45}"/>
               </a:ext>
             </a:extLst>
           </p:cNvPr>
@@ -15357,22 +16131,30 @@
         </p:nvSpPr>
         <p:spPr>
           <a:xfrm>
-            <a:off x="4321730" y="4175478"/>
-            <a:ext cx="595618" cy="535164"/>
-          </a:xfrm>
-          <a:prstGeom prst="star5">
+            <a:off x="2995534" y="3565900"/>
+            <a:ext cx="2532812" cy="494480"/>
+          </a:xfrm>
+          <a:prstGeom prst="rect">
             <a:avLst/>
           </a:prstGeom>
           <a:solidFill>
             <a:schemeClr val="bg1">
-              <a:lumMod val="65000"/>
+              <a:lumMod val="50000"/>
             </a:schemeClr>
           </a:solidFill>
+          <a:ln>
+            <a:solidFill>
+              <a:schemeClr val="tx1">
+                <a:lumMod val="95000"/>
+                <a:lumOff val="5000"/>
+              </a:schemeClr>
+            </a:solidFill>
+          </a:ln>
         </p:spPr>
         <p:style>
           <a:lnRef idx="2">
             <a:schemeClr val="accent1">
-              <a:shade val="15000"/>
+              <a:shade val="50000"/>
             </a:schemeClr>
           </a:lnRef>
           <a:fillRef idx="1">
@@ -15390,16 +16172,19 @@
           <a:lstStyle/>
           <a:p>
             <a:pPr algn="ctr"/>
-            <a:endParaRPr lang="fr-FR"/>
-          </a:p>
-        </p:txBody>
-      </p:sp>
-      <p:sp>
-        <p:nvSpPr>
-          <p:cNvPr id="22" name="Étoile : 5 branches 21">
-            <a:extLst>
-              <a:ext uri="{FF2B5EF4-FFF2-40B4-BE49-F238E27FC236}">
-                <a16:creationId xmlns:a16="http://schemas.microsoft.com/office/drawing/2014/main" id="{3FC313EC-BEB2-1FD1-2A4D-1C125144F80E}"/>
+            <a:r>
+              <a:rPr lang="fr-FR" dirty="0"/>
+              <a:t>Téléphone</a:t>
+            </a:r>
+          </a:p>
+        </p:txBody>
+      </p:sp>
+      <p:sp>
+        <p:nvSpPr>
+          <p:cNvPr id="17" name="Rectangle 16">
+            <a:extLst>
+              <a:ext uri="{FF2B5EF4-FFF2-40B4-BE49-F238E27FC236}">
+                <a16:creationId xmlns:a16="http://schemas.microsoft.com/office/drawing/2014/main" id="{18B314F3-03A8-2FA3-EA16-720D438B8EF4}"/>
               </a:ext>
             </a:extLst>
           </p:cNvPr>
@@ -15408,22 +16193,28 @@
         </p:nvSpPr>
         <p:spPr>
           <a:xfrm>
-            <a:off x="5731079" y="4175478"/>
-            <a:ext cx="595618" cy="535164"/>
-          </a:xfrm>
-          <a:prstGeom prst="star5">
+            <a:off x="5528346" y="3547841"/>
+            <a:ext cx="3668120" cy="494480"/>
+          </a:xfrm>
+          <a:prstGeom prst="rect">
             <a:avLst/>
           </a:prstGeom>
           <a:solidFill>
-            <a:schemeClr val="bg1">
-              <a:lumMod val="65000"/>
-            </a:schemeClr>
+            <a:schemeClr val="bg1"/>
           </a:solidFill>
+          <a:ln>
+            <a:solidFill>
+              <a:schemeClr val="tx1">
+                <a:lumMod val="95000"/>
+                <a:lumOff val="5000"/>
+              </a:schemeClr>
+            </a:solidFill>
+          </a:ln>
         </p:spPr>
         <p:style>
           <a:lnRef idx="2">
             <a:schemeClr val="accent1">
-              <a:shade val="15000"/>
+              <a:shade val="50000"/>
             </a:schemeClr>
           </a:lnRef>
           <a:fillRef idx="1">
@@ -15441,16 +16232,19 @@
           <a:lstStyle/>
           <a:p>
             <a:pPr algn="ctr"/>
-            <a:endParaRPr lang="fr-FR"/>
-          </a:p>
-        </p:txBody>
-      </p:sp>
-      <p:sp>
-        <p:nvSpPr>
-          <p:cNvPr id="23" name="Étoile : 5 branches 22">
-            <a:extLst>
-              <a:ext uri="{FF2B5EF4-FFF2-40B4-BE49-F238E27FC236}">
-                <a16:creationId xmlns:a16="http://schemas.microsoft.com/office/drawing/2014/main" id="{DAB2C103-4D51-0EBA-D5A8-9C9EB5A03744}"/>
+            <a:r>
+              <a:rPr lang="fr-FR" dirty="0"/>
+              <a:t>Nom</a:t>
+            </a:r>
+          </a:p>
+        </p:txBody>
+      </p:sp>
+      <p:sp>
+        <p:nvSpPr>
+          <p:cNvPr id="18" name="Rectangle 17">
+            <a:extLst>
+              <a:ext uri="{FF2B5EF4-FFF2-40B4-BE49-F238E27FC236}">
+                <a16:creationId xmlns:a16="http://schemas.microsoft.com/office/drawing/2014/main" id="{1745BE07-1779-B494-9B58-14B9D62D5B33}"/>
               </a:ext>
             </a:extLst>
           </p:cNvPr>
@@ -15459,22 +16253,30 @@
         </p:nvSpPr>
         <p:spPr>
           <a:xfrm>
-            <a:off x="6448006" y="4176876"/>
-            <a:ext cx="595618" cy="535164"/>
-          </a:xfrm>
-          <a:prstGeom prst="star5">
+            <a:off x="2995534" y="4158281"/>
+            <a:ext cx="2532812" cy="494480"/>
+          </a:xfrm>
+          <a:prstGeom prst="rect">
             <a:avLst/>
           </a:prstGeom>
           <a:solidFill>
             <a:schemeClr val="bg1">
-              <a:lumMod val="65000"/>
+              <a:lumMod val="50000"/>
             </a:schemeClr>
           </a:solidFill>
+          <a:ln>
+            <a:solidFill>
+              <a:schemeClr val="tx1">
+                <a:lumMod val="95000"/>
+                <a:lumOff val="5000"/>
+              </a:schemeClr>
+            </a:solidFill>
+          </a:ln>
         </p:spPr>
         <p:style>
           <a:lnRef idx="2">
             <a:schemeClr val="accent1">
-              <a:shade val="15000"/>
+              <a:shade val="50000"/>
             </a:schemeClr>
           </a:lnRef>
           <a:fillRef idx="1">
@@ -15492,14 +16294,199 @@
           <a:lstStyle/>
           <a:p>
             <a:pPr algn="ctr"/>
-            <a:endParaRPr lang="fr-FR"/>
+            <a:r>
+              <a:rPr lang="fr-FR" dirty="0"/>
+              <a:t>Message</a:t>
+            </a:r>
+          </a:p>
+        </p:txBody>
+      </p:sp>
+      <p:sp>
+        <p:nvSpPr>
+          <p:cNvPr id="19" name="Rectangle 18">
+            <a:extLst>
+              <a:ext uri="{FF2B5EF4-FFF2-40B4-BE49-F238E27FC236}">
+                <a16:creationId xmlns:a16="http://schemas.microsoft.com/office/drawing/2014/main" id="{F0B101F4-8629-499A-3454-EFC515B588CC}"/>
+              </a:ext>
+            </a:extLst>
+          </p:cNvPr>
+          <p:cNvSpPr/>
+          <p:nvPr/>
+        </p:nvSpPr>
+        <p:spPr>
+          <a:xfrm>
+            <a:off x="5528346" y="4170945"/>
+            <a:ext cx="3668120" cy="1608676"/>
+          </a:xfrm>
+          <a:prstGeom prst="rect">
+            <a:avLst/>
+          </a:prstGeom>
+          <a:solidFill>
+            <a:schemeClr val="bg1"/>
+          </a:solidFill>
+          <a:ln>
+            <a:solidFill>
+              <a:schemeClr val="tx1">
+                <a:lumMod val="95000"/>
+                <a:lumOff val="5000"/>
+              </a:schemeClr>
+            </a:solidFill>
+          </a:ln>
+        </p:spPr>
+        <p:style>
+          <a:lnRef idx="2">
+            <a:schemeClr val="accent1">
+              <a:shade val="50000"/>
+            </a:schemeClr>
+          </a:lnRef>
+          <a:fillRef idx="1">
+            <a:schemeClr val="accent1"/>
+          </a:fillRef>
+          <a:effectRef idx="0">
+            <a:schemeClr val="accent1"/>
+          </a:effectRef>
+          <a:fontRef idx="minor">
+            <a:schemeClr val="lt1"/>
+          </a:fontRef>
+        </p:style>
+        <p:txBody>
+          <a:bodyPr rtlCol="0" anchor="ctr"/>
+          <a:lstStyle/>
+          <a:p>
+            <a:pPr algn="ctr"/>
+            <a:r>
+              <a:rPr lang="fr-FR" dirty="0"/>
+              <a:t>Nom</a:t>
+            </a:r>
+          </a:p>
+        </p:txBody>
+      </p:sp>
+      <p:sp>
+        <p:nvSpPr>
+          <p:cNvPr id="20" name="Rectangle 19">
+            <a:extLst>
+              <a:ext uri="{FF2B5EF4-FFF2-40B4-BE49-F238E27FC236}">
+                <a16:creationId xmlns:a16="http://schemas.microsoft.com/office/drawing/2014/main" id="{07B107CC-2C17-9718-47C6-C5F61870C0DF}"/>
+              </a:ext>
+            </a:extLst>
+          </p:cNvPr>
+          <p:cNvSpPr/>
+          <p:nvPr/>
+        </p:nvSpPr>
+        <p:spPr>
+          <a:xfrm>
+            <a:off x="2995534" y="1142895"/>
+            <a:ext cx="2532812" cy="494480"/>
+          </a:xfrm>
+          <a:prstGeom prst="rect">
+            <a:avLst/>
+          </a:prstGeom>
+          <a:solidFill>
+            <a:schemeClr val="bg1">
+              <a:lumMod val="50000"/>
+            </a:schemeClr>
+          </a:solidFill>
+          <a:ln>
+            <a:solidFill>
+              <a:schemeClr val="tx1">
+                <a:lumMod val="95000"/>
+                <a:lumOff val="5000"/>
+              </a:schemeClr>
+            </a:solidFill>
+          </a:ln>
+        </p:spPr>
+        <p:style>
+          <a:lnRef idx="2">
+            <a:schemeClr val="accent1">
+              <a:shade val="50000"/>
+            </a:schemeClr>
+          </a:lnRef>
+          <a:fillRef idx="1">
+            <a:schemeClr val="accent1"/>
+          </a:fillRef>
+          <a:effectRef idx="0">
+            <a:schemeClr val="accent1"/>
+          </a:effectRef>
+          <a:fontRef idx="minor">
+            <a:schemeClr val="lt1"/>
+          </a:fontRef>
+        </p:style>
+        <p:txBody>
+          <a:bodyPr rtlCol="0" anchor="ctr"/>
+          <a:lstStyle/>
+          <a:p>
+            <a:pPr algn="ctr"/>
+            <a:r>
+              <a:rPr lang="fr-FR" dirty="0"/>
+              <a:t>Sujet</a:t>
+            </a:r>
+          </a:p>
+        </p:txBody>
+      </p:sp>
+      <p:sp>
+        <p:nvSpPr>
+          <p:cNvPr id="21" name="Rectangle 20">
+            <a:extLst>
+              <a:ext uri="{FF2B5EF4-FFF2-40B4-BE49-F238E27FC236}">
+                <a16:creationId xmlns:a16="http://schemas.microsoft.com/office/drawing/2014/main" id="{E402F11A-DEB3-9B2E-4898-4DE77D7C5445}"/>
+              </a:ext>
+            </a:extLst>
+          </p:cNvPr>
+          <p:cNvSpPr/>
+          <p:nvPr/>
+        </p:nvSpPr>
+        <p:spPr>
+          <a:xfrm>
+            <a:off x="5528346" y="1142895"/>
+            <a:ext cx="3668120" cy="494480"/>
+          </a:xfrm>
+          <a:prstGeom prst="rect">
+            <a:avLst/>
+          </a:prstGeom>
+          <a:solidFill>
+            <a:schemeClr val="bg1"/>
+          </a:solidFill>
+          <a:ln>
+            <a:solidFill>
+              <a:schemeClr val="tx1">
+                <a:lumMod val="95000"/>
+                <a:lumOff val="5000"/>
+              </a:schemeClr>
+            </a:solidFill>
+          </a:ln>
+        </p:spPr>
+        <p:style>
+          <a:lnRef idx="2">
+            <a:schemeClr val="accent1">
+              <a:shade val="50000"/>
+            </a:schemeClr>
+          </a:lnRef>
+          <a:fillRef idx="1">
+            <a:schemeClr val="accent1"/>
+          </a:fillRef>
+          <a:effectRef idx="0">
+            <a:schemeClr val="accent1"/>
+          </a:effectRef>
+          <a:fontRef idx="minor">
+            <a:schemeClr val="lt1"/>
+          </a:fontRef>
+        </p:style>
+        <p:txBody>
+          <a:bodyPr rtlCol="0" anchor="ctr"/>
+          <a:lstStyle/>
+          <a:p>
+            <a:pPr algn="ctr"/>
+            <a:r>
+              <a:rPr lang="fr-FR" dirty="0"/>
+              <a:t>Nom</a:t>
+            </a:r>
           </a:p>
         </p:txBody>
       </p:sp>
     </p:spTree>
     <p:extLst>
       <p:ext uri="{BB962C8B-B14F-4D97-AF65-F5344CB8AC3E}">
-        <p14:creationId xmlns:p14="http://schemas.microsoft.com/office/powerpoint/2010/main" val="2077720779"/>
+        <p14:creationId xmlns:p14="http://schemas.microsoft.com/office/powerpoint/2010/main" val="3612715377"/>
       </p:ext>
     </p:extLst>
   </p:cSld>
@@ -17595,6 +18582,1226 @@
 </file>
 
 <file path=ppt/slides/slide8.xml><?xml version="1.0" encoding="utf-8"?>
+<p:sld xmlns:a="http://schemas.openxmlformats.org/drawingml/2006/main" xmlns:r="http://schemas.openxmlformats.org/officeDocument/2006/relationships" xmlns:p="http://schemas.openxmlformats.org/presentationml/2006/main">
+  <p:cSld>
+    <p:spTree>
+      <p:nvGrpSpPr>
+        <p:cNvPr id="1" name=""/>
+        <p:cNvGrpSpPr/>
+        <p:nvPr/>
+      </p:nvGrpSpPr>
+      <p:grpSpPr>
+        <a:xfrm>
+          <a:off x="0" y="0"/>
+          <a:ext cx="0" cy="0"/>
+          <a:chOff x="0" y="0"/>
+          <a:chExt cx="0" cy="0"/>
+        </a:xfrm>
+      </p:grpSpPr>
+      <p:sp>
+        <p:nvSpPr>
+          <p:cNvPr id="4" name="Rectangle : coins arrondis 3">
+            <a:extLst>
+              <a:ext uri="{FF2B5EF4-FFF2-40B4-BE49-F238E27FC236}">
+                <a16:creationId xmlns:a16="http://schemas.microsoft.com/office/drawing/2014/main" id="{6CC9E5E7-A9D4-F6CC-CA5D-60E6CADD3A42}"/>
+              </a:ext>
+            </a:extLst>
+          </p:cNvPr>
+          <p:cNvSpPr/>
+          <p:nvPr/>
+        </p:nvSpPr>
+        <p:spPr>
+          <a:xfrm>
+            <a:off x="1134622" y="535497"/>
+            <a:ext cx="3177319" cy="5378742"/>
+          </a:xfrm>
+          <a:prstGeom prst="roundRect">
+            <a:avLst/>
+          </a:prstGeom>
+          <a:noFill/>
+          <a:ln>
+            <a:solidFill>
+              <a:schemeClr val="tx1">
+                <a:lumMod val="95000"/>
+                <a:lumOff val="5000"/>
+              </a:schemeClr>
+            </a:solidFill>
+          </a:ln>
+        </p:spPr>
+        <p:style>
+          <a:lnRef idx="2">
+            <a:schemeClr val="accent1">
+              <a:shade val="50000"/>
+            </a:schemeClr>
+          </a:lnRef>
+          <a:fillRef idx="1">
+            <a:schemeClr val="accent1"/>
+          </a:fillRef>
+          <a:effectRef idx="0">
+            <a:schemeClr val="accent1"/>
+          </a:effectRef>
+          <a:fontRef idx="minor">
+            <a:schemeClr val="lt1"/>
+          </a:fontRef>
+        </p:style>
+        <p:txBody>
+          <a:bodyPr rtlCol="0" anchor="ctr"/>
+          <a:lstStyle/>
+          <a:p>
+            <a:pPr algn="ctr"/>
+            <a:endParaRPr lang="fr-FR"/>
+          </a:p>
+        </p:txBody>
+      </p:sp>
+      <p:sp>
+        <p:nvSpPr>
+          <p:cNvPr id="6" name="Rectangle 5">
+            <a:extLst>
+              <a:ext uri="{FF2B5EF4-FFF2-40B4-BE49-F238E27FC236}">
+                <a16:creationId xmlns:a16="http://schemas.microsoft.com/office/drawing/2014/main" id="{6C887EFD-8C7E-69BB-8926-3CE708618A3F}"/>
+              </a:ext>
+            </a:extLst>
+          </p:cNvPr>
+          <p:cNvSpPr/>
+          <p:nvPr/>
+        </p:nvSpPr>
+        <p:spPr>
+          <a:xfrm>
+            <a:off x="3317877" y="854664"/>
+            <a:ext cx="729778" cy="661745"/>
+          </a:xfrm>
+          <a:prstGeom prst="rect">
+            <a:avLst/>
+          </a:prstGeom>
+          <a:solidFill>
+            <a:schemeClr val="bg1">
+              <a:lumMod val="65000"/>
+            </a:schemeClr>
+          </a:solidFill>
+          <a:ln>
+            <a:solidFill>
+              <a:schemeClr val="tx1">
+                <a:lumMod val="95000"/>
+                <a:lumOff val="5000"/>
+              </a:schemeClr>
+            </a:solidFill>
+          </a:ln>
+        </p:spPr>
+        <p:style>
+          <a:lnRef idx="2">
+            <a:schemeClr val="accent1">
+              <a:shade val="50000"/>
+            </a:schemeClr>
+          </a:lnRef>
+          <a:fillRef idx="1">
+            <a:schemeClr val="accent1"/>
+          </a:fillRef>
+          <a:effectRef idx="0">
+            <a:schemeClr val="accent1"/>
+          </a:effectRef>
+          <a:fontRef idx="minor">
+            <a:schemeClr val="lt1"/>
+          </a:fontRef>
+        </p:style>
+        <p:txBody>
+          <a:bodyPr rtlCol="0" anchor="ctr"/>
+          <a:lstStyle/>
+          <a:p>
+            <a:pPr algn="ctr"/>
+            <a:r>
+              <a:rPr lang="fr-FR" sz="1600" dirty="0"/>
+              <a:t>Menu</a:t>
+            </a:r>
+          </a:p>
+        </p:txBody>
+      </p:sp>
+      <p:sp>
+        <p:nvSpPr>
+          <p:cNvPr id="18" name="Rectangle : coins arrondis 17">
+            <a:extLst>
+              <a:ext uri="{FF2B5EF4-FFF2-40B4-BE49-F238E27FC236}">
+                <a16:creationId xmlns:a16="http://schemas.microsoft.com/office/drawing/2014/main" id="{A5AFB5BA-DCEA-7E45-EA57-8827D00B20DE}"/>
+              </a:ext>
+            </a:extLst>
+          </p:cNvPr>
+          <p:cNvSpPr/>
+          <p:nvPr/>
+        </p:nvSpPr>
+        <p:spPr>
+          <a:xfrm>
+            <a:off x="4785231" y="535497"/>
+            <a:ext cx="3177319" cy="5378742"/>
+          </a:xfrm>
+          <a:prstGeom prst="roundRect">
+            <a:avLst/>
+          </a:prstGeom>
+          <a:noFill/>
+          <a:ln>
+            <a:solidFill>
+              <a:schemeClr val="tx1">
+                <a:lumMod val="95000"/>
+                <a:lumOff val="5000"/>
+              </a:schemeClr>
+            </a:solidFill>
+          </a:ln>
+        </p:spPr>
+        <p:style>
+          <a:lnRef idx="2">
+            <a:schemeClr val="accent1">
+              <a:shade val="50000"/>
+            </a:schemeClr>
+          </a:lnRef>
+          <a:fillRef idx="1">
+            <a:schemeClr val="accent1"/>
+          </a:fillRef>
+          <a:effectRef idx="0">
+            <a:schemeClr val="accent1"/>
+          </a:effectRef>
+          <a:fontRef idx="minor">
+            <a:schemeClr val="lt1"/>
+          </a:fontRef>
+        </p:style>
+        <p:txBody>
+          <a:bodyPr rtlCol="0" anchor="ctr"/>
+          <a:lstStyle/>
+          <a:p>
+            <a:pPr algn="ctr"/>
+            <a:endParaRPr lang="fr-FR"/>
+          </a:p>
+        </p:txBody>
+      </p:sp>
+      <p:sp>
+        <p:nvSpPr>
+          <p:cNvPr id="20" name="Rectangle 19">
+            <a:extLst>
+              <a:ext uri="{FF2B5EF4-FFF2-40B4-BE49-F238E27FC236}">
+                <a16:creationId xmlns:a16="http://schemas.microsoft.com/office/drawing/2014/main" id="{F2763D8D-123B-3C77-D6FD-53BBEF21E7B2}"/>
+              </a:ext>
+            </a:extLst>
+          </p:cNvPr>
+          <p:cNvSpPr/>
+          <p:nvPr/>
+        </p:nvSpPr>
+        <p:spPr>
+          <a:xfrm>
+            <a:off x="6968486" y="854664"/>
+            <a:ext cx="729778" cy="661745"/>
+          </a:xfrm>
+          <a:prstGeom prst="rect">
+            <a:avLst/>
+          </a:prstGeom>
+          <a:solidFill>
+            <a:schemeClr val="bg1">
+              <a:lumMod val="65000"/>
+            </a:schemeClr>
+          </a:solidFill>
+          <a:ln>
+            <a:solidFill>
+              <a:schemeClr val="tx1">
+                <a:lumMod val="95000"/>
+                <a:lumOff val="5000"/>
+              </a:schemeClr>
+            </a:solidFill>
+          </a:ln>
+        </p:spPr>
+        <p:style>
+          <a:lnRef idx="2">
+            <a:schemeClr val="accent1">
+              <a:shade val="50000"/>
+            </a:schemeClr>
+          </a:lnRef>
+          <a:fillRef idx="1">
+            <a:schemeClr val="accent1"/>
+          </a:fillRef>
+          <a:effectRef idx="0">
+            <a:schemeClr val="accent1"/>
+          </a:effectRef>
+          <a:fontRef idx="minor">
+            <a:schemeClr val="lt1"/>
+          </a:fontRef>
+        </p:style>
+        <p:txBody>
+          <a:bodyPr rtlCol="0" anchor="ctr"/>
+          <a:lstStyle/>
+          <a:p>
+            <a:pPr algn="ctr"/>
+            <a:r>
+              <a:rPr lang="fr-FR" sz="1600" dirty="0"/>
+              <a:t>Menu</a:t>
+            </a:r>
+          </a:p>
+        </p:txBody>
+      </p:sp>
+      <p:graphicFrame>
+        <p:nvGraphicFramePr>
+          <p:cNvPr id="24" name="Tableau 21">
+            <a:extLst>
+              <a:ext uri="{FF2B5EF4-FFF2-40B4-BE49-F238E27FC236}">
+                <a16:creationId xmlns:a16="http://schemas.microsoft.com/office/drawing/2014/main" id="{75FD5AA1-8915-D68C-BDE5-E9F889E1A60C}"/>
+              </a:ext>
+            </a:extLst>
+          </p:cNvPr>
+          <p:cNvGraphicFramePr>
+            <a:graphicFrameLocks noGrp="1"/>
+          </p:cNvGraphicFramePr>
+          <p:nvPr>
+            <p:extLst>
+              <p:ext uri="{D42A27DB-BD31-4B8C-83A1-F6EECF244321}">
+                <p14:modId xmlns:p14="http://schemas.microsoft.com/office/powerpoint/2010/main" val="2120521135"/>
+              </p:ext>
+            </p:extLst>
+          </p:nvPr>
+        </p:nvGraphicFramePr>
+        <p:xfrm>
+          <a:off x="5068412" y="1985860"/>
+          <a:ext cx="2629851" cy="1854200"/>
+        </p:xfrm>
+        <a:graphic>
+          <a:graphicData uri="http://schemas.openxmlformats.org/drawingml/2006/table">
+            <a:tbl>
+              <a:tblPr firstRow="1" bandRow="1">
+                <a:tableStyleId>{D7AC3CCA-C797-4891-BE02-D94E43425B78}</a:tableStyleId>
+              </a:tblPr>
+              <a:tblGrid>
+                <a:gridCol w="1324648">
+                  <a:extLst>
+                    <a:ext uri="{9D8B030D-6E8A-4147-A177-3AD203B41FA5}">
+                      <a16:colId xmlns:a16="http://schemas.microsoft.com/office/drawing/2014/main" val="2559633700"/>
+                    </a:ext>
+                  </a:extLst>
+                </a:gridCol>
+                <a:gridCol w="1305203">
+                  <a:extLst>
+                    <a:ext uri="{9D8B030D-6E8A-4147-A177-3AD203B41FA5}">
+                      <a16:colId xmlns:a16="http://schemas.microsoft.com/office/drawing/2014/main" val="1613398091"/>
+                    </a:ext>
+                  </a:extLst>
+                </a:gridCol>
+              </a:tblGrid>
+              <a:tr h="370840">
+                <a:tc gridSpan="2">
+                  <a:txBody>
+                    <a:bodyPr/>
+                    <a:lstStyle/>
+                    <a:p>
+                      <a:pPr algn="ctr"/>
+                      <a:r>
+                        <a:rPr lang="fr-FR" dirty="0"/>
+                        <a:t>Ajouter un Véhicule</a:t>
+                      </a:r>
+                    </a:p>
+                  </a:txBody>
+                  <a:tcPr/>
+                </a:tc>
+                <a:tc hMerge="1">
+                  <a:txBody>
+                    <a:bodyPr/>
+                    <a:lstStyle/>
+                    <a:p>
+                      <a:endParaRPr lang="fr-FR" dirty="0"/>
+                    </a:p>
+                  </a:txBody>
+                  <a:tcPr/>
+                </a:tc>
+                <a:extLst>
+                  <a:ext uri="{0D108BD9-81ED-4DB2-BD59-A6C34878D82A}">
+                    <a16:rowId xmlns:a16="http://schemas.microsoft.com/office/drawing/2014/main" val="143683512"/>
+                  </a:ext>
+                </a:extLst>
+              </a:tr>
+              <a:tr h="370840">
+                <a:tc>
+                  <a:txBody>
+                    <a:bodyPr/>
+                    <a:lstStyle/>
+                    <a:p>
+                      <a:pPr algn="ctr"/>
+                      <a:r>
+                        <a:rPr lang="fr-FR" dirty="0"/>
+                        <a:t>Modèle</a:t>
+                      </a:r>
+                    </a:p>
+                  </a:txBody>
+                  <a:tcPr/>
+                </a:tc>
+                <a:tc>
+                  <a:txBody>
+                    <a:bodyPr/>
+                    <a:lstStyle/>
+                    <a:p>
+                      <a:pPr algn="ctr"/>
+                      <a:endParaRPr lang="fr-FR"/>
+                    </a:p>
+                  </a:txBody>
+                  <a:tcPr/>
+                </a:tc>
+                <a:extLst>
+                  <a:ext uri="{0D108BD9-81ED-4DB2-BD59-A6C34878D82A}">
+                    <a16:rowId xmlns:a16="http://schemas.microsoft.com/office/drawing/2014/main" val="1971952596"/>
+                  </a:ext>
+                </a:extLst>
+              </a:tr>
+              <a:tr h="370840">
+                <a:tc>
+                  <a:txBody>
+                    <a:bodyPr/>
+                    <a:lstStyle/>
+                    <a:p>
+                      <a:pPr algn="ctr"/>
+                      <a:r>
+                        <a:rPr lang="fr-FR" dirty="0"/>
+                        <a:t>Prix</a:t>
+                      </a:r>
+                    </a:p>
+                  </a:txBody>
+                  <a:tcPr/>
+                </a:tc>
+                <a:tc>
+                  <a:txBody>
+                    <a:bodyPr/>
+                    <a:lstStyle/>
+                    <a:p>
+                      <a:pPr algn="ctr"/>
+                      <a:endParaRPr lang="fr-FR" dirty="0"/>
+                    </a:p>
+                  </a:txBody>
+                  <a:tcPr/>
+                </a:tc>
+                <a:extLst>
+                  <a:ext uri="{0D108BD9-81ED-4DB2-BD59-A6C34878D82A}">
+                    <a16:rowId xmlns:a16="http://schemas.microsoft.com/office/drawing/2014/main" val="3587838678"/>
+                  </a:ext>
+                </a:extLst>
+              </a:tr>
+              <a:tr h="370840">
+                <a:tc>
+                  <a:txBody>
+                    <a:bodyPr/>
+                    <a:lstStyle/>
+                    <a:p>
+                      <a:pPr algn="ctr"/>
+                      <a:r>
+                        <a:rPr lang="fr-FR" dirty="0"/>
+                        <a:t>Km</a:t>
+                      </a:r>
+                    </a:p>
+                  </a:txBody>
+                  <a:tcPr/>
+                </a:tc>
+                <a:tc>
+                  <a:txBody>
+                    <a:bodyPr/>
+                    <a:lstStyle/>
+                    <a:p>
+                      <a:pPr algn="ctr"/>
+                      <a:endParaRPr lang="fr-FR" dirty="0"/>
+                    </a:p>
+                  </a:txBody>
+                  <a:tcPr/>
+                </a:tc>
+                <a:extLst>
+                  <a:ext uri="{0D108BD9-81ED-4DB2-BD59-A6C34878D82A}">
+                    <a16:rowId xmlns:a16="http://schemas.microsoft.com/office/drawing/2014/main" val="2227477226"/>
+                  </a:ext>
+                </a:extLst>
+              </a:tr>
+              <a:tr h="370840">
+                <a:tc>
+                  <a:txBody>
+                    <a:bodyPr/>
+                    <a:lstStyle/>
+                    <a:p>
+                      <a:pPr algn="ctr"/>
+                      <a:r>
+                        <a:rPr lang="fr-FR" dirty="0"/>
+                        <a:t>…</a:t>
+                      </a:r>
+                    </a:p>
+                  </a:txBody>
+                  <a:tcPr/>
+                </a:tc>
+                <a:tc>
+                  <a:txBody>
+                    <a:bodyPr/>
+                    <a:lstStyle/>
+                    <a:p>
+                      <a:pPr algn="ctr"/>
+                      <a:endParaRPr lang="fr-FR" dirty="0"/>
+                    </a:p>
+                  </a:txBody>
+                  <a:tcPr/>
+                </a:tc>
+                <a:extLst>
+                  <a:ext uri="{0D108BD9-81ED-4DB2-BD59-A6C34878D82A}">
+                    <a16:rowId xmlns:a16="http://schemas.microsoft.com/office/drawing/2014/main" val="2536157049"/>
+                  </a:ext>
+                </a:extLst>
+              </a:tr>
+            </a:tbl>
+          </a:graphicData>
+        </a:graphic>
+      </p:graphicFrame>
+      <p:sp>
+        <p:nvSpPr>
+          <p:cNvPr id="31" name="Rectangle 30">
+            <a:extLst>
+              <a:ext uri="{FF2B5EF4-FFF2-40B4-BE49-F238E27FC236}">
+                <a16:creationId xmlns:a16="http://schemas.microsoft.com/office/drawing/2014/main" id="{71CBE2FD-B781-6ABE-05CC-E01D37AEB15D}"/>
+              </a:ext>
+            </a:extLst>
+          </p:cNvPr>
+          <p:cNvSpPr/>
+          <p:nvPr/>
+        </p:nvSpPr>
+        <p:spPr>
+          <a:xfrm>
+            <a:off x="5890754" y="3894847"/>
+            <a:ext cx="985166" cy="414664"/>
+          </a:xfrm>
+          <a:prstGeom prst="rect">
+            <a:avLst/>
+          </a:prstGeom>
+          <a:solidFill>
+            <a:schemeClr val="bg1">
+              <a:lumMod val="50000"/>
+            </a:schemeClr>
+          </a:solidFill>
+          <a:ln>
+            <a:solidFill>
+              <a:schemeClr val="tx1">
+                <a:lumMod val="95000"/>
+                <a:lumOff val="5000"/>
+              </a:schemeClr>
+            </a:solidFill>
+          </a:ln>
+        </p:spPr>
+        <p:style>
+          <a:lnRef idx="2">
+            <a:schemeClr val="accent1">
+              <a:shade val="50000"/>
+            </a:schemeClr>
+          </a:lnRef>
+          <a:fillRef idx="1">
+            <a:schemeClr val="accent1"/>
+          </a:fillRef>
+          <a:effectRef idx="0">
+            <a:schemeClr val="accent1"/>
+          </a:effectRef>
+          <a:fontRef idx="minor">
+            <a:schemeClr val="lt1"/>
+          </a:fontRef>
+        </p:style>
+        <p:txBody>
+          <a:bodyPr rtlCol="0" anchor="ctr"/>
+          <a:lstStyle/>
+          <a:p>
+            <a:pPr algn="ctr"/>
+            <a:r>
+              <a:rPr lang="fr-FR" dirty="0"/>
+              <a:t>Ajouter</a:t>
+            </a:r>
+          </a:p>
+        </p:txBody>
+      </p:sp>
+      <p:sp>
+        <p:nvSpPr>
+          <p:cNvPr id="12" name="Rectangle 11">
+            <a:extLst>
+              <a:ext uri="{FF2B5EF4-FFF2-40B4-BE49-F238E27FC236}">
+                <a16:creationId xmlns:a16="http://schemas.microsoft.com/office/drawing/2014/main" id="{60174CB7-C292-3A48-BFD5-F5A6AE851687}"/>
+              </a:ext>
+            </a:extLst>
+          </p:cNvPr>
+          <p:cNvSpPr/>
+          <p:nvPr/>
+        </p:nvSpPr>
+        <p:spPr>
+          <a:xfrm>
+            <a:off x="1652693" y="854663"/>
+            <a:ext cx="730500" cy="661745"/>
+          </a:xfrm>
+          <a:prstGeom prst="rect">
+            <a:avLst/>
+          </a:prstGeom>
+          <a:solidFill>
+            <a:schemeClr val="bg1"/>
+          </a:solidFill>
+          <a:ln>
+            <a:solidFill>
+              <a:schemeClr val="tx1">
+                <a:lumMod val="95000"/>
+                <a:lumOff val="5000"/>
+              </a:schemeClr>
+            </a:solidFill>
+          </a:ln>
+        </p:spPr>
+        <p:style>
+          <a:lnRef idx="2">
+            <a:schemeClr val="accent1">
+              <a:shade val="50000"/>
+            </a:schemeClr>
+          </a:lnRef>
+          <a:fillRef idx="1">
+            <a:schemeClr val="accent1"/>
+          </a:fillRef>
+          <a:effectRef idx="0">
+            <a:schemeClr val="accent1"/>
+          </a:effectRef>
+          <a:fontRef idx="minor">
+            <a:schemeClr val="lt1"/>
+          </a:fontRef>
+        </p:style>
+        <p:txBody>
+          <a:bodyPr rtlCol="0" anchor="ctr"/>
+          <a:lstStyle/>
+          <a:p>
+            <a:pPr algn="ctr"/>
+            <a:r>
+              <a:rPr lang="fr-FR" dirty="0"/>
+              <a:t>Logo</a:t>
+            </a:r>
+          </a:p>
+        </p:txBody>
+      </p:sp>
+      <p:grpSp>
+        <p:nvGrpSpPr>
+          <p:cNvPr id="13" name="Groupe 12">
+            <a:extLst>
+              <a:ext uri="{FF2B5EF4-FFF2-40B4-BE49-F238E27FC236}">
+                <a16:creationId xmlns:a16="http://schemas.microsoft.com/office/drawing/2014/main" id="{C52DCDFB-4AEC-DD54-DFCF-7F4C03005624}"/>
+              </a:ext>
+            </a:extLst>
+          </p:cNvPr>
+          <p:cNvGrpSpPr/>
+          <p:nvPr/>
+        </p:nvGrpSpPr>
+        <p:grpSpPr>
+          <a:xfrm>
+            <a:off x="1644240" y="854662"/>
+            <a:ext cx="738230" cy="661746"/>
+            <a:chOff x="100668" y="125820"/>
+            <a:chExt cx="1602297" cy="661746"/>
+          </a:xfrm>
+        </p:grpSpPr>
+        <p:cxnSp>
+          <p:nvCxnSpPr>
+            <p:cNvPr id="14" name="Connecteur droit 13">
+              <a:extLst>
+                <a:ext uri="{FF2B5EF4-FFF2-40B4-BE49-F238E27FC236}">
+                  <a16:creationId xmlns:a16="http://schemas.microsoft.com/office/drawing/2014/main" id="{11C41D7F-1B82-DC2F-8FB0-7236FF510D2F}"/>
+                </a:ext>
+              </a:extLst>
+            </p:cNvPr>
+            <p:cNvCxnSpPr/>
+            <p:nvPr/>
+          </p:nvCxnSpPr>
+          <p:spPr>
+            <a:xfrm>
+              <a:off x="100668" y="125820"/>
+              <a:ext cx="1602297" cy="661746"/>
+            </a:xfrm>
+            <a:prstGeom prst="line">
+              <a:avLst/>
+            </a:prstGeom>
+          </p:spPr>
+          <p:style>
+            <a:lnRef idx="1">
+              <a:schemeClr val="dk1"/>
+            </a:lnRef>
+            <a:fillRef idx="0">
+              <a:schemeClr val="dk1"/>
+            </a:fillRef>
+            <a:effectRef idx="0">
+              <a:schemeClr val="dk1"/>
+            </a:effectRef>
+            <a:fontRef idx="minor">
+              <a:schemeClr val="tx1"/>
+            </a:fontRef>
+          </p:style>
+        </p:cxnSp>
+        <p:cxnSp>
+          <p:nvCxnSpPr>
+            <p:cNvPr id="15" name="Connecteur droit 14">
+              <a:extLst>
+                <a:ext uri="{FF2B5EF4-FFF2-40B4-BE49-F238E27FC236}">
+                  <a16:creationId xmlns:a16="http://schemas.microsoft.com/office/drawing/2014/main" id="{68ED6974-DE50-ED32-4FCE-5C4DF69F0504}"/>
+                </a:ext>
+              </a:extLst>
+            </p:cNvPr>
+            <p:cNvCxnSpPr>
+              <a:cxnSpLocks/>
+            </p:cNvCxnSpPr>
+            <p:nvPr/>
+          </p:nvCxnSpPr>
+          <p:spPr>
+            <a:xfrm flipV="1">
+              <a:off x="109122" y="125820"/>
+              <a:ext cx="1593843" cy="661746"/>
+            </a:xfrm>
+            <a:prstGeom prst="line">
+              <a:avLst/>
+            </a:prstGeom>
+          </p:spPr>
+          <p:style>
+            <a:lnRef idx="1">
+              <a:schemeClr val="dk1"/>
+            </a:lnRef>
+            <a:fillRef idx="0">
+              <a:schemeClr val="dk1"/>
+            </a:fillRef>
+            <a:effectRef idx="0">
+              <a:schemeClr val="dk1"/>
+            </a:effectRef>
+            <a:fontRef idx="minor">
+              <a:schemeClr val="tx1"/>
+            </a:fontRef>
+          </p:style>
+        </p:cxnSp>
+      </p:grpSp>
+      <p:sp>
+        <p:nvSpPr>
+          <p:cNvPr id="16" name="Rectangle 15">
+            <a:extLst>
+              <a:ext uri="{FF2B5EF4-FFF2-40B4-BE49-F238E27FC236}">
+                <a16:creationId xmlns:a16="http://schemas.microsoft.com/office/drawing/2014/main" id="{33D0C2F9-8FB3-A7A1-4EC8-BF15966CF960}"/>
+              </a:ext>
+            </a:extLst>
+          </p:cNvPr>
+          <p:cNvSpPr/>
+          <p:nvPr/>
+        </p:nvSpPr>
+        <p:spPr>
+          <a:xfrm>
+            <a:off x="5068412" y="871072"/>
+            <a:ext cx="730500" cy="661745"/>
+          </a:xfrm>
+          <a:prstGeom prst="rect">
+            <a:avLst/>
+          </a:prstGeom>
+          <a:solidFill>
+            <a:schemeClr val="bg1"/>
+          </a:solidFill>
+          <a:ln>
+            <a:solidFill>
+              <a:schemeClr val="tx1">
+                <a:lumMod val="95000"/>
+                <a:lumOff val="5000"/>
+              </a:schemeClr>
+            </a:solidFill>
+          </a:ln>
+        </p:spPr>
+        <p:style>
+          <a:lnRef idx="2">
+            <a:schemeClr val="accent1">
+              <a:shade val="50000"/>
+            </a:schemeClr>
+          </a:lnRef>
+          <a:fillRef idx="1">
+            <a:schemeClr val="accent1"/>
+          </a:fillRef>
+          <a:effectRef idx="0">
+            <a:schemeClr val="accent1"/>
+          </a:effectRef>
+          <a:fontRef idx="minor">
+            <a:schemeClr val="lt1"/>
+          </a:fontRef>
+        </p:style>
+        <p:txBody>
+          <a:bodyPr rtlCol="0" anchor="ctr"/>
+          <a:lstStyle/>
+          <a:p>
+            <a:pPr algn="ctr"/>
+            <a:r>
+              <a:rPr lang="fr-FR" dirty="0"/>
+              <a:t>Logo</a:t>
+            </a:r>
+          </a:p>
+        </p:txBody>
+      </p:sp>
+      <p:grpSp>
+        <p:nvGrpSpPr>
+          <p:cNvPr id="17" name="Groupe 16">
+            <a:extLst>
+              <a:ext uri="{FF2B5EF4-FFF2-40B4-BE49-F238E27FC236}">
+                <a16:creationId xmlns:a16="http://schemas.microsoft.com/office/drawing/2014/main" id="{C6B3C740-FB86-3F6E-CF94-D9313459F569}"/>
+              </a:ext>
+            </a:extLst>
+          </p:cNvPr>
+          <p:cNvGrpSpPr/>
+          <p:nvPr/>
+        </p:nvGrpSpPr>
+        <p:grpSpPr>
+          <a:xfrm>
+            <a:off x="5059959" y="871071"/>
+            <a:ext cx="738230" cy="661746"/>
+            <a:chOff x="100668" y="125820"/>
+            <a:chExt cx="1602297" cy="661746"/>
+          </a:xfrm>
+        </p:grpSpPr>
+        <p:cxnSp>
+          <p:nvCxnSpPr>
+            <p:cNvPr id="21" name="Connecteur droit 20">
+              <a:extLst>
+                <a:ext uri="{FF2B5EF4-FFF2-40B4-BE49-F238E27FC236}">
+                  <a16:creationId xmlns:a16="http://schemas.microsoft.com/office/drawing/2014/main" id="{4AE2795A-7588-0445-1274-B4A04EA635D0}"/>
+                </a:ext>
+              </a:extLst>
+            </p:cNvPr>
+            <p:cNvCxnSpPr/>
+            <p:nvPr/>
+          </p:nvCxnSpPr>
+          <p:spPr>
+            <a:xfrm>
+              <a:off x="100668" y="125820"/>
+              <a:ext cx="1602297" cy="661746"/>
+            </a:xfrm>
+            <a:prstGeom prst="line">
+              <a:avLst/>
+            </a:prstGeom>
+          </p:spPr>
+          <p:style>
+            <a:lnRef idx="1">
+              <a:schemeClr val="dk1"/>
+            </a:lnRef>
+            <a:fillRef idx="0">
+              <a:schemeClr val="dk1"/>
+            </a:fillRef>
+            <a:effectRef idx="0">
+              <a:schemeClr val="dk1"/>
+            </a:effectRef>
+            <a:fontRef idx="minor">
+              <a:schemeClr val="tx1"/>
+            </a:fontRef>
+          </p:style>
+        </p:cxnSp>
+        <p:cxnSp>
+          <p:nvCxnSpPr>
+            <p:cNvPr id="22" name="Connecteur droit 21">
+              <a:extLst>
+                <a:ext uri="{FF2B5EF4-FFF2-40B4-BE49-F238E27FC236}">
+                  <a16:creationId xmlns:a16="http://schemas.microsoft.com/office/drawing/2014/main" id="{A0C439F8-EA22-5145-8EB3-46C49EB4C642}"/>
+                </a:ext>
+              </a:extLst>
+            </p:cNvPr>
+            <p:cNvCxnSpPr>
+              <a:cxnSpLocks/>
+            </p:cNvCxnSpPr>
+            <p:nvPr/>
+          </p:nvCxnSpPr>
+          <p:spPr>
+            <a:xfrm flipV="1">
+              <a:off x="109122" y="125820"/>
+              <a:ext cx="1593843" cy="661746"/>
+            </a:xfrm>
+            <a:prstGeom prst="line">
+              <a:avLst/>
+            </a:prstGeom>
+          </p:spPr>
+          <p:style>
+            <a:lnRef idx="1">
+              <a:schemeClr val="dk1"/>
+            </a:lnRef>
+            <a:fillRef idx="0">
+              <a:schemeClr val="dk1"/>
+            </a:fillRef>
+            <a:effectRef idx="0">
+              <a:schemeClr val="dk1"/>
+            </a:effectRef>
+            <a:fontRef idx="minor">
+              <a:schemeClr val="tx1"/>
+            </a:fontRef>
+          </p:style>
+        </p:cxnSp>
+      </p:grpSp>
+      <p:sp>
+        <p:nvSpPr>
+          <p:cNvPr id="2" name="Rectangle 1">
+            <a:extLst>
+              <a:ext uri="{FF2B5EF4-FFF2-40B4-BE49-F238E27FC236}">
+                <a16:creationId xmlns:a16="http://schemas.microsoft.com/office/drawing/2014/main" id="{52C49695-9D61-11D1-B53A-96690A3B810B}"/>
+              </a:ext>
+            </a:extLst>
+          </p:cNvPr>
+          <p:cNvSpPr/>
+          <p:nvPr/>
+        </p:nvSpPr>
+        <p:spPr>
+          <a:xfrm>
+            <a:off x="1695506" y="4794525"/>
+            <a:ext cx="2055549" cy="494480"/>
+          </a:xfrm>
+          <a:prstGeom prst="rect">
+            <a:avLst/>
+          </a:prstGeom>
+          <a:solidFill>
+            <a:schemeClr val="bg1">
+              <a:lumMod val="50000"/>
+            </a:schemeClr>
+          </a:solidFill>
+          <a:ln>
+            <a:solidFill>
+              <a:schemeClr val="tx1">
+                <a:lumMod val="95000"/>
+                <a:lumOff val="5000"/>
+              </a:schemeClr>
+            </a:solidFill>
+          </a:ln>
+        </p:spPr>
+        <p:style>
+          <a:lnRef idx="2">
+            <a:schemeClr val="accent1">
+              <a:shade val="50000"/>
+            </a:schemeClr>
+          </a:lnRef>
+          <a:fillRef idx="1">
+            <a:schemeClr val="accent1"/>
+          </a:fillRef>
+          <a:effectRef idx="0">
+            <a:schemeClr val="accent1"/>
+          </a:effectRef>
+          <a:fontRef idx="minor">
+            <a:schemeClr val="lt1"/>
+          </a:fontRef>
+        </p:style>
+        <p:txBody>
+          <a:bodyPr rtlCol="0" anchor="ctr"/>
+          <a:lstStyle/>
+          <a:p>
+            <a:pPr algn="ctr"/>
+            <a:r>
+              <a:rPr lang="fr-FR" dirty="0"/>
+              <a:t>Se connecter</a:t>
+            </a:r>
+          </a:p>
+        </p:txBody>
+      </p:sp>
+      <p:sp>
+        <p:nvSpPr>
+          <p:cNvPr id="3" name="Rectangle 2">
+            <a:extLst>
+              <a:ext uri="{FF2B5EF4-FFF2-40B4-BE49-F238E27FC236}">
+                <a16:creationId xmlns:a16="http://schemas.microsoft.com/office/drawing/2014/main" id="{4D27DC2A-B0E2-49AF-573F-0B74E75097BE}"/>
+              </a:ext>
+            </a:extLst>
+          </p:cNvPr>
+          <p:cNvSpPr/>
+          <p:nvPr/>
+        </p:nvSpPr>
+        <p:spPr>
+          <a:xfrm>
+            <a:off x="1519204" y="1720232"/>
+            <a:ext cx="2528449" cy="494480"/>
+          </a:xfrm>
+          <a:prstGeom prst="rect">
+            <a:avLst/>
+          </a:prstGeom>
+          <a:solidFill>
+            <a:schemeClr val="bg1">
+              <a:lumMod val="95000"/>
+            </a:schemeClr>
+          </a:solidFill>
+          <a:ln>
+            <a:solidFill>
+              <a:schemeClr val="tx1">
+                <a:lumMod val="95000"/>
+                <a:lumOff val="5000"/>
+              </a:schemeClr>
+            </a:solidFill>
+          </a:ln>
+        </p:spPr>
+        <p:style>
+          <a:lnRef idx="2">
+            <a:schemeClr val="accent1">
+              <a:shade val="50000"/>
+            </a:schemeClr>
+          </a:lnRef>
+          <a:fillRef idx="1">
+            <a:schemeClr val="accent1"/>
+          </a:fillRef>
+          <a:effectRef idx="0">
+            <a:schemeClr val="accent1"/>
+          </a:effectRef>
+          <a:fontRef idx="minor">
+            <a:schemeClr val="lt1"/>
+          </a:fontRef>
+        </p:style>
+        <p:txBody>
+          <a:bodyPr rtlCol="0" anchor="ctr"/>
+          <a:lstStyle/>
+          <a:p>
+            <a:pPr algn="ctr"/>
+            <a:r>
+              <a:rPr lang="fr-FR" dirty="0">
+                <a:solidFill>
+                  <a:schemeClr val="tx1">
+                    <a:lumMod val="95000"/>
+                    <a:lumOff val="5000"/>
+                  </a:schemeClr>
+                </a:solidFill>
+              </a:rPr>
+              <a:t>Connexion</a:t>
+            </a:r>
+          </a:p>
+        </p:txBody>
+      </p:sp>
+      <p:sp>
+        <p:nvSpPr>
+          <p:cNvPr id="5" name="Rectangle 4">
+            <a:extLst>
+              <a:ext uri="{FF2B5EF4-FFF2-40B4-BE49-F238E27FC236}">
+                <a16:creationId xmlns:a16="http://schemas.microsoft.com/office/drawing/2014/main" id="{31DBC1F9-DA25-473A-D80D-F0B465668F72}"/>
+              </a:ext>
+            </a:extLst>
+          </p:cNvPr>
+          <p:cNvSpPr/>
+          <p:nvPr/>
+        </p:nvSpPr>
+        <p:spPr>
+          <a:xfrm>
+            <a:off x="1519205" y="2391791"/>
+            <a:ext cx="2528449" cy="311383"/>
+          </a:xfrm>
+          <a:prstGeom prst="rect">
+            <a:avLst/>
+          </a:prstGeom>
+          <a:solidFill>
+            <a:schemeClr val="bg1">
+              <a:lumMod val="50000"/>
+            </a:schemeClr>
+          </a:solidFill>
+          <a:ln>
+            <a:solidFill>
+              <a:schemeClr val="tx1">
+                <a:lumMod val="95000"/>
+                <a:lumOff val="5000"/>
+              </a:schemeClr>
+            </a:solidFill>
+          </a:ln>
+        </p:spPr>
+        <p:style>
+          <a:lnRef idx="2">
+            <a:schemeClr val="accent1">
+              <a:shade val="50000"/>
+            </a:schemeClr>
+          </a:lnRef>
+          <a:fillRef idx="1">
+            <a:schemeClr val="accent1"/>
+          </a:fillRef>
+          <a:effectRef idx="0">
+            <a:schemeClr val="accent1"/>
+          </a:effectRef>
+          <a:fontRef idx="minor">
+            <a:schemeClr val="lt1"/>
+          </a:fontRef>
+        </p:style>
+        <p:txBody>
+          <a:bodyPr rtlCol="0" anchor="ctr"/>
+          <a:lstStyle/>
+          <a:p>
+            <a:pPr algn="ctr"/>
+            <a:r>
+              <a:rPr lang="fr-FR" dirty="0"/>
+              <a:t>Identifiant</a:t>
+            </a:r>
+          </a:p>
+        </p:txBody>
+      </p:sp>
+      <p:sp>
+        <p:nvSpPr>
+          <p:cNvPr id="19" name="Rectangle 18">
+            <a:extLst>
+              <a:ext uri="{FF2B5EF4-FFF2-40B4-BE49-F238E27FC236}">
+                <a16:creationId xmlns:a16="http://schemas.microsoft.com/office/drawing/2014/main" id="{4FF134F9-4E00-0961-E2B9-BA0E41239E73}"/>
+              </a:ext>
+            </a:extLst>
+          </p:cNvPr>
+          <p:cNvSpPr/>
+          <p:nvPr/>
+        </p:nvSpPr>
+        <p:spPr>
+          <a:xfrm>
+            <a:off x="1519205" y="2807715"/>
+            <a:ext cx="2528449" cy="494480"/>
+          </a:xfrm>
+          <a:prstGeom prst="rect">
+            <a:avLst/>
+          </a:prstGeom>
+          <a:solidFill>
+            <a:schemeClr val="bg1"/>
+          </a:solidFill>
+          <a:ln>
+            <a:solidFill>
+              <a:schemeClr val="tx1">
+                <a:lumMod val="95000"/>
+                <a:lumOff val="5000"/>
+              </a:schemeClr>
+            </a:solidFill>
+          </a:ln>
+        </p:spPr>
+        <p:style>
+          <a:lnRef idx="2">
+            <a:schemeClr val="accent1">
+              <a:shade val="50000"/>
+            </a:schemeClr>
+          </a:lnRef>
+          <a:fillRef idx="1">
+            <a:schemeClr val="accent1"/>
+          </a:fillRef>
+          <a:effectRef idx="0">
+            <a:schemeClr val="accent1"/>
+          </a:effectRef>
+          <a:fontRef idx="minor">
+            <a:schemeClr val="lt1"/>
+          </a:fontRef>
+        </p:style>
+        <p:txBody>
+          <a:bodyPr rtlCol="0" anchor="ctr"/>
+          <a:lstStyle/>
+          <a:p>
+            <a:pPr algn="ctr"/>
+            <a:r>
+              <a:rPr lang="fr-FR" dirty="0"/>
+              <a:t>Nom</a:t>
+            </a:r>
+          </a:p>
+        </p:txBody>
+      </p:sp>
+      <p:sp>
+        <p:nvSpPr>
+          <p:cNvPr id="23" name="Rectangle 22">
+            <a:extLst>
+              <a:ext uri="{FF2B5EF4-FFF2-40B4-BE49-F238E27FC236}">
+                <a16:creationId xmlns:a16="http://schemas.microsoft.com/office/drawing/2014/main" id="{DBC81E62-D564-F321-41A7-E4022CA3A883}"/>
+              </a:ext>
+            </a:extLst>
+          </p:cNvPr>
+          <p:cNvSpPr/>
+          <p:nvPr/>
+        </p:nvSpPr>
+        <p:spPr>
+          <a:xfrm>
+            <a:off x="1491651" y="3524357"/>
+            <a:ext cx="2528449" cy="355922"/>
+          </a:xfrm>
+          <a:prstGeom prst="rect">
+            <a:avLst/>
+          </a:prstGeom>
+          <a:solidFill>
+            <a:schemeClr val="bg1">
+              <a:lumMod val="50000"/>
+            </a:schemeClr>
+          </a:solidFill>
+          <a:ln>
+            <a:solidFill>
+              <a:schemeClr val="tx1">
+                <a:lumMod val="95000"/>
+                <a:lumOff val="5000"/>
+              </a:schemeClr>
+            </a:solidFill>
+          </a:ln>
+        </p:spPr>
+        <p:style>
+          <a:lnRef idx="2">
+            <a:schemeClr val="accent1">
+              <a:shade val="50000"/>
+            </a:schemeClr>
+          </a:lnRef>
+          <a:fillRef idx="1">
+            <a:schemeClr val="accent1"/>
+          </a:fillRef>
+          <a:effectRef idx="0">
+            <a:schemeClr val="accent1"/>
+          </a:effectRef>
+          <a:fontRef idx="minor">
+            <a:schemeClr val="lt1"/>
+          </a:fontRef>
+        </p:style>
+        <p:txBody>
+          <a:bodyPr rtlCol="0" anchor="ctr"/>
+          <a:lstStyle/>
+          <a:p>
+            <a:pPr algn="ctr"/>
+            <a:r>
+              <a:rPr lang="fr-FR" dirty="0"/>
+              <a:t>Mot de passe</a:t>
+            </a:r>
+          </a:p>
+        </p:txBody>
+      </p:sp>
+      <p:sp>
+        <p:nvSpPr>
+          <p:cNvPr id="25" name="Rectangle 24">
+            <a:extLst>
+              <a:ext uri="{FF2B5EF4-FFF2-40B4-BE49-F238E27FC236}">
+                <a16:creationId xmlns:a16="http://schemas.microsoft.com/office/drawing/2014/main" id="{EFD9A355-7F06-F82A-C0CB-A5B96ED4775D}"/>
+              </a:ext>
+            </a:extLst>
+          </p:cNvPr>
+          <p:cNvSpPr/>
+          <p:nvPr/>
+        </p:nvSpPr>
+        <p:spPr>
+          <a:xfrm>
+            <a:off x="1491651" y="3945887"/>
+            <a:ext cx="2528449" cy="494480"/>
+          </a:xfrm>
+          <a:prstGeom prst="rect">
+            <a:avLst/>
+          </a:prstGeom>
+          <a:solidFill>
+            <a:schemeClr val="bg1"/>
+          </a:solidFill>
+          <a:ln>
+            <a:solidFill>
+              <a:schemeClr val="tx1">
+                <a:lumMod val="95000"/>
+                <a:lumOff val="5000"/>
+              </a:schemeClr>
+            </a:solidFill>
+          </a:ln>
+        </p:spPr>
+        <p:style>
+          <a:lnRef idx="2">
+            <a:schemeClr val="accent1">
+              <a:shade val="50000"/>
+            </a:schemeClr>
+          </a:lnRef>
+          <a:fillRef idx="1">
+            <a:schemeClr val="accent1"/>
+          </a:fillRef>
+          <a:effectRef idx="0">
+            <a:schemeClr val="accent1"/>
+          </a:effectRef>
+          <a:fontRef idx="minor">
+            <a:schemeClr val="lt1"/>
+          </a:fontRef>
+        </p:style>
+        <p:txBody>
+          <a:bodyPr rtlCol="0" anchor="ctr"/>
+          <a:lstStyle/>
+          <a:p>
+            <a:pPr algn="ctr"/>
+            <a:r>
+              <a:rPr lang="fr-FR" dirty="0"/>
+              <a:t>Nom</a:t>
+            </a:r>
+          </a:p>
+        </p:txBody>
+      </p:sp>
+    </p:spTree>
+    <p:extLst>
+      <p:ext uri="{BB962C8B-B14F-4D97-AF65-F5344CB8AC3E}">
+        <p14:creationId xmlns:p14="http://schemas.microsoft.com/office/powerpoint/2010/main" val="2636253567"/>
+      </p:ext>
+    </p:extLst>
+  </p:cSld>
+  <p:clrMapOvr>
+    <a:masterClrMapping/>
+  </p:clrMapOvr>
+</p:sld>
+</file>
+
+<file path=ppt/slides/slide9.xml><?xml version="1.0" encoding="utf-8"?>
 <p:sld xmlns:a="http://schemas.openxmlformats.org/drawingml/2006/main" xmlns:r="http://schemas.openxmlformats.org/officeDocument/2006/relationships" xmlns:p="http://schemas.openxmlformats.org/presentationml/2006/main">
   <p:cSld>
     <p:spTree>
@@ -18807,2148 +21014,6 @@
     <p:extLst>
       <p:ext uri="{BB962C8B-B14F-4D97-AF65-F5344CB8AC3E}">
         <p14:creationId xmlns:p14="http://schemas.microsoft.com/office/powerpoint/2010/main" val="1461441299"/>
-      </p:ext>
-    </p:extLst>
-  </p:cSld>
-  <p:clrMapOvr>
-    <a:masterClrMapping/>
-  </p:clrMapOvr>
-</p:sld>
-</file>
-
-<file path=ppt/slides/slide9.xml><?xml version="1.0" encoding="utf-8"?>
-<p:sld xmlns:a="http://schemas.openxmlformats.org/drawingml/2006/main" xmlns:r="http://schemas.openxmlformats.org/officeDocument/2006/relationships" xmlns:p="http://schemas.openxmlformats.org/presentationml/2006/main">
-  <p:cSld>
-    <p:spTree>
-      <p:nvGrpSpPr>
-        <p:cNvPr id="1" name=""/>
-        <p:cNvGrpSpPr/>
-        <p:nvPr/>
-      </p:nvGrpSpPr>
-      <p:grpSpPr>
-        <a:xfrm>
-          <a:off x="0" y="0"/>
-          <a:ext cx="0" cy="0"/>
-          <a:chOff x="0" y="0"/>
-          <a:chExt cx="0" cy="0"/>
-        </a:xfrm>
-      </p:grpSpPr>
-      <p:sp>
-        <p:nvSpPr>
-          <p:cNvPr id="4" name="Rectangle : coins arrondis 3">
-            <a:extLst>
-              <a:ext uri="{FF2B5EF4-FFF2-40B4-BE49-F238E27FC236}">
-                <a16:creationId xmlns:a16="http://schemas.microsoft.com/office/drawing/2014/main" id="{6CC9E5E7-A9D4-F6CC-CA5D-60E6CADD3A42}"/>
-              </a:ext>
-            </a:extLst>
-          </p:cNvPr>
-          <p:cNvSpPr/>
-          <p:nvPr/>
-        </p:nvSpPr>
-        <p:spPr>
-          <a:xfrm>
-            <a:off x="1134622" y="535497"/>
-            <a:ext cx="3177319" cy="5378742"/>
-          </a:xfrm>
-          <a:prstGeom prst="roundRect">
-            <a:avLst/>
-          </a:prstGeom>
-          <a:noFill/>
-          <a:ln>
-            <a:solidFill>
-              <a:schemeClr val="tx1">
-                <a:lumMod val="95000"/>
-                <a:lumOff val="5000"/>
-              </a:schemeClr>
-            </a:solidFill>
-          </a:ln>
-        </p:spPr>
-        <p:style>
-          <a:lnRef idx="2">
-            <a:schemeClr val="accent1">
-              <a:shade val="50000"/>
-            </a:schemeClr>
-          </a:lnRef>
-          <a:fillRef idx="1">
-            <a:schemeClr val="accent1"/>
-          </a:fillRef>
-          <a:effectRef idx="0">
-            <a:schemeClr val="accent1"/>
-          </a:effectRef>
-          <a:fontRef idx="minor">
-            <a:schemeClr val="lt1"/>
-          </a:fontRef>
-        </p:style>
-        <p:txBody>
-          <a:bodyPr rtlCol="0" anchor="ctr"/>
-          <a:lstStyle/>
-          <a:p>
-            <a:pPr algn="ctr"/>
-            <a:endParaRPr lang="fr-FR"/>
-          </a:p>
-        </p:txBody>
-      </p:sp>
-      <p:sp>
-        <p:nvSpPr>
-          <p:cNvPr id="6" name="Rectangle 5">
-            <a:extLst>
-              <a:ext uri="{FF2B5EF4-FFF2-40B4-BE49-F238E27FC236}">
-                <a16:creationId xmlns:a16="http://schemas.microsoft.com/office/drawing/2014/main" id="{6C887EFD-8C7E-69BB-8926-3CE708618A3F}"/>
-              </a:ext>
-            </a:extLst>
-          </p:cNvPr>
-          <p:cNvSpPr/>
-          <p:nvPr/>
-        </p:nvSpPr>
-        <p:spPr>
-          <a:xfrm>
-            <a:off x="3317877" y="854664"/>
-            <a:ext cx="729778" cy="661745"/>
-          </a:xfrm>
-          <a:prstGeom prst="rect">
-            <a:avLst/>
-          </a:prstGeom>
-          <a:solidFill>
-            <a:schemeClr val="bg1">
-              <a:lumMod val="65000"/>
-            </a:schemeClr>
-          </a:solidFill>
-          <a:ln>
-            <a:solidFill>
-              <a:schemeClr val="tx1">
-                <a:lumMod val="95000"/>
-                <a:lumOff val="5000"/>
-              </a:schemeClr>
-            </a:solidFill>
-          </a:ln>
-        </p:spPr>
-        <p:style>
-          <a:lnRef idx="2">
-            <a:schemeClr val="accent1">
-              <a:shade val="50000"/>
-            </a:schemeClr>
-          </a:lnRef>
-          <a:fillRef idx="1">
-            <a:schemeClr val="accent1"/>
-          </a:fillRef>
-          <a:effectRef idx="0">
-            <a:schemeClr val="accent1"/>
-          </a:effectRef>
-          <a:fontRef idx="minor">
-            <a:schemeClr val="lt1"/>
-          </a:fontRef>
-        </p:style>
-        <p:txBody>
-          <a:bodyPr rtlCol="0" anchor="ctr"/>
-          <a:lstStyle/>
-          <a:p>
-            <a:pPr algn="ctr"/>
-            <a:r>
-              <a:rPr lang="fr-FR" sz="1600" dirty="0"/>
-              <a:t>Menu</a:t>
-            </a:r>
-          </a:p>
-        </p:txBody>
-      </p:sp>
-      <p:sp>
-        <p:nvSpPr>
-          <p:cNvPr id="7" name="Rectangle 6">
-            <a:extLst>
-              <a:ext uri="{FF2B5EF4-FFF2-40B4-BE49-F238E27FC236}">
-                <a16:creationId xmlns:a16="http://schemas.microsoft.com/office/drawing/2014/main" id="{004BBD0A-3301-8C81-559A-04EC3767021D}"/>
-              </a:ext>
-            </a:extLst>
-          </p:cNvPr>
-          <p:cNvSpPr/>
-          <p:nvPr/>
-        </p:nvSpPr>
-        <p:spPr>
-          <a:xfrm>
-            <a:off x="1417804" y="1711340"/>
-            <a:ext cx="1233116" cy="822135"/>
-          </a:xfrm>
-          <a:prstGeom prst="rect">
-            <a:avLst/>
-          </a:prstGeom>
-          <a:solidFill>
-            <a:schemeClr val="bg1">
-              <a:lumMod val="50000"/>
-            </a:schemeClr>
-          </a:solidFill>
-          <a:ln>
-            <a:solidFill>
-              <a:schemeClr val="tx1">
-                <a:lumMod val="95000"/>
-                <a:lumOff val="5000"/>
-              </a:schemeClr>
-            </a:solidFill>
-          </a:ln>
-        </p:spPr>
-        <p:style>
-          <a:lnRef idx="2">
-            <a:schemeClr val="accent1">
-              <a:shade val="50000"/>
-            </a:schemeClr>
-          </a:lnRef>
-          <a:fillRef idx="1">
-            <a:schemeClr val="accent1"/>
-          </a:fillRef>
-          <a:effectRef idx="0">
-            <a:schemeClr val="accent1"/>
-          </a:effectRef>
-          <a:fontRef idx="minor">
-            <a:schemeClr val="lt1"/>
-          </a:fontRef>
-        </p:style>
-        <p:txBody>
-          <a:bodyPr rtlCol="0" anchor="ctr"/>
-          <a:lstStyle/>
-          <a:p>
-            <a:pPr algn="ctr"/>
-            <a:r>
-              <a:rPr lang="fr-FR" dirty="0"/>
-              <a:t>Service</a:t>
-            </a:r>
-          </a:p>
-        </p:txBody>
-      </p:sp>
-      <p:sp>
-        <p:nvSpPr>
-          <p:cNvPr id="8" name="Rectangle 7">
-            <a:extLst>
-              <a:ext uri="{FF2B5EF4-FFF2-40B4-BE49-F238E27FC236}">
-                <a16:creationId xmlns:a16="http://schemas.microsoft.com/office/drawing/2014/main" id="{8C24D0E8-2C61-12B9-B5BC-0601586CFD9A}"/>
-              </a:ext>
-            </a:extLst>
-          </p:cNvPr>
-          <p:cNvSpPr/>
-          <p:nvPr/>
-        </p:nvSpPr>
-        <p:spPr>
-          <a:xfrm>
-            <a:off x="2723281" y="1711340"/>
-            <a:ext cx="1324374" cy="822135"/>
-          </a:xfrm>
-          <a:prstGeom prst="rect">
-            <a:avLst/>
-          </a:prstGeom>
-          <a:solidFill>
-            <a:schemeClr val="bg1">
-              <a:lumMod val="50000"/>
-            </a:schemeClr>
-          </a:solidFill>
-          <a:ln>
-            <a:solidFill>
-              <a:schemeClr val="tx1">
-                <a:lumMod val="95000"/>
-                <a:lumOff val="5000"/>
-              </a:schemeClr>
-            </a:solidFill>
-          </a:ln>
-        </p:spPr>
-        <p:style>
-          <a:lnRef idx="2">
-            <a:schemeClr val="accent1">
-              <a:shade val="50000"/>
-            </a:schemeClr>
-          </a:lnRef>
-          <a:fillRef idx="1">
-            <a:schemeClr val="accent1"/>
-          </a:fillRef>
-          <a:effectRef idx="0">
-            <a:schemeClr val="accent1"/>
-          </a:effectRef>
-          <a:fontRef idx="minor">
-            <a:schemeClr val="lt1"/>
-          </a:fontRef>
-        </p:style>
-        <p:txBody>
-          <a:bodyPr rtlCol="0" anchor="ctr"/>
-          <a:lstStyle/>
-          <a:p>
-            <a:pPr algn="ctr"/>
-            <a:r>
-              <a:rPr lang="fr-FR" dirty="0"/>
-              <a:t>Service</a:t>
-            </a:r>
-          </a:p>
-        </p:txBody>
-      </p:sp>
-      <p:sp>
-        <p:nvSpPr>
-          <p:cNvPr id="9" name="Rectangle 8">
-            <a:extLst>
-              <a:ext uri="{FF2B5EF4-FFF2-40B4-BE49-F238E27FC236}">
-                <a16:creationId xmlns:a16="http://schemas.microsoft.com/office/drawing/2014/main" id="{5CD85C63-54D1-B0F2-6902-4A717F32908F}"/>
-              </a:ext>
-            </a:extLst>
-          </p:cNvPr>
-          <p:cNvSpPr/>
-          <p:nvPr/>
-        </p:nvSpPr>
-        <p:spPr>
-          <a:xfrm>
-            <a:off x="1417803" y="2639806"/>
-            <a:ext cx="2629852" cy="822135"/>
-          </a:xfrm>
-          <a:prstGeom prst="rect">
-            <a:avLst/>
-          </a:prstGeom>
-          <a:solidFill>
-            <a:schemeClr val="bg1">
-              <a:lumMod val="50000"/>
-            </a:schemeClr>
-          </a:solidFill>
-          <a:ln>
-            <a:solidFill>
-              <a:schemeClr val="tx1">
-                <a:lumMod val="95000"/>
-                <a:lumOff val="5000"/>
-              </a:schemeClr>
-            </a:solidFill>
-          </a:ln>
-        </p:spPr>
-        <p:style>
-          <a:lnRef idx="2">
-            <a:schemeClr val="accent1">
-              <a:shade val="50000"/>
-            </a:schemeClr>
-          </a:lnRef>
-          <a:fillRef idx="1">
-            <a:schemeClr val="accent1"/>
-          </a:fillRef>
-          <a:effectRef idx="0">
-            <a:schemeClr val="accent1"/>
-          </a:effectRef>
-          <a:fontRef idx="minor">
-            <a:schemeClr val="lt1"/>
-          </a:fontRef>
-        </p:style>
-        <p:txBody>
-          <a:bodyPr rtlCol="0" anchor="ctr"/>
-          <a:lstStyle/>
-          <a:p>
-            <a:pPr algn="ctr"/>
-            <a:r>
-              <a:rPr lang="fr-FR" dirty="0"/>
-              <a:t>Véhicules d’occasions</a:t>
-            </a:r>
-          </a:p>
-        </p:txBody>
-      </p:sp>
-      <p:sp>
-        <p:nvSpPr>
-          <p:cNvPr id="10" name="Rectangle 9">
-            <a:extLst>
-              <a:ext uri="{FF2B5EF4-FFF2-40B4-BE49-F238E27FC236}">
-                <a16:creationId xmlns:a16="http://schemas.microsoft.com/office/drawing/2014/main" id="{EC326338-4156-B831-392A-764CCAFF7BD4}"/>
-              </a:ext>
-            </a:extLst>
-          </p:cNvPr>
-          <p:cNvSpPr/>
-          <p:nvPr/>
-        </p:nvSpPr>
-        <p:spPr>
-          <a:xfrm>
-            <a:off x="1417803" y="3566959"/>
-            <a:ext cx="1233117" cy="510092"/>
-          </a:xfrm>
-          <a:prstGeom prst="rect">
-            <a:avLst/>
-          </a:prstGeom>
-          <a:solidFill>
-            <a:schemeClr val="bg1">
-              <a:lumMod val="65000"/>
-            </a:schemeClr>
-          </a:solidFill>
-          <a:ln>
-            <a:solidFill>
-              <a:schemeClr val="tx1">
-                <a:lumMod val="95000"/>
-                <a:lumOff val="5000"/>
-              </a:schemeClr>
-            </a:solidFill>
-          </a:ln>
-        </p:spPr>
-        <p:style>
-          <a:lnRef idx="2">
-            <a:schemeClr val="accent1">
-              <a:shade val="50000"/>
-            </a:schemeClr>
-          </a:lnRef>
-          <a:fillRef idx="1">
-            <a:schemeClr val="accent1"/>
-          </a:fillRef>
-          <a:effectRef idx="0">
-            <a:schemeClr val="accent1"/>
-          </a:effectRef>
-          <a:fontRef idx="minor">
-            <a:schemeClr val="lt1"/>
-          </a:fontRef>
-        </p:style>
-        <p:txBody>
-          <a:bodyPr rtlCol="0" anchor="ctr"/>
-          <a:lstStyle/>
-          <a:p>
-            <a:pPr algn="ctr"/>
-            <a:r>
-              <a:rPr lang="fr-FR" sz="1400" dirty="0"/>
-              <a:t>Commentaire</a:t>
-            </a:r>
-          </a:p>
-        </p:txBody>
-      </p:sp>
-      <p:sp>
-        <p:nvSpPr>
-          <p:cNvPr id="11" name="Rectangle 10">
-            <a:extLst>
-              <a:ext uri="{FF2B5EF4-FFF2-40B4-BE49-F238E27FC236}">
-                <a16:creationId xmlns:a16="http://schemas.microsoft.com/office/drawing/2014/main" id="{CFC0CE70-0DDA-8B3E-6F34-DB18063503DE}"/>
-              </a:ext>
-            </a:extLst>
-          </p:cNvPr>
-          <p:cNvSpPr/>
-          <p:nvPr/>
-        </p:nvSpPr>
-        <p:spPr>
-          <a:xfrm>
-            <a:off x="2723281" y="3566957"/>
-            <a:ext cx="1324374" cy="510093"/>
-          </a:xfrm>
-          <a:prstGeom prst="rect">
-            <a:avLst/>
-          </a:prstGeom>
-          <a:solidFill>
-            <a:schemeClr val="bg1">
-              <a:lumMod val="65000"/>
-            </a:schemeClr>
-          </a:solidFill>
-          <a:ln>
-            <a:solidFill>
-              <a:schemeClr val="tx1">
-                <a:lumMod val="95000"/>
-                <a:lumOff val="5000"/>
-              </a:schemeClr>
-            </a:solidFill>
-          </a:ln>
-        </p:spPr>
-        <p:style>
-          <a:lnRef idx="2">
-            <a:schemeClr val="accent1">
-              <a:shade val="50000"/>
-            </a:schemeClr>
-          </a:lnRef>
-          <a:fillRef idx="1">
-            <a:schemeClr val="accent1"/>
-          </a:fillRef>
-          <a:effectRef idx="0">
-            <a:schemeClr val="accent1"/>
-          </a:effectRef>
-          <a:fontRef idx="minor">
-            <a:schemeClr val="lt1"/>
-          </a:fontRef>
-        </p:style>
-        <p:txBody>
-          <a:bodyPr rtlCol="0" anchor="ctr"/>
-          <a:lstStyle/>
-          <a:p>
-            <a:pPr algn="ctr"/>
-            <a:r>
-              <a:rPr lang="fr-FR" sz="1400" dirty="0"/>
-              <a:t>Commentaire</a:t>
-            </a:r>
-          </a:p>
-        </p:txBody>
-      </p:sp>
-      <p:sp>
-        <p:nvSpPr>
-          <p:cNvPr id="12" name="Rectangle 11">
-            <a:extLst>
-              <a:ext uri="{FF2B5EF4-FFF2-40B4-BE49-F238E27FC236}">
-                <a16:creationId xmlns:a16="http://schemas.microsoft.com/office/drawing/2014/main" id="{CCC2746A-281E-B266-F16A-9CEF06B6E228}"/>
-              </a:ext>
-            </a:extLst>
-          </p:cNvPr>
-          <p:cNvSpPr/>
-          <p:nvPr/>
-        </p:nvSpPr>
-        <p:spPr>
-          <a:xfrm>
-            <a:off x="1417803" y="4172956"/>
-            <a:ext cx="2629852" cy="322468"/>
-          </a:xfrm>
-          <a:prstGeom prst="rect">
-            <a:avLst/>
-          </a:prstGeom>
-          <a:solidFill>
-            <a:schemeClr val="bg1">
-              <a:lumMod val="65000"/>
-            </a:schemeClr>
-          </a:solidFill>
-          <a:ln>
-            <a:solidFill>
-              <a:schemeClr val="tx1">
-                <a:lumMod val="95000"/>
-                <a:lumOff val="5000"/>
-              </a:schemeClr>
-            </a:solidFill>
-          </a:ln>
-        </p:spPr>
-        <p:style>
-          <a:lnRef idx="2">
-            <a:schemeClr val="accent1">
-              <a:shade val="50000"/>
-            </a:schemeClr>
-          </a:lnRef>
-          <a:fillRef idx="1">
-            <a:schemeClr val="accent1"/>
-          </a:fillRef>
-          <a:effectRef idx="0">
-            <a:schemeClr val="accent1"/>
-          </a:effectRef>
-          <a:fontRef idx="minor">
-            <a:schemeClr val="lt1"/>
-          </a:fontRef>
-        </p:style>
-        <p:txBody>
-          <a:bodyPr rtlCol="0" anchor="ctr"/>
-          <a:lstStyle/>
-          <a:p>
-            <a:pPr algn="ctr"/>
-            <a:r>
-              <a:rPr lang="fr-FR" dirty="0"/>
-              <a:t>Laisser un commentaire</a:t>
-            </a:r>
-          </a:p>
-        </p:txBody>
-      </p:sp>
-      <p:sp>
-        <p:nvSpPr>
-          <p:cNvPr id="13" name="Rectangle 12">
-            <a:extLst>
-              <a:ext uri="{FF2B5EF4-FFF2-40B4-BE49-F238E27FC236}">
-                <a16:creationId xmlns:a16="http://schemas.microsoft.com/office/drawing/2014/main" id="{CC827BB1-996D-73ED-C434-444119BDF240}"/>
-              </a:ext>
-            </a:extLst>
-          </p:cNvPr>
-          <p:cNvSpPr/>
-          <p:nvPr/>
-        </p:nvSpPr>
-        <p:spPr>
-          <a:xfrm>
-            <a:off x="1417803" y="4623871"/>
-            <a:ext cx="2629852" cy="822135"/>
-          </a:xfrm>
-          <a:prstGeom prst="rect">
-            <a:avLst/>
-          </a:prstGeom>
-          <a:solidFill>
-            <a:schemeClr val="bg1">
-              <a:lumMod val="65000"/>
-            </a:schemeClr>
-          </a:solidFill>
-          <a:ln>
-            <a:solidFill>
-              <a:schemeClr val="tx1">
-                <a:lumMod val="95000"/>
-                <a:lumOff val="5000"/>
-              </a:schemeClr>
-            </a:solidFill>
-          </a:ln>
-        </p:spPr>
-        <p:style>
-          <a:lnRef idx="2">
-            <a:schemeClr val="accent1">
-              <a:shade val="50000"/>
-            </a:schemeClr>
-          </a:lnRef>
-          <a:fillRef idx="1">
-            <a:schemeClr val="accent1"/>
-          </a:fillRef>
-          <a:effectRef idx="0">
-            <a:schemeClr val="accent1"/>
-          </a:effectRef>
-          <a:fontRef idx="minor">
-            <a:schemeClr val="lt1"/>
-          </a:fontRef>
-        </p:style>
-        <p:txBody>
-          <a:bodyPr rtlCol="0" anchor="ctr"/>
-          <a:lstStyle/>
-          <a:p>
-            <a:pPr algn="ctr"/>
-            <a:r>
-              <a:rPr lang="fr-FR" dirty="0"/>
-              <a:t>Horaires</a:t>
-            </a:r>
-          </a:p>
-        </p:txBody>
-      </p:sp>
-      <p:sp>
-        <p:nvSpPr>
-          <p:cNvPr id="14" name="Rectangle : coins arrondis 13">
-            <a:extLst>
-              <a:ext uri="{FF2B5EF4-FFF2-40B4-BE49-F238E27FC236}">
-                <a16:creationId xmlns:a16="http://schemas.microsoft.com/office/drawing/2014/main" id="{3CE13B42-B9DB-E0D4-9875-31B8B363C20D}"/>
-              </a:ext>
-            </a:extLst>
-          </p:cNvPr>
-          <p:cNvSpPr/>
-          <p:nvPr/>
-        </p:nvSpPr>
-        <p:spPr>
-          <a:xfrm>
-            <a:off x="4906536" y="537133"/>
-            <a:ext cx="3177319" cy="5378742"/>
-          </a:xfrm>
-          <a:prstGeom prst="roundRect">
-            <a:avLst/>
-          </a:prstGeom>
-          <a:noFill/>
-          <a:ln>
-            <a:solidFill>
-              <a:schemeClr val="tx1">
-                <a:lumMod val="95000"/>
-                <a:lumOff val="5000"/>
-              </a:schemeClr>
-            </a:solidFill>
-          </a:ln>
-        </p:spPr>
-        <p:style>
-          <a:lnRef idx="2">
-            <a:schemeClr val="accent1">
-              <a:shade val="50000"/>
-            </a:schemeClr>
-          </a:lnRef>
-          <a:fillRef idx="1">
-            <a:schemeClr val="accent1"/>
-          </a:fillRef>
-          <a:effectRef idx="0">
-            <a:schemeClr val="accent1"/>
-          </a:effectRef>
-          <a:fontRef idx="minor">
-            <a:schemeClr val="lt1"/>
-          </a:fontRef>
-        </p:style>
-        <p:txBody>
-          <a:bodyPr rtlCol="0" anchor="ctr"/>
-          <a:lstStyle/>
-          <a:p>
-            <a:pPr algn="ctr"/>
-            <a:endParaRPr lang="fr-FR"/>
-          </a:p>
-        </p:txBody>
-      </p:sp>
-      <p:sp>
-        <p:nvSpPr>
-          <p:cNvPr id="16" name="Rectangle 15">
-            <a:extLst>
-              <a:ext uri="{FF2B5EF4-FFF2-40B4-BE49-F238E27FC236}">
-                <a16:creationId xmlns:a16="http://schemas.microsoft.com/office/drawing/2014/main" id="{03D86F8D-1F1C-E961-87B9-8D7E3868EAFD}"/>
-              </a:ext>
-            </a:extLst>
-          </p:cNvPr>
-          <p:cNvSpPr/>
-          <p:nvPr/>
-        </p:nvSpPr>
-        <p:spPr>
-          <a:xfrm>
-            <a:off x="7089791" y="856300"/>
-            <a:ext cx="729778" cy="661745"/>
-          </a:xfrm>
-          <a:prstGeom prst="rect">
-            <a:avLst/>
-          </a:prstGeom>
-          <a:solidFill>
-            <a:schemeClr val="bg1">
-              <a:lumMod val="65000"/>
-            </a:schemeClr>
-          </a:solidFill>
-          <a:ln>
-            <a:solidFill>
-              <a:schemeClr val="tx1">
-                <a:lumMod val="95000"/>
-                <a:lumOff val="5000"/>
-              </a:schemeClr>
-            </a:solidFill>
-          </a:ln>
-        </p:spPr>
-        <p:style>
-          <a:lnRef idx="2">
-            <a:schemeClr val="accent1">
-              <a:shade val="50000"/>
-            </a:schemeClr>
-          </a:lnRef>
-          <a:fillRef idx="1">
-            <a:schemeClr val="accent1"/>
-          </a:fillRef>
-          <a:effectRef idx="0">
-            <a:schemeClr val="accent1"/>
-          </a:effectRef>
-          <a:fontRef idx="minor">
-            <a:schemeClr val="lt1"/>
-          </a:fontRef>
-        </p:style>
-        <p:txBody>
-          <a:bodyPr rtlCol="0" anchor="ctr"/>
-          <a:lstStyle/>
-          <a:p>
-            <a:pPr algn="ctr"/>
-            <a:r>
-              <a:rPr lang="fr-FR" sz="1600" dirty="0"/>
-              <a:t>Menu</a:t>
-            </a:r>
-          </a:p>
-        </p:txBody>
-      </p:sp>
-      <p:sp>
-        <p:nvSpPr>
-          <p:cNvPr id="23" name="Rectangle 22">
-            <a:extLst>
-              <a:ext uri="{FF2B5EF4-FFF2-40B4-BE49-F238E27FC236}">
-                <a16:creationId xmlns:a16="http://schemas.microsoft.com/office/drawing/2014/main" id="{83CBF4FD-AB2A-09F8-BC6C-9862D647B541}"/>
-              </a:ext>
-            </a:extLst>
-          </p:cNvPr>
-          <p:cNvSpPr/>
-          <p:nvPr/>
-        </p:nvSpPr>
-        <p:spPr>
-          <a:xfrm>
-            <a:off x="5189717" y="4625507"/>
-            <a:ext cx="2629852" cy="822135"/>
-          </a:xfrm>
-          <a:prstGeom prst="rect">
-            <a:avLst/>
-          </a:prstGeom>
-          <a:solidFill>
-            <a:schemeClr val="bg1">
-              <a:lumMod val="65000"/>
-            </a:schemeClr>
-          </a:solidFill>
-          <a:ln>
-            <a:solidFill>
-              <a:schemeClr val="tx1">
-                <a:lumMod val="95000"/>
-                <a:lumOff val="5000"/>
-              </a:schemeClr>
-            </a:solidFill>
-          </a:ln>
-        </p:spPr>
-        <p:style>
-          <a:lnRef idx="2">
-            <a:schemeClr val="accent1">
-              <a:shade val="50000"/>
-            </a:schemeClr>
-          </a:lnRef>
-          <a:fillRef idx="1">
-            <a:schemeClr val="accent1"/>
-          </a:fillRef>
-          <a:effectRef idx="0">
-            <a:schemeClr val="accent1"/>
-          </a:effectRef>
-          <a:fontRef idx="minor">
-            <a:schemeClr val="lt1"/>
-          </a:fontRef>
-        </p:style>
-        <p:txBody>
-          <a:bodyPr rtlCol="0" anchor="ctr"/>
-          <a:lstStyle/>
-          <a:p>
-            <a:pPr algn="ctr"/>
-            <a:r>
-              <a:rPr lang="fr-FR" dirty="0"/>
-              <a:t>Horaires</a:t>
-            </a:r>
-          </a:p>
-        </p:txBody>
-      </p:sp>
-      <p:sp>
-        <p:nvSpPr>
-          <p:cNvPr id="25" name="Rectangle : coins arrondis 24">
-            <a:extLst>
-              <a:ext uri="{FF2B5EF4-FFF2-40B4-BE49-F238E27FC236}">
-                <a16:creationId xmlns:a16="http://schemas.microsoft.com/office/drawing/2014/main" id="{E8B0A5EB-F628-03FE-D4FF-0128550E70B8}"/>
-              </a:ext>
-            </a:extLst>
-          </p:cNvPr>
-          <p:cNvSpPr/>
-          <p:nvPr/>
-        </p:nvSpPr>
-        <p:spPr>
-          <a:xfrm>
-            <a:off x="8523589" y="535497"/>
-            <a:ext cx="3177319" cy="5378742"/>
-          </a:xfrm>
-          <a:prstGeom prst="roundRect">
-            <a:avLst/>
-          </a:prstGeom>
-          <a:noFill/>
-          <a:ln>
-            <a:solidFill>
-              <a:schemeClr val="tx1">
-                <a:lumMod val="95000"/>
-                <a:lumOff val="5000"/>
-              </a:schemeClr>
-            </a:solidFill>
-          </a:ln>
-        </p:spPr>
-        <p:style>
-          <a:lnRef idx="2">
-            <a:schemeClr val="accent1">
-              <a:shade val="50000"/>
-            </a:schemeClr>
-          </a:lnRef>
-          <a:fillRef idx="1">
-            <a:schemeClr val="accent1"/>
-          </a:fillRef>
-          <a:effectRef idx="0">
-            <a:schemeClr val="accent1"/>
-          </a:effectRef>
-          <a:fontRef idx="minor">
-            <a:schemeClr val="lt1"/>
-          </a:fontRef>
-        </p:style>
-        <p:txBody>
-          <a:bodyPr rtlCol="0" anchor="ctr"/>
-          <a:lstStyle/>
-          <a:p>
-            <a:pPr algn="ctr"/>
-            <a:endParaRPr lang="fr-FR"/>
-          </a:p>
-        </p:txBody>
-      </p:sp>
-      <p:sp>
-        <p:nvSpPr>
-          <p:cNvPr id="27" name="Rectangle 26">
-            <a:extLst>
-              <a:ext uri="{FF2B5EF4-FFF2-40B4-BE49-F238E27FC236}">
-                <a16:creationId xmlns:a16="http://schemas.microsoft.com/office/drawing/2014/main" id="{2EDF2950-5032-93BC-9AAA-268A239755F6}"/>
-              </a:ext>
-            </a:extLst>
-          </p:cNvPr>
-          <p:cNvSpPr/>
-          <p:nvPr/>
-        </p:nvSpPr>
-        <p:spPr>
-          <a:xfrm>
-            <a:off x="10706844" y="854664"/>
-            <a:ext cx="729778" cy="661745"/>
-          </a:xfrm>
-          <a:prstGeom prst="rect">
-            <a:avLst/>
-          </a:prstGeom>
-          <a:solidFill>
-            <a:schemeClr val="bg1">
-              <a:lumMod val="65000"/>
-            </a:schemeClr>
-          </a:solidFill>
-          <a:ln>
-            <a:solidFill>
-              <a:schemeClr val="tx1">
-                <a:lumMod val="95000"/>
-                <a:lumOff val="5000"/>
-              </a:schemeClr>
-            </a:solidFill>
-          </a:ln>
-        </p:spPr>
-        <p:style>
-          <a:lnRef idx="2">
-            <a:schemeClr val="accent1">
-              <a:shade val="50000"/>
-            </a:schemeClr>
-          </a:lnRef>
-          <a:fillRef idx="1">
-            <a:schemeClr val="accent1"/>
-          </a:fillRef>
-          <a:effectRef idx="0">
-            <a:schemeClr val="accent1"/>
-          </a:effectRef>
-          <a:fontRef idx="minor">
-            <a:schemeClr val="lt1"/>
-          </a:fontRef>
-        </p:style>
-        <p:txBody>
-          <a:bodyPr rtlCol="0" anchor="ctr"/>
-          <a:lstStyle/>
-          <a:p>
-            <a:pPr algn="ctr"/>
-            <a:r>
-              <a:rPr lang="fr-FR" sz="1600" dirty="0"/>
-              <a:t>Menu</a:t>
-            </a:r>
-          </a:p>
-        </p:txBody>
-      </p:sp>
-      <p:sp>
-        <p:nvSpPr>
-          <p:cNvPr id="28" name="Rectangle 27">
-            <a:extLst>
-              <a:ext uri="{FF2B5EF4-FFF2-40B4-BE49-F238E27FC236}">
-                <a16:creationId xmlns:a16="http://schemas.microsoft.com/office/drawing/2014/main" id="{210BBA93-525D-CBC3-0CF2-80A3D250367A}"/>
-              </a:ext>
-            </a:extLst>
-          </p:cNvPr>
-          <p:cNvSpPr/>
-          <p:nvPr/>
-        </p:nvSpPr>
-        <p:spPr>
-          <a:xfrm>
-            <a:off x="8806770" y="1711340"/>
-            <a:ext cx="2629852" cy="1325475"/>
-          </a:xfrm>
-          <a:prstGeom prst="rect">
-            <a:avLst/>
-          </a:prstGeom>
-          <a:solidFill>
-            <a:schemeClr val="bg1">
-              <a:lumMod val="50000"/>
-            </a:schemeClr>
-          </a:solidFill>
-          <a:ln>
-            <a:solidFill>
-              <a:schemeClr val="tx1">
-                <a:lumMod val="95000"/>
-                <a:lumOff val="5000"/>
-              </a:schemeClr>
-            </a:solidFill>
-          </a:ln>
-        </p:spPr>
-        <p:style>
-          <a:lnRef idx="2">
-            <a:schemeClr val="accent1">
-              <a:shade val="50000"/>
-            </a:schemeClr>
-          </a:lnRef>
-          <a:fillRef idx="1">
-            <a:schemeClr val="accent1"/>
-          </a:fillRef>
-          <a:effectRef idx="0">
-            <a:schemeClr val="accent1"/>
-          </a:effectRef>
-          <a:fontRef idx="minor">
-            <a:schemeClr val="lt1"/>
-          </a:fontRef>
-        </p:style>
-        <p:txBody>
-          <a:bodyPr rtlCol="0" anchor="ctr"/>
-          <a:lstStyle/>
-          <a:p>
-            <a:pPr algn="ctr"/>
-            <a:r>
-              <a:rPr lang="fr-FR" dirty="0"/>
-              <a:t>Galerie</a:t>
-            </a:r>
-          </a:p>
-        </p:txBody>
-      </p:sp>
-      <p:sp>
-        <p:nvSpPr>
-          <p:cNvPr id="29" name="Rectangle 28">
-            <a:extLst>
-              <a:ext uri="{FF2B5EF4-FFF2-40B4-BE49-F238E27FC236}">
-                <a16:creationId xmlns:a16="http://schemas.microsoft.com/office/drawing/2014/main" id="{A8C4658B-5AEA-3141-87B7-2170E9403C0D}"/>
-              </a:ext>
-            </a:extLst>
-          </p:cNvPr>
-          <p:cNvSpPr/>
-          <p:nvPr/>
-        </p:nvSpPr>
-        <p:spPr>
-          <a:xfrm>
-            <a:off x="8816218" y="5911435"/>
-            <a:ext cx="2629852" cy="822135"/>
-          </a:xfrm>
-          <a:prstGeom prst="rect">
-            <a:avLst/>
-          </a:prstGeom>
-          <a:solidFill>
-            <a:schemeClr val="bg1">
-              <a:lumMod val="65000"/>
-            </a:schemeClr>
-          </a:solidFill>
-          <a:ln>
-            <a:solidFill>
-              <a:schemeClr val="tx1">
-                <a:lumMod val="95000"/>
-                <a:lumOff val="5000"/>
-              </a:schemeClr>
-            </a:solidFill>
-          </a:ln>
-        </p:spPr>
-        <p:style>
-          <a:lnRef idx="2">
-            <a:schemeClr val="accent1">
-              <a:shade val="50000"/>
-            </a:schemeClr>
-          </a:lnRef>
-          <a:fillRef idx="1">
-            <a:schemeClr val="accent1"/>
-          </a:fillRef>
-          <a:effectRef idx="0">
-            <a:schemeClr val="accent1"/>
-          </a:effectRef>
-          <a:fontRef idx="minor">
-            <a:schemeClr val="lt1"/>
-          </a:fontRef>
-        </p:style>
-        <p:txBody>
-          <a:bodyPr rtlCol="0" anchor="ctr"/>
-          <a:lstStyle/>
-          <a:p>
-            <a:pPr algn="ctr"/>
-            <a:r>
-              <a:rPr lang="fr-FR" dirty="0"/>
-              <a:t>Horaires</a:t>
-            </a:r>
-          </a:p>
-        </p:txBody>
-      </p:sp>
-      <p:sp>
-        <p:nvSpPr>
-          <p:cNvPr id="30" name="Rectangle 29">
-            <a:extLst>
-              <a:ext uri="{FF2B5EF4-FFF2-40B4-BE49-F238E27FC236}">
-                <a16:creationId xmlns:a16="http://schemas.microsoft.com/office/drawing/2014/main" id="{97426FA7-9865-CC0D-0D95-15FDF8FFF671}"/>
-              </a:ext>
-            </a:extLst>
-          </p:cNvPr>
-          <p:cNvSpPr/>
-          <p:nvPr/>
-        </p:nvSpPr>
-        <p:spPr>
-          <a:xfrm>
-            <a:off x="8816218" y="5036482"/>
-            <a:ext cx="2629852" cy="822135"/>
-          </a:xfrm>
-          <a:prstGeom prst="rect">
-            <a:avLst/>
-          </a:prstGeom>
-          <a:solidFill>
-            <a:schemeClr val="bg1">
-              <a:lumMod val="65000"/>
-            </a:schemeClr>
-          </a:solidFill>
-          <a:ln>
-            <a:solidFill>
-              <a:schemeClr val="tx1">
-                <a:lumMod val="95000"/>
-                <a:lumOff val="5000"/>
-              </a:schemeClr>
-            </a:solidFill>
-          </a:ln>
-        </p:spPr>
-        <p:style>
-          <a:lnRef idx="2">
-            <a:schemeClr val="accent1">
-              <a:shade val="50000"/>
-            </a:schemeClr>
-          </a:lnRef>
-          <a:fillRef idx="1">
-            <a:schemeClr val="accent1"/>
-          </a:fillRef>
-          <a:effectRef idx="0">
-            <a:schemeClr val="accent1"/>
-          </a:effectRef>
-          <a:fontRef idx="minor">
-            <a:schemeClr val="lt1"/>
-          </a:fontRef>
-        </p:style>
-        <p:txBody>
-          <a:bodyPr rtlCol="0" anchor="ctr"/>
-          <a:lstStyle/>
-          <a:p>
-            <a:pPr algn="ctr"/>
-            <a:r>
-              <a:rPr lang="fr-FR" dirty="0"/>
-              <a:t>Formulaire contact</a:t>
-            </a:r>
-          </a:p>
-        </p:txBody>
-      </p:sp>
-      <p:sp>
-        <p:nvSpPr>
-          <p:cNvPr id="32" name="Rectangle 31">
-            <a:extLst>
-              <a:ext uri="{FF2B5EF4-FFF2-40B4-BE49-F238E27FC236}">
-                <a16:creationId xmlns:a16="http://schemas.microsoft.com/office/drawing/2014/main" id="{4E296B4A-C0D8-9469-EC9E-7189F8126585}"/>
-              </a:ext>
-            </a:extLst>
-          </p:cNvPr>
-          <p:cNvSpPr/>
-          <p:nvPr/>
-        </p:nvSpPr>
-        <p:spPr>
-          <a:xfrm>
-            <a:off x="8797322" y="3148651"/>
-            <a:ext cx="2629852" cy="508949"/>
-          </a:xfrm>
-          <a:prstGeom prst="rect">
-            <a:avLst/>
-          </a:prstGeom>
-          <a:solidFill>
-            <a:schemeClr val="bg1">
-              <a:lumMod val="50000"/>
-            </a:schemeClr>
-          </a:solidFill>
-          <a:ln>
-            <a:solidFill>
-              <a:schemeClr val="tx1">
-                <a:lumMod val="95000"/>
-                <a:lumOff val="5000"/>
-              </a:schemeClr>
-            </a:solidFill>
-          </a:ln>
-        </p:spPr>
-        <p:style>
-          <a:lnRef idx="2">
-            <a:schemeClr val="accent1">
-              <a:shade val="50000"/>
-            </a:schemeClr>
-          </a:lnRef>
-          <a:fillRef idx="1">
-            <a:schemeClr val="accent1"/>
-          </a:fillRef>
-          <a:effectRef idx="0">
-            <a:schemeClr val="accent1"/>
-          </a:effectRef>
-          <a:fontRef idx="minor">
-            <a:schemeClr val="lt1"/>
-          </a:fontRef>
-        </p:style>
-        <p:txBody>
-          <a:bodyPr rtlCol="0" anchor="ctr"/>
-          <a:lstStyle/>
-          <a:p>
-            <a:pPr algn="ctr"/>
-            <a:r>
-              <a:rPr lang="fr-FR" dirty="0"/>
-              <a:t>Caractéristiques</a:t>
-            </a:r>
-          </a:p>
-        </p:txBody>
-      </p:sp>
-      <p:sp>
-        <p:nvSpPr>
-          <p:cNvPr id="33" name="Rectangle 32">
-            <a:extLst>
-              <a:ext uri="{FF2B5EF4-FFF2-40B4-BE49-F238E27FC236}">
-                <a16:creationId xmlns:a16="http://schemas.microsoft.com/office/drawing/2014/main" id="{5ABFF13D-C36E-7E1E-FBA7-60DD32EC3D2F}"/>
-              </a:ext>
-            </a:extLst>
-          </p:cNvPr>
-          <p:cNvSpPr/>
-          <p:nvPr/>
-        </p:nvSpPr>
-        <p:spPr>
-          <a:xfrm>
-            <a:off x="8797322" y="3769436"/>
-            <a:ext cx="2629852" cy="508949"/>
-          </a:xfrm>
-          <a:prstGeom prst="rect">
-            <a:avLst/>
-          </a:prstGeom>
-          <a:solidFill>
-            <a:schemeClr val="bg1">
-              <a:lumMod val="50000"/>
-            </a:schemeClr>
-          </a:solidFill>
-          <a:ln>
-            <a:solidFill>
-              <a:schemeClr val="tx1">
-                <a:lumMod val="95000"/>
-                <a:lumOff val="5000"/>
-              </a:schemeClr>
-            </a:solidFill>
-          </a:ln>
-        </p:spPr>
-        <p:style>
-          <a:lnRef idx="2">
-            <a:schemeClr val="accent1">
-              <a:shade val="50000"/>
-            </a:schemeClr>
-          </a:lnRef>
-          <a:fillRef idx="1">
-            <a:schemeClr val="accent1"/>
-          </a:fillRef>
-          <a:effectRef idx="0">
-            <a:schemeClr val="accent1"/>
-          </a:effectRef>
-          <a:fontRef idx="minor">
-            <a:schemeClr val="lt1"/>
-          </a:fontRef>
-        </p:style>
-        <p:txBody>
-          <a:bodyPr rtlCol="0" anchor="ctr"/>
-          <a:lstStyle/>
-          <a:p>
-            <a:pPr algn="ctr"/>
-            <a:r>
-              <a:rPr lang="fr-FR" dirty="0"/>
-              <a:t>Équipements</a:t>
-            </a:r>
-          </a:p>
-        </p:txBody>
-      </p:sp>
-      <p:sp>
-        <p:nvSpPr>
-          <p:cNvPr id="34" name="Rectangle 33">
-            <a:extLst>
-              <a:ext uri="{FF2B5EF4-FFF2-40B4-BE49-F238E27FC236}">
-                <a16:creationId xmlns:a16="http://schemas.microsoft.com/office/drawing/2014/main" id="{FE236CE8-D502-D26E-D74D-DE9AE46F53AF}"/>
-              </a:ext>
-            </a:extLst>
-          </p:cNvPr>
-          <p:cNvSpPr/>
-          <p:nvPr/>
-        </p:nvSpPr>
-        <p:spPr>
-          <a:xfrm>
-            <a:off x="8797322" y="4402959"/>
-            <a:ext cx="2629852" cy="508949"/>
-          </a:xfrm>
-          <a:prstGeom prst="rect">
-            <a:avLst/>
-          </a:prstGeom>
-          <a:solidFill>
-            <a:schemeClr val="bg1">
-              <a:lumMod val="50000"/>
-            </a:schemeClr>
-          </a:solidFill>
-          <a:ln>
-            <a:solidFill>
-              <a:schemeClr val="tx1">
-                <a:lumMod val="95000"/>
-                <a:lumOff val="5000"/>
-              </a:schemeClr>
-            </a:solidFill>
-          </a:ln>
-        </p:spPr>
-        <p:style>
-          <a:lnRef idx="2">
-            <a:schemeClr val="accent1">
-              <a:shade val="50000"/>
-            </a:schemeClr>
-          </a:lnRef>
-          <a:fillRef idx="1">
-            <a:schemeClr val="accent1"/>
-          </a:fillRef>
-          <a:effectRef idx="0">
-            <a:schemeClr val="accent1"/>
-          </a:effectRef>
-          <a:fontRef idx="minor">
-            <a:schemeClr val="lt1"/>
-          </a:fontRef>
-        </p:style>
-        <p:txBody>
-          <a:bodyPr rtlCol="0" anchor="ctr"/>
-          <a:lstStyle/>
-          <a:p>
-            <a:pPr algn="ctr"/>
-            <a:r>
-              <a:rPr lang="fr-FR" dirty="0"/>
-              <a:t>Options</a:t>
-            </a:r>
-          </a:p>
-        </p:txBody>
-      </p:sp>
-      <p:sp>
-        <p:nvSpPr>
-          <p:cNvPr id="2" name="Rectangle 1">
-            <a:extLst>
-              <a:ext uri="{FF2B5EF4-FFF2-40B4-BE49-F238E27FC236}">
-                <a16:creationId xmlns:a16="http://schemas.microsoft.com/office/drawing/2014/main" id="{7D97CBBE-F17C-9C25-DEDD-8C85D6F96618}"/>
-              </a:ext>
-            </a:extLst>
-          </p:cNvPr>
-          <p:cNvSpPr/>
-          <p:nvPr/>
-        </p:nvSpPr>
-        <p:spPr>
-          <a:xfrm>
-            <a:off x="1417803" y="854663"/>
-            <a:ext cx="730500" cy="661745"/>
-          </a:xfrm>
-          <a:prstGeom prst="rect">
-            <a:avLst/>
-          </a:prstGeom>
-          <a:solidFill>
-            <a:schemeClr val="bg1"/>
-          </a:solidFill>
-          <a:ln>
-            <a:solidFill>
-              <a:schemeClr val="tx1">
-                <a:lumMod val="95000"/>
-                <a:lumOff val="5000"/>
-              </a:schemeClr>
-            </a:solidFill>
-          </a:ln>
-        </p:spPr>
-        <p:style>
-          <a:lnRef idx="2">
-            <a:schemeClr val="accent1">
-              <a:shade val="50000"/>
-            </a:schemeClr>
-          </a:lnRef>
-          <a:fillRef idx="1">
-            <a:schemeClr val="accent1"/>
-          </a:fillRef>
-          <a:effectRef idx="0">
-            <a:schemeClr val="accent1"/>
-          </a:effectRef>
-          <a:fontRef idx="minor">
-            <a:schemeClr val="lt1"/>
-          </a:fontRef>
-        </p:style>
-        <p:txBody>
-          <a:bodyPr rtlCol="0" anchor="ctr"/>
-          <a:lstStyle/>
-          <a:p>
-            <a:pPr algn="ctr"/>
-            <a:r>
-              <a:rPr lang="fr-FR" dirty="0"/>
-              <a:t>Logo</a:t>
-            </a:r>
-          </a:p>
-        </p:txBody>
-      </p:sp>
-      <p:grpSp>
-        <p:nvGrpSpPr>
-          <p:cNvPr id="3" name="Groupe 2">
-            <a:extLst>
-              <a:ext uri="{FF2B5EF4-FFF2-40B4-BE49-F238E27FC236}">
-                <a16:creationId xmlns:a16="http://schemas.microsoft.com/office/drawing/2014/main" id="{6071B9F9-5728-9FC9-AB49-0F51C14B336D}"/>
-              </a:ext>
-            </a:extLst>
-          </p:cNvPr>
-          <p:cNvGrpSpPr/>
-          <p:nvPr/>
-        </p:nvGrpSpPr>
-        <p:grpSpPr>
-          <a:xfrm>
-            <a:off x="1409350" y="854662"/>
-            <a:ext cx="738230" cy="661746"/>
-            <a:chOff x="100668" y="125820"/>
-            <a:chExt cx="1602297" cy="661746"/>
-          </a:xfrm>
-        </p:grpSpPr>
-        <p:cxnSp>
-          <p:nvCxnSpPr>
-            <p:cNvPr id="18" name="Connecteur droit 17">
-              <a:extLst>
-                <a:ext uri="{FF2B5EF4-FFF2-40B4-BE49-F238E27FC236}">
-                  <a16:creationId xmlns:a16="http://schemas.microsoft.com/office/drawing/2014/main" id="{F412F446-0830-1017-BA34-F378F1F79C28}"/>
-                </a:ext>
-              </a:extLst>
-            </p:cNvPr>
-            <p:cNvCxnSpPr/>
-            <p:nvPr/>
-          </p:nvCxnSpPr>
-          <p:spPr>
-            <a:xfrm>
-              <a:off x="100668" y="125820"/>
-              <a:ext cx="1602297" cy="661746"/>
-            </a:xfrm>
-            <a:prstGeom prst="line">
-              <a:avLst/>
-            </a:prstGeom>
-          </p:spPr>
-          <p:style>
-            <a:lnRef idx="1">
-              <a:schemeClr val="dk1"/>
-            </a:lnRef>
-            <a:fillRef idx="0">
-              <a:schemeClr val="dk1"/>
-            </a:fillRef>
-            <a:effectRef idx="0">
-              <a:schemeClr val="dk1"/>
-            </a:effectRef>
-            <a:fontRef idx="minor">
-              <a:schemeClr val="tx1"/>
-            </a:fontRef>
-          </p:style>
-        </p:cxnSp>
-        <p:cxnSp>
-          <p:nvCxnSpPr>
-            <p:cNvPr id="19" name="Connecteur droit 18">
-              <a:extLst>
-                <a:ext uri="{FF2B5EF4-FFF2-40B4-BE49-F238E27FC236}">
-                  <a16:creationId xmlns:a16="http://schemas.microsoft.com/office/drawing/2014/main" id="{7186DB3D-3BE1-7A3F-948D-EEEA51B882DE}"/>
-                </a:ext>
-              </a:extLst>
-            </p:cNvPr>
-            <p:cNvCxnSpPr>
-              <a:cxnSpLocks/>
-            </p:cNvCxnSpPr>
-            <p:nvPr/>
-          </p:nvCxnSpPr>
-          <p:spPr>
-            <a:xfrm flipV="1">
-              <a:off x="109122" y="125820"/>
-              <a:ext cx="1593843" cy="661746"/>
-            </a:xfrm>
-            <a:prstGeom prst="line">
-              <a:avLst/>
-            </a:prstGeom>
-          </p:spPr>
-          <p:style>
-            <a:lnRef idx="1">
-              <a:schemeClr val="dk1"/>
-            </a:lnRef>
-            <a:fillRef idx="0">
-              <a:schemeClr val="dk1"/>
-            </a:fillRef>
-            <a:effectRef idx="0">
-              <a:schemeClr val="dk1"/>
-            </a:effectRef>
-            <a:fontRef idx="minor">
-              <a:schemeClr val="tx1"/>
-            </a:fontRef>
-          </p:style>
-        </p:cxnSp>
-      </p:grpSp>
-      <p:sp>
-        <p:nvSpPr>
-          <p:cNvPr id="21" name="Rectangle 20">
-            <a:extLst>
-              <a:ext uri="{FF2B5EF4-FFF2-40B4-BE49-F238E27FC236}">
-                <a16:creationId xmlns:a16="http://schemas.microsoft.com/office/drawing/2014/main" id="{7D3CFD55-F4EC-E8F0-6D21-888F47900E41}"/>
-              </a:ext>
-            </a:extLst>
-          </p:cNvPr>
-          <p:cNvSpPr/>
-          <p:nvPr/>
-        </p:nvSpPr>
-        <p:spPr>
-          <a:xfrm>
-            <a:off x="8811723" y="866480"/>
-            <a:ext cx="730500" cy="661745"/>
-          </a:xfrm>
-          <a:prstGeom prst="rect">
-            <a:avLst/>
-          </a:prstGeom>
-          <a:solidFill>
-            <a:schemeClr val="bg1"/>
-          </a:solidFill>
-          <a:ln>
-            <a:solidFill>
-              <a:schemeClr val="tx1">
-                <a:lumMod val="95000"/>
-                <a:lumOff val="5000"/>
-              </a:schemeClr>
-            </a:solidFill>
-          </a:ln>
-        </p:spPr>
-        <p:style>
-          <a:lnRef idx="2">
-            <a:schemeClr val="accent1">
-              <a:shade val="50000"/>
-            </a:schemeClr>
-          </a:lnRef>
-          <a:fillRef idx="1">
-            <a:schemeClr val="accent1"/>
-          </a:fillRef>
-          <a:effectRef idx="0">
-            <a:schemeClr val="accent1"/>
-          </a:effectRef>
-          <a:fontRef idx="minor">
-            <a:schemeClr val="lt1"/>
-          </a:fontRef>
-        </p:style>
-        <p:txBody>
-          <a:bodyPr rtlCol="0" anchor="ctr"/>
-          <a:lstStyle/>
-          <a:p>
-            <a:pPr algn="ctr"/>
-            <a:r>
-              <a:rPr lang="fr-FR" dirty="0"/>
-              <a:t>Logo</a:t>
-            </a:r>
-          </a:p>
-        </p:txBody>
-      </p:sp>
-      <p:grpSp>
-        <p:nvGrpSpPr>
-          <p:cNvPr id="22" name="Groupe 21">
-            <a:extLst>
-              <a:ext uri="{FF2B5EF4-FFF2-40B4-BE49-F238E27FC236}">
-                <a16:creationId xmlns:a16="http://schemas.microsoft.com/office/drawing/2014/main" id="{CB0D53EB-1574-83B6-2A4A-F0F59DDC58A2}"/>
-              </a:ext>
-            </a:extLst>
-          </p:cNvPr>
-          <p:cNvGrpSpPr/>
-          <p:nvPr/>
-        </p:nvGrpSpPr>
-        <p:grpSpPr>
-          <a:xfrm>
-            <a:off x="8816218" y="856299"/>
-            <a:ext cx="738230" cy="661746"/>
-            <a:chOff x="100668" y="125820"/>
-            <a:chExt cx="1602297" cy="661746"/>
-          </a:xfrm>
-        </p:grpSpPr>
-        <p:cxnSp>
-          <p:nvCxnSpPr>
-            <p:cNvPr id="24" name="Connecteur droit 23">
-              <a:extLst>
-                <a:ext uri="{FF2B5EF4-FFF2-40B4-BE49-F238E27FC236}">
-                  <a16:creationId xmlns:a16="http://schemas.microsoft.com/office/drawing/2014/main" id="{82C97F8F-7189-9D03-A0B2-0611BEAD6B4A}"/>
-                </a:ext>
-              </a:extLst>
-            </p:cNvPr>
-            <p:cNvCxnSpPr/>
-            <p:nvPr/>
-          </p:nvCxnSpPr>
-          <p:spPr>
-            <a:xfrm>
-              <a:off x="100668" y="125820"/>
-              <a:ext cx="1602297" cy="661746"/>
-            </a:xfrm>
-            <a:prstGeom prst="line">
-              <a:avLst/>
-            </a:prstGeom>
-          </p:spPr>
-          <p:style>
-            <a:lnRef idx="1">
-              <a:schemeClr val="dk1"/>
-            </a:lnRef>
-            <a:fillRef idx="0">
-              <a:schemeClr val="dk1"/>
-            </a:fillRef>
-            <a:effectRef idx="0">
-              <a:schemeClr val="dk1"/>
-            </a:effectRef>
-            <a:fontRef idx="minor">
-              <a:schemeClr val="tx1"/>
-            </a:fontRef>
-          </p:style>
-        </p:cxnSp>
-        <p:cxnSp>
-          <p:nvCxnSpPr>
-            <p:cNvPr id="31" name="Connecteur droit 30">
-              <a:extLst>
-                <a:ext uri="{FF2B5EF4-FFF2-40B4-BE49-F238E27FC236}">
-                  <a16:creationId xmlns:a16="http://schemas.microsoft.com/office/drawing/2014/main" id="{BBCF17DA-C221-03B8-BFAD-67A63A376D1E}"/>
-                </a:ext>
-              </a:extLst>
-            </p:cNvPr>
-            <p:cNvCxnSpPr>
-              <a:cxnSpLocks/>
-            </p:cNvCxnSpPr>
-            <p:nvPr/>
-          </p:nvCxnSpPr>
-          <p:spPr>
-            <a:xfrm flipV="1">
-              <a:off x="109122" y="125820"/>
-              <a:ext cx="1593843" cy="661746"/>
-            </a:xfrm>
-            <a:prstGeom prst="line">
-              <a:avLst/>
-            </a:prstGeom>
-          </p:spPr>
-          <p:style>
-            <a:lnRef idx="1">
-              <a:schemeClr val="dk1"/>
-            </a:lnRef>
-            <a:fillRef idx="0">
-              <a:schemeClr val="dk1"/>
-            </a:fillRef>
-            <a:effectRef idx="0">
-              <a:schemeClr val="dk1"/>
-            </a:effectRef>
-            <a:fontRef idx="minor">
-              <a:schemeClr val="tx1"/>
-            </a:fontRef>
-          </p:style>
-        </p:cxnSp>
-      </p:grpSp>
-      <p:sp>
-        <p:nvSpPr>
-          <p:cNvPr id="35" name="Rectangle 34">
-            <a:extLst>
-              <a:ext uri="{FF2B5EF4-FFF2-40B4-BE49-F238E27FC236}">
-                <a16:creationId xmlns:a16="http://schemas.microsoft.com/office/drawing/2014/main" id="{3CE9242C-B442-4937-DC6B-1069E8B746F0}"/>
-              </a:ext>
-            </a:extLst>
-          </p:cNvPr>
-          <p:cNvSpPr/>
-          <p:nvPr/>
-        </p:nvSpPr>
-        <p:spPr>
-          <a:xfrm>
-            <a:off x="5211167" y="854663"/>
-            <a:ext cx="730500" cy="661745"/>
-          </a:xfrm>
-          <a:prstGeom prst="rect">
-            <a:avLst/>
-          </a:prstGeom>
-          <a:solidFill>
-            <a:schemeClr val="bg1"/>
-          </a:solidFill>
-          <a:ln>
-            <a:solidFill>
-              <a:schemeClr val="tx1">
-                <a:lumMod val="95000"/>
-                <a:lumOff val="5000"/>
-              </a:schemeClr>
-            </a:solidFill>
-          </a:ln>
-        </p:spPr>
-        <p:style>
-          <a:lnRef idx="2">
-            <a:schemeClr val="accent1">
-              <a:shade val="50000"/>
-            </a:schemeClr>
-          </a:lnRef>
-          <a:fillRef idx="1">
-            <a:schemeClr val="accent1"/>
-          </a:fillRef>
-          <a:effectRef idx="0">
-            <a:schemeClr val="accent1"/>
-          </a:effectRef>
-          <a:fontRef idx="minor">
-            <a:schemeClr val="lt1"/>
-          </a:fontRef>
-        </p:style>
-        <p:txBody>
-          <a:bodyPr rtlCol="0" anchor="ctr"/>
-          <a:lstStyle/>
-          <a:p>
-            <a:pPr algn="ctr"/>
-            <a:r>
-              <a:rPr lang="fr-FR" dirty="0"/>
-              <a:t>Logo</a:t>
-            </a:r>
-          </a:p>
-        </p:txBody>
-      </p:sp>
-      <p:grpSp>
-        <p:nvGrpSpPr>
-          <p:cNvPr id="36" name="Groupe 35">
-            <a:extLst>
-              <a:ext uri="{FF2B5EF4-FFF2-40B4-BE49-F238E27FC236}">
-                <a16:creationId xmlns:a16="http://schemas.microsoft.com/office/drawing/2014/main" id="{BB080950-EDFC-74D9-93D2-6F9FF3DEAB9A}"/>
-              </a:ext>
-            </a:extLst>
-          </p:cNvPr>
-          <p:cNvGrpSpPr/>
-          <p:nvPr/>
-        </p:nvGrpSpPr>
-        <p:grpSpPr>
-          <a:xfrm>
-            <a:off x="5202714" y="854662"/>
-            <a:ext cx="738230" cy="661746"/>
-            <a:chOff x="100668" y="125820"/>
-            <a:chExt cx="1602297" cy="661746"/>
-          </a:xfrm>
-        </p:grpSpPr>
-        <p:cxnSp>
-          <p:nvCxnSpPr>
-            <p:cNvPr id="37" name="Connecteur droit 36">
-              <a:extLst>
-                <a:ext uri="{FF2B5EF4-FFF2-40B4-BE49-F238E27FC236}">
-                  <a16:creationId xmlns:a16="http://schemas.microsoft.com/office/drawing/2014/main" id="{5A5B7BC3-FAC6-8EDF-46AA-D7B5BE33ADB3}"/>
-                </a:ext>
-              </a:extLst>
-            </p:cNvPr>
-            <p:cNvCxnSpPr/>
-            <p:nvPr/>
-          </p:nvCxnSpPr>
-          <p:spPr>
-            <a:xfrm>
-              <a:off x="100668" y="125820"/>
-              <a:ext cx="1602297" cy="661746"/>
-            </a:xfrm>
-            <a:prstGeom prst="line">
-              <a:avLst/>
-            </a:prstGeom>
-          </p:spPr>
-          <p:style>
-            <a:lnRef idx="1">
-              <a:schemeClr val="dk1"/>
-            </a:lnRef>
-            <a:fillRef idx="0">
-              <a:schemeClr val="dk1"/>
-            </a:fillRef>
-            <a:effectRef idx="0">
-              <a:schemeClr val="dk1"/>
-            </a:effectRef>
-            <a:fontRef idx="minor">
-              <a:schemeClr val="tx1"/>
-            </a:fontRef>
-          </p:style>
-        </p:cxnSp>
-        <p:cxnSp>
-          <p:nvCxnSpPr>
-            <p:cNvPr id="38" name="Connecteur droit 37">
-              <a:extLst>
-                <a:ext uri="{FF2B5EF4-FFF2-40B4-BE49-F238E27FC236}">
-                  <a16:creationId xmlns:a16="http://schemas.microsoft.com/office/drawing/2014/main" id="{4C48777A-6662-3DBA-04C2-7405D10CAB97}"/>
-                </a:ext>
-              </a:extLst>
-            </p:cNvPr>
-            <p:cNvCxnSpPr>
-              <a:cxnSpLocks/>
-            </p:cNvCxnSpPr>
-            <p:nvPr/>
-          </p:nvCxnSpPr>
-          <p:spPr>
-            <a:xfrm flipV="1">
-              <a:off x="109122" y="125820"/>
-              <a:ext cx="1593843" cy="661746"/>
-            </a:xfrm>
-            <a:prstGeom prst="line">
-              <a:avLst/>
-            </a:prstGeom>
-          </p:spPr>
-          <p:style>
-            <a:lnRef idx="1">
-              <a:schemeClr val="dk1"/>
-            </a:lnRef>
-            <a:fillRef idx="0">
-              <a:schemeClr val="dk1"/>
-            </a:fillRef>
-            <a:effectRef idx="0">
-              <a:schemeClr val="dk1"/>
-            </a:effectRef>
-            <a:fontRef idx="minor">
-              <a:schemeClr val="tx1"/>
-            </a:fontRef>
-          </p:style>
-        </p:cxnSp>
-      </p:grpSp>
-      <p:sp>
-        <p:nvSpPr>
-          <p:cNvPr id="43" name="Rectangle 42">
-            <a:extLst>
-              <a:ext uri="{FF2B5EF4-FFF2-40B4-BE49-F238E27FC236}">
-                <a16:creationId xmlns:a16="http://schemas.microsoft.com/office/drawing/2014/main" id="{3E49A689-6FC3-015B-AA45-9C958EC42EE1}"/>
-              </a:ext>
-            </a:extLst>
-          </p:cNvPr>
-          <p:cNvSpPr/>
-          <p:nvPr/>
-        </p:nvSpPr>
-        <p:spPr>
-          <a:xfrm>
-            <a:off x="5374630" y="1741578"/>
-            <a:ext cx="2259478" cy="2746531"/>
-          </a:xfrm>
-          <a:prstGeom prst="rect">
-            <a:avLst/>
-          </a:prstGeom>
-          <a:solidFill>
-            <a:schemeClr val="bg1">
-              <a:lumMod val="50000"/>
-            </a:schemeClr>
-          </a:solidFill>
-          <a:ln>
-            <a:solidFill>
-              <a:schemeClr val="tx1">
-                <a:lumMod val="95000"/>
-                <a:lumOff val="5000"/>
-              </a:schemeClr>
-            </a:solidFill>
-          </a:ln>
-        </p:spPr>
-        <p:style>
-          <a:lnRef idx="2">
-            <a:schemeClr val="accent1">
-              <a:shade val="50000"/>
-            </a:schemeClr>
-          </a:lnRef>
-          <a:fillRef idx="1">
-            <a:schemeClr val="accent1"/>
-          </a:fillRef>
-          <a:effectRef idx="0">
-            <a:schemeClr val="accent1"/>
-          </a:effectRef>
-          <a:fontRef idx="minor">
-            <a:schemeClr val="lt1"/>
-          </a:fontRef>
-        </p:style>
-        <p:txBody>
-          <a:bodyPr rtlCol="0" anchor="ctr"/>
-          <a:lstStyle/>
-          <a:p>
-            <a:pPr algn="ctr"/>
-            <a:endParaRPr lang="fr-FR" dirty="0"/>
-          </a:p>
-          <a:p>
-            <a:pPr algn="ctr"/>
-            <a:endParaRPr lang="fr-FR" dirty="0"/>
-          </a:p>
-          <a:p>
-            <a:pPr algn="ctr"/>
-            <a:r>
-              <a:rPr lang="fr-FR" dirty="0"/>
-              <a:t>Véhicule</a:t>
-            </a:r>
-          </a:p>
-          <a:p>
-            <a:pPr algn="ctr"/>
-            <a:endParaRPr lang="fr-FR" dirty="0"/>
-          </a:p>
-          <a:p>
-            <a:pPr algn="ctr"/>
-            <a:endParaRPr lang="fr-FR" dirty="0"/>
-          </a:p>
-          <a:p>
-            <a:pPr algn="ctr"/>
-            <a:endParaRPr lang="fr-FR" dirty="0"/>
-          </a:p>
-          <a:p>
-            <a:r>
-              <a:rPr lang="fr-FR" dirty="0"/>
-              <a:t>            Véhicule</a:t>
-            </a:r>
-          </a:p>
-          <a:p>
-            <a:endParaRPr lang="fr-FR" sz="1400" i="1" dirty="0"/>
-          </a:p>
-          <a:p>
-            <a:r>
-              <a:rPr lang="fr-FR" sz="1400" i="1" dirty="0"/>
-              <a:t>Prix : 10 000€ </a:t>
-            </a:r>
-          </a:p>
-          <a:p>
-            <a:r>
-              <a:rPr lang="fr-FR" sz="1400" i="1" dirty="0"/>
-              <a:t>Année : 2005</a:t>
-            </a:r>
-          </a:p>
-          <a:p>
-            <a:r>
-              <a:rPr lang="fr-FR" sz="1400" i="1" dirty="0"/>
-              <a:t>Kilométrage : 1 000 km</a:t>
-            </a:r>
-            <a:endParaRPr lang="fr-FR" dirty="0"/>
-          </a:p>
-          <a:p>
-            <a:pPr algn="ctr"/>
-            <a:endParaRPr lang="fr-FR" dirty="0"/>
-          </a:p>
-          <a:p>
-            <a:pPr algn="ctr"/>
-            <a:endParaRPr lang="fr-FR" dirty="0"/>
-          </a:p>
-        </p:txBody>
-      </p:sp>
-      <p:sp>
-        <p:nvSpPr>
-          <p:cNvPr id="44" name="Rectangle 43">
-            <a:extLst>
-              <a:ext uri="{FF2B5EF4-FFF2-40B4-BE49-F238E27FC236}">
-                <a16:creationId xmlns:a16="http://schemas.microsoft.com/office/drawing/2014/main" id="{C33A566E-2296-65B6-DA03-0FF18CB3F8FD}"/>
-              </a:ext>
-            </a:extLst>
-          </p:cNvPr>
-          <p:cNvSpPr/>
-          <p:nvPr/>
-        </p:nvSpPr>
-        <p:spPr>
-          <a:xfrm>
-            <a:off x="5383084" y="1737545"/>
-            <a:ext cx="2259478" cy="1299270"/>
-          </a:xfrm>
-          <a:prstGeom prst="rect">
-            <a:avLst/>
-          </a:prstGeom>
-          <a:solidFill>
-            <a:schemeClr val="bg1"/>
-          </a:solidFill>
-          <a:ln>
-            <a:solidFill>
-              <a:schemeClr val="tx1">
-                <a:lumMod val="95000"/>
-                <a:lumOff val="5000"/>
-              </a:schemeClr>
-            </a:solidFill>
-          </a:ln>
-        </p:spPr>
-        <p:style>
-          <a:lnRef idx="2">
-            <a:schemeClr val="accent1">
-              <a:shade val="50000"/>
-            </a:schemeClr>
-          </a:lnRef>
-          <a:fillRef idx="1">
-            <a:schemeClr val="accent1"/>
-          </a:fillRef>
-          <a:effectRef idx="0">
-            <a:schemeClr val="accent1"/>
-          </a:effectRef>
-          <a:fontRef idx="minor">
-            <a:schemeClr val="lt1"/>
-          </a:fontRef>
-        </p:style>
-        <p:txBody>
-          <a:bodyPr rtlCol="0" anchor="ctr"/>
-          <a:lstStyle/>
-          <a:p>
-            <a:pPr algn="ctr"/>
-            <a:r>
-              <a:rPr lang="fr-FR" dirty="0"/>
-              <a:t>Logo</a:t>
-            </a:r>
-          </a:p>
-        </p:txBody>
-      </p:sp>
-      <p:grpSp>
-        <p:nvGrpSpPr>
-          <p:cNvPr id="45" name="Groupe 44">
-            <a:extLst>
-              <a:ext uri="{FF2B5EF4-FFF2-40B4-BE49-F238E27FC236}">
-                <a16:creationId xmlns:a16="http://schemas.microsoft.com/office/drawing/2014/main" id="{A9C32322-BDD0-7597-4B89-4C55B1325E45}"/>
-              </a:ext>
-            </a:extLst>
-          </p:cNvPr>
-          <p:cNvGrpSpPr/>
-          <p:nvPr/>
-        </p:nvGrpSpPr>
-        <p:grpSpPr>
-          <a:xfrm>
-            <a:off x="5374630" y="1737544"/>
-            <a:ext cx="2283386" cy="1299272"/>
-            <a:chOff x="100668" y="125820"/>
-            <a:chExt cx="1602297" cy="661746"/>
-          </a:xfrm>
-        </p:grpSpPr>
-        <p:cxnSp>
-          <p:nvCxnSpPr>
-            <p:cNvPr id="46" name="Connecteur droit 45">
-              <a:extLst>
-                <a:ext uri="{FF2B5EF4-FFF2-40B4-BE49-F238E27FC236}">
-                  <a16:creationId xmlns:a16="http://schemas.microsoft.com/office/drawing/2014/main" id="{55352F99-6566-70BA-06B7-EBF812AFDE88}"/>
-                </a:ext>
-              </a:extLst>
-            </p:cNvPr>
-            <p:cNvCxnSpPr/>
-            <p:nvPr/>
-          </p:nvCxnSpPr>
-          <p:spPr>
-            <a:xfrm>
-              <a:off x="100668" y="125820"/>
-              <a:ext cx="1602297" cy="661746"/>
-            </a:xfrm>
-            <a:prstGeom prst="line">
-              <a:avLst/>
-            </a:prstGeom>
-          </p:spPr>
-          <p:style>
-            <a:lnRef idx="1">
-              <a:schemeClr val="dk1"/>
-            </a:lnRef>
-            <a:fillRef idx="0">
-              <a:schemeClr val="dk1"/>
-            </a:fillRef>
-            <a:effectRef idx="0">
-              <a:schemeClr val="dk1"/>
-            </a:effectRef>
-            <a:fontRef idx="minor">
-              <a:schemeClr val="tx1"/>
-            </a:fontRef>
-          </p:style>
-        </p:cxnSp>
-        <p:cxnSp>
-          <p:nvCxnSpPr>
-            <p:cNvPr id="47" name="Connecteur droit 46">
-              <a:extLst>
-                <a:ext uri="{FF2B5EF4-FFF2-40B4-BE49-F238E27FC236}">
-                  <a16:creationId xmlns:a16="http://schemas.microsoft.com/office/drawing/2014/main" id="{0F099F3F-1243-C1D6-6B90-713A1C5671A3}"/>
-                </a:ext>
-              </a:extLst>
-            </p:cNvPr>
-            <p:cNvCxnSpPr>
-              <a:cxnSpLocks/>
-            </p:cNvCxnSpPr>
-            <p:nvPr/>
-          </p:nvCxnSpPr>
-          <p:spPr>
-            <a:xfrm flipV="1">
-              <a:off x="109122" y="125820"/>
-              <a:ext cx="1593843" cy="661746"/>
-            </a:xfrm>
-            <a:prstGeom prst="line">
-              <a:avLst/>
-            </a:prstGeom>
-          </p:spPr>
-          <p:style>
-            <a:lnRef idx="1">
-              <a:schemeClr val="dk1"/>
-            </a:lnRef>
-            <a:fillRef idx="0">
-              <a:schemeClr val="dk1"/>
-            </a:fillRef>
-            <a:effectRef idx="0">
-              <a:schemeClr val="dk1"/>
-            </a:effectRef>
-            <a:fontRef idx="minor">
-              <a:schemeClr val="tx1"/>
-            </a:fontRef>
-          </p:style>
-        </p:cxnSp>
-      </p:grpSp>
-      <p:sp>
-        <p:nvSpPr>
-          <p:cNvPr id="48" name="Rectangle 47">
-            <a:extLst>
-              <a:ext uri="{FF2B5EF4-FFF2-40B4-BE49-F238E27FC236}">
-                <a16:creationId xmlns:a16="http://schemas.microsoft.com/office/drawing/2014/main" id="{2BA28FB1-C1B0-493A-F6A1-07B508A6F8DE}"/>
-              </a:ext>
-            </a:extLst>
-          </p:cNvPr>
-          <p:cNvSpPr/>
-          <p:nvPr/>
-        </p:nvSpPr>
-        <p:spPr>
-          <a:xfrm>
-            <a:off x="8806770" y="1713300"/>
-            <a:ext cx="2607216" cy="1320956"/>
-          </a:xfrm>
-          <a:prstGeom prst="rect">
-            <a:avLst/>
-          </a:prstGeom>
-          <a:solidFill>
-            <a:schemeClr val="bg1"/>
-          </a:solidFill>
-          <a:ln>
-            <a:solidFill>
-              <a:schemeClr val="tx1">
-                <a:lumMod val="95000"/>
-                <a:lumOff val="5000"/>
-              </a:schemeClr>
-            </a:solidFill>
-          </a:ln>
-        </p:spPr>
-        <p:style>
-          <a:lnRef idx="2">
-            <a:schemeClr val="accent1">
-              <a:shade val="50000"/>
-            </a:schemeClr>
-          </a:lnRef>
-          <a:fillRef idx="1">
-            <a:schemeClr val="accent1"/>
-          </a:fillRef>
-          <a:effectRef idx="0">
-            <a:schemeClr val="accent1"/>
-          </a:effectRef>
-          <a:fontRef idx="minor">
-            <a:schemeClr val="lt1"/>
-          </a:fontRef>
-        </p:style>
-        <p:txBody>
-          <a:bodyPr rtlCol="0" anchor="ctr"/>
-          <a:lstStyle/>
-          <a:p>
-            <a:pPr algn="ctr"/>
-            <a:r>
-              <a:rPr lang="fr-FR" dirty="0"/>
-              <a:t>Logo</a:t>
-            </a:r>
-          </a:p>
-        </p:txBody>
-      </p:sp>
-      <p:grpSp>
-        <p:nvGrpSpPr>
-          <p:cNvPr id="49" name="Groupe 48">
-            <a:extLst>
-              <a:ext uri="{FF2B5EF4-FFF2-40B4-BE49-F238E27FC236}">
-                <a16:creationId xmlns:a16="http://schemas.microsoft.com/office/drawing/2014/main" id="{729369CD-8A66-611B-7105-97AB2F7954B8}"/>
-              </a:ext>
-            </a:extLst>
-          </p:cNvPr>
-          <p:cNvGrpSpPr/>
-          <p:nvPr/>
-        </p:nvGrpSpPr>
-        <p:grpSpPr>
-          <a:xfrm>
-            <a:off x="8811264" y="1703119"/>
-            <a:ext cx="2634805" cy="1320958"/>
-            <a:chOff x="100668" y="125820"/>
-            <a:chExt cx="1602297" cy="661746"/>
-          </a:xfrm>
-        </p:grpSpPr>
-        <p:cxnSp>
-          <p:nvCxnSpPr>
-            <p:cNvPr id="50" name="Connecteur droit 49">
-              <a:extLst>
-                <a:ext uri="{FF2B5EF4-FFF2-40B4-BE49-F238E27FC236}">
-                  <a16:creationId xmlns:a16="http://schemas.microsoft.com/office/drawing/2014/main" id="{B79E6EA3-48CC-AF50-135D-234079CAEF19}"/>
-                </a:ext>
-              </a:extLst>
-            </p:cNvPr>
-            <p:cNvCxnSpPr/>
-            <p:nvPr/>
-          </p:nvCxnSpPr>
-          <p:spPr>
-            <a:xfrm>
-              <a:off x="100668" y="125820"/>
-              <a:ext cx="1602297" cy="661746"/>
-            </a:xfrm>
-            <a:prstGeom prst="line">
-              <a:avLst/>
-            </a:prstGeom>
-          </p:spPr>
-          <p:style>
-            <a:lnRef idx="1">
-              <a:schemeClr val="dk1"/>
-            </a:lnRef>
-            <a:fillRef idx="0">
-              <a:schemeClr val="dk1"/>
-            </a:fillRef>
-            <a:effectRef idx="0">
-              <a:schemeClr val="dk1"/>
-            </a:effectRef>
-            <a:fontRef idx="minor">
-              <a:schemeClr val="tx1"/>
-            </a:fontRef>
-          </p:style>
-        </p:cxnSp>
-        <p:cxnSp>
-          <p:nvCxnSpPr>
-            <p:cNvPr id="51" name="Connecteur droit 50">
-              <a:extLst>
-                <a:ext uri="{FF2B5EF4-FFF2-40B4-BE49-F238E27FC236}">
-                  <a16:creationId xmlns:a16="http://schemas.microsoft.com/office/drawing/2014/main" id="{0281CCF2-9B89-7331-FCDF-4777B2944A85}"/>
-                </a:ext>
-              </a:extLst>
-            </p:cNvPr>
-            <p:cNvCxnSpPr>
-              <a:cxnSpLocks/>
-            </p:cNvCxnSpPr>
-            <p:nvPr/>
-          </p:nvCxnSpPr>
-          <p:spPr>
-            <a:xfrm flipV="1">
-              <a:off x="109122" y="125820"/>
-              <a:ext cx="1593843" cy="661746"/>
-            </a:xfrm>
-            <a:prstGeom prst="line">
-              <a:avLst/>
-            </a:prstGeom>
-          </p:spPr>
-          <p:style>
-            <a:lnRef idx="1">
-              <a:schemeClr val="dk1"/>
-            </a:lnRef>
-            <a:fillRef idx="0">
-              <a:schemeClr val="dk1"/>
-            </a:fillRef>
-            <a:effectRef idx="0">
-              <a:schemeClr val="dk1"/>
-            </a:effectRef>
-            <a:fontRef idx="minor">
-              <a:schemeClr val="tx1"/>
-            </a:fontRef>
-          </p:style>
-        </p:cxnSp>
-      </p:grpSp>
-    </p:spTree>
-    <p:extLst>
-      <p:ext uri="{BB962C8B-B14F-4D97-AF65-F5344CB8AC3E}">
-        <p14:creationId xmlns:p14="http://schemas.microsoft.com/office/powerpoint/2010/main" val="3943588765"/>
       </p:ext>
     </p:extLst>
   </p:cSld>
